--- a/Term2/Presentation/Trends in electricity production vs. Economic growth.pptx
+++ b/Term2/Presentation/Trends in electricity production vs. Economic growth.pptx
@@ -1,45 +1,45 @@
 
 <file path=ppt/presentation.xml><?xml version="1.0" encoding="utf-8"?>
-<p:presentation xmlns:a="http://schemas.openxmlformats.org/drawingml/2006/main" xmlns:r="http://schemas.openxmlformats.org/officeDocument/2006/relationships" xmlns:mc="http://schemas.openxmlformats.org/markup-compatibility/2006" xmlns:mv="urn:schemas-microsoft-com:mac:vml" xmlns:p="http://schemas.openxmlformats.org/presentationml/2006/main" xmlns:c="http://schemas.openxmlformats.org/drawingml/2006/chart" xmlns:dgm="http://schemas.openxmlformats.org/drawingml/2006/diagram" xmlns:o="urn:schemas-microsoft-com:office:office" xmlns:v="urn:schemas-microsoft-com:vml" xmlns:pvml="urn:schemas-microsoft-com:office:powerpoint" xmlns:com="http://schemas.openxmlformats.org/drawingml/2006/compatibility" xmlns:p14="http://schemas.microsoft.com/office/powerpoint/2010/main" xmlns:p15="http://schemas.microsoft.com/office/powerpoint/2012/main" xmlns:ahyp="http://schemas.microsoft.com/office/drawing/2018/hyperlinkcolor" autoCompressPictures="0" embedTrueTypeFonts="1" strictFirstAndLastChars="0" saveSubsetFonts="1">
+<p:presentation xmlns:a="http://schemas.openxmlformats.org/drawingml/2006/main" xmlns:r="http://schemas.openxmlformats.org/officeDocument/2006/relationships" xmlns:p="http://schemas.openxmlformats.org/presentationml/2006/main" strictFirstAndLastChars="0" embedTrueTypeFonts="1" saveSubsetFonts="1" autoCompressPictures="0">
   <p:sldMasterIdLst>
-    <p:sldMasterId id="2147483659" r:id="rId4"/>
+    <p:sldMasterId id="2147483659" r:id="rId1"/>
   </p:sldMasterIdLst>
   <p:notesMasterIdLst>
-    <p:notesMasterId r:id="rId5"/>
+    <p:notesMasterId r:id="rId13"/>
   </p:notesMasterIdLst>
   <p:sldIdLst>
-    <p:sldId id="256" r:id="rId6"/>
-    <p:sldId id="257" r:id="rId7"/>
-    <p:sldId id="258" r:id="rId8"/>
-    <p:sldId id="259" r:id="rId9"/>
-    <p:sldId id="260" r:id="rId10"/>
-    <p:sldId id="261" r:id="rId11"/>
-    <p:sldId id="262" r:id="rId12"/>
-    <p:sldId id="263" r:id="rId13"/>
-    <p:sldId id="264" r:id="rId14"/>
-    <p:sldId id="265" r:id="rId15"/>
-    <p:sldId id="266" r:id="rId16"/>
+    <p:sldId id="256" r:id="rId2"/>
+    <p:sldId id="257" r:id="rId3"/>
+    <p:sldId id="258" r:id="rId4"/>
+    <p:sldId id="259" r:id="rId5"/>
+    <p:sldId id="260" r:id="rId6"/>
+    <p:sldId id="261" r:id="rId7"/>
+    <p:sldId id="262" r:id="rId8"/>
+    <p:sldId id="263" r:id="rId9"/>
+    <p:sldId id="264" r:id="rId10"/>
+    <p:sldId id="265" r:id="rId11"/>
+    <p:sldId id="266" r:id="rId12"/>
   </p:sldIdLst>
-  <p:sldSz cy="5143500" cx="9144000"/>
+  <p:sldSz cx="9144000" cy="5143500" type="screen16x9"/>
   <p:notesSz cx="6858000" cy="9144000"/>
   <p:embeddedFontLst>
     <p:embeddedFont>
-      <p:font typeface="Roboto"/>
-      <p:regular r:id="rId17"/>
-      <p:bold r:id="rId18"/>
-      <p:italic r:id="rId19"/>
-      <p:boldItalic r:id="rId20"/>
+      <p:font typeface="Merriweather" pitchFamily="2" charset="77"/>
+      <p:regular r:id="rId14"/>
+      <p:bold r:id="rId15"/>
+      <p:italic r:id="rId16"/>
+      <p:boldItalic r:id="rId17"/>
     </p:embeddedFont>
     <p:embeddedFont>
-      <p:font typeface="Merriweather"/>
-      <p:regular r:id="rId21"/>
-      <p:bold r:id="rId22"/>
-      <p:italic r:id="rId23"/>
-      <p:boldItalic r:id="rId24"/>
+      <p:font typeface="Roboto" panose="02000000000000000000" pitchFamily="2" charset="0"/>
+      <p:regular r:id="rId18"/>
+      <p:bold r:id="rId19"/>
+      <p:italic r:id="rId20"/>
+      <p:boldItalic r:id="rId21"/>
     </p:embeddedFont>
   </p:embeddedFontLst>
   <p:defaultTextStyle>
-    <a:defPPr lvl="0" marR="0" rtl="0" algn="l">
+    <a:defPPr marR="0" lvl="0" algn="l" rtl="0">
       <a:lnSpc>
         <a:spcPct val="100000"/>
       </a:lnSpc>
@@ -50,7 +50,7 @@
         <a:spcPts val="0"/>
       </a:spcAft>
     </a:defPPr>
-    <a:lvl1pPr lvl="0" marR="0" rtl="0" algn="l">
+    <a:lvl1pPr marR="0" lvl="0" algn="l" rtl="0">
       <a:lnSpc>
         <a:spcPct val="100000"/>
       </a:lnSpc>
@@ -64,7 +64,7 @@
         <a:srgbClr val="000000"/>
       </a:buClr>
       <a:buFont typeface="Arial"/>
-      <a:defRPr b="0" i="0" sz="1400" u="none" cap="none" strike="noStrike">
+      <a:defRPr sz="1400" b="0" i="0" u="none" strike="noStrike" cap="none">
         <a:solidFill>
           <a:srgbClr val="000000"/>
         </a:solidFill>
@@ -74,7 +74,7 @@
         <a:sym typeface="Arial"/>
       </a:defRPr>
     </a:lvl1pPr>
-    <a:lvl2pPr lvl="1" marR="0" rtl="0" algn="l">
+    <a:lvl2pPr marR="0" lvl="1" algn="l" rtl="0">
       <a:lnSpc>
         <a:spcPct val="100000"/>
       </a:lnSpc>
@@ -88,7 +88,7 @@
         <a:srgbClr val="000000"/>
       </a:buClr>
       <a:buFont typeface="Arial"/>
-      <a:defRPr b="0" i="0" sz="1400" u="none" cap="none" strike="noStrike">
+      <a:defRPr sz="1400" b="0" i="0" u="none" strike="noStrike" cap="none">
         <a:solidFill>
           <a:srgbClr val="000000"/>
         </a:solidFill>
@@ -98,7 +98,7 @@
         <a:sym typeface="Arial"/>
       </a:defRPr>
     </a:lvl2pPr>
-    <a:lvl3pPr lvl="2" marR="0" rtl="0" algn="l">
+    <a:lvl3pPr marR="0" lvl="2" algn="l" rtl="0">
       <a:lnSpc>
         <a:spcPct val="100000"/>
       </a:lnSpc>
@@ -112,7 +112,7 @@
         <a:srgbClr val="000000"/>
       </a:buClr>
       <a:buFont typeface="Arial"/>
-      <a:defRPr b="0" i="0" sz="1400" u="none" cap="none" strike="noStrike">
+      <a:defRPr sz="1400" b="0" i="0" u="none" strike="noStrike" cap="none">
         <a:solidFill>
           <a:srgbClr val="000000"/>
         </a:solidFill>
@@ -122,7 +122,7 @@
         <a:sym typeface="Arial"/>
       </a:defRPr>
     </a:lvl3pPr>
-    <a:lvl4pPr lvl="3" marR="0" rtl="0" algn="l">
+    <a:lvl4pPr marR="0" lvl="3" algn="l" rtl="0">
       <a:lnSpc>
         <a:spcPct val="100000"/>
       </a:lnSpc>
@@ -136,7 +136,7 @@
         <a:srgbClr val="000000"/>
       </a:buClr>
       <a:buFont typeface="Arial"/>
-      <a:defRPr b="0" i="0" sz="1400" u="none" cap="none" strike="noStrike">
+      <a:defRPr sz="1400" b="0" i="0" u="none" strike="noStrike" cap="none">
         <a:solidFill>
           <a:srgbClr val="000000"/>
         </a:solidFill>
@@ -146,7 +146,7 @@
         <a:sym typeface="Arial"/>
       </a:defRPr>
     </a:lvl4pPr>
-    <a:lvl5pPr lvl="4" marR="0" rtl="0" algn="l">
+    <a:lvl5pPr marR="0" lvl="4" algn="l" rtl="0">
       <a:lnSpc>
         <a:spcPct val="100000"/>
       </a:lnSpc>
@@ -160,7 +160,7 @@
         <a:srgbClr val="000000"/>
       </a:buClr>
       <a:buFont typeface="Arial"/>
-      <a:defRPr b="0" i="0" sz="1400" u="none" cap="none" strike="noStrike">
+      <a:defRPr sz="1400" b="0" i="0" u="none" strike="noStrike" cap="none">
         <a:solidFill>
           <a:srgbClr val="000000"/>
         </a:solidFill>
@@ -170,7 +170,7 @@
         <a:sym typeface="Arial"/>
       </a:defRPr>
     </a:lvl5pPr>
-    <a:lvl6pPr lvl="5" marR="0" rtl="0" algn="l">
+    <a:lvl6pPr marR="0" lvl="5" algn="l" rtl="0">
       <a:lnSpc>
         <a:spcPct val="100000"/>
       </a:lnSpc>
@@ -184,7 +184,7 @@
         <a:srgbClr val="000000"/>
       </a:buClr>
       <a:buFont typeface="Arial"/>
-      <a:defRPr b="0" i="0" sz="1400" u="none" cap="none" strike="noStrike">
+      <a:defRPr sz="1400" b="0" i="0" u="none" strike="noStrike" cap="none">
         <a:solidFill>
           <a:srgbClr val="000000"/>
         </a:solidFill>
@@ -194,7 +194,7 @@
         <a:sym typeface="Arial"/>
       </a:defRPr>
     </a:lvl6pPr>
-    <a:lvl7pPr lvl="6" marR="0" rtl="0" algn="l">
+    <a:lvl7pPr marR="0" lvl="6" algn="l" rtl="0">
       <a:lnSpc>
         <a:spcPct val="100000"/>
       </a:lnSpc>
@@ -208,7 +208,7 @@
         <a:srgbClr val="000000"/>
       </a:buClr>
       <a:buFont typeface="Arial"/>
-      <a:defRPr b="0" i="0" sz="1400" u="none" cap="none" strike="noStrike">
+      <a:defRPr sz="1400" b="0" i="0" u="none" strike="noStrike" cap="none">
         <a:solidFill>
           <a:srgbClr val="000000"/>
         </a:solidFill>
@@ -218,7 +218,7 @@
         <a:sym typeface="Arial"/>
       </a:defRPr>
     </a:lvl7pPr>
-    <a:lvl8pPr lvl="7" marR="0" rtl="0" algn="l">
+    <a:lvl8pPr marR="0" lvl="7" algn="l" rtl="0">
       <a:lnSpc>
         <a:spcPct val="100000"/>
       </a:lnSpc>
@@ -232,7 +232,7 @@
         <a:srgbClr val="000000"/>
       </a:buClr>
       <a:buFont typeface="Arial"/>
-      <a:defRPr b="0" i="0" sz="1400" u="none" cap="none" strike="noStrike">
+      <a:defRPr sz="1400" b="0" i="0" u="none" strike="noStrike" cap="none">
         <a:solidFill>
           <a:srgbClr val="000000"/>
         </a:solidFill>
@@ -242,7 +242,7 @@
         <a:sym typeface="Arial"/>
       </a:defRPr>
     </a:lvl8pPr>
-    <a:lvl9pPr lvl="8" marR="0" rtl="0" algn="l">
+    <a:lvl9pPr marR="0" lvl="8" algn="l" rtl="0">
       <a:lnSpc>
         <a:spcPct val="100000"/>
       </a:lnSpc>
@@ -256,7 +256,7 @@
         <a:srgbClr val="000000"/>
       </a:buClr>
       <a:buFont typeface="Arial"/>
-      <a:defRPr b="0" i="0" sz="1400" u="none" cap="none" strike="noStrike">
+      <a:defRPr sz="1400" b="0" i="0" u="none" strike="noStrike" cap="none">
         <a:solidFill>
           <a:srgbClr val="000000"/>
         </a:solidFill>
@@ -269,7 +269,7 @@
   </p:defaultTextStyle>
   <p:extLst>
     <p:ext uri="{EFAFB233-063F-42B5-8137-9DF3F51BA10A}">
-      <p15:sldGuideLst>
+      <p15:sldGuideLst xmlns:p15="http://schemas.microsoft.com/office/powerpoint/2012/main">
         <p15:guide id="1" orient="horz" pos="1620">
           <p15:clr>
             <a:srgbClr val="A4A3A4"/>
@@ -287,11 +287,16 @@
 </file>
 
 <file path=ppt/notesMasters/notesMaster1.xml><?xml version="1.0" encoding="utf-8"?>
-<p:notesMaster xmlns:a="http://schemas.openxmlformats.org/drawingml/2006/main" xmlns:r="http://schemas.openxmlformats.org/officeDocument/2006/relationships" xmlns:mc="http://schemas.openxmlformats.org/markup-compatibility/2006" xmlns:mv="urn:schemas-microsoft-com:mac:vml" xmlns:p="http://schemas.openxmlformats.org/presentationml/2006/main" xmlns:c="http://schemas.openxmlformats.org/drawingml/2006/chart" xmlns:dgm="http://schemas.openxmlformats.org/drawingml/2006/diagram" xmlns:o="urn:schemas-microsoft-com:office:office" xmlns:v="urn:schemas-microsoft-com:vml" xmlns:pvml="urn:schemas-microsoft-com:office:powerpoint" xmlns:com="http://schemas.openxmlformats.org/drawingml/2006/compatibility" xmlns:p14="http://schemas.microsoft.com/office/powerpoint/2010/main" xmlns:p15="http://schemas.microsoft.com/office/powerpoint/2012/main" xmlns:ahyp="http://schemas.microsoft.com/office/drawing/2018/hyperlinkcolor">
+<p:notesMaster xmlns:a="http://schemas.openxmlformats.org/drawingml/2006/main" xmlns:r="http://schemas.openxmlformats.org/officeDocument/2006/relationships" xmlns:p="http://schemas.openxmlformats.org/presentationml/2006/main">
   <p:cSld>
+    <p:bg>
+      <p:bgRef idx="1001">
+        <a:schemeClr val="bg1"/>
+      </p:bgRef>
+    </p:bg>
     <p:spTree>
       <p:nvGrpSpPr>
-        <p:cNvPr id="2" name="Shape 2"/>
+        <p:cNvPr id="1" name="Shape 2"/>
         <p:cNvGrpSpPr/>
         <p:nvPr/>
       </p:nvGrpSpPr>
@@ -306,9 +311,11 @@
       <p:sp>
         <p:nvSpPr>
           <p:cNvPr id="3" name="Google Shape;3;n"/>
-          <p:cNvSpPr/>
+          <p:cNvSpPr>
+            <a:spLocks noGrp="1" noRot="1" noChangeAspect="1"/>
+          </p:cNvSpPr>
           <p:nvPr>
-            <p:ph idx="2" type="sldImg"/>
+            <p:ph type="sldImg" idx="2"/>
           </p:nvPr>
         </p:nvSpPr>
         <p:spPr>
@@ -317,9 +324,13 @@
             <a:ext cx="6096075" cy="3429000"/>
           </a:xfrm>
           <a:custGeom>
-            <a:rect b="b" l="l" r="r" t="t"/>
+            <a:avLst/>
+            <a:gdLst/>
+            <a:ahLst/>
+            <a:cxnLst/>
+            <a:rect l="l" t="t" r="r" b="b"/>
             <a:pathLst>
-              <a:path extrusionOk="0" h="120000" w="120000">
+              <a:path w="120000" h="120000" extrusionOk="0">
                 <a:moveTo>
                   <a:pt x="0" y="0"/>
                 </a:moveTo>
@@ -337,23 +348,25 @@
             </a:pathLst>
           </a:custGeom>
           <a:noFill/>
-          <a:ln cap="flat" cmpd="sng" w="9525">
+          <a:ln w="9525" cap="flat" cmpd="sng">
             <a:solidFill>
               <a:srgbClr val="000000"/>
             </a:solidFill>
             <a:prstDash val="solid"/>
             <a:round/>
-            <a:headEnd len="sm" w="sm" type="none"/>
-            <a:tailEnd len="sm" w="sm" type="none"/>
+            <a:headEnd type="none" w="sm" len="sm"/>
+            <a:tailEnd type="none" w="sm" len="sm"/>
           </a:ln>
         </p:spPr>
       </p:sp>
       <p:sp>
         <p:nvSpPr>
           <p:cNvPr id="4" name="Google Shape;4;n"/>
-          <p:cNvSpPr txBox="1"/>
+          <p:cNvSpPr txBox="1">
+            <a:spLocks noGrp="1"/>
+          </p:cNvSpPr>
           <p:nvPr>
-            <p:ph idx="1" type="body"/>
+            <p:ph type="body" idx="1"/>
           </p:nvPr>
         </p:nvSpPr>
         <p:spPr>
@@ -370,11 +383,11 @@
           </a:ln>
         </p:spPr>
         <p:txBody>
-          <a:bodyPr anchorCtr="0" anchor="t" bIns="91425" lIns="91425" spcFirstLastPara="1" rIns="91425" wrap="square" tIns="91425">
+          <a:bodyPr spcFirstLastPara="1" wrap="square" lIns="91425" tIns="91425" rIns="91425" bIns="91425" anchor="t" anchorCtr="0">
             <a:noAutofit/>
           </a:bodyPr>
           <a:lstStyle>
-            <a:lvl1pPr indent="-298450" lvl="0" marL="457200">
+            <a:lvl1pPr marL="457200" lvl="0" indent="-298450">
               <a:spcBef>
                 <a:spcPts val="0"/>
               </a:spcBef>
@@ -385,7 +398,7 @@
               <a:buChar char="●"/>
               <a:defRPr sz="1100"/>
             </a:lvl1pPr>
-            <a:lvl2pPr indent="-298450" lvl="1" marL="914400">
+            <a:lvl2pPr marL="914400" lvl="1" indent="-298450">
               <a:spcBef>
                 <a:spcPts val="0"/>
               </a:spcBef>
@@ -396,7 +409,7 @@
               <a:buChar char="○"/>
               <a:defRPr sz="1100"/>
             </a:lvl2pPr>
-            <a:lvl3pPr indent="-298450" lvl="2" marL="1371600">
+            <a:lvl3pPr marL="1371600" lvl="2" indent="-298450">
               <a:spcBef>
                 <a:spcPts val="0"/>
               </a:spcBef>
@@ -407,7 +420,7 @@
               <a:buChar char="■"/>
               <a:defRPr sz="1100"/>
             </a:lvl3pPr>
-            <a:lvl4pPr indent="-298450" lvl="3" marL="1828800">
+            <a:lvl4pPr marL="1828800" lvl="3" indent="-298450">
               <a:spcBef>
                 <a:spcPts val="0"/>
               </a:spcBef>
@@ -418,7 +431,7 @@
               <a:buChar char="●"/>
               <a:defRPr sz="1100"/>
             </a:lvl4pPr>
-            <a:lvl5pPr indent="-298450" lvl="4" marL="2286000">
+            <a:lvl5pPr marL="2286000" lvl="4" indent="-298450">
               <a:spcBef>
                 <a:spcPts val="0"/>
               </a:spcBef>
@@ -429,7 +442,7 @@
               <a:buChar char="○"/>
               <a:defRPr sz="1100"/>
             </a:lvl5pPr>
-            <a:lvl6pPr indent="-298450" lvl="5" marL="2743200">
+            <a:lvl6pPr marL="2743200" lvl="5" indent="-298450">
               <a:spcBef>
                 <a:spcPts val="0"/>
               </a:spcBef>
@@ -440,7 +453,7 @@
               <a:buChar char="■"/>
               <a:defRPr sz="1100"/>
             </a:lvl6pPr>
-            <a:lvl7pPr indent="-298450" lvl="6" marL="3200400">
+            <a:lvl7pPr marL="3200400" lvl="6" indent="-298450">
               <a:spcBef>
                 <a:spcPts val="0"/>
               </a:spcBef>
@@ -451,7 +464,7 @@
               <a:buChar char="●"/>
               <a:defRPr sz="1100"/>
             </a:lvl7pPr>
-            <a:lvl8pPr indent="-298450" lvl="7" marL="3657600">
+            <a:lvl8pPr marL="3657600" lvl="7" indent="-298450">
               <a:spcBef>
                 <a:spcPts val="0"/>
               </a:spcBef>
@@ -462,7 +475,7 @@
               <a:buChar char="○"/>
               <a:defRPr sz="1100"/>
             </a:lvl8pPr>
-            <a:lvl9pPr indent="-298450" lvl="8" marL="4114800">
+            <a:lvl9pPr marL="4114800" lvl="8" indent="-298450">
               <a:spcBef>
                 <a:spcPts val="0"/>
               </a:spcBef>
@@ -474,14 +487,16 @@
               <a:defRPr sz="1100"/>
             </a:lvl9pPr>
           </a:lstStyle>
-          <a:p/>
+          <a:p>
+            <a:endParaRPr/>
+          </a:p>
         </p:txBody>
       </p:sp>
     </p:spTree>
   </p:cSld>
-  <p:clrMap accent1="accent1" accent2="accent2" accent3="accent3" accent4="accent4" accent5="accent5" accent6="accent6" bg1="lt1" bg2="dk2" tx1="dk1" tx2="lt2" folHlink="folHlink" hlink="hlink"/>
+  <p:clrMap bg1="lt1" tx1="dk1" bg2="dk2" tx2="lt2" accent1="accent1" accent2="accent2" accent3="accent3" accent4="accent4" accent5="accent5" accent6="accent6" hlink="hlink" folHlink="folHlink"/>
   <p:notesStyle>
-    <a:defPPr lvl="0" marR="0" rtl="0" algn="l">
+    <a:defPPr marR="0" lvl="0" algn="l" rtl="0">
       <a:lnSpc>
         <a:spcPct val="100000"/>
       </a:lnSpc>
@@ -492,7 +507,7 @@
         <a:spcPts val="0"/>
       </a:spcAft>
     </a:defPPr>
-    <a:lvl1pPr lvl="0" marR="0" rtl="0" algn="l">
+    <a:lvl1pPr marR="0" lvl="0" algn="l" rtl="0">
       <a:lnSpc>
         <a:spcPct val="100000"/>
       </a:lnSpc>
@@ -506,7 +521,7 @@
         <a:srgbClr val="000000"/>
       </a:buClr>
       <a:buFont typeface="Arial"/>
-      <a:defRPr b="0" i="0" sz="1400" u="none" cap="none" strike="noStrike">
+      <a:defRPr sz="1400" b="0" i="0" u="none" strike="noStrike" cap="none">
         <a:solidFill>
           <a:srgbClr val="000000"/>
         </a:solidFill>
@@ -516,7 +531,7 @@
         <a:sym typeface="Arial"/>
       </a:defRPr>
     </a:lvl1pPr>
-    <a:lvl2pPr lvl="1" marR="0" rtl="0" algn="l">
+    <a:lvl2pPr marR="0" lvl="1" algn="l" rtl="0">
       <a:lnSpc>
         <a:spcPct val="100000"/>
       </a:lnSpc>
@@ -530,7 +545,7 @@
         <a:srgbClr val="000000"/>
       </a:buClr>
       <a:buFont typeface="Arial"/>
-      <a:defRPr b="0" i="0" sz="1400" u="none" cap="none" strike="noStrike">
+      <a:defRPr sz="1400" b="0" i="0" u="none" strike="noStrike" cap="none">
         <a:solidFill>
           <a:srgbClr val="000000"/>
         </a:solidFill>
@@ -540,7 +555,7 @@
         <a:sym typeface="Arial"/>
       </a:defRPr>
     </a:lvl2pPr>
-    <a:lvl3pPr lvl="2" marR="0" rtl="0" algn="l">
+    <a:lvl3pPr marR="0" lvl="2" algn="l" rtl="0">
       <a:lnSpc>
         <a:spcPct val="100000"/>
       </a:lnSpc>
@@ -554,7 +569,7 @@
         <a:srgbClr val="000000"/>
       </a:buClr>
       <a:buFont typeface="Arial"/>
-      <a:defRPr b="0" i="0" sz="1400" u="none" cap="none" strike="noStrike">
+      <a:defRPr sz="1400" b="0" i="0" u="none" strike="noStrike" cap="none">
         <a:solidFill>
           <a:srgbClr val="000000"/>
         </a:solidFill>
@@ -564,7 +579,7 @@
         <a:sym typeface="Arial"/>
       </a:defRPr>
     </a:lvl3pPr>
-    <a:lvl4pPr lvl="3" marR="0" rtl="0" algn="l">
+    <a:lvl4pPr marR="0" lvl="3" algn="l" rtl="0">
       <a:lnSpc>
         <a:spcPct val="100000"/>
       </a:lnSpc>
@@ -578,7 +593,7 @@
         <a:srgbClr val="000000"/>
       </a:buClr>
       <a:buFont typeface="Arial"/>
-      <a:defRPr b="0" i="0" sz="1400" u="none" cap="none" strike="noStrike">
+      <a:defRPr sz="1400" b="0" i="0" u="none" strike="noStrike" cap="none">
         <a:solidFill>
           <a:srgbClr val="000000"/>
         </a:solidFill>
@@ -588,7 +603,7 @@
         <a:sym typeface="Arial"/>
       </a:defRPr>
     </a:lvl4pPr>
-    <a:lvl5pPr lvl="4" marR="0" rtl="0" algn="l">
+    <a:lvl5pPr marR="0" lvl="4" algn="l" rtl="0">
       <a:lnSpc>
         <a:spcPct val="100000"/>
       </a:lnSpc>
@@ -602,7 +617,7 @@
         <a:srgbClr val="000000"/>
       </a:buClr>
       <a:buFont typeface="Arial"/>
-      <a:defRPr b="0" i="0" sz="1400" u="none" cap="none" strike="noStrike">
+      <a:defRPr sz="1400" b="0" i="0" u="none" strike="noStrike" cap="none">
         <a:solidFill>
           <a:srgbClr val="000000"/>
         </a:solidFill>
@@ -612,7 +627,7 @@
         <a:sym typeface="Arial"/>
       </a:defRPr>
     </a:lvl5pPr>
-    <a:lvl6pPr lvl="5" marR="0" rtl="0" algn="l">
+    <a:lvl6pPr marR="0" lvl="5" algn="l" rtl="0">
       <a:lnSpc>
         <a:spcPct val="100000"/>
       </a:lnSpc>
@@ -626,7 +641,7 @@
         <a:srgbClr val="000000"/>
       </a:buClr>
       <a:buFont typeface="Arial"/>
-      <a:defRPr b="0" i="0" sz="1400" u="none" cap="none" strike="noStrike">
+      <a:defRPr sz="1400" b="0" i="0" u="none" strike="noStrike" cap="none">
         <a:solidFill>
           <a:srgbClr val="000000"/>
         </a:solidFill>
@@ -636,7 +651,7 @@
         <a:sym typeface="Arial"/>
       </a:defRPr>
     </a:lvl6pPr>
-    <a:lvl7pPr lvl="6" marR="0" rtl="0" algn="l">
+    <a:lvl7pPr marR="0" lvl="6" algn="l" rtl="0">
       <a:lnSpc>
         <a:spcPct val="100000"/>
       </a:lnSpc>
@@ -650,7 +665,7 @@
         <a:srgbClr val="000000"/>
       </a:buClr>
       <a:buFont typeface="Arial"/>
-      <a:defRPr b="0" i="0" sz="1400" u="none" cap="none" strike="noStrike">
+      <a:defRPr sz="1400" b="0" i="0" u="none" strike="noStrike" cap="none">
         <a:solidFill>
           <a:srgbClr val="000000"/>
         </a:solidFill>
@@ -660,7 +675,7 @@
         <a:sym typeface="Arial"/>
       </a:defRPr>
     </a:lvl7pPr>
-    <a:lvl8pPr lvl="7" marR="0" rtl="0" algn="l">
+    <a:lvl8pPr marR="0" lvl="7" algn="l" rtl="0">
       <a:lnSpc>
         <a:spcPct val="100000"/>
       </a:lnSpc>
@@ -674,7 +689,7 @@
         <a:srgbClr val="000000"/>
       </a:buClr>
       <a:buFont typeface="Arial"/>
-      <a:defRPr b="0" i="0" sz="1400" u="none" cap="none" strike="noStrike">
+      <a:defRPr sz="1400" b="0" i="0" u="none" strike="noStrike" cap="none">
         <a:solidFill>
           <a:srgbClr val="000000"/>
         </a:solidFill>
@@ -684,7 +699,7 @@
         <a:sym typeface="Arial"/>
       </a:defRPr>
     </a:lvl8pPr>
-    <a:lvl9pPr lvl="8" marR="0" rtl="0" algn="l">
+    <a:lvl9pPr marR="0" lvl="8" algn="l" rtl="0">
       <a:lnSpc>
         <a:spcPct val="100000"/>
       </a:lnSpc>
@@ -698,7 +713,7 @@
         <a:srgbClr val="000000"/>
       </a:buClr>
       <a:buFont typeface="Arial"/>
-      <a:defRPr b="0" i="0" sz="1400" u="none" cap="none" strike="noStrike">
+      <a:defRPr sz="1400" b="0" i="0" u="none" strike="noStrike" cap="none">
         <a:solidFill>
           <a:srgbClr val="000000"/>
         </a:solidFill>
@@ -713,11 +728,11 @@
 </file>
 
 <file path=ppt/notesSlides/notesSlide1.xml><?xml version="1.0" encoding="utf-8"?>
-<p:notes xmlns:a="http://schemas.openxmlformats.org/drawingml/2006/main" xmlns:r="http://schemas.openxmlformats.org/officeDocument/2006/relationships" xmlns:mc="http://schemas.openxmlformats.org/markup-compatibility/2006" xmlns:mv="urn:schemas-microsoft-com:mac:vml" xmlns:p="http://schemas.openxmlformats.org/presentationml/2006/main" xmlns:c="http://schemas.openxmlformats.org/drawingml/2006/chart" xmlns:dgm="http://schemas.openxmlformats.org/drawingml/2006/diagram" xmlns:o="urn:schemas-microsoft-com:office:office" xmlns:v="urn:schemas-microsoft-com:vml" xmlns:pvml="urn:schemas-microsoft-com:office:powerpoint" xmlns:com="http://schemas.openxmlformats.org/drawingml/2006/compatibility" xmlns:p14="http://schemas.microsoft.com/office/powerpoint/2010/main" xmlns:p15="http://schemas.microsoft.com/office/powerpoint/2012/main" xmlns:ahyp="http://schemas.microsoft.com/office/drawing/2018/hyperlinkcolor" showMasterPhAnim="0" showMasterSp="0">
+<p:notes xmlns:a="http://schemas.openxmlformats.org/drawingml/2006/main" xmlns:r="http://schemas.openxmlformats.org/officeDocument/2006/relationships" xmlns:p="http://schemas.openxmlformats.org/presentationml/2006/main" showMasterSp="0" showMasterPhAnim="0">
   <p:cSld>
     <p:spTree>
       <p:nvGrpSpPr>
-        <p:cNvPr id="60" name="Shape 60"/>
+        <p:cNvPr id="1" name="Shape 60"/>
         <p:cNvGrpSpPr/>
         <p:nvPr/>
       </p:nvGrpSpPr>
@@ -732,9 +747,11 @@
       <p:sp>
         <p:nvSpPr>
           <p:cNvPr id="61" name="Google Shape;61;p:notes"/>
-          <p:cNvSpPr/>
+          <p:cNvSpPr>
+            <a:spLocks noGrp="1" noRot="1" noChangeAspect="1"/>
+          </p:cNvSpPr>
           <p:nvPr>
-            <p:ph idx="2" type="sldImg"/>
+            <p:ph type="sldImg" idx="2"/>
           </p:nvPr>
         </p:nvSpPr>
         <p:spPr>
@@ -743,9 +760,13 @@
             <a:ext cx="6096075" cy="3429000"/>
           </a:xfrm>
           <a:custGeom>
-            <a:rect b="b" l="l" r="r" t="t"/>
+            <a:avLst/>
+            <a:gdLst/>
+            <a:ahLst/>
+            <a:cxnLst/>
+            <a:rect l="l" t="t" r="r" b="b"/>
             <a:pathLst>
-              <a:path extrusionOk="0" h="120000" w="120000">
+              <a:path w="120000" h="120000" extrusionOk="0">
                 <a:moveTo>
                   <a:pt x="0" y="0"/>
                 </a:moveTo>
@@ -767,9 +788,11 @@
       <p:sp>
         <p:nvSpPr>
           <p:cNvPr id="62" name="Google Shape;62;p:notes"/>
-          <p:cNvSpPr txBox="1"/>
+          <p:cNvSpPr txBox="1">
+            <a:spLocks noGrp="1"/>
+          </p:cNvSpPr>
           <p:nvPr>
-            <p:ph idx="1" type="body"/>
+            <p:ph type="body" idx="1"/>
           </p:nvPr>
         </p:nvSpPr>
         <p:spPr>
@@ -782,12 +805,12 @@
           </a:prstGeom>
         </p:spPr>
         <p:txBody>
-          <a:bodyPr anchorCtr="0" anchor="t" bIns="91425" lIns="91425" spcFirstLastPara="1" rIns="91425" wrap="square" tIns="91425">
+          <a:bodyPr spcFirstLastPara="1" wrap="square" lIns="91425" tIns="91425" rIns="91425" bIns="91425" anchor="t" anchorCtr="0">
             <a:noAutofit/>
           </a:bodyPr>
           <a:lstStyle/>
           <a:p>
-            <a:pPr indent="0" lvl="0" marL="0" rtl="0" algn="l">
+            <a:pPr marL="0" lvl="0" indent="0" algn="l" rtl="0">
               <a:spcBef>
                 <a:spcPts val="0"/>
               </a:spcBef>
@@ -796,9 +819,6 @@
               </a:spcAft>
               <a:buNone/>
             </a:pPr>
-            <a:r>
-              <a:t/>
-            </a:r>
             <a:endParaRPr/>
           </a:p>
         </p:txBody>
@@ -812,11 +832,11 @@
 </file>
 
 <file path=ppt/notesSlides/notesSlide10.xml><?xml version="1.0" encoding="utf-8"?>
-<p:notes xmlns:a="http://schemas.openxmlformats.org/drawingml/2006/main" xmlns:r="http://schemas.openxmlformats.org/officeDocument/2006/relationships" xmlns:mc="http://schemas.openxmlformats.org/markup-compatibility/2006" xmlns:mv="urn:schemas-microsoft-com:mac:vml" xmlns:p="http://schemas.openxmlformats.org/presentationml/2006/main" xmlns:c="http://schemas.openxmlformats.org/drawingml/2006/chart" xmlns:dgm="http://schemas.openxmlformats.org/drawingml/2006/diagram" xmlns:o="urn:schemas-microsoft-com:office:office" xmlns:v="urn:schemas-microsoft-com:vml" xmlns:pvml="urn:schemas-microsoft-com:office:powerpoint" xmlns:com="http://schemas.openxmlformats.org/drawingml/2006/compatibility" xmlns:p14="http://schemas.microsoft.com/office/powerpoint/2010/main" xmlns:p15="http://schemas.microsoft.com/office/powerpoint/2012/main" xmlns:ahyp="http://schemas.microsoft.com/office/drawing/2018/hyperlinkcolor" showMasterPhAnim="0" showMasterSp="0">
+<p:notes xmlns:a="http://schemas.openxmlformats.org/drawingml/2006/main" xmlns:r="http://schemas.openxmlformats.org/officeDocument/2006/relationships" xmlns:p="http://schemas.openxmlformats.org/presentationml/2006/main" showMasterSp="0" showMasterPhAnim="0">
   <p:cSld>
     <p:spTree>
       <p:nvGrpSpPr>
-        <p:cNvPr id="122" name="Shape 122"/>
+        <p:cNvPr id="1" name="Shape 122"/>
         <p:cNvGrpSpPr/>
         <p:nvPr/>
       </p:nvGrpSpPr>
@@ -831,9 +851,11 @@
       <p:sp>
         <p:nvSpPr>
           <p:cNvPr id="123" name="Google Shape;123;g1a4ba39fc17_0_81:notes"/>
-          <p:cNvSpPr/>
+          <p:cNvSpPr>
+            <a:spLocks noGrp="1" noRot="1" noChangeAspect="1"/>
+          </p:cNvSpPr>
           <p:nvPr>
-            <p:ph idx="2" type="sldImg"/>
+            <p:ph type="sldImg" idx="2"/>
           </p:nvPr>
         </p:nvSpPr>
         <p:spPr>
@@ -842,9 +864,13 @@
             <a:ext cx="6096000" cy="3429000"/>
           </a:xfrm>
           <a:custGeom>
-            <a:rect b="b" l="l" r="r" t="t"/>
+            <a:avLst/>
+            <a:gdLst/>
+            <a:ahLst/>
+            <a:cxnLst/>
+            <a:rect l="l" t="t" r="r" b="b"/>
             <a:pathLst>
-              <a:path extrusionOk="0" h="120000" w="120000">
+              <a:path w="120000" h="120000" extrusionOk="0">
                 <a:moveTo>
                   <a:pt x="0" y="0"/>
                 </a:moveTo>
@@ -866,9 +892,11 @@
       <p:sp>
         <p:nvSpPr>
           <p:cNvPr id="124" name="Google Shape;124;g1a4ba39fc17_0_81:notes"/>
-          <p:cNvSpPr txBox="1"/>
+          <p:cNvSpPr txBox="1">
+            <a:spLocks noGrp="1"/>
+          </p:cNvSpPr>
           <p:nvPr>
-            <p:ph idx="1" type="body"/>
+            <p:ph type="body" idx="1"/>
           </p:nvPr>
         </p:nvSpPr>
         <p:spPr>
@@ -881,12 +909,12 @@
           </a:prstGeom>
         </p:spPr>
         <p:txBody>
-          <a:bodyPr anchorCtr="0" anchor="t" bIns="91425" lIns="91425" spcFirstLastPara="1" rIns="91425" wrap="square" tIns="91425">
+          <a:bodyPr spcFirstLastPara="1" wrap="square" lIns="91425" tIns="91425" rIns="91425" bIns="91425" anchor="t" anchorCtr="0">
             <a:noAutofit/>
           </a:bodyPr>
           <a:lstStyle/>
           <a:p>
-            <a:pPr indent="0" lvl="0" marL="0" rtl="0" algn="l">
+            <a:pPr marL="0" lvl="0" indent="0" algn="l" rtl="0">
               <a:spcBef>
                 <a:spcPts val="0"/>
               </a:spcBef>
@@ -895,9 +923,6 @@
               </a:spcAft>
               <a:buNone/>
             </a:pPr>
-            <a:r>
-              <a:t/>
-            </a:r>
             <a:endParaRPr/>
           </a:p>
         </p:txBody>
@@ -911,11 +936,11 @@
 </file>
 
 <file path=ppt/notesSlides/notesSlide11.xml><?xml version="1.0" encoding="utf-8"?>
-<p:notes xmlns:a="http://schemas.openxmlformats.org/drawingml/2006/main" xmlns:r="http://schemas.openxmlformats.org/officeDocument/2006/relationships" xmlns:mc="http://schemas.openxmlformats.org/markup-compatibility/2006" xmlns:mv="urn:schemas-microsoft-com:mac:vml" xmlns:p="http://schemas.openxmlformats.org/presentationml/2006/main" xmlns:c="http://schemas.openxmlformats.org/drawingml/2006/chart" xmlns:dgm="http://schemas.openxmlformats.org/drawingml/2006/diagram" xmlns:o="urn:schemas-microsoft-com:office:office" xmlns:v="urn:schemas-microsoft-com:vml" xmlns:pvml="urn:schemas-microsoft-com:office:powerpoint" xmlns:com="http://schemas.openxmlformats.org/drawingml/2006/compatibility" xmlns:p14="http://schemas.microsoft.com/office/powerpoint/2010/main" xmlns:p15="http://schemas.microsoft.com/office/powerpoint/2012/main" xmlns:ahyp="http://schemas.microsoft.com/office/drawing/2018/hyperlinkcolor" showMasterPhAnim="0" showMasterSp="0">
+<p:notes xmlns:a="http://schemas.openxmlformats.org/drawingml/2006/main" xmlns:r="http://schemas.openxmlformats.org/officeDocument/2006/relationships" xmlns:p="http://schemas.openxmlformats.org/presentationml/2006/main" showMasterSp="0" showMasterPhAnim="0">
   <p:cSld>
     <p:spTree>
       <p:nvGrpSpPr>
-        <p:cNvPr id="134" name="Shape 134"/>
+        <p:cNvPr id="1" name="Shape 134"/>
         <p:cNvGrpSpPr/>
         <p:nvPr/>
       </p:nvGrpSpPr>
@@ -930,20 +955,26 @@
       <p:sp>
         <p:nvSpPr>
           <p:cNvPr id="135" name="Google Shape;135;g1a4ba39fc17_0_127:notes"/>
-          <p:cNvSpPr/>
+          <p:cNvSpPr>
+            <a:spLocks noGrp="1" noRot="1" noChangeAspect="1"/>
+          </p:cNvSpPr>
           <p:nvPr>
-            <p:ph idx="2" type="sldImg"/>
+            <p:ph type="sldImg" idx="2"/>
           </p:nvPr>
         </p:nvSpPr>
         <p:spPr>
           <a:xfrm>
-            <a:off x="381300" y="685800"/>
+            <a:off x="381000" y="685800"/>
             <a:ext cx="6096000" cy="3429000"/>
           </a:xfrm>
           <a:custGeom>
-            <a:rect b="b" l="l" r="r" t="t"/>
+            <a:avLst/>
+            <a:gdLst/>
+            <a:ahLst/>
+            <a:cxnLst/>
+            <a:rect l="l" t="t" r="r" b="b"/>
             <a:pathLst>
-              <a:path extrusionOk="0" h="120000" w="120000">
+              <a:path w="120000" h="120000" extrusionOk="0">
                 <a:moveTo>
                   <a:pt x="0" y="0"/>
                 </a:moveTo>
@@ -965,9 +996,11 @@
       <p:sp>
         <p:nvSpPr>
           <p:cNvPr id="136" name="Google Shape;136;g1a4ba39fc17_0_127:notes"/>
-          <p:cNvSpPr txBox="1"/>
+          <p:cNvSpPr txBox="1">
+            <a:spLocks noGrp="1"/>
+          </p:cNvSpPr>
           <p:nvPr>
-            <p:ph idx="1" type="body"/>
+            <p:ph type="body" idx="1"/>
           </p:nvPr>
         </p:nvSpPr>
         <p:spPr>
@@ -980,12 +1013,12 @@
           </a:prstGeom>
         </p:spPr>
         <p:txBody>
-          <a:bodyPr anchorCtr="0" anchor="t" bIns="91425" lIns="91425" spcFirstLastPara="1" rIns="91425" wrap="square" tIns="91425">
+          <a:bodyPr spcFirstLastPara="1" wrap="square" lIns="91425" tIns="91425" rIns="91425" bIns="91425" anchor="t" anchorCtr="0">
             <a:noAutofit/>
           </a:bodyPr>
           <a:lstStyle/>
           <a:p>
-            <a:pPr indent="0" lvl="0" marL="0" rtl="0" algn="l">
+            <a:pPr marL="0" lvl="0" indent="0" algn="l" rtl="0">
               <a:spcBef>
                 <a:spcPts val="0"/>
               </a:spcBef>
@@ -994,9 +1027,6 @@
               </a:spcAft>
               <a:buNone/>
             </a:pPr>
-            <a:r>
-              <a:t/>
-            </a:r>
             <a:endParaRPr/>
           </a:p>
         </p:txBody>
@@ -1010,11 +1040,11 @@
 </file>
 
 <file path=ppt/notesSlides/notesSlide2.xml><?xml version="1.0" encoding="utf-8"?>
-<p:notes xmlns:a="http://schemas.openxmlformats.org/drawingml/2006/main" xmlns:r="http://schemas.openxmlformats.org/officeDocument/2006/relationships" xmlns:mc="http://schemas.openxmlformats.org/markup-compatibility/2006" xmlns:mv="urn:schemas-microsoft-com:mac:vml" xmlns:p="http://schemas.openxmlformats.org/presentationml/2006/main" xmlns:c="http://schemas.openxmlformats.org/drawingml/2006/chart" xmlns:dgm="http://schemas.openxmlformats.org/drawingml/2006/diagram" xmlns:o="urn:schemas-microsoft-com:office:office" xmlns:v="urn:schemas-microsoft-com:vml" xmlns:pvml="urn:schemas-microsoft-com:office:powerpoint" xmlns:com="http://schemas.openxmlformats.org/drawingml/2006/compatibility" xmlns:p14="http://schemas.microsoft.com/office/powerpoint/2010/main" xmlns:p15="http://schemas.microsoft.com/office/powerpoint/2012/main" xmlns:ahyp="http://schemas.microsoft.com/office/drawing/2018/hyperlinkcolor" showMasterPhAnim="0" showMasterSp="0">
+<p:notes xmlns:a="http://schemas.openxmlformats.org/drawingml/2006/main" xmlns:r="http://schemas.openxmlformats.org/officeDocument/2006/relationships" xmlns:p="http://schemas.openxmlformats.org/presentationml/2006/main" showMasterSp="0" showMasterPhAnim="0">
   <p:cSld>
     <p:spTree>
       <p:nvGrpSpPr>
-        <p:cNvPr id="66" name="Shape 66"/>
+        <p:cNvPr id="1" name="Shape 66"/>
         <p:cNvGrpSpPr/>
         <p:nvPr/>
       </p:nvGrpSpPr>
@@ -1029,20 +1059,26 @@
       <p:sp>
         <p:nvSpPr>
           <p:cNvPr id="67" name="Google Shape;67;g1a4ba39fc17_0_107:notes"/>
-          <p:cNvSpPr/>
+          <p:cNvSpPr>
+            <a:spLocks noGrp="1" noRot="1" noChangeAspect="1"/>
+          </p:cNvSpPr>
           <p:nvPr>
-            <p:ph idx="2" type="sldImg"/>
+            <p:ph type="sldImg" idx="2"/>
           </p:nvPr>
         </p:nvSpPr>
         <p:spPr>
           <a:xfrm>
-            <a:off x="381300" y="685800"/>
+            <a:off x="381000" y="685800"/>
             <a:ext cx="6096000" cy="3429000"/>
           </a:xfrm>
           <a:custGeom>
-            <a:rect b="b" l="l" r="r" t="t"/>
+            <a:avLst/>
+            <a:gdLst/>
+            <a:ahLst/>
+            <a:cxnLst/>
+            <a:rect l="l" t="t" r="r" b="b"/>
             <a:pathLst>
-              <a:path extrusionOk="0" h="120000" w="120000">
+              <a:path w="120000" h="120000" extrusionOk="0">
                 <a:moveTo>
                   <a:pt x="0" y="0"/>
                 </a:moveTo>
@@ -1064,9 +1100,11 @@
       <p:sp>
         <p:nvSpPr>
           <p:cNvPr id="68" name="Google Shape;68;g1a4ba39fc17_0_107:notes"/>
-          <p:cNvSpPr txBox="1"/>
+          <p:cNvSpPr txBox="1">
+            <a:spLocks noGrp="1"/>
+          </p:cNvSpPr>
           <p:nvPr>
-            <p:ph idx="1" type="body"/>
+            <p:ph type="body" idx="1"/>
           </p:nvPr>
         </p:nvSpPr>
         <p:spPr>
@@ -1079,12 +1117,12 @@
           </a:prstGeom>
         </p:spPr>
         <p:txBody>
-          <a:bodyPr anchorCtr="0" anchor="t" bIns="91425" lIns="91425" spcFirstLastPara="1" rIns="91425" wrap="square" tIns="91425">
+          <a:bodyPr spcFirstLastPara="1" wrap="square" lIns="91425" tIns="91425" rIns="91425" bIns="91425" anchor="t" anchorCtr="0">
             <a:noAutofit/>
           </a:bodyPr>
           <a:lstStyle/>
           <a:p>
-            <a:pPr indent="0" lvl="0" marL="0" rtl="0" algn="l">
+            <a:pPr marL="0" lvl="0" indent="0" algn="l" rtl="0">
               <a:spcBef>
                 <a:spcPts val="0"/>
               </a:spcBef>
@@ -1093,9 +1131,6 @@
               </a:spcAft>
               <a:buNone/>
             </a:pPr>
-            <a:r>
-              <a:t/>
-            </a:r>
             <a:endParaRPr/>
           </a:p>
         </p:txBody>
@@ -1109,11 +1144,11 @@
 </file>
 
 <file path=ppt/notesSlides/notesSlide3.xml><?xml version="1.0" encoding="utf-8"?>
-<p:notes xmlns:a="http://schemas.openxmlformats.org/drawingml/2006/main" xmlns:r="http://schemas.openxmlformats.org/officeDocument/2006/relationships" xmlns:mc="http://schemas.openxmlformats.org/markup-compatibility/2006" xmlns:mv="urn:schemas-microsoft-com:mac:vml" xmlns:p="http://schemas.openxmlformats.org/presentationml/2006/main" xmlns:c="http://schemas.openxmlformats.org/drawingml/2006/chart" xmlns:dgm="http://schemas.openxmlformats.org/drawingml/2006/diagram" xmlns:o="urn:schemas-microsoft-com:office:office" xmlns:v="urn:schemas-microsoft-com:vml" xmlns:pvml="urn:schemas-microsoft-com:office:powerpoint" xmlns:com="http://schemas.openxmlformats.org/drawingml/2006/compatibility" xmlns:p14="http://schemas.microsoft.com/office/powerpoint/2010/main" xmlns:p15="http://schemas.microsoft.com/office/powerpoint/2012/main" xmlns:ahyp="http://schemas.microsoft.com/office/drawing/2018/hyperlinkcolor" showMasterPhAnim="0" showMasterSp="0">
+<p:notes xmlns:a="http://schemas.openxmlformats.org/drawingml/2006/main" xmlns:r="http://schemas.openxmlformats.org/officeDocument/2006/relationships" xmlns:p="http://schemas.openxmlformats.org/presentationml/2006/main" showMasterSp="0" showMasterPhAnim="0">
   <p:cSld>
     <p:spTree>
       <p:nvGrpSpPr>
-        <p:cNvPr id="72" name="Shape 72"/>
+        <p:cNvPr id="1" name="Shape 72"/>
         <p:cNvGrpSpPr/>
         <p:nvPr/>
       </p:nvGrpSpPr>
@@ -1128,20 +1163,26 @@
       <p:sp>
         <p:nvSpPr>
           <p:cNvPr id="73" name="Google Shape;73;g1a4ba39fc17_0_122:notes"/>
-          <p:cNvSpPr/>
+          <p:cNvSpPr>
+            <a:spLocks noGrp="1" noRot="1" noChangeAspect="1"/>
+          </p:cNvSpPr>
           <p:nvPr>
-            <p:ph idx="2" type="sldImg"/>
+            <p:ph type="sldImg" idx="2"/>
           </p:nvPr>
         </p:nvSpPr>
         <p:spPr>
           <a:xfrm>
-            <a:off x="381300" y="685800"/>
+            <a:off x="381000" y="685800"/>
             <a:ext cx="6096000" cy="3429000"/>
           </a:xfrm>
           <a:custGeom>
-            <a:rect b="b" l="l" r="r" t="t"/>
+            <a:avLst/>
+            <a:gdLst/>
+            <a:ahLst/>
+            <a:cxnLst/>
+            <a:rect l="l" t="t" r="r" b="b"/>
             <a:pathLst>
-              <a:path extrusionOk="0" h="120000" w="120000">
+              <a:path w="120000" h="120000" extrusionOk="0">
                 <a:moveTo>
                   <a:pt x="0" y="0"/>
                 </a:moveTo>
@@ -1163,9 +1204,11 @@
       <p:sp>
         <p:nvSpPr>
           <p:cNvPr id="74" name="Google Shape;74;g1a4ba39fc17_0_122:notes"/>
-          <p:cNvSpPr txBox="1"/>
+          <p:cNvSpPr txBox="1">
+            <a:spLocks noGrp="1"/>
+          </p:cNvSpPr>
           <p:nvPr>
-            <p:ph idx="1" type="body"/>
+            <p:ph type="body" idx="1"/>
           </p:nvPr>
         </p:nvSpPr>
         <p:spPr>
@@ -1178,12 +1221,12 @@
           </a:prstGeom>
         </p:spPr>
         <p:txBody>
-          <a:bodyPr anchorCtr="0" anchor="t" bIns="91425" lIns="91425" spcFirstLastPara="1" rIns="91425" wrap="square" tIns="91425">
+          <a:bodyPr spcFirstLastPara="1" wrap="square" lIns="91425" tIns="91425" rIns="91425" bIns="91425" anchor="t" anchorCtr="0">
             <a:noAutofit/>
           </a:bodyPr>
           <a:lstStyle/>
           <a:p>
-            <a:pPr indent="0" lvl="0" marL="0" rtl="0" algn="l">
+            <a:pPr marL="0" lvl="0" indent="0" algn="l" rtl="0">
               <a:spcBef>
                 <a:spcPts val="0"/>
               </a:spcBef>
@@ -1192,9 +1235,6 @@
               </a:spcAft>
               <a:buNone/>
             </a:pPr>
-            <a:r>
-              <a:t/>
-            </a:r>
             <a:endParaRPr/>
           </a:p>
         </p:txBody>
@@ -1208,11 +1248,11 @@
 </file>
 
 <file path=ppt/notesSlides/notesSlide4.xml><?xml version="1.0" encoding="utf-8"?>
-<p:notes xmlns:a="http://schemas.openxmlformats.org/drawingml/2006/main" xmlns:r="http://schemas.openxmlformats.org/officeDocument/2006/relationships" xmlns:mc="http://schemas.openxmlformats.org/markup-compatibility/2006" xmlns:mv="urn:schemas-microsoft-com:mac:vml" xmlns:p="http://schemas.openxmlformats.org/presentationml/2006/main" xmlns:c="http://schemas.openxmlformats.org/drawingml/2006/chart" xmlns:dgm="http://schemas.openxmlformats.org/drawingml/2006/diagram" xmlns:o="urn:schemas-microsoft-com:office:office" xmlns:v="urn:schemas-microsoft-com:vml" xmlns:pvml="urn:schemas-microsoft-com:office:powerpoint" xmlns:com="http://schemas.openxmlformats.org/drawingml/2006/compatibility" xmlns:p14="http://schemas.microsoft.com/office/powerpoint/2010/main" xmlns:p15="http://schemas.microsoft.com/office/powerpoint/2012/main" xmlns:ahyp="http://schemas.microsoft.com/office/drawing/2018/hyperlinkcolor" showMasterPhAnim="0" showMasterSp="0">
+<p:notes xmlns:a="http://schemas.openxmlformats.org/drawingml/2006/main" xmlns:r="http://schemas.openxmlformats.org/officeDocument/2006/relationships" xmlns:p="http://schemas.openxmlformats.org/presentationml/2006/main" showMasterSp="0" showMasterPhAnim="0">
   <p:cSld>
     <p:spTree>
       <p:nvGrpSpPr>
-        <p:cNvPr id="78" name="Shape 78"/>
+        <p:cNvPr id="1" name="Shape 78"/>
         <p:cNvGrpSpPr/>
         <p:nvPr/>
       </p:nvGrpSpPr>
@@ -1227,20 +1267,26 @@
       <p:sp>
         <p:nvSpPr>
           <p:cNvPr id="79" name="Google Shape;79;g1a4ba39fc17_0_116:notes"/>
-          <p:cNvSpPr/>
+          <p:cNvSpPr>
+            <a:spLocks noGrp="1" noRot="1" noChangeAspect="1"/>
+          </p:cNvSpPr>
           <p:nvPr>
-            <p:ph idx="2" type="sldImg"/>
+            <p:ph type="sldImg" idx="2"/>
           </p:nvPr>
         </p:nvSpPr>
         <p:spPr>
           <a:xfrm>
-            <a:off x="381300" y="685800"/>
+            <a:off x="381000" y="685800"/>
             <a:ext cx="6096000" cy="3429000"/>
           </a:xfrm>
           <a:custGeom>
-            <a:rect b="b" l="l" r="r" t="t"/>
+            <a:avLst/>
+            <a:gdLst/>
+            <a:ahLst/>
+            <a:cxnLst/>
+            <a:rect l="l" t="t" r="r" b="b"/>
             <a:pathLst>
-              <a:path extrusionOk="0" h="120000" w="120000">
+              <a:path w="120000" h="120000" extrusionOk="0">
                 <a:moveTo>
                   <a:pt x="0" y="0"/>
                 </a:moveTo>
@@ -1262,9 +1308,11 @@
       <p:sp>
         <p:nvSpPr>
           <p:cNvPr id="80" name="Google Shape;80;g1a4ba39fc17_0_116:notes"/>
-          <p:cNvSpPr txBox="1"/>
+          <p:cNvSpPr txBox="1">
+            <a:spLocks noGrp="1"/>
+          </p:cNvSpPr>
           <p:nvPr>
-            <p:ph idx="1" type="body"/>
+            <p:ph type="body" idx="1"/>
           </p:nvPr>
         </p:nvSpPr>
         <p:spPr>
@@ -1277,12 +1325,12 @@
           </a:prstGeom>
         </p:spPr>
         <p:txBody>
-          <a:bodyPr anchorCtr="0" anchor="t" bIns="91425" lIns="91425" spcFirstLastPara="1" rIns="91425" wrap="square" tIns="91425">
+          <a:bodyPr spcFirstLastPara="1" wrap="square" lIns="91425" tIns="91425" rIns="91425" bIns="91425" anchor="t" anchorCtr="0">
             <a:noAutofit/>
           </a:bodyPr>
           <a:lstStyle/>
           <a:p>
-            <a:pPr indent="0" lvl="0" marL="0" rtl="0" algn="l">
+            <a:pPr marL="0" lvl="0" indent="0" algn="l" rtl="0">
               <a:spcBef>
                 <a:spcPts val="0"/>
               </a:spcBef>
@@ -1291,9 +1339,6 @@
               </a:spcAft>
               <a:buNone/>
             </a:pPr>
-            <a:r>
-              <a:t/>
-            </a:r>
             <a:endParaRPr/>
           </a:p>
         </p:txBody>
@@ -1307,11 +1352,11 @@
 </file>
 
 <file path=ppt/notesSlides/notesSlide5.xml><?xml version="1.0" encoding="utf-8"?>
-<p:notes xmlns:a="http://schemas.openxmlformats.org/drawingml/2006/main" xmlns:r="http://schemas.openxmlformats.org/officeDocument/2006/relationships" xmlns:mc="http://schemas.openxmlformats.org/markup-compatibility/2006" xmlns:mv="urn:schemas-microsoft-com:mac:vml" xmlns:p="http://schemas.openxmlformats.org/presentationml/2006/main" xmlns:c="http://schemas.openxmlformats.org/drawingml/2006/chart" xmlns:dgm="http://schemas.openxmlformats.org/drawingml/2006/diagram" xmlns:o="urn:schemas-microsoft-com:office:office" xmlns:v="urn:schemas-microsoft-com:vml" xmlns:pvml="urn:schemas-microsoft-com:office:powerpoint" xmlns:com="http://schemas.openxmlformats.org/drawingml/2006/compatibility" xmlns:p14="http://schemas.microsoft.com/office/powerpoint/2010/main" xmlns:p15="http://schemas.microsoft.com/office/powerpoint/2012/main" xmlns:ahyp="http://schemas.microsoft.com/office/drawing/2018/hyperlinkcolor" showMasterPhAnim="0" showMasterSp="0">
+<p:notes xmlns:a="http://schemas.openxmlformats.org/drawingml/2006/main" xmlns:r="http://schemas.openxmlformats.org/officeDocument/2006/relationships" xmlns:p="http://schemas.openxmlformats.org/presentationml/2006/main" showMasterSp="0" showMasterPhAnim="0">
   <p:cSld>
     <p:spTree>
       <p:nvGrpSpPr>
-        <p:cNvPr id="85" name="Shape 85"/>
+        <p:cNvPr id="1" name="Shape 85"/>
         <p:cNvGrpSpPr/>
         <p:nvPr/>
       </p:nvGrpSpPr>
@@ -1326,9 +1371,11 @@
       <p:sp>
         <p:nvSpPr>
           <p:cNvPr id="86" name="Google Shape;86;g1a4ba39fc17_0_92:notes"/>
-          <p:cNvSpPr/>
+          <p:cNvSpPr>
+            <a:spLocks noGrp="1" noRot="1" noChangeAspect="1"/>
+          </p:cNvSpPr>
           <p:nvPr>
-            <p:ph idx="2" type="sldImg"/>
+            <p:ph type="sldImg" idx="2"/>
           </p:nvPr>
         </p:nvSpPr>
         <p:spPr>
@@ -1337,9 +1384,13 @@
             <a:ext cx="6096000" cy="3429000"/>
           </a:xfrm>
           <a:custGeom>
-            <a:rect b="b" l="l" r="r" t="t"/>
+            <a:avLst/>
+            <a:gdLst/>
+            <a:ahLst/>
+            <a:cxnLst/>
+            <a:rect l="l" t="t" r="r" b="b"/>
             <a:pathLst>
-              <a:path extrusionOk="0" h="120000" w="120000">
+              <a:path w="120000" h="120000" extrusionOk="0">
                 <a:moveTo>
                   <a:pt x="0" y="0"/>
                 </a:moveTo>
@@ -1361,9 +1412,11 @@
       <p:sp>
         <p:nvSpPr>
           <p:cNvPr id="87" name="Google Shape;87;g1a4ba39fc17_0_92:notes"/>
-          <p:cNvSpPr txBox="1"/>
+          <p:cNvSpPr txBox="1">
+            <a:spLocks noGrp="1"/>
+          </p:cNvSpPr>
           <p:nvPr>
-            <p:ph idx="1" type="body"/>
+            <p:ph type="body" idx="1"/>
           </p:nvPr>
         </p:nvSpPr>
         <p:spPr>
@@ -1376,12 +1429,12 @@
           </a:prstGeom>
         </p:spPr>
         <p:txBody>
-          <a:bodyPr anchorCtr="0" anchor="t" bIns="91425" lIns="91425" spcFirstLastPara="1" rIns="91425" wrap="square" tIns="91425">
+          <a:bodyPr spcFirstLastPara="1" wrap="square" lIns="91425" tIns="91425" rIns="91425" bIns="91425" anchor="t" anchorCtr="0">
             <a:noAutofit/>
           </a:bodyPr>
           <a:lstStyle/>
           <a:p>
-            <a:pPr indent="0" lvl="0" marL="0" rtl="0" algn="l">
+            <a:pPr marL="0" lvl="0" indent="0" algn="l" rtl="0">
               <a:spcBef>
                 <a:spcPts val="0"/>
               </a:spcBef>
@@ -1390,9 +1443,6 @@
               </a:spcAft>
               <a:buNone/>
             </a:pPr>
-            <a:r>
-              <a:t/>
-            </a:r>
             <a:endParaRPr/>
           </a:p>
         </p:txBody>
@@ -1406,11 +1456,11 @@
 </file>
 
 <file path=ppt/notesSlides/notesSlide6.xml><?xml version="1.0" encoding="utf-8"?>
-<p:notes xmlns:a="http://schemas.openxmlformats.org/drawingml/2006/main" xmlns:r="http://schemas.openxmlformats.org/officeDocument/2006/relationships" xmlns:mc="http://schemas.openxmlformats.org/markup-compatibility/2006" xmlns:mv="urn:schemas-microsoft-com:mac:vml" xmlns:p="http://schemas.openxmlformats.org/presentationml/2006/main" xmlns:c="http://schemas.openxmlformats.org/drawingml/2006/chart" xmlns:dgm="http://schemas.openxmlformats.org/drawingml/2006/diagram" xmlns:o="urn:schemas-microsoft-com:office:office" xmlns:v="urn:schemas-microsoft-com:vml" xmlns:pvml="urn:schemas-microsoft-com:office:powerpoint" xmlns:com="http://schemas.openxmlformats.org/drawingml/2006/compatibility" xmlns:p14="http://schemas.microsoft.com/office/powerpoint/2010/main" xmlns:p15="http://schemas.microsoft.com/office/powerpoint/2012/main" xmlns:ahyp="http://schemas.microsoft.com/office/drawing/2018/hyperlinkcolor" showMasterPhAnim="0" showMasterSp="0">
+<p:notes xmlns:a="http://schemas.openxmlformats.org/drawingml/2006/main" xmlns:r="http://schemas.openxmlformats.org/officeDocument/2006/relationships" xmlns:p="http://schemas.openxmlformats.org/presentationml/2006/main" showMasterSp="0" showMasterPhAnim="0">
   <p:cSld>
     <p:spTree>
       <p:nvGrpSpPr>
-        <p:cNvPr id="91" name="Shape 91"/>
+        <p:cNvPr id="1" name="Shape 91"/>
         <p:cNvGrpSpPr/>
         <p:nvPr/>
       </p:nvGrpSpPr>
@@ -1425,9 +1475,11 @@
       <p:sp>
         <p:nvSpPr>
           <p:cNvPr id="92" name="Google Shape;92;g1a4ba39fc17_0_98:notes"/>
-          <p:cNvSpPr/>
+          <p:cNvSpPr>
+            <a:spLocks noGrp="1" noRot="1" noChangeAspect="1"/>
+          </p:cNvSpPr>
           <p:nvPr>
-            <p:ph idx="2" type="sldImg"/>
+            <p:ph type="sldImg" idx="2"/>
           </p:nvPr>
         </p:nvSpPr>
         <p:spPr>
@@ -1436,9 +1488,13 @@
             <a:ext cx="6096000" cy="3429000"/>
           </a:xfrm>
           <a:custGeom>
-            <a:rect b="b" l="l" r="r" t="t"/>
+            <a:avLst/>
+            <a:gdLst/>
+            <a:ahLst/>
+            <a:cxnLst/>
+            <a:rect l="l" t="t" r="r" b="b"/>
             <a:pathLst>
-              <a:path extrusionOk="0" h="120000" w="120000">
+              <a:path w="120000" h="120000" extrusionOk="0">
                 <a:moveTo>
                   <a:pt x="0" y="0"/>
                 </a:moveTo>
@@ -1460,9 +1516,11 @@
       <p:sp>
         <p:nvSpPr>
           <p:cNvPr id="93" name="Google Shape;93;g1a4ba39fc17_0_98:notes"/>
-          <p:cNvSpPr txBox="1"/>
+          <p:cNvSpPr txBox="1">
+            <a:spLocks noGrp="1"/>
+          </p:cNvSpPr>
           <p:nvPr>
-            <p:ph idx="1" type="body"/>
+            <p:ph type="body" idx="1"/>
           </p:nvPr>
         </p:nvSpPr>
         <p:spPr>
@@ -1475,12 +1533,12 @@
           </a:prstGeom>
         </p:spPr>
         <p:txBody>
-          <a:bodyPr anchorCtr="0" anchor="t" bIns="91425" lIns="91425" spcFirstLastPara="1" rIns="91425" wrap="square" tIns="91425">
+          <a:bodyPr spcFirstLastPara="1" wrap="square" lIns="91425" tIns="91425" rIns="91425" bIns="91425" anchor="t" anchorCtr="0">
             <a:noAutofit/>
           </a:bodyPr>
           <a:lstStyle/>
           <a:p>
-            <a:pPr indent="0" lvl="0" marL="0" rtl="0" algn="l">
+            <a:pPr marL="0" lvl="0" indent="0" algn="l" rtl="0">
               <a:spcBef>
                 <a:spcPts val="0"/>
               </a:spcBef>
@@ -1489,9 +1547,6 @@
               </a:spcAft>
               <a:buNone/>
             </a:pPr>
-            <a:r>
-              <a:t/>
-            </a:r>
             <a:endParaRPr/>
           </a:p>
         </p:txBody>
@@ -1505,11 +1560,11 @@
 </file>
 
 <file path=ppt/notesSlides/notesSlide7.xml><?xml version="1.0" encoding="utf-8"?>
-<p:notes xmlns:a="http://schemas.openxmlformats.org/drawingml/2006/main" xmlns:r="http://schemas.openxmlformats.org/officeDocument/2006/relationships" xmlns:mc="http://schemas.openxmlformats.org/markup-compatibility/2006" xmlns:mv="urn:schemas-microsoft-com:mac:vml" xmlns:p="http://schemas.openxmlformats.org/presentationml/2006/main" xmlns:c="http://schemas.openxmlformats.org/drawingml/2006/chart" xmlns:dgm="http://schemas.openxmlformats.org/drawingml/2006/diagram" xmlns:o="urn:schemas-microsoft-com:office:office" xmlns:v="urn:schemas-microsoft-com:vml" xmlns:pvml="urn:schemas-microsoft-com:office:powerpoint" xmlns:com="http://schemas.openxmlformats.org/drawingml/2006/compatibility" xmlns:p14="http://schemas.microsoft.com/office/powerpoint/2010/main" xmlns:p15="http://schemas.microsoft.com/office/powerpoint/2012/main" xmlns:ahyp="http://schemas.microsoft.com/office/drawing/2018/hyperlinkcolor" showMasterPhAnim="0" showMasterSp="0">
+<p:notes xmlns:a="http://schemas.openxmlformats.org/drawingml/2006/main" xmlns:r="http://schemas.openxmlformats.org/officeDocument/2006/relationships" xmlns:p="http://schemas.openxmlformats.org/presentationml/2006/main" showMasterSp="0" showMasterPhAnim="0">
   <p:cSld>
     <p:spTree>
       <p:nvGrpSpPr>
-        <p:cNvPr id="100" name="Shape 100"/>
+        <p:cNvPr id="1" name="Shape 100"/>
         <p:cNvGrpSpPr/>
         <p:nvPr/>
       </p:nvGrpSpPr>
@@ -1524,9 +1579,11 @@
       <p:sp>
         <p:nvSpPr>
           <p:cNvPr id="101" name="Google Shape;101;g1a4ba39fc17_0_55:notes"/>
-          <p:cNvSpPr/>
+          <p:cNvSpPr>
+            <a:spLocks noGrp="1" noRot="1" noChangeAspect="1"/>
+          </p:cNvSpPr>
           <p:nvPr>
-            <p:ph idx="2" type="sldImg"/>
+            <p:ph type="sldImg" idx="2"/>
           </p:nvPr>
         </p:nvSpPr>
         <p:spPr>
@@ -1535,9 +1592,13 @@
             <a:ext cx="6096000" cy="3429000"/>
           </a:xfrm>
           <a:custGeom>
-            <a:rect b="b" l="l" r="r" t="t"/>
+            <a:avLst/>
+            <a:gdLst/>
+            <a:ahLst/>
+            <a:cxnLst/>
+            <a:rect l="l" t="t" r="r" b="b"/>
             <a:pathLst>
-              <a:path extrusionOk="0" h="120000" w="120000">
+              <a:path w="120000" h="120000" extrusionOk="0">
                 <a:moveTo>
                   <a:pt x="0" y="0"/>
                 </a:moveTo>
@@ -1559,9 +1620,11 @@
       <p:sp>
         <p:nvSpPr>
           <p:cNvPr id="102" name="Google Shape;102;g1a4ba39fc17_0_55:notes"/>
-          <p:cNvSpPr txBox="1"/>
+          <p:cNvSpPr txBox="1">
+            <a:spLocks noGrp="1"/>
+          </p:cNvSpPr>
           <p:nvPr>
-            <p:ph idx="1" type="body"/>
+            <p:ph type="body" idx="1"/>
           </p:nvPr>
         </p:nvSpPr>
         <p:spPr>
@@ -1574,12 +1637,12 @@
           </a:prstGeom>
         </p:spPr>
         <p:txBody>
-          <a:bodyPr anchorCtr="0" anchor="t" bIns="91425" lIns="91425" spcFirstLastPara="1" rIns="91425" wrap="square" tIns="91425">
+          <a:bodyPr spcFirstLastPara="1" wrap="square" lIns="91425" tIns="91425" rIns="91425" bIns="91425" anchor="t" anchorCtr="0">
             <a:noAutofit/>
           </a:bodyPr>
           <a:lstStyle/>
           <a:p>
-            <a:pPr indent="0" lvl="0" marL="0" rtl="0" algn="l">
+            <a:pPr marL="0" lvl="0" indent="0" algn="l" rtl="0">
               <a:spcBef>
                 <a:spcPts val="0"/>
               </a:spcBef>
@@ -1588,9 +1651,6 @@
               </a:spcAft>
               <a:buNone/>
             </a:pPr>
-            <a:r>
-              <a:t/>
-            </a:r>
             <a:endParaRPr/>
           </a:p>
         </p:txBody>
@@ -1604,11 +1664,11 @@
 </file>
 
 <file path=ppt/notesSlides/notesSlide8.xml><?xml version="1.0" encoding="utf-8"?>
-<p:notes xmlns:a="http://schemas.openxmlformats.org/drawingml/2006/main" xmlns:r="http://schemas.openxmlformats.org/officeDocument/2006/relationships" xmlns:mc="http://schemas.openxmlformats.org/markup-compatibility/2006" xmlns:mv="urn:schemas-microsoft-com:mac:vml" xmlns:p="http://schemas.openxmlformats.org/presentationml/2006/main" xmlns:c="http://schemas.openxmlformats.org/drawingml/2006/chart" xmlns:dgm="http://schemas.openxmlformats.org/drawingml/2006/diagram" xmlns:o="urn:schemas-microsoft-com:office:office" xmlns:v="urn:schemas-microsoft-com:vml" xmlns:pvml="urn:schemas-microsoft-com:office:powerpoint" xmlns:com="http://schemas.openxmlformats.org/drawingml/2006/compatibility" xmlns:p14="http://schemas.microsoft.com/office/powerpoint/2010/main" xmlns:p15="http://schemas.microsoft.com/office/powerpoint/2012/main" xmlns:ahyp="http://schemas.microsoft.com/office/drawing/2018/hyperlinkcolor" showMasterPhAnim="0" showMasterSp="0">
+<p:notes xmlns:a="http://schemas.openxmlformats.org/drawingml/2006/main" xmlns:r="http://schemas.openxmlformats.org/officeDocument/2006/relationships" xmlns:p="http://schemas.openxmlformats.org/presentationml/2006/main" showMasterSp="0" showMasterPhAnim="0">
   <p:cSld>
     <p:spTree>
       <p:nvGrpSpPr>
-        <p:cNvPr id="107" name="Shape 107"/>
+        <p:cNvPr id="1" name="Shape 107"/>
         <p:cNvGrpSpPr/>
         <p:nvPr/>
       </p:nvGrpSpPr>
@@ -1623,9 +1683,11 @@
       <p:sp>
         <p:nvSpPr>
           <p:cNvPr id="108" name="Google Shape;108;g1a4ba39fc17_0_64:notes"/>
-          <p:cNvSpPr/>
+          <p:cNvSpPr>
+            <a:spLocks noGrp="1" noRot="1" noChangeAspect="1"/>
+          </p:cNvSpPr>
           <p:nvPr>
-            <p:ph idx="2" type="sldImg"/>
+            <p:ph type="sldImg" idx="2"/>
           </p:nvPr>
         </p:nvSpPr>
         <p:spPr>
@@ -1634,9 +1696,13 @@
             <a:ext cx="6096000" cy="3429000"/>
           </a:xfrm>
           <a:custGeom>
-            <a:rect b="b" l="l" r="r" t="t"/>
+            <a:avLst/>
+            <a:gdLst/>
+            <a:ahLst/>
+            <a:cxnLst/>
+            <a:rect l="l" t="t" r="r" b="b"/>
             <a:pathLst>
-              <a:path extrusionOk="0" h="120000" w="120000">
+              <a:path w="120000" h="120000" extrusionOk="0">
                 <a:moveTo>
                   <a:pt x="0" y="0"/>
                 </a:moveTo>
@@ -1658,9 +1724,11 @@
       <p:sp>
         <p:nvSpPr>
           <p:cNvPr id="109" name="Google Shape;109;g1a4ba39fc17_0_64:notes"/>
-          <p:cNvSpPr txBox="1"/>
+          <p:cNvSpPr txBox="1">
+            <a:spLocks noGrp="1"/>
+          </p:cNvSpPr>
           <p:nvPr>
-            <p:ph idx="1" type="body"/>
+            <p:ph type="body" idx="1"/>
           </p:nvPr>
         </p:nvSpPr>
         <p:spPr>
@@ -1673,12 +1741,12 @@
           </a:prstGeom>
         </p:spPr>
         <p:txBody>
-          <a:bodyPr anchorCtr="0" anchor="t" bIns="91425" lIns="91425" spcFirstLastPara="1" rIns="91425" wrap="square" tIns="91425">
+          <a:bodyPr spcFirstLastPara="1" wrap="square" lIns="91425" tIns="91425" rIns="91425" bIns="91425" anchor="t" anchorCtr="0">
             <a:noAutofit/>
           </a:bodyPr>
           <a:lstStyle/>
           <a:p>
-            <a:pPr indent="0" lvl="0" marL="0" rtl="0" algn="l">
+            <a:pPr marL="0" lvl="0" indent="0" algn="l" rtl="0">
               <a:spcBef>
                 <a:spcPts val="0"/>
               </a:spcBef>
@@ -1687,9 +1755,6 @@
               </a:spcAft>
               <a:buNone/>
             </a:pPr>
-            <a:r>
-              <a:t/>
-            </a:r>
             <a:endParaRPr/>
           </a:p>
         </p:txBody>
@@ -1703,11 +1768,11 @@
 </file>
 
 <file path=ppt/notesSlides/notesSlide9.xml><?xml version="1.0" encoding="utf-8"?>
-<p:notes xmlns:a="http://schemas.openxmlformats.org/drawingml/2006/main" xmlns:r="http://schemas.openxmlformats.org/officeDocument/2006/relationships" xmlns:mc="http://schemas.openxmlformats.org/markup-compatibility/2006" xmlns:mv="urn:schemas-microsoft-com:mac:vml" xmlns:p="http://schemas.openxmlformats.org/presentationml/2006/main" xmlns:c="http://schemas.openxmlformats.org/drawingml/2006/chart" xmlns:dgm="http://schemas.openxmlformats.org/drawingml/2006/diagram" xmlns:o="urn:schemas-microsoft-com:office:office" xmlns:v="urn:schemas-microsoft-com:vml" xmlns:pvml="urn:schemas-microsoft-com:office:powerpoint" xmlns:com="http://schemas.openxmlformats.org/drawingml/2006/compatibility" xmlns:p14="http://schemas.microsoft.com/office/powerpoint/2010/main" xmlns:p15="http://schemas.microsoft.com/office/powerpoint/2012/main" xmlns:ahyp="http://schemas.microsoft.com/office/drawing/2018/hyperlinkcolor" showMasterPhAnim="0" showMasterSp="0">
+<p:notes xmlns:a="http://schemas.openxmlformats.org/drawingml/2006/main" xmlns:r="http://schemas.openxmlformats.org/officeDocument/2006/relationships" xmlns:p="http://schemas.openxmlformats.org/presentationml/2006/main" showMasterSp="0" showMasterPhAnim="0">
   <p:cSld>
     <p:spTree>
       <p:nvGrpSpPr>
-        <p:cNvPr id="115" name="Shape 115"/>
+        <p:cNvPr id="1" name="Shape 115"/>
         <p:cNvGrpSpPr/>
         <p:nvPr/>
       </p:nvGrpSpPr>
@@ -1722,9 +1787,11 @@
       <p:sp>
         <p:nvSpPr>
           <p:cNvPr id="116" name="Google Shape;116;g1a4ba39fc17_0_73:notes"/>
-          <p:cNvSpPr/>
+          <p:cNvSpPr>
+            <a:spLocks noGrp="1" noRot="1" noChangeAspect="1"/>
+          </p:cNvSpPr>
           <p:nvPr>
-            <p:ph idx="2" type="sldImg"/>
+            <p:ph type="sldImg" idx="2"/>
           </p:nvPr>
         </p:nvSpPr>
         <p:spPr>
@@ -1733,9 +1800,13 @@
             <a:ext cx="6096000" cy="3429000"/>
           </a:xfrm>
           <a:custGeom>
-            <a:rect b="b" l="l" r="r" t="t"/>
+            <a:avLst/>
+            <a:gdLst/>
+            <a:ahLst/>
+            <a:cxnLst/>
+            <a:rect l="l" t="t" r="r" b="b"/>
             <a:pathLst>
-              <a:path extrusionOk="0" h="120000" w="120000">
+              <a:path w="120000" h="120000" extrusionOk="0">
                 <a:moveTo>
                   <a:pt x="0" y="0"/>
                 </a:moveTo>
@@ -1757,9 +1828,11 @@
       <p:sp>
         <p:nvSpPr>
           <p:cNvPr id="117" name="Google Shape;117;g1a4ba39fc17_0_73:notes"/>
-          <p:cNvSpPr txBox="1"/>
+          <p:cNvSpPr txBox="1">
+            <a:spLocks noGrp="1"/>
+          </p:cNvSpPr>
           <p:nvPr>
-            <p:ph idx="1" type="body"/>
+            <p:ph type="body" idx="1"/>
           </p:nvPr>
         </p:nvSpPr>
         <p:spPr>
@@ -1772,12 +1845,12 @@
           </a:prstGeom>
         </p:spPr>
         <p:txBody>
-          <a:bodyPr anchorCtr="0" anchor="t" bIns="91425" lIns="91425" spcFirstLastPara="1" rIns="91425" wrap="square" tIns="91425">
+          <a:bodyPr spcFirstLastPara="1" wrap="square" lIns="91425" tIns="91425" rIns="91425" bIns="91425" anchor="t" anchorCtr="0">
             <a:noAutofit/>
           </a:bodyPr>
           <a:lstStyle/>
           <a:p>
-            <a:pPr indent="0" lvl="0" marL="0" rtl="0" algn="l">
+            <a:pPr marL="0" lvl="0" indent="0" algn="l" rtl="0">
               <a:spcBef>
                 <a:spcPts val="0"/>
               </a:spcBef>
@@ -1786,9 +1859,6 @@
               </a:spcAft>
               <a:buNone/>
             </a:pPr>
-            <a:r>
-              <a:t/>
-            </a:r>
             <a:endParaRPr/>
           </a:p>
         </p:txBody>
@@ -1802,18 +1872,19 @@
 </file>
 
 <file path=ppt/slideLayouts/slideLayout1.xml><?xml version="1.0" encoding="utf-8"?>
-<p:sldLayout xmlns:a="http://schemas.openxmlformats.org/drawingml/2006/main" xmlns:r="http://schemas.openxmlformats.org/officeDocument/2006/relationships" xmlns:mc="http://schemas.openxmlformats.org/markup-compatibility/2006" xmlns:mv="urn:schemas-microsoft-com:mac:vml" xmlns:p="http://schemas.openxmlformats.org/presentationml/2006/main" xmlns:c="http://schemas.openxmlformats.org/drawingml/2006/chart" xmlns:dgm="http://schemas.openxmlformats.org/drawingml/2006/diagram" xmlns:o="urn:schemas-microsoft-com:office:office" xmlns:v="urn:schemas-microsoft-com:vml" xmlns:pvml="urn:schemas-microsoft-com:office:powerpoint" xmlns:com="http://schemas.openxmlformats.org/drawingml/2006/compatibility" xmlns:p14="http://schemas.microsoft.com/office/powerpoint/2010/main" xmlns:p15="http://schemas.microsoft.com/office/powerpoint/2012/main" xmlns:ahyp="http://schemas.microsoft.com/office/drawing/2018/hyperlinkcolor" matchingName="Title slide" type="title">
+<p:sldLayout xmlns:a="http://schemas.openxmlformats.org/drawingml/2006/main" xmlns:r="http://schemas.openxmlformats.org/officeDocument/2006/relationships" xmlns:p="http://schemas.openxmlformats.org/presentationml/2006/main" matchingName="Title slide" type="title">
   <p:cSld name="TITLE">
     <p:bg>
       <p:bgPr>
         <a:solidFill>
           <a:schemeClr val="dk1"/>
         </a:solidFill>
+        <a:effectLst/>
       </p:bgPr>
     </p:bg>
     <p:spTree>
       <p:nvGrpSpPr>
-        <p:cNvPr id="9" name="Shape 9"/>
+        <p:cNvPr id="1" name="Shape 9"/>
         <p:cNvGrpSpPr/>
         <p:nvPr/>
       </p:nvGrpSpPr>
@@ -1837,9 +1908,13 @@
             <a:ext cx="9144250" cy="4398100"/>
           </a:xfrm>
           <a:custGeom>
-            <a:rect b="b" l="l" r="r" t="t"/>
+            <a:avLst/>
+            <a:gdLst/>
+            <a:ahLst/>
+            <a:cxnLst/>
+            <a:rect l="l" t="t" r="r" b="b"/>
             <a:pathLst>
-              <a:path extrusionOk="0" h="175924" w="365770">
+              <a:path w="365770" h="175924" extrusionOk="0">
                 <a:moveTo>
                   <a:pt x="0" y="0"/>
                 </a:moveTo>
@@ -1867,7 +1942,9 @@
       <p:sp>
         <p:nvSpPr>
           <p:cNvPr id="11" name="Google Shape;11;p2"/>
-          <p:cNvSpPr txBox="1"/>
+          <p:cNvSpPr txBox="1">
+            <a:spLocks noGrp="1"/>
+          </p:cNvSpPr>
           <p:nvPr>
             <p:ph type="ctrTitle"/>
           </p:nvPr>
@@ -1882,7 +1959,7 @@
           </a:prstGeom>
         </p:spPr>
         <p:txBody>
-          <a:bodyPr anchorCtr="0" anchor="t" bIns="91425" lIns="91425" spcFirstLastPara="1" rIns="91425" wrap="square" tIns="91425">
+          <a:bodyPr spcFirstLastPara="1" wrap="square" lIns="91425" tIns="91425" rIns="91425" bIns="91425" anchor="t" anchorCtr="0">
             <a:normAutofit/>
           </a:bodyPr>
           <a:lstStyle>
@@ -1986,15 +2063,19 @@
               <a:defRPr sz="3600"/>
             </a:lvl9pPr>
           </a:lstStyle>
-          <a:p/>
+          <a:p>
+            <a:endParaRPr/>
+          </a:p>
         </p:txBody>
       </p:sp>
       <p:sp>
         <p:nvSpPr>
           <p:cNvPr id="12" name="Google Shape;12;p2"/>
-          <p:cNvSpPr txBox="1"/>
+          <p:cNvSpPr txBox="1">
+            <a:spLocks noGrp="1"/>
+          </p:cNvSpPr>
           <p:nvPr>
-            <p:ph idx="1" type="subTitle"/>
+            <p:ph type="subTitle" idx="1"/>
           </p:nvPr>
         </p:nvSpPr>
         <p:spPr>
@@ -2007,7 +2088,7 @@
           </a:prstGeom>
         </p:spPr>
         <p:txBody>
-          <a:bodyPr anchorCtr="0" anchor="t" bIns="91425" lIns="91425" spcFirstLastPara="1" rIns="91425" wrap="square" tIns="91425">
+          <a:bodyPr spcFirstLastPara="1" wrap="square" lIns="91425" tIns="91425" rIns="91425" bIns="91425" anchor="t" anchorCtr="0">
             <a:normAutofit/>
           </a:bodyPr>
           <a:lstStyle>
@@ -2201,15 +2282,19 @@
               </a:defRPr>
             </a:lvl9pPr>
           </a:lstStyle>
-          <a:p/>
+          <a:p>
+            <a:endParaRPr/>
+          </a:p>
         </p:txBody>
       </p:sp>
       <p:sp>
         <p:nvSpPr>
           <p:cNvPr id="13" name="Google Shape;13;p2"/>
-          <p:cNvSpPr txBox="1"/>
+          <p:cNvSpPr txBox="1">
+            <a:spLocks noGrp="1"/>
+          </p:cNvSpPr>
           <p:nvPr>
-            <p:ph idx="12" type="sldNum"/>
+            <p:ph type="sldNum" idx="12"/>
           </p:nvPr>
         </p:nvSpPr>
         <p:spPr>
@@ -2222,7 +2307,7 @@
           </a:prstGeom>
         </p:spPr>
         <p:txBody>
-          <a:bodyPr anchorCtr="0" anchor="ctr" bIns="91425" lIns="91425" spcFirstLastPara="1" rIns="91425" wrap="square" tIns="91425">
+          <a:bodyPr spcFirstLastPara="1" wrap="square" lIns="91425" tIns="91425" rIns="91425" bIns="91425" anchor="ctr" anchorCtr="0">
             <a:normAutofit/>
           </a:bodyPr>
           <a:lstStyle>
@@ -2300,7 +2385,7 @@
             </a:lvl9pPr>
           </a:lstStyle>
           <a:p>
-            <a:pPr indent="0" lvl="0" marL="0" rtl="0" algn="r">
+            <a:pPr marL="0" lvl="0" indent="0" algn="r" rtl="0">
               <a:spcBef>
                 <a:spcPts val="0"/>
               </a:spcBef>
@@ -2326,18 +2411,19 @@
 </file>
 
 <file path=ppt/slideLayouts/slideLayout10.xml><?xml version="1.0" encoding="utf-8"?>
-<p:sldLayout xmlns:a="http://schemas.openxmlformats.org/drawingml/2006/main" xmlns:r="http://schemas.openxmlformats.org/officeDocument/2006/relationships" xmlns:mc="http://schemas.openxmlformats.org/markup-compatibility/2006" xmlns:mv="urn:schemas-microsoft-com:mac:vml" xmlns:p="http://schemas.openxmlformats.org/presentationml/2006/main" xmlns:c="http://schemas.openxmlformats.org/drawingml/2006/chart" xmlns:dgm="http://schemas.openxmlformats.org/drawingml/2006/diagram" xmlns:o="urn:schemas-microsoft-com:office:office" xmlns:v="urn:schemas-microsoft-com:vml" xmlns:pvml="urn:schemas-microsoft-com:office:powerpoint" xmlns:com="http://schemas.openxmlformats.org/drawingml/2006/compatibility" xmlns:p14="http://schemas.microsoft.com/office/powerpoint/2010/main" xmlns:p15="http://schemas.microsoft.com/office/powerpoint/2012/main" xmlns:ahyp="http://schemas.microsoft.com/office/drawing/2018/hyperlinkcolor" matchingName="Big number">
+<p:sldLayout xmlns:a="http://schemas.openxmlformats.org/drawingml/2006/main" xmlns:r="http://schemas.openxmlformats.org/officeDocument/2006/relationships" xmlns:p="http://schemas.openxmlformats.org/presentationml/2006/main" matchingName="Big number">
   <p:cSld name="BIG_NUMBER">
     <p:bg>
       <p:bgPr>
         <a:solidFill>
           <a:schemeClr val="dk1"/>
         </a:solidFill>
+        <a:effectLst/>
       </p:bgPr>
     </p:bg>
     <p:spTree>
       <p:nvGrpSpPr>
-        <p:cNvPr id="54" name="Shape 54"/>
+        <p:cNvPr id="1" name="Shape 54"/>
         <p:cNvGrpSpPr/>
         <p:nvPr/>
       </p:nvGrpSpPr>
@@ -2352,9 +2438,11 @@
       <p:sp>
         <p:nvSpPr>
           <p:cNvPr id="55" name="Google Shape;55;p11"/>
-          <p:cNvSpPr txBox="1"/>
+          <p:cNvSpPr txBox="1">
+            <a:spLocks noGrp="1"/>
+          </p:cNvSpPr>
           <p:nvPr>
-            <p:ph hasCustomPrompt="1" type="title"/>
+            <p:ph type="title" hasCustomPrompt="1"/>
           </p:nvPr>
         </p:nvSpPr>
         <p:spPr>
@@ -2367,7 +2455,7 @@
           </a:prstGeom>
         </p:spPr>
         <p:txBody>
-          <a:bodyPr anchorCtr="0" anchor="b" bIns="91425" lIns="91425" spcFirstLastPara="1" rIns="91425" wrap="square" tIns="91425">
+          <a:bodyPr spcFirstLastPara="1" wrap="square" lIns="91425" tIns="91425" rIns="91425" bIns="91425" anchor="b" anchorCtr="0">
             <a:normAutofit/>
           </a:bodyPr>
           <a:lstStyle>
@@ -2544,9 +2632,11 @@
       <p:sp>
         <p:nvSpPr>
           <p:cNvPr id="56" name="Google Shape;56;p11"/>
-          <p:cNvSpPr txBox="1"/>
+          <p:cNvSpPr txBox="1">
+            <a:spLocks noGrp="1"/>
+          </p:cNvSpPr>
           <p:nvPr>
-            <p:ph idx="1" type="body"/>
+            <p:ph type="body" idx="1"/>
           </p:nvPr>
         </p:nvSpPr>
         <p:spPr>
@@ -2559,11 +2649,11 @@
           </a:prstGeom>
         </p:spPr>
         <p:txBody>
-          <a:bodyPr anchorCtr="0" anchor="t" bIns="91425" lIns="91425" spcFirstLastPara="1" rIns="91425" wrap="square" tIns="91425">
+          <a:bodyPr spcFirstLastPara="1" wrap="square" lIns="91425" tIns="91425" rIns="91425" bIns="91425" anchor="t" anchorCtr="0">
             <a:normAutofit/>
           </a:bodyPr>
           <a:lstStyle>
-            <a:lvl1pPr indent="-311150" lvl="0" marL="457200">
+            <a:lvl1pPr marL="457200" lvl="0" indent="-311150">
               <a:spcBef>
                 <a:spcPts val="0"/>
               </a:spcBef>
@@ -2581,7 +2671,7 @@
                 </a:solidFill>
               </a:defRPr>
             </a:lvl1pPr>
-            <a:lvl2pPr indent="-298450" lvl="1" marL="914400">
+            <a:lvl2pPr marL="914400" lvl="1" indent="-298450">
               <a:spcBef>
                 <a:spcPts val="0"/>
               </a:spcBef>
@@ -2599,7 +2689,7 @@
                 </a:solidFill>
               </a:defRPr>
             </a:lvl2pPr>
-            <a:lvl3pPr indent="-298450" lvl="2" marL="1371600">
+            <a:lvl3pPr marL="1371600" lvl="2" indent="-298450">
               <a:spcBef>
                 <a:spcPts val="0"/>
               </a:spcBef>
@@ -2617,7 +2707,7 @@
                 </a:solidFill>
               </a:defRPr>
             </a:lvl3pPr>
-            <a:lvl4pPr indent="-298450" lvl="3" marL="1828800">
+            <a:lvl4pPr marL="1828800" lvl="3" indent="-298450">
               <a:spcBef>
                 <a:spcPts val="0"/>
               </a:spcBef>
@@ -2635,7 +2725,7 @@
                 </a:solidFill>
               </a:defRPr>
             </a:lvl4pPr>
-            <a:lvl5pPr indent="-298450" lvl="4" marL="2286000">
+            <a:lvl5pPr marL="2286000" lvl="4" indent="-298450">
               <a:spcBef>
                 <a:spcPts val="0"/>
               </a:spcBef>
@@ -2653,7 +2743,7 @@
                 </a:solidFill>
               </a:defRPr>
             </a:lvl5pPr>
-            <a:lvl6pPr indent="-298450" lvl="5" marL="2743200">
+            <a:lvl6pPr marL="2743200" lvl="5" indent="-298450">
               <a:spcBef>
                 <a:spcPts val="0"/>
               </a:spcBef>
@@ -2671,7 +2761,7 @@
                 </a:solidFill>
               </a:defRPr>
             </a:lvl6pPr>
-            <a:lvl7pPr indent="-298450" lvl="6" marL="3200400">
+            <a:lvl7pPr marL="3200400" lvl="6" indent="-298450">
               <a:spcBef>
                 <a:spcPts val="0"/>
               </a:spcBef>
@@ -2689,7 +2779,7 @@
                 </a:solidFill>
               </a:defRPr>
             </a:lvl7pPr>
-            <a:lvl8pPr indent="-298450" lvl="7" marL="3657600">
+            <a:lvl8pPr marL="3657600" lvl="7" indent="-298450">
               <a:spcBef>
                 <a:spcPts val="0"/>
               </a:spcBef>
@@ -2707,7 +2797,7 @@
                 </a:solidFill>
               </a:defRPr>
             </a:lvl8pPr>
-            <a:lvl9pPr indent="-298450" lvl="8" marL="4114800">
+            <a:lvl9pPr marL="4114800" lvl="8" indent="-298450">
               <a:spcBef>
                 <a:spcPts val="0"/>
               </a:spcBef>
@@ -2726,15 +2816,19 @@
               </a:defRPr>
             </a:lvl9pPr>
           </a:lstStyle>
-          <a:p/>
+          <a:p>
+            <a:endParaRPr/>
+          </a:p>
         </p:txBody>
       </p:sp>
       <p:sp>
         <p:nvSpPr>
           <p:cNvPr id="57" name="Google Shape;57;p11"/>
-          <p:cNvSpPr txBox="1"/>
+          <p:cNvSpPr txBox="1">
+            <a:spLocks noGrp="1"/>
+          </p:cNvSpPr>
           <p:nvPr>
-            <p:ph idx="12" type="sldNum"/>
+            <p:ph type="sldNum" idx="12"/>
           </p:nvPr>
         </p:nvSpPr>
         <p:spPr>
@@ -2747,7 +2841,7 @@
           </a:prstGeom>
         </p:spPr>
         <p:txBody>
-          <a:bodyPr anchorCtr="0" anchor="ctr" bIns="91425" lIns="91425" spcFirstLastPara="1" rIns="91425" wrap="square" tIns="91425">
+          <a:bodyPr spcFirstLastPara="1" wrap="square" lIns="91425" tIns="91425" rIns="91425" bIns="91425" anchor="ctr" anchorCtr="0">
             <a:normAutofit/>
           </a:bodyPr>
           <a:lstStyle>
@@ -2825,7 +2919,7 @@
             </a:lvl9pPr>
           </a:lstStyle>
           <a:p>
-            <a:pPr indent="0" lvl="0" marL="0" rtl="0" algn="r">
+            <a:pPr marL="0" lvl="0" indent="0" algn="r" rtl="0">
               <a:spcBef>
                 <a:spcPts val="0"/>
               </a:spcBef>
@@ -2851,11 +2945,11 @@
 </file>
 
 <file path=ppt/slideLayouts/slideLayout11.xml><?xml version="1.0" encoding="utf-8"?>
-<p:sldLayout xmlns:a="http://schemas.openxmlformats.org/drawingml/2006/main" xmlns:r="http://schemas.openxmlformats.org/officeDocument/2006/relationships" xmlns:mc="http://schemas.openxmlformats.org/markup-compatibility/2006" xmlns:mv="urn:schemas-microsoft-com:mac:vml" xmlns:p="http://schemas.openxmlformats.org/presentationml/2006/main" xmlns:c="http://schemas.openxmlformats.org/drawingml/2006/chart" xmlns:dgm="http://schemas.openxmlformats.org/drawingml/2006/diagram" xmlns:o="urn:schemas-microsoft-com:office:office" xmlns:v="urn:schemas-microsoft-com:vml" xmlns:pvml="urn:schemas-microsoft-com:office:powerpoint" xmlns:com="http://schemas.openxmlformats.org/drawingml/2006/compatibility" xmlns:p14="http://schemas.microsoft.com/office/powerpoint/2010/main" xmlns:p15="http://schemas.microsoft.com/office/powerpoint/2012/main" xmlns:ahyp="http://schemas.microsoft.com/office/drawing/2018/hyperlinkcolor" matchingName="Blank" type="blank">
+<p:sldLayout xmlns:a="http://schemas.openxmlformats.org/drawingml/2006/main" xmlns:r="http://schemas.openxmlformats.org/officeDocument/2006/relationships" xmlns:p="http://schemas.openxmlformats.org/presentationml/2006/main" matchingName="Blank" type="blank">
   <p:cSld name="BLANK">
     <p:spTree>
       <p:nvGrpSpPr>
-        <p:cNvPr id="58" name="Shape 58"/>
+        <p:cNvPr id="1" name="Shape 58"/>
         <p:cNvGrpSpPr/>
         <p:nvPr/>
       </p:nvGrpSpPr>
@@ -2870,9 +2964,11 @@
       <p:sp>
         <p:nvSpPr>
           <p:cNvPr id="59" name="Google Shape;59;p12"/>
-          <p:cNvSpPr txBox="1"/>
+          <p:cNvSpPr txBox="1">
+            <a:spLocks noGrp="1"/>
+          </p:cNvSpPr>
           <p:nvPr>
-            <p:ph idx="12" type="sldNum"/>
+            <p:ph type="sldNum" idx="12"/>
           </p:nvPr>
         </p:nvSpPr>
         <p:spPr>
@@ -2885,7 +2981,7 @@
           </a:prstGeom>
         </p:spPr>
         <p:txBody>
-          <a:bodyPr anchorCtr="0" anchor="ctr" bIns="91425" lIns="91425" spcFirstLastPara="1" rIns="91425" wrap="square" tIns="91425">
+          <a:bodyPr spcFirstLastPara="1" wrap="square" lIns="91425" tIns="91425" rIns="91425" bIns="91425" anchor="ctr" anchorCtr="0">
             <a:normAutofit/>
           </a:bodyPr>
           <a:lstStyle>
@@ -2927,7 +3023,7 @@
             </a:lvl9pPr>
           </a:lstStyle>
           <a:p>
-            <a:pPr indent="0" lvl="0" marL="0" rtl="0" algn="r">
+            <a:pPr marL="0" lvl="0" indent="0" algn="r" rtl="0">
               <a:spcBef>
                 <a:spcPts val="0"/>
               </a:spcBef>
@@ -2953,18 +3049,19 @@
 </file>
 
 <file path=ppt/slideLayouts/slideLayout2.xml><?xml version="1.0" encoding="utf-8"?>
-<p:sldLayout xmlns:a="http://schemas.openxmlformats.org/drawingml/2006/main" xmlns:r="http://schemas.openxmlformats.org/officeDocument/2006/relationships" xmlns:mc="http://schemas.openxmlformats.org/markup-compatibility/2006" xmlns:mv="urn:schemas-microsoft-com:mac:vml" xmlns:p="http://schemas.openxmlformats.org/presentationml/2006/main" xmlns:c="http://schemas.openxmlformats.org/drawingml/2006/chart" xmlns:dgm="http://schemas.openxmlformats.org/drawingml/2006/diagram" xmlns:o="urn:schemas-microsoft-com:office:office" xmlns:v="urn:schemas-microsoft-com:vml" xmlns:pvml="urn:schemas-microsoft-com:office:powerpoint" xmlns:com="http://schemas.openxmlformats.org/drawingml/2006/compatibility" xmlns:p14="http://schemas.microsoft.com/office/powerpoint/2010/main" xmlns:p15="http://schemas.microsoft.com/office/powerpoint/2012/main" xmlns:ahyp="http://schemas.microsoft.com/office/drawing/2018/hyperlinkcolor" matchingName="Section header" type="secHead">
+<p:sldLayout xmlns:a="http://schemas.openxmlformats.org/drawingml/2006/main" xmlns:r="http://schemas.openxmlformats.org/officeDocument/2006/relationships" xmlns:p="http://schemas.openxmlformats.org/presentationml/2006/main" matchingName="Section header" type="secHead">
   <p:cSld name="SECTION_HEADER">
     <p:bg>
       <p:bgPr>
         <a:solidFill>
           <a:schemeClr val="accent3"/>
         </a:solidFill>
+        <a:effectLst/>
       </p:bgPr>
     </p:bg>
     <p:spTree>
       <p:nvGrpSpPr>
-        <p:cNvPr id="14" name="Shape 14"/>
+        <p:cNvPr id="1" name="Shape 14"/>
         <p:cNvGrpSpPr/>
         <p:nvPr/>
       </p:nvGrpSpPr>
@@ -2988,9 +3085,13 @@
             <a:ext cx="9144250" cy="4398100"/>
           </a:xfrm>
           <a:custGeom>
-            <a:rect b="b" l="l" r="r" t="t"/>
+            <a:avLst/>
+            <a:gdLst/>
+            <a:ahLst/>
+            <a:cxnLst/>
+            <a:rect l="l" t="t" r="r" b="b"/>
             <a:pathLst>
-              <a:path extrusionOk="0" h="175924" w="365770">
+              <a:path w="365770" h="175924" extrusionOk="0">
                 <a:moveTo>
                   <a:pt x="0" y="0"/>
                 </a:moveTo>
@@ -3027,9 +3128,13 @@
             <a:ext cx="9144250" cy="4398100"/>
           </a:xfrm>
           <a:custGeom>
-            <a:rect b="b" l="l" r="r" t="t"/>
+            <a:avLst/>
+            <a:gdLst/>
+            <a:ahLst/>
+            <a:cxnLst/>
+            <a:rect l="l" t="t" r="r" b="b"/>
             <a:pathLst>
-              <a:path extrusionOk="0" h="175924" w="365770">
+              <a:path w="365770" h="175924" extrusionOk="0">
                 <a:moveTo>
                   <a:pt x="0" y="0"/>
                 </a:moveTo>
@@ -3057,7 +3162,9 @@
       <p:sp>
         <p:nvSpPr>
           <p:cNvPr id="17" name="Google Shape;17;p3"/>
-          <p:cNvSpPr txBox="1"/>
+          <p:cNvSpPr txBox="1">
+            <a:spLocks noGrp="1"/>
+          </p:cNvSpPr>
           <p:nvPr>
             <p:ph type="title"/>
           </p:nvPr>
@@ -3072,7 +3179,7 @@
           </a:prstGeom>
         </p:spPr>
         <p:txBody>
-          <a:bodyPr anchorCtr="0" anchor="t" bIns="91425" lIns="91425" spcFirstLastPara="1" rIns="91425" wrap="square" tIns="91425">
+          <a:bodyPr spcFirstLastPara="1" wrap="square" lIns="91425" tIns="91425" rIns="91425" bIns="91425" anchor="t" anchorCtr="0">
             <a:normAutofit/>
           </a:bodyPr>
           <a:lstStyle>
@@ -3176,15 +3283,19 @@
               <a:defRPr sz="3600"/>
             </a:lvl9pPr>
           </a:lstStyle>
-          <a:p/>
+          <a:p>
+            <a:endParaRPr/>
+          </a:p>
         </p:txBody>
       </p:sp>
       <p:sp>
         <p:nvSpPr>
           <p:cNvPr id="18" name="Google Shape;18;p3"/>
-          <p:cNvSpPr txBox="1"/>
+          <p:cNvSpPr txBox="1">
+            <a:spLocks noGrp="1"/>
+          </p:cNvSpPr>
           <p:nvPr>
-            <p:ph idx="12" type="sldNum"/>
+            <p:ph type="sldNum" idx="12"/>
           </p:nvPr>
         </p:nvSpPr>
         <p:spPr>
@@ -3197,7 +3308,7 @@
           </a:prstGeom>
         </p:spPr>
         <p:txBody>
-          <a:bodyPr anchorCtr="0" anchor="ctr" bIns="91425" lIns="91425" spcFirstLastPara="1" rIns="91425" wrap="square" tIns="91425">
+          <a:bodyPr spcFirstLastPara="1" wrap="square" lIns="91425" tIns="91425" rIns="91425" bIns="91425" anchor="ctr" anchorCtr="0">
             <a:normAutofit/>
           </a:bodyPr>
           <a:lstStyle>
@@ -3275,7 +3386,7 @@
             </a:lvl9pPr>
           </a:lstStyle>
           <a:p>
-            <a:pPr indent="0" lvl="0" marL="0" rtl="0" algn="r">
+            <a:pPr marL="0" lvl="0" indent="0" algn="r" rtl="0">
               <a:spcBef>
                 <a:spcPts val="0"/>
               </a:spcBef>
@@ -3301,11 +3412,11 @@
 </file>
 
 <file path=ppt/slideLayouts/slideLayout3.xml><?xml version="1.0" encoding="utf-8"?>
-<p:sldLayout xmlns:a="http://schemas.openxmlformats.org/drawingml/2006/main" xmlns:r="http://schemas.openxmlformats.org/officeDocument/2006/relationships" xmlns:mc="http://schemas.openxmlformats.org/markup-compatibility/2006" xmlns:mv="urn:schemas-microsoft-com:mac:vml" xmlns:p="http://schemas.openxmlformats.org/presentationml/2006/main" xmlns:c="http://schemas.openxmlformats.org/drawingml/2006/chart" xmlns:dgm="http://schemas.openxmlformats.org/drawingml/2006/diagram" xmlns:o="urn:schemas-microsoft-com:office:office" xmlns:v="urn:schemas-microsoft-com:vml" xmlns:pvml="urn:schemas-microsoft-com:office:powerpoint" xmlns:com="http://schemas.openxmlformats.org/drawingml/2006/compatibility" xmlns:p14="http://schemas.microsoft.com/office/powerpoint/2010/main" xmlns:p15="http://schemas.microsoft.com/office/powerpoint/2012/main" xmlns:ahyp="http://schemas.microsoft.com/office/drawing/2018/hyperlinkcolor" matchingName="Title and body" type="tx">
+<p:sldLayout xmlns:a="http://schemas.openxmlformats.org/drawingml/2006/main" xmlns:r="http://schemas.openxmlformats.org/officeDocument/2006/relationships" xmlns:p="http://schemas.openxmlformats.org/presentationml/2006/main" matchingName="Title and body" type="tx">
   <p:cSld name="TITLE_AND_BODY">
     <p:spTree>
       <p:nvGrpSpPr>
-        <p:cNvPr id="19" name="Shape 19"/>
+        <p:cNvPr id="1" name="Shape 19"/>
         <p:cNvGrpSpPr/>
         <p:nvPr/>
       </p:nvGrpSpPr>
@@ -3339,12 +3450,12 @@
           </a:ln>
         </p:spPr>
         <p:txBody>
-          <a:bodyPr anchorCtr="0" anchor="ctr" bIns="91425" lIns="91425" spcFirstLastPara="1" rIns="91425" wrap="square" tIns="91425">
+          <a:bodyPr spcFirstLastPara="1" wrap="square" lIns="91425" tIns="91425" rIns="91425" bIns="91425" anchor="ctr" anchorCtr="0">
             <a:noAutofit/>
           </a:bodyPr>
           <a:lstStyle/>
           <a:p>
-            <a:pPr indent="0" lvl="0" marL="0" rtl="0" algn="l">
+            <a:pPr marL="0" lvl="0" indent="0" algn="l" rtl="0">
               <a:spcBef>
                 <a:spcPts val="0"/>
               </a:spcBef>
@@ -3353,9 +3464,6 @@
               </a:spcAft>
               <a:buNone/>
             </a:pPr>
-            <a:r>
-              <a:t/>
-            </a:r>
             <a:endParaRPr/>
           </a:p>
         </p:txBody>
@@ -3372,9 +3480,13 @@
             <a:ext cx="4313625" cy="4399375"/>
           </a:xfrm>
           <a:custGeom>
-            <a:rect b="b" l="l" r="r" t="t"/>
+            <a:avLst/>
+            <a:gdLst/>
+            <a:ahLst/>
+            <a:cxnLst/>
+            <a:rect l="l" t="t" r="r" b="b"/>
             <a:pathLst>
-              <a:path extrusionOk="0" h="175975" w="172545">
+              <a:path w="172545" h="175975" extrusionOk="0">
                 <a:moveTo>
                   <a:pt x="0" y="157"/>
                 </a:moveTo>
@@ -3411,9 +3523,13 @@
             <a:ext cx="4316900" cy="4395600"/>
           </a:xfrm>
           <a:custGeom>
-            <a:rect b="b" l="l" r="r" t="t"/>
+            <a:avLst/>
+            <a:gdLst/>
+            <a:ahLst/>
+            <a:cxnLst/>
+            <a:rect l="l" t="t" r="r" b="b"/>
             <a:pathLst>
-              <a:path extrusionOk="0" h="175824" w="172676">
+              <a:path w="172676" h="175824" extrusionOk="0">
                 <a:moveTo>
                   <a:pt x="0" y="6"/>
                 </a:moveTo>
@@ -3441,7 +3557,9 @@
       <p:sp>
         <p:nvSpPr>
           <p:cNvPr id="23" name="Google Shape;23;p4"/>
-          <p:cNvSpPr txBox="1"/>
+          <p:cNvSpPr txBox="1">
+            <a:spLocks noGrp="1"/>
+          </p:cNvSpPr>
           <p:nvPr>
             <p:ph type="title"/>
           </p:nvPr>
@@ -3456,7 +3574,7 @@
           </a:prstGeom>
         </p:spPr>
         <p:txBody>
-          <a:bodyPr anchorCtr="0" anchor="t" bIns="91425" lIns="91425" spcFirstLastPara="1" rIns="91425" wrap="square" tIns="91425">
+          <a:bodyPr spcFirstLastPara="1" wrap="square" lIns="91425" tIns="91425" rIns="91425" bIns="91425" anchor="t" anchorCtr="0">
             <a:normAutofit/>
           </a:bodyPr>
           <a:lstStyle>
@@ -3623,15 +3741,19 @@
               </a:defRPr>
             </a:lvl9pPr>
           </a:lstStyle>
-          <a:p/>
+          <a:p>
+            <a:endParaRPr/>
+          </a:p>
         </p:txBody>
       </p:sp>
       <p:sp>
         <p:nvSpPr>
           <p:cNvPr id="24" name="Google Shape;24;p4"/>
-          <p:cNvSpPr txBox="1"/>
+          <p:cNvSpPr txBox="1">
+            <a:spLocks noGrp="1"/>
+          </p:cNvSpPr>
           <p:nvPr>
-            <p:ph idx="1" type="body"/>
+            <p:ph type="body" idx="1"/>
           </p:nvPr>
         </p:nvSpPr>
         <p:spPr>
@@ -3644,11 +3766,11 @@
           </a:prstGeom>
         </p:spPr>
         <p:txBody>
-          <a:bodyPr anchorCtr="0" anchor="t" bIns="91425" lIns="91425" spcFirstLastPara="1" rIns="91425" wrap="square" tIns="91425">
+          <a:bodyPr spcFirstLastPara="1" wrap="square" lIns="91425" tIns="91425" rIns="91425" bIns="91425" anchor="t" anchorCtr="0">
             <a:normAutofit/>
           </a:bodyPr>
           <a:lstStyle>
-            <a:lvl1pPr indent="-311150" lvl="0" marL="457200">
+            <a:lvl1pPr marL="457200" lvl="0" indent="-311150">
               <a:spcBef>
                 <a:spcPts val="0"/>
               </a:spcBef>
@@ -3659,7 +3781,7 @@
               <a:buChar char="●"/>
               <a:defRPr/>
             </a:lvl1pPr>
-            <a:lvl2pPr indent="-298450" lvl="1" marL="914400">
+            <a:lvl2pPr marL="914400" lvl="1" indent="-298450">
               <a:spcBef>
                 <a:spcPts val="0"/>
               </a:spcBef>
@@ -3670,7 +3792,7 @@
               <a:buChar char="○"/>
               <a:defRPr/>
             </a:lvl2pPr>
-            <a:lvl3pPr indent="-298450" lvl="2" marL="1371600">
+            <a:lvl3pPr marL="1371600" lvl="2" indent="-298450">
               <a:spcBef>
                 <a:spcPts val="0"/>
               </a:spcBef>
@@ -3681,7 +3803,7 @@
               <a:buChar char="■"/>
               <a:defRPr/>
             </a:lvl3pPr>
-            <a:lvl4pPr indent="-298450" lvl="3" marL="1828800">
+            <a:lvl4pPr marL="1828800" lvl="3" indent="-298450">
               <a:spcBef>
                 <a:spcPts val="0"/>
               </a:spcBef>
@@ -3692,7 +3814,7 @@
               <a:buChar char="●"/>
               <a:defRPr/>
             </a:lvl4pPr>
-            <a:lvl5pPr indent="-298450" lvl="4" marL="2286000">
+            <a:lvl5pPr marL="2286000" lvl="4" indent="-298450">
               <a:spcBef>
                 <a:spcPts val="0"/>
               </a:spcBef>
@@ -3703,7 +3825,7 @@
               <a:buChar char="○"/>
               <a:defRPr/>
             </a:lvl5pPr>
-            <a:lvl6pPr indent="-298450" lvl="5" marL="2743200">
+            <a:lvl6pPr marL="2743200" lvl="5" indent="-298450">
               <a:spcBef>
                 <a:spcPts val="0"/>
               </a:spcBef>
@@ -3714,7 +3836,7 @@
               <a:buChar char="■"/>
               <a:defRPr/>
             </a:lvl6pPr>
-            <a:lvl7pPr indent="-298450" lvl="6" marL="3200400">
+            <a:lvl7pPr marL="3200400" lvl="6" indent="-298450">
               <a:spcBef>
                 <a:spcPts val="0"/>
               </a:spcBef>
@@ -3725,7 +3847,7 @@
               <a:buChar char="●"/>
               <a:defRPr/>
             </a:lvl7pPr>
-            <a:lvl8pPr indent="-298450" lvl="7" marL="3657600">
+            <a:lvl8pPr marL="3657600" lvl="7" indent="-298450">
               <a:spcBef>
                 <a:spcPts val="0"/>
               </a:spcBef>
@@ -3736,7 +3858,7 @@
               <a:buChar char="○"/>
               <a:defRPr/>
             </a:lvl8pPr>
-            <a:lvl9pPr indent="-298450" lvl="8" marL="4114800">
+            <a:lvl9pPr marL="4114800" lvl="8" indent="-298450">
               <a:spcBef>
                 <a:spcPts val="0"/>
               </a:spcBef>
@@ -3748,15 +3870,19 @@
               <a:defRPr/>
             </a:lvl9pPr>
           </a:lstStyle>
-          <a:p/>
+          <a:p>
+            <a:endParaRPr/>
+          </a:p>
         </p:txBody>
       </p:sp>
       <p:sp>
         <p:nvSpPr>
           <p:cNvPr id="25" name="Google Shape;25;p4"/>
-          <p:cNvSpPr txBox="1"/>
+          <p:cNvSpPr txBox="1">
+            <a:spLocks noGrp="1"/>
+          </p:cNvSpPr>
           <p:nvPr>
-            <p:ph idx="12" type="sldNum"/>
+            <p:ph type="sldNum" idx="12"/>
           </p:nvPr>
         </p:nvSpPr>
         <p:spPr>
@@ -3769,7 +3895,7 @@
           </a:prstGeom>
         </p:spPr>
         <p:txBody>
-          <a:bodyPr anchorCtr="0" anchor="ctr" bIns="91425" lIns="91425" spcFirstLastPara="1" rIns="91425" wrap="square" tIns="91425">
+          <a:bodyPr spcFirstLastPara="1" wrap="square" lIns="91425" tIns="91425" rIns="91425" bIns="91425" anchor="ctr" anchorCtr="0">
             <a:normAutofit/>
           </a:bodyPr>
           <a:lstStyle>
@@ -3811,7 +3937,7 @@
             </a:lvl9pPr>
           </a:lstStyle>
           <a:p>
-            <a:pPr indent="0" lvl="0" marL="0" rtl="0" algn="r">
+            <a:pPr marL="0" lvl="0" indent="0" algn="r" rtl="0">
               <a:spcBef>
                 <a:spcPts val="0"/>
               </a:spcBef>
@@ -3837,11 +3963,11 @@
 </file>
 
 <file path=ppt/slideLayouts/slideLayout4.xml><?xml version="1.0" encoding="utf-8"?>
-<p:sldLayout xmlns:a="http://schemas.openxmlformats.org/drawingml/2006/main" xmlns:r="http://schemas.openxmlformats.org/officeDocument/2006/relationships" xmlns:mc="http://schemas.openxmlformats.org/markup-compatibility/2006" xmlns:mv="urn:schemas-microsoft-com:mac:vml" xmlns:p="http://schemas.openxmlformats.org/presentationml/2006/main" xmlns:c="http://schemas.openxmlformats.org/drawingml/2006/chart" xmlns:dgm="http://schemas.openxmlformats.org/drawingml/2006/diagram" xmlns:o="urn:schemas-microsoft-com:office:office" xmlns:v="urn:schemas-microsoft-com:vml" xmlns:pvml="urn:schemas-microsoft-com:office:powerpoint" xmlns:com="http://schemas.openxmlformats.org/drawingml/2006/compatibility" xmlns:p14="http://schemas.microsoft.com/office/powerpoint/2010/main" xmlns:p15="http://schemas.microsoft.com/office/powerpoint/2012/main" xmlns:ahyp="http://schemas.microsoft.com/office/drawing/2018/hyperlinkcolor" matchingName="Title and two columns" type="twoColTx">
+<p:sldLayout xmlns:a="http://schemas.openxmlformats.org/drawingml/2006/main" xmlns:r="http://schemas.openxmlformats.org/officeDocument/2006/relationships" xmlns:p="http://schemas.openxmlformats.org/presentationml/2006/main" matchingName="Title and two columns" type="twoColTx">
   <p:cSld name="TITLE_AND_TWO_COLUMNS">
     <p:spTree>
       <p:nvGrpSpPr>
-        <p:cNvPr id="26" name="Shape 26"/>
+        <p:cNvPr id="1" name="Shape 26"/>
         <p:cNvGrpSpPr/>
         <p:nvPr/>
       </p:nvGrpSpPr>
@@ -3875,12 +4001,12 @@
           </a:ln>
         </p:spPr>
         <p:txBody>
-          <a:bodyPr anchorCtr="0" anchor="ctr" bIns="91425" lIns="91425" spcFirstLastPara="1" rIns="91425" wrap="square" tIns="91425">
+          <a:bodyPr spcFirstLastPara="1" wrap="square" lIns="91425" tIns="91425" rIns="91425" bIns="91425" anchor="ctr" anchorCtr="0">
             <a:noAutofit/>
           </a:bodyPr>
           <a:lstStyle/>
           <a:p>
-            <a:pPr indent="0" lvl="0" marL="0" rtl="0" algn="l">
+            <a:pPr marL="0" lvl="0" indent="0" algn="l" rtl="0">
               <a:spcBef>
                 <a:spcPts val="0"/>
               </a:spcBef>
@@ -3889,9 +4015,6 @@
               </a:spcAft>
               <a:buNone/>
             </a:pPr>
-            <a:r>
-              <a:t/>
-            </a:r>
             <a:endParaRPr/>
           </a:p>
         </p:txBody>
@@ -3899,7 +4022,9 @@
       <p:sp>
         <p:nvSpPr>
           <p:cNvPr id="28" name="Google Shape;28;p5"/>
-          <p:cNvSpPr txBox="1"/>
+          <p:cNvSpPr txBox="1">
+            <a:spLocks noGrp="1"/>
+          </p:cNvSpPr>
           <p:nvPr>
             <p:ph type="title"/>
           </p:nvPr>
@@ -3914,7 +4039,7 @@
           </a:prstGeom>
         </p:spPr>
         <p:txBody>
-          <a:bodyPr anchorCtr="0" anchor="t" bIns="91425" lIns="91425" spcFirstLastPara="1" rIns="91425" wrap="square" tIns="91425">
+          <a:bodyPr spcFirstLastPara="1" wrap="square" lIns="91425" tIns="91425" rIns="91425" bIns="91425" anchor="t" anchorCtr="0">
             <a:normAutofit/>
           </a:bodyPr>
           <a:lstStyle>
@@ -4081,15 +4206,19 @@
               </a:defRPr>
             </a:lvl9pPr>
           </a:lstStyle>
-          <a:p/>
+          <a:p>
+            <a:endParaRPr/>
+          </a:p>
         </p:txBody>
       </p:sp>
       <p:sp>
         <p:nvSpPr>
           <p:cNvPr id="29" name="Google Shape;29;p5"/>
-          <p:cNvSpPr txBox="1"/>
+          <p:cNvSpPr txBox="1">
+            <a:spLocks noGrp="1"/>
+          </p:cNvSpPr>
           <p:nvPr>
-            <p:ph idx="1" type="body"/>
+            <p:ph type="body" idx="1"/>
           </p:nvPr>
         </p:nvSpPr>
         <p:spPr>
@@ -4102,11 +4231,11 @@
           </a:prstGeom>
         </p:spPr>
         <p:txBody>
-          <a:bodyPr anchorCtr="0" anchor="t" bIns="91425" lIns="91425" spcFirstLastPara="1" rIns="91425" wrap="square" tIns="91425">
+          <a:bodyPr spcFirstLastPara="1" wrap="square" lIns="91425" tIns="91425" rIns="91425" bIns="91425" anchor="t" anchorCtr="0">
             <a:normAutofit/>
           </a:bodyPr>
           <a:lstStyle>
-            <a:lvl1pPr indent="-311150" lvl="0" marL="457200">
+            <a:lvl1pPr marL="457200" lvl="0" indent="-311150">
               <a:spcBef>
                 <a:spcPts val="0"/>
               </a:spcBef>
@@ -4117,7 +4246,7 @@
               <a:buChar char="●"/>
               <a:defRPr/>
             </a:lvl1pPr>
-            <a:lvl2pPr indent="-298450" lvl="1" marL="914400">
+            <a:lvl2pPr marL="914400" lvl="1" indent="-298450">
               <a:spcBef>
                 <a:spcPts val="0"/>
               </a:spcBef>
@@ -4128,7 +4257,7 @@
               <a:buChar char="○"/>
               <a:defRPr/>
             </a:lvl2pPr>
-            <a:lvl3pPr indent="-298450" lvl="2" marL="1371600">
+            <a:lvl3pPr marL="1371600" lvl="2" indent="-298450">
               <a:spcBef>
                 <a:spcPts val="0"/>
               </a:spcBef>
@@ -4139,7 +4268,7 @@
               <a:buChar char="■"/>
               <a:defRPr/>
             </a:lvl3pPr>
-            <a:lvl4pPr indent="-298450" lvl="3" marL="1828800">
+            <a:lvl4pPr marL="1828800" lvl="3" indent="-298450">
               <a:spcBef>
                 <a:spcPts val="0"/>
               </a:spcBef>
@@ -4150,7 +4279,7 @@
               <a:buChar char="●"/>
               <a:defRPr/>
             </a:lvl4pPr>
-            <a:lvl5pPr indent="-298450" lvl="4" marL="2286000">
+            <a:lvl5pPr marL="2286000" lvl="4" indent="-298450">
               <a:spcBef>
                 <a:spcPts val="0"/>
               </a:spcBef>
@@ -4161,7 +4290,7 @@
               <a:buChar char="○"/>
               <a:defRPr/>
             </a:lvl5pPr>
-            <a:lvl6pPr indent="-298450" lvl="5" marL="2743200">
+            <a:lvl6pPr marL="2743200" lvl="5" indent="-298450">
               <a:spcBef>
                 <a:spcPts val="0"/>
               </a:spcBef>
@@ -4172,7 +4301,7 @@
               <a:buChar char="■"/>
               <a:defRPr/>
             </a:lvl6pPr>
-            <a:lvl7pPr indent="-298450" lvl="6" marL="3200400">
+            <a:lvl7pPr marL="3200400" lvl="6" indent="-298450">
               <a:spcBef>
                 <a:spcPts val="0"/>
               </a:spcBef>
@@ -4183,7 +4312,7 @@
               <a:buChar char="●"/>
               <a:defRPr/>
             </a:lvl7pPr>
-            <a:lvl8pPr indent="-298450" lvl="7" marL="3657600">
+            <a:lvl8pPr marL="3657600" lvl="7" indent="-298450">
               <a:spcBef>
                 <a:spcPts val="0"/>
               </a:spcBef>
@@ -4194,7 +4323,7 @@
               <a:buChar char="○"/>
               <a:defRPr/>
             </a:lvl8pPr>
-            <a:lvl9pPr indent="-298450" lvl="8" marL="4114800">
+            <a:lvl9pPr marL="4114800" lvl="8" indent="-298450">
               <a:spcBef>
                 <a:spcPts val="0"/>
               </a:spcBef>
@@ -4206,15 +4335,19 @@
               <a:defRPr/>
             </a:lvl9pPr>
           </a:lstStyle>
-          <a:p/>
+          <a:p>
+            <a:endParaRPr/>
+          </a:p>
         </p:txBody>
       </p:sp>
       <p:sp>
         <p:nvSpPr>
           <p:cNvPr id="30" name="Google Shape;30;p5"/>
-          <p:cNvSpPr txBox="1"/>
+          <p:cNvSpPr txBox="1">
+            <a:spLocks noGrp="1"/>
+          </p:cNvSpPr>
           <p:nvPr>
-            <p:ph idx="2" type="body"/>
+            <p:ph type="body" idx="2"/>
           </p:nvPr>
         </p:nvSpPr>
         <p:spPr>
@@ -4227,11 +4360,11 @@
           </a:prstGeom>
         </p:spPr>
         <p:txBody>
-          <a:bodyPr anchorCtr="0" anchor="t" bIns="91425" lIns="91425" spcFirstLastPara="1" rIns="91425" wrap="square" tIns="91425">
+          <a:bodyPr spcFirstLastPara="1" wrap="square" lIns="91425" tIns="91425" rIns="91425" bIns="91425" anchor="t" anchorCtr="0">
             <a:normAutofit/>
           </a:bodyPr>
           <a:lstStyle>
-            <a:lvl1pPr indent="-311150" lvl="0" marL="457200">
+            <a:lvl1pPr marL="457200" lvl="0" indent="-311150">
               <a:spcBef>
                 <a:spcPts val="0"/>
               </a:spcBef>
@@ -4242,7 +4375,7 @@
               <a:buChar char="●"/>
               <a:defRPr/>
             </a:lvl1pPr>
-            <a:lvl2pPr indent="-298450" lvl="1" marL="914400">
+            <a:lvl2pPr marL="914400" lvl="1" indent="-298450">
               <a:spcBef>
                 <a:spcPts val="0"/>
               </a:spcBef>
@@ -4253,7 +4386,7 @@
               <a:buChar char="○"/>
               <a:defRPr/>
             </a:lvl2pPr>
-            <a:lvl3pPr indent="-298450" lvl="2" marL="1371600">
+            <a:lvl3pPr marL="1371600" lvl="2" indent="-298450">
               <a:spcBef>
                 <a:spcPts val="0"/>
               </a:spcBef>
@@ -4264,7 +4397,7 @@
               <a:buChar char="■"/>
               <a:defRPr/>
             </a:lvl3pPr>
-            <a:lvl4pPr indent="-298450" lvl="3" marL="1828800">
+            <a:lvl4pPr marL="1828800" lvl="3" indent="-298450">
               <a:spcBef>
                 <a:spcPts val="0"/>
               </a:spcBef>
@@ -4275,7 +4408,7 @@
               <a:buChar char="●"/>
               <a:defRPr/>
             </a:lvl4pPr>
-            <a:lvl5pPr indent="-298450" lvl="4" marL="2286000">
+            <a:lvl5pPr marL="2286000" lvl="4" indent="-298450">
               <a:spcBef>
                 <a:spcPts val="0"/>
               </a:spcBef>
@@ -4286,7 +4419,7 @@
               <a:buChar char="○"/>
               <a:defRPr/>
             </a:lvl5pPr>
-            <a:lvl6pPr indent="-298450" lvl="5" marL="2743200">
+            <a:lvl6pPr marL="2743200" lvl="5" indent="-298450">
               <a:spcBef>
                 <a:spcPts val="0"/>
               </a:spcBef>
@@ -4297,7 +4430,7 @@
               <a:buChar char="■"/>
               <a:defRPr/>
             </a:lvl6pPr>
-            <a:lvl7pPr indent="-298450" lvl="6" marL="3200400">
+            <a:lvl7pPr marL="3200400" lvl="6" indent="-298450">
               <a:spcBef>
                 <a:spcPts val="0"/>
               </a:spcBef>
@@ -4308,7 +4441,7 @@
               <a:buChar char="●"/>
               <a:defRPr/>
             </a:lvl7pPr>
-            <a:lvl8pPr indent="-298450" lvl="7" marL="3657600">
+            <a:lvl8pPr marL="3657600" lvl="7" indent="-298450">
               <a:spcBef>
                 <a:spcPts val="0"/>
               </a:spcBef>
@@ -4319,7 +4452,7 @@
               <a:buChar char="○"/>
               <a:defRPr/>
             </a:lvl8pPr>
-            <a:lvl9pPr indent="-298450" lvl="8" marL="4114800">
+            <a:lvl9pPr marL="4114800" lvl="8" indent="-298450">
               <a:spcBef>
                 <a:spcPts val="0"/>
               </a:spcBef>
@@ -4331,15 +4464,19 @@
               <a:defRPr/>
             </a:lvl9pPr>
           </a:lstStyle>
-          <a:p/>
+          <a:p>
+            <a:endParaRPr/>
+          </a:p>
         </p:txBody>
       </p:sp>
       <p:sp>
         <p:nvSpPr>
           <p:cNvPr id="31" name="Google Shape;31;p5"/>
-          <p:cNvSpPr txBox="1"/>
+          <p:cNvSpPr txBox="1">
+            <a:spLocks noGrp="1"/>
+          </p:cNvSpPr>
           <p:nvPr>
-            <p:ph idx="12" type="sldNum"/>
+            <p:ph type="sldNum" idx="12"/>
           </p:nvPr>
         </p:nvSpPr>
         <p:spPr>
@@ -4352,7 +4489,7 @@
           </a:prstGeom>
         </p:spPr>
         <p:txBody>
-          <a:bodyPr anchorCtr="0" anchor="ctr" bIns="91425" lIns="91425" spcFirstLastPara="1" rIns="91425" wrap="square" tIns="91425">
+          <a:bodyPr spcFirstLastPara="1" wrap="square" lIns="91425" tIns="91425" rIns="91425" bIns="91425" anchor="ctr" anchorCtr="0">
             <a:normAutofit/>
           </a:bodyPr>
           <a:lstStyle>
@@ -4394,7 +4531,7 @@
             </a:lvl9pPr>
           </a:lstStyle>
           <a:p>
-            <a:pPr indent="0" lvl="0" marL="0" rtl="0" algn="r">
+            <a:pPr marL="0" lvl="0" indent="0" algn="r" rtl="0">
               <a:spcBef>
                 <a:spcPts val="0"/>
               </a:spcBef>
@@ -4420,11 +4557,11 @@
 </file>
 
 <file path=ppt/slideLayouts/slideLayout5.xml><?xml version="1.0" encoding="utf-8"?>
-<p:sldLayout xmlns:a="http://schemas.openxmlformats.org/drawingml/2006/main" xmlns:r="http://schemas.openxmlformats.org/officeDocument/2006/relationships" xmlns:mc="http://schemas.openxmlformats.org/markup-compatibility/2006" xmlns:mv="urn:schemas-microsoft-com:mac:vml" xmlns:p="http://schemas.openxmlformats.org/presentationml/2006/main" xmlns:c="http://schemas.openxmlformats.org/drawingml/2006/chart" xmlns:dgm="http://schemas.openxmlformats.org/drawingml/2006/diagram" xmlns:o="urn:schemas-microsoft-com:office:office" xmlns:v="urn:schemas-microsoft-com:vml" xmlns:pvml="urn:schemas-microsoft-com:office:powerpoint" xmlns:com="http://schemas.openxmlformats.org/drawingml/2006/compatibility" xmlns:p14="http://schemas.microsoft.com/office/powerpoint/2010/main" xmlns:p15="http://schemas.microsoft.com/office/powerpoint/2012/main" xmlns:ahyp="http://schemas.microsoft.com/office/drawing/2018/hyperlinkcolor" matchingName="Title only" type="titleOnly">
+<p:sldLayout xmlns:a="http://schemas.openxmlformats.org/drawingml/2006/main" xmlns:r="http://schemas.openxmlformats.org/officeDocument/2006/relationships" xmlns:p="http://schemas.openxmlformats.org/presentationml/2006/main" matchingName="Title only" type="titleOnly">
   <p:cSld name="TITLE_ONLY">
     <p:spTree>
       <p:nvGrpSpPr>
-        <p:cNvPr id="32" name="Shape 32"/>
+        <p:cNvPr id="1" name="Shape 32"/>
         <p:cNvGrpSpPr/>
         <p:nvPr/>
       </p:nvGrpSpPr>
@@ -4458,12 +4595,12 @@
           </a:ln>
         </p:spPr>
         <p:txBody>
-          <a:bodyPr anchorCtr="0" anchor="ctr" bIns="91425" lIns="91425" spcFirstLastPara="1" rIns="91425" wrap="square" tIns="91425">
+          <a:bodyPr spcFirstLastPara="1" wrap="square" lIns="91425" tIns="91425" rIns="91425" bIns="91425" anchor="ctr" anchorCtr="0">
             <a:noAutofit/>
           </a:bodyPr>
           <a:lstStyle/>
           <a:p>
-            <a:pPr indent="0" lvl="0" marL="0" rtl="0" algn="l">
+            <a:pPr marL="0" lvl="0" indent="0" algn="l" rtl="0">
               <a:spcBef>
                 <a:spcPts val="0"/>
               </a:spcBef>
@@ -4472,9 +4609,6 @@
               </a:spcAft>
               <a:buNone/>
             </a:pPr>
-            <a:r>
-              <a:t/>
-            </a:r>
             <a:endParaRPr/>
           </a:p>
         </p:txBody>
@@ -4482,7 +4616,9 @@
       <p:sp>
         <p:nvSpPr>
           <p:cNvPr id="34" name="Google Shape;34;p6"/>
-          <p:cNvSpPr txBox="1"/>
+          <p:cNvSpPr txBox="1">
+            <a:spLocks noGrp="1"/>
+          </p:cNvSpPr>
           <p:nvPr>
             <p:ph type="title"/>
           </p:nvPr>
@@ -4497,7 +4633,7 @@
           </a:prstGeom>
         </p:spPr>
         <p:txBody>
-          <a:bodyPr anchorCtr="0" anchor="t" bIns="91425" lIns="91425" spcFirstLastPara="1" rIns="91425" wrap="square" tIns="91425">
+          <a:bodyPr spcFirstLastPara="1" wrap="square" lIns="91425" tIns="91425" rIns="91425" bIns="91425" anchor="t" anchorCtr="0">
             <a:normAutofit/>
           </a:bodyPr>
           <a:lstStyle>
@@ -4664,15 +4800,19 @@
               </a:defRPr>
             </a:lvl9pPr>
           </a:lstStyle>
-          <a:p/>
+          <a:p>
+            <a:endParaRPr/>
+          </a:p>
         </p:txBody>
       </p:sp>
       <p:sp>
         <p:nvSpPr>
           <p:cNvPr id="35" name="Google Shape;35;p6"/>
-          <p:cNvSpPr txBox="1"/>
+          <p:cNvSpPr txBox="1">
+            <a:spLocks noGrp="1"/>
+          </p:cNvSpPr>
           <p:nvPr>
-            <p:ph idx="12" type="sldNum"/>
+            <p:ph type="sldNum" idx="12"/>
           </p:nvPr>
         </p:nvSpPr>
         <p:spPr>
@@ -4685,7 +4825,7 @@
           </a:prstGeom>
         </p:spPr>
         <p:txBody>
-          <a:bodyPr anchorCtr="0" anchor="ctr" bIns="91425" lIns="91425" spcFirstLastPara="1" rIns="91425" wrap="square" tIns="91425">
+          <a:bodyPr spcFirstLastPara="1" wrap="square" lIns="91425" tIns="91425" rIns="91425" bIns="91425" anchor="ctr" anchorCtr="0">
             <a:normAutofit/>
           </a:bodyPr>
           <a:lstStyle>
@@ -4727,7 +4867,7 @@
             </a:lvl9pPr>
           </a:lstStyle>
           <a:p>
-            <a:pPr indent="0" lvl="0" marL="0" rtl="0" algn="r">
+            <a:pPr marL="0" lvl="0" indent="0" algn="r" rtl="0">
               <a:spcBef>
                 <a:spcPts val="0"/>
               </a:spcBef>
@@ -4753,11 +4893,11 @@
 </file>
 
 <file path=ppt/slideLayouts/slideLayout6.xml><?xml version="1.0" encoding="utf-8"?>
-<p:sldLayout xmlns:a="http://schemas.openxmlformats.org/drawingml/2006/main" xmlns:r="http://schemas.openxmlformats.org/officeDocument/2006/relationships" xmlns:mc="http://schemas.openxmlformats.org/markup-compatibility/2006" xmlns:mv="urn:schemas-microsoft-com:mac:vml" xmlns:p="http://schemas.openxmlformats.org/presentationml/2006/main" xmlns:c="http://schemas.openxmlformats.org/drawingml/2006/chart" xmlns:dgm="http://schemas.openxmlformats.org/drawingml/2006/diagram" xmlns:o="urn:schemas-microsoft-com:office:office" xmlns:v="urn:schemas-microsoft-com:vml" xmlns:pvml="urn:schemas-microsoft-com:office:powerpoint" xmlns:com="http://schemas.openxmlformats.org/drawingml/2006/compatibility" xmlns:p14="http://schemas.microsoft.com/office/powerpoint/2010/main" xmlns:p15="http://schemas.microsoft.com/office/powerpoint/2012/main" xmlns:ahyp="http://schemas.microsoft.com/office/drawing/2018/hyperlinkcolor" matchingName="One column text">
+<p:sldLayout xmlns:a="http://schemas.openxmlformats.org/drawingml/2006/main" xmlns:r="http://schemas.openxmlformats.org/officeDocument/2006/relationships" xmlns:p="http://schemas.openxmlformats.org/presentationml/2006/main" matchingName="One column text">
   <p:cSld name="ONE_COLUMN_TEXT">
     <p:spTree>
       <p:nvGrpSpPr>
-        <p:cNvPr id="36" name="Shape 36"/>
+        <p:cNvPr id="1" name="Shape 36"/>
         <p:cNvGrpSpPr/>
         <p:nvPr/>
       </p:nvGrpSpPr>
@@ -4791,12 +4931,12 @@
           </a:ln>
         </p:spPr>
         <p:txBody>
-          <a:bodyPr anchorCtr="0" anchor="ctr" bIns="91425" lIns="91425" spcFirstLastPara="1" rIns="91425" wrap="square" tIns="91425">
+          <a:bodyPr spcFirstLastPara="1" wrap="square" lIns="91425" tIns="91425" rIns="91425" bIns="91425" anchor="ctr" anchorCtr="0">
             <a:noAutofit/>
           </a:bodyPr>
           <a:lstStyle/>
           <a:p>
-            <a:pPr indent="0" lvl="0" marL="0" rtl="0" algn="l">
+            <a:pPr marL="0" lvl="0" indent="0" algn="l" rtl="0">
               <a:spcBef>
                 <a:spcPts val="0"/>
               </a:spcBef>
@@ -4805,9 +4945,6 @@
               </a:spcAft>
               <a:buNone/>
             </a:pPr>
-            <a:r>
-              <a:t/>
-            </a:r>
             <a:endParaRPr/>
           </a:p>
         </p:txBody>
@@ -4815,7 +4952,9 @@
       <p:sp>
         <p:nvSpPr>
           <p:cNvPr id="38" name="Google Shape;38;p7"/>
-          <p:cNvSpPr txBox="1"/>
+          <p:cNvSpPr txBox="1">
+            <a:spLocks noGrp="1"/>
+          </p:cNvSpPr>
           <p:nvPr>
             <p:ph type="title"/>
           </p:nvPr>
@@ -4830,7 +4969,7 @@
           </a:prstGeom>
         </p:spPr>
         <p:txBody>
-          <a:bodyPr anchorCtr="0" anchor="t" bIns="91425" lIns="91425" spcFirstLastPara="1" rIns="91425" wrap="square" tIns="91425">
+          <a:bodyPr spcFirstLastPara="1" wrap="square" lIns="91425" tIns="91425" rIns="91425" bIns="91425" anchor="t" anchorCtr="0">
             <a:normAutofit/>
           </a:bodyPr>
           <a:lstStyle>
@@ -4997,15 +5136,19 @@
               </a:defRPr>
             </a:lvl9pPr>
           </a:lstStyle>
-          <a:p/>
+          <a:p>
+            <a:endParaRPr/>
+          </a:p>
         </p:txBody>
       </p:sp>
       <p:sp>
         <p:nvSpPr>
           <p:cNvPr id="39" name="Google Shape;39;p7"/>
-          <p:cNvSpPr txBox="1"/>
+          <p:cNvSpPr txBox="1">
+            <a:spLocks noGrp="1"/>
+          </p:cNvSpPr>
           <p:nvPr>
-            <p:ph idx="1" type="body"/>
+            <p:ph type="body" idx="1"/>
           </p:nvPr>
         </p:nvSpPr>
         <p:spPr>
@@ -5018,11 +5161,11 @@
           </a:prstGeom>
         </p:spPr>
         <p:txBody>
-          <a:bodyPr anchorCtr="0" anchor="t" bIns="91425" lIns="91425" spcFirstLastPara="1" rIns="91425" wrap="square" tIns="91425">
+          <a:bodyPr spcFirstLastPara="1" wrap="square" lIns="91425" tIns="91425" rIns="91425" bIns="91425" anchor="t" anchorCtr="0">
             <a:normAutofit/>
           </a:bodyPr>
           <a:lstStyle>
-            <a:lvl1pPr indent="-311150" lvl="0" marL="457200">
+            <a:lvl1pPr marL="457200" lvl="0" indent="-311150">
               <a:spcBef>
                 <a:spcPts val="0"/>
               </a:spcBef>
@@ -5040,7 +5183,7 @@
                 </a:solidFill>
               </a:defRPr>
             </a:lvl1pPr>
-            <a:lvl2pPr indent="-298450" lvl="1" marL="914400">
+            <a:lvl2pPr marL="914400" lvl="1" indent="-298450">
               <a:spcBef>
                 <a:spcPts val="0"/>
               </a:spcBef>
@@ -5058,7 +5201,7 @@
                 </a:solidFill>
               </a:defRPr>
             </a:lvl2pPr>
-            <a:lvl3pPr indent="-298450" lvl="2" marL="1371600">
+            <a:lvl3pPr marL="1371600" lvl="2" indent="-298450">
               <a:spcBef>
                 <a:spcPts val="0"/>
               </a:spcBef>
@@ -5076,7 +5219,7 @@
                 </a:solidFill>
               </a:defRPr>
             </a:lvl3pPr>
-            <a:lvl4pPr indent="-298450" lvl="3" marL="1828800">
+            <a:lvl4pPr marL="1828800" lvl="3" indent="-298450">
               <a:spcBef>
                 <a:spcPts val="0"/>
               </a:spcBef>
@@ -5094,7 +5237,7 @@
                 </a:solidFill>
               </a:defRPr>
             </a:lvl4pPr>
-            <a:lvl5pPr indent="-298450" lvl="4" marL="2286000">
+            <a:lvl5pPr marL="2286000" lvl="4" indent="-298450">
               <a:spcBef>
                 <a:spcPts val="0"/>
               </a:spcBef>
@@ -5112,7 +5255,7 @@
                 </a:solidFill>
               </a:defRPr>
             </a:lvl5pPr>
-            <a:lvl6pPr indent="-298450" lvl="5" marL="2743200">
+            <a:lvl6pPr marL="2743200" lvl="5" indent="-298450">
               <a:spcBef>
                 <a:spcPts val="0"/>
               </a:spcBef>
@@ -5130,7 +5273,7 @@
                 </a:solidFill>
               </a:defRPr>
             </a:lvl6pPr>
-            <a:lvl7pPr indent="-298450" lvl="6" marL="3200400">
+            <a:lvl7pPr marL="3200400" lvl="6" indent="-298450">
               <a:spcBef>
                 <a:spcPts val="0"/>
               </a:spcBef>
@@ -5148,7 +5291,7 @@
                 </a:solidFill>
               </a:defRPr>
             </a:lvl7pPr>
-            <a:lvl8pPr indent="-298450" lvl="7" marL="3657600">
+            <a:lvl8pPr marL="3657600" lvl="7" indent="-298450">
               <a:spcBef>
                 <a:spcPts val="0"/>
               </a:spcBef>
@@ -5166,7 +5309,7 @@
                 </a:solidFill>
               </a:defRPr>
             </a:lvl8pPr>
-            <a:lvl9pPr indent="-298450" lvl="8" marL="4114800">
+            <a:lvl9pPr marL="4114800" lvl="8" indent="-298450">
               <a:spcBef>
                 <a:spcPts val="0"/>
               </a:spcBef>
@@ -5185,15 +5328,19 @@
               </a:defRPr>
             </a:lvl9pPr>
           </a:lstStyle>
-          <a:p/>
+          <a:p>
+            <a:endParaRPr/>
+          </a:p>
         </p:txBody>
       </p:sp>
       <p:sp>
         <p:nvSpPr>
           <p:cNvPr id="40" name="Google Shape;40;p7"/>
-          <p:cNvSpPr txBox="1"/>
+          <p:cNvSpPr txBox="1">
+            <a:spLocks noGrp="1"/>
+          </p:cNvSpPr>
           <p:nvPr>
-            <p:ph idx="12" type="sldNum"/>
+            <p:ph type="sldNum" idx="12"/>
           </p:nvPr>
         </p:nvSpPr>
         <p:spPr>
@@ -5206,7 +5353,7 @@
           </a:prstGeom>
         </p:spPr>
         <p:txBody>
-          <a:bodyPr anchorCtr="0" anchor="ctr" bIns="91425" lIns="91425" spcFirstLastPara="1" rIns="91425" wrap="square" tIns="91425">
+          <a:bodyPr spcFirstLastPara="1" wrap="square" lIns="91425" tIns="91425" rIns="91425" bIns="91425" anchor="ctr" anchorCtr="0">
             <a:normAutofit/>
           </a:bodyPr>
           <a:lstStyle>
@@ -5248,7 +5395,7 @@
             </a:lvl9pPr>
           </a:lstStyle>
           <a:p>
-            <a:pPr indent="0" lvl="0" marL="0" rtl="0" algn="r">
+            <a:pPr marL="0" lvl="0" indent="0" algn="r" rtl="0">
               <a:spcBef>
                 <a:spcPts val="0"/>
               </a:spcBef>
@@ -5274,18 +5421,19 @@
 </file>
 
 <file path=ppt/slideLayouts/slideLayout7.xml><?xml version="1.0" encoding="utf-8"?>
-<p:sldLayout xmlns:a="http://schemas.openxmlformats.org/drawingml/2006/main" xmlns:r="http://schemas.openxmlformats.org/officeDocument/2006/relationships" xmlns:mc="http://schemas.openxmlformats.org/markup-compatibility/2006" xmlns:mv="urn:schemas-microsoft-com:mac:vml" xmlns:p="http://schemas.openxmlformats.org/presentationml/2006/main" xmlns:c="http://schemas.openxmlformats.org/drawingml/2006/chart" xmlns:dgm="http://schemas.openxmlformats.org/drawingml/2006/diagram" xmlns:o="urn:schemas-microsoft-com:office:office" xmlns:v="urn:schemas-microsoft-com:vml" xmlns:pvml="urn:schemas-microsoft-com:office:powerpoint" xmlns:com="http://schemas.openxmlformats.org/drawingml/2006/compatibility" xmlns:p14="http://schemas.microsoft.com/office/powerpoint/2010/main" xmlns:p15="http://schemas.microsoft.com/office/powerpoint/2012/main" xmlns:ahyp="http://schemas.microsoft.com/office/drawing/2018/hyperlinkcolor" matchingName="Main point">
+<p:sldLayout xmlns:a="http://schemas.openxmlformats.org/drawingml/2006/main" xmlns:r="http://schemas.openxmlformats.org/officeDocument/2006/relationships" xmlns:p="http://schemas.openxmlformats.org/presentationml/2006/main" matchingName="Main point">
   <p:cSld name="MAIN_POINT">
     <p:bg>
       <p:bgPr>
         <a:solidFill>
           <a:schemeClr val="accent3"/>
         </a:solidFill>
+        <a:effectLst/>
       </p:bgPr>
     </p:bg>
     <p:spTree>
       <p:nvGrpSpPr>
-        <p:cNvPr id="41" name="Shape 41"/>
+        <p:cNvPr id="1" name="Shape 41"/>
         <p:cNvGrpSpPr/>
         <p:nvPr/>
       </p:nvGrpSpPr>
@@ -5300,7 +5448,9 @@
       <p:sp>
         <p:nvSpPr>
           <p:cNvPr id="42" name="Google Shape;42;p8"/>
-          <p:cNvSpPr txBox="1"/>
+          <p:cNvSpPr txBox="1">
+            <a:spLocks noGrp="1"/>
+          </p:cNvSpPr>
           <p:nvPr>
             <p:ph type="title"/>
           </p:nvPr>
@@ -5315,7 +5465,7 @@
           </a:prstGeom>
         </p:spPr>
         <p:txBody>
-          <a:bodyPr anchorCtr="0" anchor="ctr" bIns="91425" lIns="91425" spcFirstLastPara="1" rIns="91425" wrap="square" tIns="91425">
+          <a:bodyPr spcFirstLastPara="1" wrap="square" lIns="91425" tIns="91425" rIns="91425" bIns="91425" anchor="ctr" anchorCtr="0">
             <a:normAutofit/>
           </a:bodyPr>
           <a:lstStyle>
@@ -5419,15 +5569,19 @@
               <a:defRPr sz="3600"/>
             </a:lvl9pPr>
           </a:lstStyle>
-          <a:p/>
+          <a:p>
+            <a:endParaRPr/>
+          </a:p>
         </p:txBody>
       </p:sp>
       <p:sp>
         <p:nvSpPr>
           <p:cNvPr id="43" name="Google Shape;43;p8"/>
-          <p:cNvSpPr txBox="1"/>
+          <p:cNvSpPr txBox="1">
+            <a:spLocks noGrp="1"/>
+          </p:cNvSpPr>
           <p:nvPr>
-            <p:ph idx="12" type="sldNum"/>
+            <p:ph type="sldNum" idx="12"/>
           </p:nvPr>
         </p:nvSpPr>
         <p:spPr>
@@ -5440,7 +5594,7 @@
           </a:prstGeom>
         </p:spPr>
         <p:txBody>
-          <a:bodyPr anchorCtr="0" anchor="ctr" bIns="91425" lIns="91425" spcFirstLastPara="1" rIns="91425" wrap="square" tIns="91425">
+          <a:bodyPr spcFirstLastPara="1" wrap="square" lIns="91425" tIns="91425" rIns="91425" bIns="91425" anchor="ctr" anchorCtr="0">
             <a:normAutofit/>
           </a:bodyPr>
           <a:lstStyle>
@@ -5518,7 +5672,7 @@
             </a:lvl9pPr>
           </a:lstStyle>
           <a:p>
-            <a:pPr indent="0" lvl="0" marL="0" rtl="0" algn="r">
+            <a:pPr marL="0" lvl="0" indent="0" algn="r" rtl="0">
               <a:spcBef>
                 <a:spcPts val="0"/>
               </a:spcBef>
@@ -5544,11 +5698,11 @@
 </file>
 
 <file path=ppt/slideLayouts/slideLayout8.xml><?xml version="1.0" encoding="utf-8"?>
-<p:sldLayout xmlns:a="http://schemas.openxmlformats.org/drawingml/2006/main" xmlns:r="http://schemas.openxmlformats.org/officeDocument/2006/relationships" xmlns:mc="http://schemas.openxmlformats.org/markup-compatibility/2006" xmlns:mv="urn:schemas-microsoft-com:mac:vml" xmlns:p="http://schemas.openxmlformats.org/presentationml/2006/main" xmlns:c="http://schemas.openxmlformats.org/drawingml/2006/chart" xmlns:dgm="http://schemas.openxmlformats.org/drawingml/2006/diagram" xmlns:o="urn:schemas-microsoft-com:office:office" xmlns:v="urn:schemas-microsoft-com:vml" xmlns:pvml="urn:schemas-microsoft-com:office:powerpoint" xmlns:com="http://schemas.openxmlformats.org/drawingml/2006/compatibility" xmlns:p14="http://schemas.microsoft.com/office/powerpoint/2010/main" xmlns:p15="http://schemas.microsoft.com/office/powerpoint/2012/main" xmlns:ahyp="http://schemas.microsoft.com/office/drawing/2018/hyperlinkcolor" matchingName="Section title and description">
+<p:sldLayout xmlns:a="http://schemas.openxmlformats.org/drawingml/2006/main" xmlns:r="http://schemas.openxmlformats.org/officeDocument/2006/relationships" xmlns:p="http://schemas.openxmlformats.org/presentationml/2006/main" matchingName="Section title and description">
   <p:cSld name="SECTION_TITLE_AND_DESCRIPTION">
     <p:spTree>
       <p:nvGrpSpPr>
-        <p:cNvPr id="44" name="Shape 44"/>
+        <p:cNvPr id="1" name="Shape 44"/>
         <p:cNvGrpSpPr/>
         <p:nvPr/>
       </p:nvGrpSpPr>
@@ -5582,12 +5736,12 @@
           </a:ln>
         </p:spPr>
         <p:txBody>
-          <a:bodyPr anchorCtr="0" anchor="ctr" bIns="91425" lIns="91425" spcFirstLastPara="1" rIns="91425" wrap="square" tIns="91425">
+          <a:bodyPr spcFirstLastPara="1" wrap="square" lIns="91425" tIns="91425" rIns="91425" bIns="91425" anchor="ctr" anchorCtr="0">
             <a:noAutofit/>
           </a:bodyPr>
           <a:lstStyle/>
           <a:p>
-            <a:pPr indent="0" lvl="0" marL="0" rtl="0" algn="l">
+            <a:pPr marL="0" lvl="0" indent="0" algn="l" rtl="0">
               <a:spcBef>
                 <a:spcPts val="0"/>
               </a:spcBef>
@@ -5596,9 +5750,6 @@
               </a:spcAft>
               <a:buNone/>
             </a:pPr>
-            <a:r>
-              <a:t/>
-            </a:r>
             <a:endParaRPr/>
           </a:p>
         </p:txBody>
@@ -5606,7 +5757,9 @@
       <p:sp>
         <p:nvSpPr>
           <p:cNvPr id="46" name="Google Shape;46;p9"/>
-          <p:cNvSpPr txBox="1"/>
+          <p:cNvSpPr txBox="1">
+            <a:spLocks noGrp="1"/>
+          </p:cNvSpPr>
           <p:nvPr>
             <p:ph type="title"/>
           </p:nvPr>
@@ -5621,7 +5774,7 @@
           </a:prstGeom>
         </p:spPr>
         <p:txBody>
-          <a:bodyPr anchorCtr="0" anchor="t" bIns="91425" lIns="91425" spcFirstLastPara="1" rIns="91425" wrap="square" tIns="91425">
+          <a:bodyPr spcFirstLastPara="1" wrap="square" lIns="91425" tIns="91425" rIns="91425" bIns="91425" anchor="t" anchorCtr="0">
             <a:normAutofit/>
           </a:bodyPr>
           <a:lstStyle>
@@ -5788,15 +5941,19 @@
               </a:defRPr>
             </a:lvl9pPr>
           </a:lstStyle>
-          <a:p/>
+          <a:p>
+            <a:endParaRPr/>
+          </a:p>
         </p:txBody>
       </p:sp>
       <p:sp>
         <p:nvSpPr>
           <p:cNvPr id="47" name="Google Shape;47;p9"/>
-          <p:cNvSpPr txBox="1"/>
+          <p:cNvSpPr txBox="1">
+            <a:spLocks noGrp="1"/>
+          </p:cNvSpPr>
           <p:nvPr>
-            <p:ph idx="1" type="subTitle"/>
+            <p:ph type="subTitle" idx="1"/>
           </p:nvPr>
         </p:nvSpPr>
         <p:spPr>
@@ -5809,7 +5966,7 @@
           </a:prstGeom>
         </p:spPr>
         <p:txBody>
-          <a:bodyPr anchorCtr="0" anchor="t" bIns="91425" lIns="91425" spcFirstLastPara="1" rIns="91425" wrap="square" tIns="91425">
+          <a:bodyPr spcFirstLastPara="1" wrap="square" lIns="91425" tIns="91425" rIns="91425" bIns="91425" anchor="t" anchorCtr="0">
             <a:normAutofit/>
           </a:bodyPr>
           <a:lstStyle>
@@ -6003,15 +6160,19 @@
               </a:defRPr>
             </a:lvl9pPr>
           </a:lstStyle>
-          <a:p/>
+          <a:p>
+            <a:endParaRPr/>
+          </a:p>
         </p:txBody>
       </p:sp>
       <p:sp>
         <p:nvSpPr>
           <p:cNvPr id="48" name="Google Shape;48;p9"/>
-          <p:cNvSpPr txBox="1"/>
+          <p:cNvSpPr txBox="1">
+            <a:spLocks noGrp="1"/>
+          </p:cNvSpPr>
           <p:nvPr>
-            <p:ph idx="2" type="body"/>
+            <p:ph type="body" idx="2"/>
           </p:nvPr>
         </p:nvSpPr>
         <p:spPr>
@@ -6024,11 +6185,11 @@
           </a:prstGeom>
         </p:spPr>
         <p:txBody>
-          <a:bodyPr anchorCtr="0" anchor="t" bIns="91425" lIns="91425" spcFirstLastPara="1" rIns="91425" wrap="square" tIns="91425">
+          <a:bodyPr spcFirstLastPara="1" wrap="square" lIns="91425" tIns="91425" rIns="91425" bIns="91425" anchor="t" anchorCtr="0">
             <a:normAutofit/>
           </a:bodyPr>
           <a:lstStyle>
-            <a:lvl1pPr indent="-311150" lvl="0" marL="457200">
+            <a:lvl1pPr marL="457200" lvl="0" indent="-311150">
               <a:spcBef>
                 <a:spcPts val="0"/>
               </a:spcBef>
@@ -6039,7 +6200,7 @@
               <a:buChar char="●"/>
               <a:defRPr/>
             </a:lvl1pPr>
-            <a:lvl2pPr indent="-298450" lvl="1" marL="914400">
+            <a:lvl2pPr marL="914400" lvl="1" indent="-298450">
               <a:spcBef>
                 <a:spcPts val="0"/>
               </a:spcBef>
@@ -6050,7 +6211,7 @@
               <a:buChar char="○"/>
               <a:defRPr/>
             </a:lvl2pPr>
-            <a:lvl3pPr indent="-298450" lvl="2" marL="1371600">
+            <a:lvl3pPr marL="1371600" lvl="2" indent="-298450">
               <a:spcBef>
                 <a:spcPts val="0"/>
               </a:spcBef>
@@ -6061,7 +6222,7 @@
               <a:buChar char="■"/>
               <a:defRPr/>
             </a:lvl3pPr>
-            <a:lvl4pPr indent="-298450" lvl="3" marL="1828800">
+            <a:lvl4pPr marL="1828800" lvl="3" indent="-298450">
               <a:spcBef>
                 <a:spcPts val="0"/>
               </a:spcBef>
@@ -6072,7 +6233,7 @@
               <a:buChar char="●"/>
               <a:defRPr/>
             </a:lvl4pPr>
-            <a:lvl5pPr indent="-298450" lvl="4" marL="2286000">
+            <a:lvl5pPr marL="2286000" lvl="4" indent="-298450">
               <a:spcBef>
                 <a:spcPts val="0"/>
               </a:spcBef>
@@ -6083,7 +6244,7 @@
               <a:buChar char="○"/>
               <a:defRPr/>
             </a:lvl5pPr>
-            <a:lvl6pPr indent="-298450" lvl="5" marL="2743200">
+            <a:lvl6pPr marL="2743200" lvl="5" indent="-298450">
               <a:spcBef>
                 <a:spcPts val="0"/>
               </a:spcBef>
@@ -6094,7 +6255,7 @@
               <a:buChar char="■"/>
               <a:defRPr/>
             </a:lvl6pPr>
-            <a:lvl7pPr indent="-298450" lvl="6" marL="3200400">
+            <a:lvl7pPr marL="3200400" lvl="6" indent="-298450">
               <a:spcBef>
                 <a:spcPts val="0"/>
               </a:spcBef>
@@ -6105,7 +6266,7 @@
               <a:buChar char="●"/>
               <a:defRPr/>
             </a:lvl7pPr>
-            <a:lvl8pPr indent="-298450" lvl="7" marL="3657600">
+            <a:lvl8pPr marL="3657600" lvl="7" indent="-298450">
               <a:spcBef>
                 <a:spcPts val="0"/>
               </a:spcBef>
@@ -6116,7 +6277,7 @@
               <a:buChar char="○"/>
               <a:defRPr/>
             </a:lvl8pPr>
-            <a:lvl9pPr indent="-298450" lvl="8" marL="4114800">
+            <a:lvl9pPr marL="4114800" lvl="8" indent="-298450">
               <a:spcBef>
                 <a:spcPts val="0"/>
               </a:spcBef>
@@ -6128,15 +6289,19 @@
               <a:defRPr/>
             </a:lvl9pPr>
           </a:lstStyle>
-          <a:p/>
+          <a:p>
+            <a:endParaRPr/>
+          </a:p>
         </p:txBody>
       </p:sp>
       <p:sp>
         <p:nvSpPr>
           <p:cNvPr id="49" name="Google Shape;49;p9"/>
-          <p:cNvSpPr txBox="1"/>
+          <p:cNvSpPr txBox="1">
+            <a:spLocks noGrp="1"/>
+          </p:cNvSpPr>
           <p:nvPr>
-            <p:ph idx="12" type="sldNum"/>
+            <p:ph type="sldNum" idx="12"/>
           </p:nvPr>
         </p:nvSpPr>
         <p:spPr>
@@ -6149,7 +6314,7 @@
           </a:prstGeom>
         </p:spPr>
         <p:txBody>
-          <a:bodyPr anchorCtr="0" anchor="ctr" bIns="91425" lIns="91425" spcFirstLastPara="1" rIns="91425" wrap="square" tIns="91425">
+          <a:bodyPr spcFirstLastPara="1" wrap="square" lIns="91425" tIns="91425" rIns="91425" bIns="91425" anchor="ctr" anchorCtr="0">
             <a:normAutofit/>
           </a:bodyPr>
           <a:lstStyle>
@@ -6191,7 +6356,7 @@
             </a:lvl9pPr>
           </a:lstStyle>
           <a:p>
-            <a:pPr indent="0" lvl="0" marL="0" rtl="0" algn="r">
+            <a:pPr marL="0" lvl="0" indent="0" algn="r" rtl="0">
               <a:spcBef>
                 <a:spcPts val="0"/>
               </a:spcBef>
@@ -6217,11 +6382,11 @@
 </file>
 
 <file path=ppt/slideLayouts/slideLayout9.xml><?xml version="1.0" encoding="utf-8"?>
-<p:sldLayout xmlns:a="http://schemas.openxmlformats.org/drawingml/2006/main" xmlns:r="http://schemas.openxmlformats.org/officeDocument/2006/relationships" xmlns:mc="http://schemas.openxmlformats.org/markup-compatibility/2006" xmlns:mv="urn:schemas-microsoft-com:mac:vml" xmlns:p="http://schemas.openxmlformats.org/presentationml/2006/main" xmlns:c="http://schemas.openxmlformats.org/drawingml/2006/chart" xmlns:dgm="http://schemas.openxmlformats.org/drawingml/2006/diagram" xmlns:o="urn:schemas-microsoft-com:office:office" xmlns:v="urn:schemas-microsoft-com:vml" xmlns:pvml="urn:schemas-microsoft-com:office:powerpoint" xmlns:com="http://schemas.openxmlformats.org/drawingml/2006/compatibility" xmlns:p14="http://schemas.microsoft.com/office/powerpoint/2010/main" xmlns:p15="http://schemas.microsoft.com/office/powerpoint/2012/main" xmlns:ahyp="http://schemas.microsoft.com/office/drawing/2018/hyperlinkcolor" matchingName="Caption">
+<p:sldLayout xmlns:a="http://schemas.openxmlformats.org/drawingml/2006/main" xmlns:r="http://schemas.openxmlformats.org/officeDocument/2006/relationships" xmlns:p="http://schemas.openxmlformats.org/presentationml/2006/main" matchingName="Caption">
   <p:cSld name="CAPTION_ONLY">
     <p:spTree>
       <p:nvGrpSpPr>
-        <p:cNvPr id="50" name="Shape 50"/>
+        <p:cNvPr id="1" name="Shape 50"/>
         <p:cNvGrpSpPr/>
         <p:nvPr/>
       </p:nvGrpSpPr>
@@ -6255,12 +6420,12 @@
           </a:ln>
         </p:spPr>
         <p:txBody>
-          <a:bodyPr anchorCtr="0" anchor="ctr" bIns="91425" lIns="91425" spcFirstLastPara="1" rIns="91425" wrap="square" tIns="91425">
+          <a:bodyPr spcFirstLastPara="1" wrap="square" lIns="91425" tIns="91425" rIns="91425" bIns="91425" anchor="ctr" anchorCtr="0">
             <a:noAutofit/>
           </a:bodyPr>
           <a:lstStyle/>
           <a:p>
-            <a:pPr indent="0" lvl="0" marL="0" rtl="0" algn="l">
+            <a:pPr marL="0" lvl="0" indent="0" algn="l" rtl="0">
               <a:spcBef>
                 <a:spcPts val="0"/>
               </a:spcBef>
@@ -6269,9 +6434,6 @@
               </a:spcAft>
               <a:buNone/>
             </a:pPr>
-            <a:r>
-              <a:t/>
-            </a:r>
             <a:endParaRPr/>
           </a:p>
         </p:txBody>
@@ -6279,9 +6441,11 @@
       <p:sp>
         <p:nvSpPr>
           <p:cNvPr id="52" name="Google Shape;52;p10"/>
-          <p:cNvSpPr txBox="1"/>
+          <p:cNvSpPr txBox="1">
+            <a:spLocks noGrp="1"/>
+          </p:cNvSpPr>
           <p:nvPr>
-            <p:ph idx="1" type="body"/>
+            <p:ph type="body" idx="1"/>
           </p:nvPr>
         </p:nvSpPr>
         <p:spPr>
@@ -6294,11 +6458,11 @@
           </a:prstGeom>
         </p:spPr>
         <p:txBody>
-          <a:bodyPr anchorCtr="0" anchor="ctr" bIns="91425" lIns="91425" spcFirstLastPara="1" rIns="91425" wrap="square" tIns="91425">
+          <a:bodyPr spcFirstLastPara="1" wrap="square" lIns="91425" tIns="91425" rIns="91425" bIns="91425" anchor="ctr" anchorCtr="0">
             <a:normAutofit/>
           </a:bodyPr>
           <a:lstStyle>
-            <a:lvl1pPr indent="-228600" lvl="0" marL="457200">
+            <a:lvl1pPr marL="457200" lvl="0" indent="-228600">
               <a:lnSpc>
                 <a:spcPct val="100000"/>
               </a:lnSpc>
@@ -6325,15 +6489,19 @@
               </a:defRPr>
             </a:lvl1pPr>
           </a:lstStyle>
-          <a:p/>
+          <a:p>
+            <a:endParaRPr/>
+          </a:p>
         </p:txBody>
       </p:sp>
       <p:sp>
         <p:nvSpPr>
           <p:cNvPr id="53" name="Google Shape;53;p10"/>
-          <p:cNvSpPr txBox="1"/>
+          <p:cNvSpPr txBox="1">
+            <a:spLocks noGrp="1"/>
+          </p:cNvSpPr>
           <p:nvPr>
-            <p:ph idx="12" type="sldNum"/>
+            <p:ph type="sldNum" idx="12"/>
           </p:nvPr>
         </p:nvSpPr>
         <p:spPr>
@@ -6346,7 +6514,7 @@
           </a:prstGeom>
         </p:spPr>
         <p:txBody>
-          <a:bodyPr anchorCtr="0" anchor="ctr" bIns="91425" lIns="91425" spcFirstLastPara="1" rIns="91425" wrap="square" tIns="91425">
+          <a:bodyPr spcFirstLastPara="1" wrap="square" lIns="91425" tIns="91425" rIns="91425" bIns="91425" anchor="ctr" anchorCtr="0">
             <a:normAutofit/>
           </a:bodyPr>
           <a:lstStyle>
@@ -6424,7 +6592,7 @@
             </a:lvl9pPr>
           </a:lstStyle>
           <a:p>
-            <a:pPr indent="0" lvl="0" marL="0" rtl="0" algn="r">
+            <a:pPr marL="0" lvl="0" indent="0" algn="r" rtl="0">
               <a:spcBef>
                 <a:spcPts val="0"/>
               </a:spcBef>
@@ -6450,18 +6618,19 @@
 </file>
 
 <file path=ppt/slideMasters/slideMaster1.xml><?xml version="1.0" encoding="utf-8"?>
-<p:sldMaster xmlns:a="http://schemas.openxmlformats.org/drawingml/2006/main" xmlns:r="http://schemas.openxmlformats.org/officeDocument/2006/relationships" xmlns:mc="http://schemas.openxmlformats.org/markup-compatibility/2006" xmlns:mv="urn:schemas-microsoft-com:mac:vml" xmlns:p="http://schemas.openxmlformats.org/presentationml/2006/main" xmlns:c="http://schemas.openxmlformats.org/drawingml/2006/chart" xmlns:dgm="http://schemas.openxmlformats.org/drawingml/2006/diagram" xmlns:o="urn:schemas-microsoft-com:office:office" xmlns:v="urn:schemas-microsoft-com:vml" xmlns:pvml="urn:schemas-microsoft-com:office:powerpoint" xmlns:com="http://schemas.openxmlformats.org/drawingml/2006/compatibility" xmlns:p14="http://schemas.microsoft.com/office/powerpoint/2010/main" xmlns:p15="http://schemas.microsoft.com/office/powerpoint/2012/main" xmlns:ahyp="http://schemas.microsoft.com/office/drawing/2018/hyperlinkcolor">
+<p:sldMaster xmlns:a="http://schemas.openxmlformats.org/drawingml/2006/main" xmlns:r="http://schemas.openxmlformats.org/officeDocument/2006/relationships" xmlns:p="http://schemas.openxmlformats.org/presentationml/2006/main">
   <p:cSld name="paradigm">
     <p:bg>
       <p:bgPr>
         <a:solidFill>
           <a:schemeClr val="lt1"/>
         </a:solidFill>
+        <a:effectLst/>
       </p:bgPr>
     </p:bg>
     <p:spTree>
       <p:nvGrpSpPr>
-        <p:cNvPr id="5" name="Shape 5"/>
+        <p:cNvPr id="1" name="Shape 5"/>
         <p:cNvGrpSpPr/>
         <p:nvPr/>
       </p:nvGrpSpPr>
@@ -6476,7 +6645,9 @@
       <p:sp>
         <p:nvSpPr>
           <p:cNvPr id="6" name="Google Shape;6;p1"/>
-          <p:cNvSpPr txBox="1"/>
+          <p:cNvSpPr txBox="1">
+            <a:spLocks noGrp="1"/>
+          </p:cNvSpPr>
           <p:nvPr>
             <p:ph type="title"/>
           </p:nvPr>
@@ -6495,7 +6666,7 @@
           </a:ln>
         </p:spPr>
         <p:txBody>
-          <a:bodyPr anchorCtr="0" anchor="t" bIns="91425" lIns="91425" spcFirstLastPara="1" rIns="91425" wrap="square" tIns="91425">
+          <a:bodyPr spcFirstLastPara="1" wrap="square" lIns="91425" tIns="91425" rIns="91425" bIns="91425" anchor="t" anchorCtr="0">
             <a:normAutofit/>
           </a:bodyPr>
           <a:lstStyle>
@@ -6707,15 +6878,19 @@
               </a:defRPr>
             </a:lvl9pPr>
           </a:lstStyle>
-          <a:p/>
+          <a:p>
+            <a:endParaRPr/>
+          </a:p>
         </p:txBody>
       </p:sp>
       <p:sp>
         <p:nvSpPr>
           <p:cNvPr id="7" name="Google Shape;7;p1"/>
-          <p:cNvSpPr txBox="1"/>
+          <p:cNvSpPr txBox="1">
+            <a:spLocks noGrp="1"/>
+          </p:cNvSpPr>
           <p:nvPr>
-            <p:ph idx="1" type="body"/>
+            <p:ph type="body" idx="1"/>
           </p:nvPr>
         </p:nvSpPr>
         <p:spPr>
@@ -6732,11 +6907,11 @@
           </a:ln>
         </p:spPr>
         <p:txBody>
-          <a:bodyPr anchorCtr="0" anchor="t" bIns="91425" lIns="91425" spcFirstLastPara="1" rIns="91425" wrap="square" tIns="91425">
+          <a:bodyPr spcFirstLastPara="1" wrap="square" lIns="91425" tIns="91425" rIns="91425" bIns="91425" anchor="t" anchorCtr="0">
             <a:normAutofit/>
           </a:bodyPr>
           <a:lstStyle>
-            <a:lvl1pPr indent="-311150" lvl="0" marL="457200">
+            <a:lvl1pPr marL="457200" lvl="0" indent="-311150">
               <a:lnSpc>
                 <a:spcPct val="115000"/>
               </a:lnSpc>
@@ -6762,7 +6937,7 @@
                 <a:sym typeface="Roboto"/>
               </a:defRPr>
             </a:lvl1pPr>
-            <a:lvl2pPr indent="-298450" lvl="1" marL="914400">
+            <a:lvl2pPr marL="914400" lvl="1" indent="-298450">
               <a:lnSpc>
                 <a:spcPct val="115000"/>
               </a:lnSpc>
@@ -6788,7 +6963,7 @@
                 <a:sym typeface="Roboto"/>
               </a:defRPr>
             </a:lvl2pPr>
-            <a:lvl3pPr indent="-298450" lvl="2" marL="1371600">
+            <a:lvl3pPr marL="1371600" lvl="2" indent="-298450">
               <a:lnSpc>
                 <a:spcPct val="115000"/>
               </a:lnSpc>
@@ -6814,7 +6989,7 @@
                 <a:sym typeface="Roboto"/>
               </a:defRPr>
             </a:lvl3pPr>
-            <a:lvl4pPr indent="-298450" lvl="3" marL="1828800">
+            <a:lvl4pPr marL="1828800" lvl="3" indent="-298450">
               <a:lnSpc>
                 <a:spcPct val="115000"/>
               </a:lnSpc>
@@ -6840,7 +7015,7 @@
                 <a:sym typeface="Roboto"/>
               </a:defRPr>
             </a:lvl4pPr>
-            <a:lvl5pPr indent="-298450" lvl="4" marL="2286000">
+            <a:lvl5pPr marL="2286000" lvl="4" indent="-298450">
               <a:lnSpc>
                 <a:spcPct val="115000"/>
               </a:lnSpc>
@@ -6866,7 +7041,7 @@
                 <a:sym typeface="Roboto"/>
               </a:defRPr>
             </a:lvl5pPr>
-            <a:lvl6pPr indent="-298450" lvl="5" marL="2743200">
+            <a:lvl6pPr marL="2743200" lvl="5" indent="-298450">
               <a:lnSpc>
                 <a:spcPct val="115000"/>
               </a:lnSpc>
@@ -6892,7 +7067,7 @@
                 <a:sym typeface="Roboto"/>
               </a:defRPr>
             </a:lvl6pPr>
-            <a:lvl7pPr indent="-298450" lvl="6" marL="3200400">
+            <a:lvl7pPr marL="3200400" lvl="6" indent="-298450">
               <a:lnSpc>
                 <a:spcPct val="115000"/>
               </a:lnSpc>
@@ -6918,7 +7093,7 @@
                 <a:sym typeface="Roboto"/>
               </a:defRPr>
             </a:lvl7pPr>
-            <a:lvl8pPr indent="-298450" lvl="7" marL="3657600">
+            <a:lvl8pPr marL="3657600" lvl="7" indent="-298450">
               <a:lnSpc>
                 <a:spcPct val="115000"/>
               </a:lnSpc>
@@ -6944,7 +7119,7 @@
                 <a:sym typeface="Roboto"/>
               </a:defRPr>
             </a:lvl8pPr>
-            <a:lvl9pPr indent="-298450" lvl="8" marL="4114800">
+            <a:lvl9pPr marL="4114800" lvl="8" indent="-298450">
               <a:lnSpc>
                 <a:spcPct val="115000"/>
               </a:lnSpc>
@@ -6971,15 +7146,19 @@
               </a:defRPr>
             </a:lvl9pPr>
           </a:lstStyle>
-          <a:p/>
+          <a:p>
+            <a:endParaRPr/>
+          </a:p>
         </p:txBody>
       </p:sp>
       <p:sp>
         <p:nvSpPr>
           <p:cNvPr id="8" name="Google Shape;8;p1"/>
-          <p:cNvSpPr txBox="1"/>
+          <p:cNvSpPr txBox="1">
+            <a:spLocks noGrp="1"/>
+          </p:cNvSpPr>
           <p:nvPr>
-            <p:ph idx="12" type="sldNum"/>
+            <p:ph type="sldNum" idx="12"/>
           </p:nvPr>
         </p:nvSpPr>
         <p:spPr>
@@ -6996,7 +7175,7 @@
           </a:ln>
         </p:spPr>
         <p:txBody>
-          <a:bodyPr anchorCtr="0" anchor="ctr" bIns="91425" lIns="91425" spcFirstLastPara="1" rIns="91425" wrap="square" tIns="91425">
+          <a:bodyPr spcFirstLastPara="1" wrap="square" lIns="91425" tIns="91425" rIns="91425" bIns="91425" anchor="ctr" anchorCtr="0">
             <a:normAutofit/>
           </a:bodyPr>
           <a:lstStyle>
@@ -7110,7 +7289,7 @@
             </a:lvl9pPr>
           </a:lstStyle>
           <a:p>
-            <a:pPr indent="0" lvl="0" marL="0" rtl="0" algn="r">
+            <a:pPr marL="0" lvl="0" indent="0" algn="r" rtl="0">
               <a:spcBef>
                 <a:spcPts val="0"/>
               </a:spcBef>
@@ -7129,7 +7308,7 @@
       </p:sp>
     </p:spTree>
   </p:cSld>
-  <p:clrMap accent1="accent1" accent2="accent2" accent3="accent3" accent4="accent4" accent5="accent5" accent6="accent6" bg1="lt1" bg2="dk2" tx1="dk1" tx2="lt2" folHlink="folHlink" hlink="hlink"/>
+  <p:clrMap bg1="lt1" tx1="dk1" bg2="dk2" tx2="lt2" accent1="accent1" accent2="accent2" accent3="accent3" accent4="accent4" accent5="accent5" accent6="accent6" hlink="hlink" folHlink="folHlink"/>
   <p:sldLayoutIdLst>
     <p:sldLayoutId id="2147483648" r:id="rId1"/>
     <p:sldLayoutId id="2147483649" r:id="rId2"/>
@@ -7143,10 +7322,10 @@
     <p:sldLayoutId id="2147483657" r:id="rId10"/>
     <p:sldLayoutId id="2147483658" r:id="rId11"/>
   </p:sldLayoutIdLst>
-  <p:hf dt="0" ftr="0" hdr="0" sldNum="0"/>
+  <p:hf sldNum="0" hdr="0" ftr="0" dt="0"/>
   <p:txStyles>
     <p:titleStyle>
-      <a:defPPr lvl="0" marR="0" rtl="0" algn="l">
+      <a:defPPr marR="0" lvl="0" algn="l" rtl="0">
         <a:lnSpc>
           <a:spcPct val="100000"/>
         </a:lnSpc>
@@ -7157,7 +7336,7 @@
           <a:spcPts val="0"/>
         </a:spcAft>
       </a:defPPr>
-      <a:lvl1pPr lvl="0" marR="0" rtl="0" algn="l">
+      <a:lvl1pPr marR="0" lvl="0" algn="l" rtl="0">
         <a:lnSpc>
           <a:spcPct val="100000"/>
         </a:lnSpc>
@@ -7171,7 +7350,7 @@
           <a:srgbClr val="000000"/>
         </a:buClr>
         <a:buFont typeface="Arial"/>
-        <a:defRPr b="0" i="0" sz="1400" u="none" cap="none" strike="noStrike">
+        <a:defRPr sz="1400" b="0" i="0" u="none" strike="noStrike" cap="none">
           <a:solidFill>
             <a:srgbClr val="000000"/>
           </a:solidFill>
@@ -7181,7 +7360,7 @@
           <a:sym typeface="Arial"/>
         </a:defRPr>
       </a:lvl1pPr>
-      <a:lvl2pPr lvl="1" marR="0" rtl="0" algn="l">
+      <a:lvl2pPr marR="0" lvl="1" algn="l" rtl="0">
         <a:lnSpc>
           <a:spcPct val="100000"/>
         </a:lnSpc>
@@ -7195,7 +7374,7 @@
           <a:srgbClr val="000000"/>
         </a:buClr>
         <a:buFont typeface="Arial"/>
-        <a:defRPr b="0" i="0" sz="1400" u="none" cap="none" strike="noStrike">
+        <a:defRPr sz="1400" b="0" i="0" u="none" strike="noStrike" cap="none">
           <a:solidFill>
             <a:srgbClr val="000000"/>
           </a:solidFill>
@@ -7205,7 +7384,7 @@
           <a:sym typeface="Arial"/>
         </a:defRPr>
       </a:lvl2pPr>
-      <a:lvl3pPr lvl="2" marR="0" rtl="0" algn="l">
+      <a:lvl3pPr marR="0" lvl="2" algn="l" rtl="0">
         <a:lnSpc>
           <a:spcPct val="100000"/>
         </a:lnSpc>
@@ -7219,7 +7398,7 @@
           <a:srgbClr val="000000"/>
         </a:buClr>
         <a:buFont typeface="Arial"/>
-        <a:defRPr b="0" i="0" sz="1400" u="none" cap="none" strike="noStrike">
+        <a:defRPr sz="1400" b="0" i="0" u="none" strike="noStrike" cap="none">
           <a:solidFill>
             <a:srgbClr val="000000"/>
           </a:solidFill>
@@ -7229,7 +7408,7 @@
           <a:sym typeface="Arial"/>
         </a:defRPr>
       </a:lvl3pPr>
-      <a:lvl4pPr lvl="3" marR="0" rtl="0" algn="l">
+      <a:lvl4pPr marR="0" lvl="3" algn="l" rtl="0">
         <a:lnSpc>
           <a:spcPct val="100000"/>
         </a:lnSpc>
@@ -7243,7 +7422,7 @@
           <a:srgbClr val="000000"/>
         </a:buClr>
         <a:buFont typeface="Arial"/>
-        <a:defRPr b="0" i="0" sz="1400" u="none" cap="none" strike="noStrike">
+        <a:defRPr sz="1400" b="0" i="0" u="none" strike="noStrike" cap="none">
           <a:solidFill>
             <a:srgbClr val="000000"/>
           </a:solidFill>
@@ -7253,7 +7432,7 @@
           <a:sym typeface="Arial"/>
         </a:defRPr>
       </a:lvl4pPr>
-      <a:lvl5pPr lvl="4" marR="0" rtl="0" algn="l">
+      <a:lvl5pPr marR="0" lvl="4" algn="l" rtl="0">
         <a:lnSpc>
           <a:spcPct val="100000"/>
         </a:lnSpc>
@@ -7267,7 +7446,7 @@
           <a:srgbClr val="000000"/>
         </a:buClr>
         <a:buFont typeface="Arial"/>
-        <a:defRPr b="0" i="0" sz="1400" u="none" cap="none" strike="noStrike">
+        <a:defRPr sz="1400" b="0" i="0" u="none" strike="noStrike" cap="none">
           <a:solidFill>
             <a:srgbClr val="000000"/>
           </a:solidFill>
@@ -7277,7 +7456,7 @@
           <a:sym typeface="Arial"/>
         </a:defRPr>
       </a:lvl5pPr>
-      <a:lvl6pPr lvl="5" marR="0" rtl="0" algn="l">
+      <a:lvl6pPr marR="0" lvl="5" algn="l" rtl="0">
         <a:lnSpc>
           <a:spcPct val="100000"/>
         </a:lnSpc>
@@ -7291,7 +7470,7 @@
           <a:srgbClr val="000000"/>
         </a:buClr>
         <a:buFont typeface="Arial"/>
-        <a:defRPr b="0" i="0" sz="1400" u="none" cap="none" strike="noStrike">
+        <a:defRPr sz="1400" b="0" i="0" u="none" strike="noStrike" cap="none">
           <a:solidFill>
             <a:srgbClr val="000000"/>
           </a:solidFill>
@@ -7301,7 +7480,7 @@
           <a:sym typeface="Arial"/>
         </a:defRPr>
       </a:lvl6pPr>
-      <a:lvl7pPr lvl="6" marR="0" rtl="0" algn="l">
+      <a:lvl7pPr marR="0" lvl="6" algn="l" rtl="0">
         <a:lnSpc>
           <a:spcPct val="100000"/>
         </a:lnSpc>
@@ -7315,7 +7494,7 @@
           <a:srgbClr val="000000"/>
         </a:buClr>
         <a:buFont typeface="Arial"/>
-        <a:defRPr b="0" i="0" sz="1400" u="none" cap="none" strike="noStrike">
+        <a:defRPr sz="1400" b="0" i="0" u="none" strike="noStrike" cap="none">
           <a:solidFill>
             <a:srgbClr val="000000"/>
           </a:solidFill>
@@ -7325,7 +7504,7 @@
           <a:sym typeface="Arial"/>
         </a:defRPr>
       </a:lvl7pPr>
-      <a:lvl8pPr lvl="7" marR="0" rtl="0" algn="l">
+      <a:lvl8pPr marR="0" lvl="7" algn="l" rtl="0">
         <a:lnSpc>
           <a:spcPct val="100000"/>
         </a:lnSpc>
@@ -7339,7 +7518,7 @@
           <a:srgbClr val="000000"/>
         </a:buClr>
         <a:buFont typeface="Arial"/>
-        <a:defRPr b="0" i="0" sz="1400" u="none" cap="none" strike="noStrike">
+        <a:defRPr sz="1400" b="0" i="0" u="none" strike="noStrike" cap="none">
           <a:solidFill>
             <a:srgbClr val="000000"/>
           </a:solidFill>
@@ -7349,7 +7528,7 @@
           <a:sym typeface="Arial"/>
         </a:defRPr>
       </a:lvl8pPr>
-      <a:lvl9pPr lvl="8" marR="0" rtl="0" algn="l">
+      <a:lvl9pPr marR="0" lvl="8" algn="l" rtl="0">
         <a:lnSpc>
           <a:spcPct val="100000"/>
         </a:lnSpc>
@@ -7363,7 +7542,7 @@
           <a:srgbClr val="000000"/>
         </a:buClr>
         <a:buFont typeface="Arial"/>
-        <a:defRPr b="0" i="0" sz="1400" u="none" cap="none" strike="noStrike">
+        <a:defRPr sz="1400" b="0" i="0" u="none" strike="noStrike" cap="none">
           <a:solidFill>
             <a:srgbClr val="000000"/>
           </a:solidFill>
@@ -7375,7 +7554,7 @@
       </a:lvl9pPr>
     </p:titleStyle>
     <p:bodyStyle>
-      <a:defPPr lvl="0" marR="0" rtl="0" algn="l">
+      <a:defPPr marR="0" lvl="0" algn="l" rtl="0">
         <a:lnSpc>
           <a:spcPct val="100000"/>
         </a:lnSpc>
@@ -7386,7 +7565,7 @@
           <a:spcPts val="0"/>
         </a:spcAft>
       </a:defPPr>
-      <a:lvl1pPr lvl="0" marR="0" rtl="0" algn="l">
+      <a:lvl1pPr marR="0" lvl="0" algn="l" rtl="0">
         <a:lnSpc>
           <a:spcPct val="100000"/>
         </a:lnSpc>
@@ -7400,7 +7579,7 @@
           <a:srgbClr val="000000"/>
         </a:buClr>
         <a:buFont typeface="Arial"/>
-        <a:defRPr b="0" i="0" sz="1400" u="none" cap="none" strike="noStrike">
+        <a:defRPr sz="1400" b="0" i="0" u="none" strike="noStrike" cap="none">
           <a:solidFill>
             <a:srgbClr val="000000"/>
           </a:solidFill>
@@ -7410,7 +7589,7 @@
           <a:sym typeface="Arial"/>
         </a:defRPr>
       </a:lvl1pPr>
-      <a:lvl2pPr lvl="1" marR="0" rtl="0" algn="l">
+      <a:lvl2pPr marR="0" lvl="1" algn="l" rtl="0">
         <a:lnSpc>
           <a:spcPct val="100000"/>
         </a:lnSpc>
@@ -7424,7 +7603,7 @@
           <a:srgbClr val="000000"/>
         </a:buClr>
         <a:buFont typeface="Arial"/>
-        <a:defRPr b="0" i="0" sz="1400" u="none" cap="none" strike="noStrike">
+        <a:defRPr sz="1400" b="0" i="0" u="none" strike="noStrike" cap="none">
           <a:solidFill>
             <a:srgbClr val="000000"/>
           </a:solidFill>
@@ -7434,7 +7613,7 @@
           <a:sym typeface="Arial"/>
         </a:defRPr>
       </a:lvl2pPr>
-      <a:lvl3pPr lvl="2" marR="0" rtl="0" algn="l">
+      <a:lvl3pPr marR="0" lvl="2" algn="l" rtl="0">
         <a:lnSpc>
           <a:spcPct val="100000"/>
         </a:lnSpc>
@@ -7448,7 +7627,7 @@
           <a:srgbClr val="000000"/>
         </a:buClr>
         <a:buFont typeface="Arial"/>
-        <a:defRPr b="0" i="0" sz="1400" u="none" cap="none" strike="noStrike">
+        <a:defRPr sz="1400" b="0" i="0" u="none" strike="noStrike" cap="none">
           <a:solidFill>
             <a:srgbClr val="000000"/>
           </a:solidFill>
@@ -7458,7 +7637,7 @@
           <a:sym typeface="Arial"/>
         </a:defRPr>
       </a:lvl3pPr>
-      <a:lvl4pPr lvl="3" marR="0" rtl="0" algn="l">
+      <a:lvl4pPr marR="0" lvl="3" algn="l" rtl="0">
         <a:lnSpc>
           <a:spcPct val="100000"/>
         </a:lnSpc>
@@ -7472,7 +7651,7 @@
           <a:srgbClr val="000000"/>
         </a:buClr>
         <a:buFont typeface="Arial"/>
-        <a:defRPr b="0" i="0" sz="1400" u="none" cap="none" strike="noStrike">
+        <a:defRPr sz="1400" b="0" i="0" u="none" strike="noStrike" cap="none">
           <a:solidFill>
             <a:srgbClr val="000000"/>
           </a:solidFill>
@@ -7482,7 +7661,7 @@
           <a:sym typeface="Arial"/>
         </a:defRPr>
       </a:lvl4pPr>
-      <a:lvl5pPr lvl="4" marR="0" rtl="0" algn="l">
+      <a:lvl5pPr marR="0" lvl="4" algn="l" rtl="0">
         <a:lnSpc>
           <a:spcPct val="100000"/>
         </a:lnSpc>
@@ -7496,7 +7675,7 @@
           <a:srgbClr val="000000"/>
         </a:buClr>
         <a:buFont typeface="Arial"/>
-        <a:defRPr b="0" i="0" sz="1400" u="none" cap="none" strike="noStrike">
+        <a:defRPr sz="1400" b="0" i="0" u="none" strike="noStrike" cap="none">
           <a:solidFill>
             <a:srgbClr val="000000"/>
           </a:solidFill>
@@ -7506,7 +7685,7 @@
           <a:sym typeface="Arial"/>
         </a:defRPr>
       </a:lvl5pPr>
-      <a:lvl6pPr lvl="5" marR="0" rtl="0" algn="l">
+      <a:lvl6pPr marR="0" lvl="5" algn="l" rtl="0">
         <a:lnSpc>
           <a:spcPct val="100000"/>
         </a:lnSpc>
@@ -7520,7 +7699,7 @@
           <a:srgbClr val="000000"/>
         </a:buClr>
         <a:buFont typeface="Arial"/>
-        <a:defRPr b="0" i="0" sz="1400" u="none" cap="none" strike="noStrike">
+        <a:defRPr sz="1400" b="0" i="0" u="none" strike="noStrike" cap="none">
           <a:solidFill>
             <a:srgbClr val="000000"/>
           </a:solidFill>
@@ -7530,7 +7709,7 @@
           <a:sym typeface="Arial"/>
         </a:defRPr>
       </a:lvl6pPr>
-      <a:lvl7pPr lvl="6" marR="0" rtl="0" algn="l">
+      <a:lvl7pPr marR="0" lvl="6" algn="l" rtl="0">
         <a:lnSpc>
           <a:spcPct val="100000"/>
         </a:lnSpc>
@@ -7544,7 +7723,7 @@
           <a:srgbClr val="000000"/>
         </a:buClr>
         <a:buFont typeface="Arial"/>
-        <a:defRPr b="0" i="0" sz="1400" u="none" cap="none" strike="noStrike">
+        <a:defRPr sz="1400" b="0" i="0" u="none" strike="noStrike" cap="none">
           <a:solidFill>
             <a:srgbClr val="000000"/>
           </a:solidFill>
@@ -7554,7 +7733,7 @@
           <a:sym typeface="Arial"/>
         </a:defRPr>
       </a:lvl7pPr>
-      <a:lvl8pPr lvl="7" marR="0" rtl="0" algn="l">
+      <a:lvl8pPr marR="0" lvl="7" algn="l" rtl="0">
         <a:lnSpc>
           <a:spcPct val="100000"/>
         </a:lnSpc>
@@ -7568,7 +7747,7 @@
           <a:srgbClr val="000000"/>
         </a:buClr>
         <a:buFont typeface="Arial"/>
-        <a:defRPr b="0" i="0" sz="1400" u="none" cap="none" strike="noStrike">
+        <a:defRPr sz="1400" b="0" i="0" u="none" strike="noStrike" cap="none">
           <a:solidFill>
             <a:srgbClr val="000000"/>
           </a:solidFill>
@@ -7578,7 +7757,7 @@
           <a:sym typeface="Arial"/>
         </a:defRPr>
       </a:lvl8pPr>
-      <a:lvl9pPr lvl="8" marR="0" rtl="0" algn="l">
+      <a:lvl9pPr marR="0" lvl="8" algn="l" rtl="0">
         <a:lnSpc>
           <a:spcPct val="100000"/>
         </a:lnSpc>
@@ -7592,7 +7771,7 @@
           <a:srgbClr val="000000"/>
         </a:buClr>
         <a:buFont typeface="Arial"/>
-        <a:defRPr b="0" i="0" sz="1400" u="none" cap="none" strike="noStrike">
+        <a:defRPr sz="1400" b="0" i="0" u="none" strike="noStrike" cap="none">
           <a:solidFill>
             <a:srgbClr val="000000"/>
           </a:solidFill>
@@ -7604,7 +7783,7 @@
       </a:lvl9pPr>
     </p:bodyStyle>
     <p:otherStyle>
-      <a:defPPr lvl="0" marR="0" rtl="0" algn="l">
+      <a:defPPr marR="0" lvl="0" algn="l" rtl="0">
         <a:lnSpc>
           <a:spcPct val="100000"/>
         </a:lnSpc>
@@ -7615,7 +7794,7 @@
           <a:spcPts val="0"/>
         </a:spcAft>
       </a:defPPr>
-      <a:lvl1pPr lvl="0" marR="0" rtl="0" algn="l">
+      <a:lvl1pPr marR="0" lvl="0" algn="l" rtl="0">
         <a:lnSpc>
           <a:spcPct val="100000"/>
         </a:lnSpc>
@@ -7629,7 +7808,7 @@
           <a:srgbClr val="000000"/>
         </a:buClr>
         <a:buFont typeface="Arial"/>
-        <a:defRPr b="0" i="0" sz="1400" u="none" cap="none" strike="noStrike">
+        <a:defRPr sz="1400" b="0" i="0" u="none" strike="noStrike" cap="none">
           <a:solidFill>
             <a:srgbClr val="000000"/>
           </a:solidFill>
@@ -7639,7 +7818,7 @@
           <a:sym typeface="Arial"/>
         </a:defRPr>
       </a:lvl1pPr>
-      <a:lvl2pPr lvl="1" marR="0" rtl="0" algn="l">
+      <a:lvl2pPr marR="0" lvl="1" algn="l" rtl="0">
         <a:lnSpc>
           <a:spcPct val="100000"/>
         </a:lnSpc>
@@ -7653,7 +7832,7 @@
           <a:srgbClr val="000000"/>
         </a:buClr>
         <a:buFont typeface="Arial"/>
-        <a:defRPr b="0" i="0" sz="1400" u="none" cap="none" strike="noStrike">
+        <a:defRPr sz="1400" b="0" i="0" u="none" strike="noStrike" cap="none">
           <a:solidFill>
             <a:srgbClr val="000000"/>
           </a:solidFill>
@@ -7663,7 +7842,7 @@
           <a:sym typeface="Arial"/>
         </a:defRPr>
       </a:lvl2pPr>
-      <a:lvl3pPr lvl="2" marR="0" rtl="0" algn="l">
+      <a:lvl3pPr marR="0" lvl="2" algn="l" rtl="0">
         <a:lnSpc>
           <a:spcPct val="100000"/>
         </a:lnSpc>
@@ -7677,7 +7856,7 @@
           <a:srgbClr val="000000"/>
         </a:buClr>
         <a:buFont typeface="Arial"/>
-        <a:defRPr b="0" i="0" sz="1400" u="none" cap="none" strike="noStrike">
+        <a:defRPr sz="1400" b="0" i="0" u="none" strike="noStrike" cap="none">
           <a:solidFill>
             <a:srgbClr val="000000"/>
           </a:solidFill>
@@ -7687,7 +7866,7 @@
           <a:sym typeface="Arial"/>
         </a:defRPr>
       </a:lvl3pPr>
-      <a:lvl4pPr lvl="3" marR="0" rtl="0" algn="l">
+      <a:lvl4pPr marR="0" lvl="3" algn="l" rtl="0">
         <a:lnSpc>
           <a:spcPct val="100000"/>
         </a:lnSpc>
@@ -7701,7 +7880,7 @@
           <a:srgbClr val="000000"/>
         </a:buClr>
         <a:buFont typeface="Arial"/>
-        <a:defRPr b="0" i="0" sz="1400" u="none" cap="none" strike="noStrike">
+        <a:defRPr sz="1400" b="0" i="0" u="none" strike="noStrike" cap="none">
           <a:solidFill>
             <a:srgbClr val="000000"/>
           </a:solidFill>
@@ -7711,7 +7890,7 @@
           <a:sym typeface="Arial"/>
         </a:defRPr>
       </a:lvl4pPr>
-      <a:lvl5pPr lvl="4" marR="0" rtl="0" algn="l">
+      <a:lvl5pPr marR="0" lvl="4" algn="l" rtl="0">
         <a:lnSpc>
           <a:spcPct val="100000"/>
         </a:lnSpc>
@@ -7725,7 +7904,7 @@
           <a:srgbClr val="000000"/>
         </a:buClr>
         <a:buFont typeface="Arial"/>
-        <a:defRPr b="0" i="0" sz="1400" u="none" cap="none" strike="noStrike">
+        <a:defRPr sz="1400" b="0" i="0" u="none" strike="noStrike" cap="none">
           <a:solidFill>
             <a:srgbClr val="000000"/>
           </a:solidFill>
@@ -7735,7 +7914,7 @@
           <a:sym typeface="Arial"/>
         </a:defRPr>
       </a:lvl5pPr>
-      <a:lvl6pPr lvl="5" marR="0" rtl="0" algn="l">
+      <a:lvl6pPr marR="0" lvl="5" algn="l" rtl="0">
         <a:lnSpc>
           <a:spcPct val="100000"/>
         </a:lnSpc>
@@ -7749,7 +7928,7 @@
           <a:srgbClr val="000000"/>
         </a:buClr>
         <a:buFont typeface="Arial"/>
-        <a:defRPr b="0" i="0" sz="1400" u="none" cap="none" strike="noStrike">
+        <a:defRPr sz="1400" b="0" i="0" u="none" strike="noStrike" cap="none">
           <a:solidFill>
             <a:srgbClr val="000000"/>
           </a:solidFill>
@@ -7759,7 +7938,7 @@
           <a:sym typeface="Arial"/>
         </a:defRPr>
       </a:lvl6pPr>
-      <a:lvl7pPr lvl="6" marR="0" rtl="0" algn="l">
+      <a:lvl7pPr marR="0" lvl="6" algn="l" rtl="0">
         <a:lnSpc>
           <a:spcPct val="100000"/>
         </a:lnSpc>
@@ -7773,7 +7952,7 @@
           <a:srgbClr val="000000"/>
         </a:buClr>
         <a:buFont typeface="Arial"/>
-        <a:defRPr b="0" i="0" sz="1400" u="none" cap="none" strike="noStrike">
+        <a:defRPr sz="1400" b="0" i="0" u="none" strike="noStrike" cap="none">
           <a:solidFill>
             <a:srgbClr val="000000"/>
           </a:solidFill>
@@ -7783,7 +7962,7 @@
           <a:sym typeface="Arial"/>
         </a:defRPr>
       </a:lvl7pPr>
-      <a:lvl8pPr lvl="7" marR="0" rtl="0" algn="l">
+      <a:lvl8pPr marR="0" lvl="7" algn="l" rtl="0">
         <a:lnSpc>
           <a:spcPct val="100000"/>
         </a:lnSpc>
@@ -7797,7 +7976,7 @@
           <a:srgbClr val="000000"/>
         </a:buClr>
         <a:buFont typeface="Arial"/>
-        <a:defRPr b="0" i="0" sz="1400" u="none" cap="none" strike="noStrike">
+        <a:defRPr sz="1400" b="0" i="0" u="none" strike="noStrike" cap="none">
           <a:solidFill>
             <a:srgbClr val="000000"/>
           </a:solidFill>
@@ -7807,7 +7986,7 @@
           <a:sym typeface="Arial"/>
         </a:defRPr>
       </a:lvl8pPr>
-      <a:lvl9pPr lvl="8" marR="0" rtl="0" algn="l">
+      <a:lvl9pPr marR="0" lvl="8" algn="l" rtl="0">
         <a:lnSpc>
           <a:spcPct val="100000"/>
         </a:lnSpc>
@@ -7821,7 +8000,7 @@
           <a:srgbClr val="000000"/>
         </a:buClr>
         <a:buFont typeface="Arial"/>
-        <a:defRPr b="0" i="0" sz="1400" u="none" cap="none" strike="noStrike">
+        <a:defRPr sz="1400" b="0" i="0" u="none" strike="noStrike" cap="none">
           <a:solidFill>
             <a:srgbClr val="000000"/>
           </a:solidFill>
@@ -7837,11 +8016,11 @@
 </file>
 
 <file path=ppt/slides/slide1.xml><?xml version="1.0" encoding="utf-8"?>
-<p:sld xmlns:a="http://schemas.openxmlformats.org/drawingml/2006/main" xmlns:r="http://schemas.openxmlformats.org/officeDocument/2006/relationships" xmlns:mc="http://schemas.openxmlformats.org/markup-compatibility/2006" xmlns:mv="urn:schemas-microsoft-com:mac:vml" xmlns:p="http://schemas.openxmlformats.org/presentationml/2006/main" xmlns:c="http://schemas.openxmlformats.org/drawingml/2006/chart" xmlns:dgm="http://schemas.openxmlformats.org/drawingml/2006/diagram" xmlns:o="urn:schemas-microsoft-com:office:office" xmlns:v="urn:schemas-microsoft-com:vml" xmlns:pvml="urn:schemas-microsoft-com:office:powerpoint" xmlns:com="http://schemas.openxmlformats.org/drawingml/2006/compatibility" xmlns:p14="http://schemas.microsoft.com/office/powerpoint/2010/main" xmlns:p15="http://schemas.microsoft.com/office/powerpoint/2012/main" xmlns:ahyp="http://schemas.microsoft.com/office/drawing/2018/hyperlinkcolor">
+<p:sld xmlns:a="http://schemas.openxmlformats.org/drawingml/2006/main" xmlns:r="http://schemas.openxmlformats.org/officeDocument/2006/relationships" xmlns:p="http://schemas.openxmlformats.org/presentationml/2006/main">
   <p:cSld>
     <p:spTree>
       <p:nvGrpSpPr>
-        <p:cNvPr id="63" name="Shape 63"/>
+        <p:cNvPr id="1" name="Shape 63"/>
         <p:cNvGrpSpPr/>
         <p:nvPr/>
       </p:nvGrpSpPr>
@@ -7856,7 +8035,9 @@
       <p:sp>
         <p:nvSpPr>
           <p:cNvPr id="64" name="Google Shape;64;p13"/>
-          <p:cNvSpPr txBox="1"/>
+          <p:cNvSpPr txBox="1">
+            <a:spLocks noGrp="1"/>
+          </p:cNvSpPr>
           <p:nvPr>
             <p:ph type="ctrTitle"/>
           </p:nvPr>
@@ -7871,12 +8052,12 @@
           </a:prstGeom>
         </p:spPr>
         <p:txBody>
-          <a:bodyPr anchorCtr="0" anchor="t" bIns="91425" lIns="91425" spcFirstLastPara="1" rIns="91425" wrap="square" tIns="91425">
+          <a:bodyPr spcFirstLastPara="1" wrap="square" lIns="91425" tIns="91425" rIns="91425" bIns="91425" anchor="t" anchorCtr="0">
             <a:normAutofit fontScale="90000"/>
           </a:bodyPr>
           <a:lstStyle/>
           <a:p>
-            <a:pPr indent="0" lvl="0" marL="0" rtl="0" algn="l">
+            <a:pPr marL="0" lvl="0" indent="0" algn="l" rtl="0">
               <a:spcBef>
                 <a:spcPts val="0"/>
               </a:spcBef>
@@ -7892,7 +8073,7 @@
             <a:endParaRPr/>
           </a:p>
           <a:p>
-            <a:pPr indent="0" lvl="0" marL="0" rtl="0" algn="l">
+            <a:pPr marL="0" lvl="0" indent="0" algn="l" rtl="0">
               <a:spcBef>
                 <a:spcPts val="0"/>
               </a:spcBef>
@@ -7908,7 +8089,7 @@
             <a:endParaRPr/>
           </a:p>
           <a:p>
-            <a:pPr indent="0" lvl="0" marL="0" rtl="0" algn="l">
+            <a:pPr marL="0" lvl="0" indent="0" algn="l" rtl="0">
               <a:spcBef>
                 <a:spcPts val="0"/>
               </a:spcBef>
@@ -7928,9 +8109,11 @@
       <p:sp>
         <p:nvSpPr>
           <p:cNvPr id="65" name="Google Shape;65;p13"/>
-          <p:cNvSpPr txBox="1"/>
+          <p:cNvSpPr txBox="1">
+            <a:spLocks noGrp="1"/>
+          </p:cNvSpPr>
           <p:nvPr>
-            <p:ph idx="1" type="subTitle"/>
+            <p:ph type="subTitle" idx="1"/>
           </p:nvPr>
         </p:nvSpPr>
         <p:spPr>
@@ -7943,12 +8126,12 @@
           </a:prstGeom>
         </p:spPr>
         <p:txBody>
-          <a:bodyPr anchorCtr="0" anchor="t" bIns="91425" lIns="91425" spcFirstLastPara="1" rIns="91425" wrap="square" tIns="91425">
+          <a:bodyPr spcFirstLastPara="1" wrap="square" lIns="91425" tIns="91425" rIns="91425" bIns="91425" anchor="t" anchorCtr="0">
             <a:normAutofit lnSpcReduction="10000"/>
           </a:bodyPr>
           <a:lstStyle/>
           <a:p>
-            <a:pPr indent="0" lvl="0" marL="0" rtl="0" algn="l">
+            <a:pPr marL="0" lvl="0" indent="0" algn="l" rtl="0">
               <a:spcBef>
                 <a:spcPts val="0"/>
               </a:spcBef>
@@ -7964,7 +8147,7 @@
             <a:endParaRPr/>
           </a:p>
           <a:p>
-            <a:pPr indent="0" lvl="0" marL="0" rtl="0" algn="l">
+            <a:pPr marL="0" lvl="0" indent="0" algn="l" rtl="0">
               <a:spcBef>
                 <a:spcPts val="0"/>
               </a:spcBef>
@@ -7980,7 +8163,7 @@
             <a:endParaRPr/>
           </a:p>
           <a:p>
-            <a:pPr indent="0" lvl="0" marL="0" rtl="0" algn="l">
+            <a:pPr marL="0" lvl="0" indent="0" algn="l" rtl="0">
               <a:spcBef>
                 <a:spcPts val="0"/>
               </a:spcBef>
@@ -8006,11 +8189,11 @@
 </file>
 
 <file path=ppt/slides/slide10.xml><?xml version="1.0" encoding="utf-8"?>
-<p:sld xmlns:a="http://schemas.openxmlformats.org/drawingml/2006/main" xmlns:r="http://schemas.openxmlformats.org/officeDocument/2006/relationships" xmlns:mc="http://schemas.openxmlformats.org/markup-compatibility/2006" xmlns:mv="urn:schemas-microsoft-com:mac:vml" xmlns:p="http://schemas.openxmlformats.org/presentationml/2006/main" xmlns:c="http://schemas.openxmlformats.org/drawingml/2006/chart" xmlns:dgm="http://schemas.openxmlformats.org/drawingml/2006/diagram" xmlns:o="urn:schemas-microsoft-com:office:office" xmlns:v="urn:schemas-microsoft-com:vml" xmlns:pvml="urn:schemas-microsoft-com:office:powerpoint" xmlns:com="http://schemas.openxmlformats.org/drawingml/2006/compatibility" xmlns:p14="http://schemas.microsoft.com/office/powerpoint/2010/main" xmlns:p15="http://schemas.microsoft.com/office/powerpoint/2012/main" xmlns:ahyp="http://schemas.microsoft.com/office/drawing/2018/hyperlinkcolor">
+<p:sld xmlns:a="http://schemas.openxmlformats.org/drawingml/2006/main" xmlns:r="http://schemas.openxmlformats.org/officeDocument/2006/relationships" xmlns:p="http://schemas.openxmlformats.org/presentationml/2006/main">
   <p:cSld>
     <p:spTree>
       <p:nvGrpSpPr>
-        <p:cNvPr id="125" name="Shape 125"/>
+        <p:cNvPr id="1" name="Shape 125"/>
         <p:cNvGrpSpPr/>
         <p:nvPr/>
       </p:nvGrpSpPr>
@@ -8025,7 +8208,9 @@
       <p:sp>
         <p:nvSpPr>
           <p:cNvPr id="126" name="Google Shape;126;p22"/>
-          <p:cNvSpPr txBox="1"/>
+          <p:cNvSpPr txBox="1">
+            <a:spLocks noGrp="1"/>
+          </p:cNvSpPr>
           <p:nvPr>
             <p:ph type="title"/>
           </p:nvPr>
@@ -8040,12 +8225,12 @@
           </a:prstGeom>
         </p:spPr>
         <p:txBody>
-          <a:bodyPr anchorCtr="0" anchor="t" bIns="91425" lIns="91425" spcFirstLastPara="1" rIns="91425" wrap="square" tIns="91425">
+          <a:bodyPr spcFirstLastPara="1" wrap="square" lIns="91425" tIns="91425" rIns="91425" bIns="91425" anchor="t" anchorCtr="0">
             <a:normAutofit/>
           </a:bodyPr>
           <a:lstStyle/>
           <a:p>
-            <a:pPr indent="0" lvl="0" marL="0" rtl="0" algn="l">
+            <a:pPr marL="0" lvl="0" indent="0" algn="l" rtl="0">
               <a:spcBef>
                 <a:spcPts val="0"/>
               </a:spcBef>
@@ -8133,23 +8318,23 @@
             <a:avLst/>
           </a:prstGeom>
           <a:noFill/>
-          <a:ln cap="flat" cmpd="sng" w="9525">
+          <a:ln w="9525" cap="flat" cmpd="sng">
             <a:solidFill>
               <a:srgbClr val="FF0000"/>
             </a:solidFill>
             <a:prstDash val="solid"/>
             <a:round/>
-            <a:headEnd len="sm" w="sm" type="none"/>
-            <a:tailEnd len="sm" w="sm" type="none"/>
+            <a:headEnd type="none" w="sm" len="sm"/>
+            <a:tailEnd type="none" w="sm" len="sm"/>
           </a:ln>
         </p:spPr>
         <p:txBody>
-          <a:bodyPr anchorCtr="0" anchor="ctr" bIns="91425" lIns="91425" spcFirstLastPara="1" rIns="91425" wrap="square" tIns="91425">
+          <a:bodyPr spcFirstLastPara="1" wrap="square" lIns="91425" tIns="91425" rIns="91425" bIns="91425" anchor="ctr" anchorCtr="0">
             <a:noAutofit/>
           </a:bodyPr>
           <a:lstStyle/>
           <a:p>
-            <a:pPr indent="0" lvl="0" marL="0" rtl="0" algn="l">
+            <a:pPr marL="0" lvl="0" indent="0" algn="l" rtl="0">
               <a:spcBef>
                 <a:spcPts val="0"/>
               </a:spcBef>
@@ -8158,9 +8343,6 @@
               </a:spcAft>
               <a:buNone/>
             </a:pPr>
-            <a:r>
-              <a:t/>
-            </a:r>
             <a:endParaRPr/>
           </a:p>
         </p:txBody>
@@ -8180,23 +8362,23 @@
             <a:avLst/>
           </a:prstGeom>
           <a:noFill/>
-          <a:ln cap="flat" cmpd="sng" w="9525">
+          <a:ln w="9525" cap="flat" cmpd="sng">
             <a:solidFill>
               <a:srgbClr val="FF0000"/>
             </a:solidFill>
             <a:prstDash val="solid"/>
             <a:round/>
-            <a:headEnd len="sm" w="sm" type="none"/>
-            <a:tailEnd len="sm" w="sm" type="none"/>
+            <a:headEnd type="none" w="sm" len="sm"/>
+            <a:tailEnd type="none" w="sm" len="sm"/>
           </a:ln>
         </p:spPr>
         <p:txBody>
-          <a:bodyPr anchorCtr="0" anchor="ctr" bIns="91425" lIns="91425" spcFirstLastPara="1" rIns="91425" wrap="square" tIns="91425">
+          <a:bodyPr spcFirstLastPara="1" wrap="square" lIns="91425" tIns="91425" rIns="91425" bIns="91425" anchor="ctr" anchorCtr="0">
             <a:noAutofit/>
           </a:bodyPr>
           <a:lstStyle/>
           <a:p>
-            <a:pPr indent="0" lvl="0" marL="0" rtl="0" algn="l">
+            <a:pPr marL="0" lvl="0" indent="0" algn="l" rtl="0">
               <a:spcBef>
                 <a:spcPts val="0"/>
               </a:spcBef>
@@ -8205,9 +8387,6 @@
               </a:spcAft>
               <a:buNone/>
             </a:pPr>
-            <a:r>
-              <a:t/>
-            </a:r>
             <a:endParaRPr/>
           </a:p>
         </p:txBody>
@@ -8232,12 +8411,12 @@
           </a:ln>
         </p:spPr>
         <p:txBody>
-          <a:bodyPr anchorCtr="0" anchor="t" bIns="91425" lIns="91425" spcFirstLastPara="1" rIns="91425" wrap="square" tIns="91425">
+          <a:bodyPr spcFirstLastPara="1" wrap="square" lIns="91425" tIns="91425" rIns="91425" bIns="91425" anchor="t" anchorCtr="0">
             <a:spAutoFit/>
           </a:bodyPr>
           <a:lstStyle/>
           <a:p>
-            <a:pPr indent="0" lvl="0" marL="0" rtl="0" algn="ctr">
+            <a:pPr marL="0" lvl="0" indent="0" algn="ctr" rtl="0">
               <a:spcBef>
                 <a:spcPts val="0"/>
               </a:spcBef>
@@ -8290,12 +8469,12 @@
           </a:ln>
         </p:spPr>
         <p:txBody>
-          <a:bodyPr anchorCtr="0" anchor="t" bIns="91425" lIns="91425" spcFirstLastPara="1" rIns="91425" wrap="square" tIns="91425">
+          <a:bodyPr spcFirstLastPara="1" wrap="square" lIns="91425" tIns="91425" rIns="91425" bIns="91425" anchor="t" anchorCtr="0">
             <a:spAutoFit/>
           </a:bodyPr>
           <a:lstStyle/>
           <a:p>
-            <a:pPr indent="0" lvl="0" marL="0" rtl="0" algn="ctr">
+            <a:pPr marL="0" lvl="0" indent="0" algn="ctr" rtl="0">
               <a:spcBef>
                 <a:spcPts val="0"/>
               </a:spcBef>
@@ -8343,23 +8522,23 @@
             <a:avLst/>
           </a:prstGeom>
           <a:noFill/>
-          <a:ln cap="flat" cmpd="sng" w="9525">
+          <a:ln w="9525" cap="flat" cmpd="sng">
             <a:solidFill>
               <a:srgbClr val="FF0000"/>
             </a:solidFill>
             <a:prstDash val="solid"/>
             <a:round/>
-            <a:headEnd len="sm" w="sm" type="none"/>
-            <a:tailEnd len="sm" w="sm" type="none"/>
+            <a:headEnd type="none" w="sm" len="sm"/>
+            <a:tailEnd type="none" w="sm" len="sm"/>
           </a:ln>
         </p:spPr>
         <p:txBody>
-          <a:bodyPr anchorCtr="0" anchor="ctr" bIns="91425" lIns="91425" spcFirstLastPara="1" rIns="91425" wrap="square" tIns="91425">
+          <a:bodyPr spcFirstLastPara="1" wrap="square" lIns="91425" tIns="91425" rIns="91425" bIns="91425" anchor="ctr" anchorCtr="0">
             <a:noAutofit/>
           </a:bodyPr>
           <a:lstStyle/>
           <a:p>
-            <a:pPr indent="0" lvl="0" marL="0" rtl="0" algn="l">
+            <a:pPr marL="0" lvl="0" indent="0" algn="l" rtl="0">
               <a:spcBef>
                 <a:spcPts val="0"/>
               </a:spcBef>
@@ -8368,9 +8547,6 @@
               </a:spcAft>
               <a:buNone/>
             </a:pPr>
-            <a:r>
-              <a:t/>
-            </a:r>
             <a:endParaRPr/>
           </a:p>
         </p:txBody>
@@ -8384,11 +8560,11 @@
 </file>
 
 <file path=ppt/slides/slide11.xml><?xml version="1.0" encoding="utf-8"?>
-<p:sld xmlns:a="http://schemas.openxmlformats.org/drawingml/2006/main" xmlns:r="http://schemas.openxmlformats.org/officeDocument/2006/relationships" xmlns:mc="http://schemas.openxmlformats.org/markup-compatibility/2006" xmlns:mv="urn:schemas-microsoft-com:mac:vml" xmlns:p="http://schemas.openxmlformats.org/presentationml/2006/main" xmlns:c="http://schemas.openxmlformats.org/drawingml/2006/chart" xmlns:dgm="http://schemas.openxmlformats.org/drawingml/2006/diagram" xmlns:o="urn:schemas-microsoft-com:office:office" xmlns:v="urn:schemas-microsoft-com:vml" xmlns:pvml="urn:schemas-microsoft-com:office:powerpoint" xmlns:com="http://schemas.openxmlformats.org/drawingml/2006/compatibility" xmlns:p14="http://schemas.microsoft.com/office/powerpoint/2010/main" xmlns:p15="http://schemas.microsoft.com/office/powerpoint/2012/main" xmlns:ahyp="http://schemas.microsoft.com/office/drawing/2018/hyperlinkcolor">
+<p:sld xmlns:a="http://schemas.openxmlformats.org/drawingml/2006/main" xmlns:r="http://schemas.openxmlformats.org/officeDocument/2006/relationships" xmlns:p="http://schemas.openxmlformats.org/presentationml/2006/main">
   <p:cSld>
     <p:spTree>
       <p:nvGrpSpPr>
-        <p:cNvPr id="137" name="Shape 137"/>
+        <p:cNvPr id="1" name="Shape 137"/>
         <p:cNvGrpSpPr/>
         <p:nvPr/>
       </p:nvGrpSpPr>
@@ -8403,7 +8579,9 @@
       <p:sp>
         <p:nvSpPr>
           <p:cNvPr id="138" name="Google Shape;138;p23"/>
-          <p:cNvSpPr txBox="1"/>
+          <p:cNvSpPr txBox="1">
+            <a:spLocks noGrp="1"/>
+          </p:cNvSpPr>
           <p:nvPr>
             <p:ph type="title"/>
           </p:nvPr>
@@ -8418,12 +8596,12 @@
           </a:prstGeom>
         </p:spPr>
         <p:txBody>
-          <a:bodyPr anchorCtr="0" anchor="t" bIns="91425" lIns="91425" spcFirstLastPara="1" rIns="91425" wrap="square" tIns="91425">
+          <a:bodyPr spcFirstLastPara="1" wrap="square" lIns="91425" tIns="91425" rIns="91425" bIns="91425" anchor="t" anchorCtr="0">
             <a:normAutofit/>
           </a:bodyPr>
           <a:lstStyle/>
           <a:p>
-            <a:pPr indent="0" lvl="0" marL="0" rtl="0" algn="l">
+            <a:pPr marL="0" lvl="0" indent="0" algn="l" rtl="0">
               <a:spcBef>
                 <a:spcPts val="0"/>
               </a:spcBef>
@@ -8443,9 +8621,11 @@
       <p:sp>
         <p:nvSpPr>
           <p:cNvPr id="139" name="Google Shape;139;p23"/>
-          <p:cNvSpPr txBox="1"/>
+          <p:cNvSpPr txBox="1">
+            <a:spLocks noGrp="1"/>
+          </p:cNvSpPr>
           <p:nvPr>
-            <p:ph idx="1" type="body"/>
+            <p:ph type="body" idx="1"/>
           </p:nvPr>
         </p:nvSpPr>
         <p:spPr>
@@ -8458,12 +8638,12 @@
           </a:prstGeom>
         </p:spPr>
         <p:txBody>
-          <a:bodyPr anchorCtr="0" anchor="t" bIns="91425" lIns="91425" spcFirstLastPara="1" rIns="91425" wrap="square" tIns="91425">
-            <a:normAutofit lnSpcReduction="20000"/>
+          <a:bodyPr spcFirstLastPara="1" wrap="square" lIns="91425" tIns="91425" rIns="91425" bIns="91425" anchor="t" anchorCtr="0">
+            <a:normAutofit/>
           </a:bodyPr>
           <a:lstStyle/>
           <a:p>
-            <a:pPr indent="-311150" lvl="0" marL="457200" rtl="0" algn="l">
+            <a:pPr marL="457200" lvl="0" indent="-311150" algn="l" rtl="0">
               <a:spcBef>
                 <a:spcPts val="0"/>
               </a:spcBef>
@@ -8474,28 +8654,21 @@
               <a:buChar char="●"/>
             </a:pPr>
             <a:r>
-              <a:rPr lang="en"/>
-              <a:t>Investigation inconclusive: not enough variables (limitation of knime software)</a:t>
+              <a:rPr lang="en" dirty="0"/>
+              <a:t>Investigation inconclusive: not enough variables (limitation of </a:t>
             </a:r>
-            <a:endParaRPr/>
-          </a:p>
-          <a:p>
-            <a:pPr indent="0" lvl="0" marL="0" rtl="0" algn="l">
-              <a:spcBef>
-                <a:spcPts val="1200"/>
-              </a:spcBef>
-              <a:spcAft>
-                <a:spcPts val="0"/>
-              </a:spcAft>
-              <a:buNone/>
-            </a:pPr>
             <a:r>
-              <a:t/>
+              <a:rPr lang="en" dirty="0" err="1"/>
+              <a:t>knime</a:t>
             </a:r>
-            <a:endParaRPr/>
-          </a:p>
-          <a:p>
-            <a:pPr indent="-311150" lvl="0" marL="457200" rtl="0" algn="l">
+            <a:r>
+              <a:rPr lang="en" dirty="0"/>
+              <a:t> software)</a:t>
+            </a:r>
+            <a:endParaRPr dirty="0"/>
+          </a:p>
+          <a:p>
+            <a:pPr marL="457200" lvl="0" indent="-311150" algn="l" rtl="0">
               <a:spcBef>
                 <a:spcPts val="1200"/>
               </a:spcBef>
@@ -8506,36 +8679,13 @@
               <a:buChar char="●"/>
             </a:pPr>
             <a:r>
-              <a:rPr lang="en"/>
-              <a:t>Nuclear </a:t>
+              <a:rPr lang="en" dirty="0"/>
+              <a:t>Nuclear electricity production stable in years 1990-2010</a:t>
             </a:r>
-            <a:r>
-              <a:rPr lang="en"/>
-              <a:t>electricity</a:t>
-            </a:r>
-            <a:r>
-              <a:rPr lang="en"/>
-              <a:t> production stable in years 1990-2010</a:t>
-            </a:r>
-            <a:endParaRPr/>
-          </a:p>
-          <a:p>
-            <a:pPr indent="0" lvl="0" marL="457200" rtl="0" algn="l">
-              <a:spcBef>
-                <a:spcPts val="1200"/>
-              </a:spcBef>
-              <a:spcAft>
-                <a:spcPts val="0"/>
-              </a:spcAft>
-              <a:buNone/>
-            </a:pPr>
-            <a:r>
-              <a:t/>
-            </a:r>
-            <a:endParaRPr/>
-          </a:p>
-          <a:p>
-            <a:pPr indent="-311150" lvl="0" marL="457200" rtl="0" algn="l">
+            <a:endParaRPr dirty="0"/>
+          </a:p>
+          <a:p>
+            <a:pPr marL="457200" lvl="0" indent="-311150" algn="l" rtl="0">
               <a:spcBef>
                 <a:spcPts val="1200"/>
               </a:spcBef>
@@ -8546,28 +8696,13 @@
               <a:buChar char="●"/>
             </a:pPr>
             <a:r>
-              <a:rPr lang="en"/>
-              <a:t>Increase in oil, gas and  coal electricity production in years 1990-2010</a:t>
+              <a:rPr lang="en" dirty="0"/>
+              <a:t>Slight increase in oil, gas and  coal electricity production in years 1990-2010</a:t>
             </a:r>
-            <a:endParaRPr/>
-          </a:p>
-          <a:p>
-            <a:pPr indent="0" lvl="0" marL="457200" rtl="0" algn="l">
-              <a:spcBef>
-                <a:spcPts val="1200"/>
-              </a:spcBef>
-              <a:spcAft>
-                <a:spcPts val="0"/>
-              </a:spcAft>
-              <a:buNone/>
-            </a:pPr>
-            <a:r>
-              <a:t/>
-            </a:r>
-            <a:endParaRPr/>
-          </a:p>
-          <a:p>
-            <a:pPr indent="-311150" lvl="0" marL="457200" rtl="0" algn="l">
+            <a:endParaRPr dirty="0"/>
+          </a:p>
+          <a:p>
+            <a:pPr marL="457200" lvl="0" indent="-311150" algn="l" rtl="0">
               <a:spcBef>
                 <a:spcPts val="1200"/>
               </a:spcBef>
@@ -8578,42 +8713,61 @@
               <a:buChar char="●"/>
             </a:pPr>
             <a:r>
-              <a:rPr lang="en"/>
-              <a:t>GDP-PPP roughly tripled between 1990-2010</a:t>
+              <a:rPr lang="en" dirty="0"/>
+              <a:t>GDP-PPP roughly </a:t>
             </a:r>
-            <a:endParaRPr/>
-          </a:p>
-          <a:p>
-            <a:pPr indent="0" lvl="0" marL="457200" rtl="0" algn="l">
+            <a:r>
+              <a:rPr lang="en" b="1" dirty="0">
+                <a:solidFill>
+                  <a:srgbClr val="FF0000"/>
+                </a:solidFill>
+              </a:rPr>
+              <a:t>tripled</a:t>
+            </a:r>
+            <a:r>
+              <a:rPr lang="en" dirty="0"/>
+              <a:t> between 1990-2010</a:t>
+            </a:r>
+          </a:p>
+          <a:p>
+            <a:pPr lvl="1" indent="-311150">
               <a:spcBef>
                 <a:spcPts val="1200"/>
               </a:spcBef>
-              <a:spcAft>
-                <a:spcPts val="0"/>
-              </a:spcAft>
-              <a:buNone/>
-            </a:pPr>
-            <a:r>
-              <a:t/>
-            </a:r>
-            <a:endParaRPr/>
-          </a:p>
-          <a:p>
-            <a:pPr indent="-311150" lvl="0" marL="457200" rtl="0" algn="l">
-              <a:spcBef>
-                <a:spcPts val="1200"/>
-              </a:spcBef>
-              <a:spcAft>
-                <a:spcPts val="0"/>
-              </a:spcAft>
               <a:buSzPts val="1300"/>
               <a:buChar char="●"/>
             </a:pPr>
             <a:r>
-              <a:rPr lang="en"/>
-              <a:t>Population growth not proportional to GDP-PPP growth (possibly even slower rate) indicating it was not the driving factor for more fossil fuel consumption</a:t>
+              <a:rPr lang="en-US" dirty="0"/>
+              <a:t>Need more investigations into why/how this happened</a:t>
             </a:r>
-            <a:endParaRPr/>
+          </a:p>
+          <a:p>
+            <a:pPr lvl="1" indent="-311150">
+              <a:spcBef>
+                <a:spcPts val="1200"/>
+              </a:spcBef>
+              <a:buSzPts val="1300"/>
+              <a:buChar char="●"/>
+            </a:pPr>
+            <a:r>
+              <a:rPr lang="en" dirty="0"/>
+              <a:t>Population growth not proportional to GDP-PPP growth</a:t>
+            </a:r>
+          </a:p>
+          <a:p>
+            <a:pPr lvl="1" indent="-311150">
+              <a:spcBef>
+                <a:spcPts val="1200"/>
+              </a:spcBef>
+              <a:buSzPts val="1300"/>
+              <a:buChar char="●"/>
+            </a:pPr>
+            <a:r>
+              <a:rPr lang="en" dirty="0"/>
+              <a:t>Likely not the driving factor for more fossil fuel consumption</a:t>
+            </a:r>
+            <a:endParaRPr dirty="0"/>
           </a:p>
         </p:txBody>
       </p:sp>
@@ -8626,11 +8780,11 @@
 </file>
 
 <file path=ppt/slides/slide2.xml><?xml version="1.0" encoding="utf-8"?>
-<p:sld xmlns:a="http://schemas.openxmlformats.org/drawingml/2006/main" xmlns:r="http://schemas.openxmlformats.org/officeDocument/2006/relationships" xmlns:mc="http://schemas.openxmlformats.org/markup-compatibility/2006" xmlns:mv="urn:schemas-microsoft-com:mac:vml" xmlns:p="http://schemas.openxmlformats.org/presentationml/2006/main" xmlns:c="http://schemas.openxmlformats.org/drawingml/2006/chart" xmlns:dgm="http://schemas.openxmlformats.org/drawingml/2006/diagram" xmlns:o="urn:schemas-microsoft-com:office:office" xmlns:v="urn:schemas-microsoft-com:vml" xmlns:pvml="urn:schemas-microsoft-com:office:powerpoint" xmlns:com="http://schemas.openxmlformats.org/drawingml/2006/compatibility" xmlns:p14="http://schemas.microsoft.com/office/powerpoint/2010/main" xmlns:p15="http://schemas.microsoft.com/office/powerpoint/2012/main" xmlns:ahyp="http://schemas.microsoft.com/office/drawing/2018/hyperlinkcolor">
+<p:sld xmlns:a="http://schemas.openxmlformats.org/drawingml/2006/main" xmlns:r="http://schemas.openxmlformats.org/officeDocument/2006/relationships" xmlns:p="http://schemas.openxmlformats.org/presentationml/2006/main">
   <p:cSld>
     <p:spTree>
       <p:nvGrpSpPr>
-        <p:cNvPr id="69" name="Shape 69"/>
+        <p:cNvPr id="1" name="Shape 69"/>
         <p:cNvGrpSpPr/>
         <p:nvPr/>
       </p:nvGrpSpPr>
@@ -8645,7 +8799,9 @@
       <p:sp>
         <p:nvSpPr>
           <p:cNvPr id="70" name="Google Shape;70;p14"/>
-          <p:cNvSpPr txBox="1"/>
+          <p:cNvSpPr txBox="1">
+            <a:spLocks noGrp="1"/>
+          </p:cNvSpPr>
           <p:nvPr>
             <p:ph type="title"/>
           </p:nvPr>
@@ -8660,12 +8816,12 @@
           </a:prstGeom>
         </p:spPr>
         <p:txBody>
-          <a:bodyPr anchorCtr="0" anchor="t" bIns="91425" lIns="91425" spcFirstLastPara="1" rIns="91425" wrap="square" tIns="91425">
+          <a:bodyPr spcFirstLastPara="1" wrap="square" lIns="91425" tIns="91425" rIns="91425" bIns="91425" anchor="t" anchorCtr="0">
             <a:normAutofit/>
           </a:bodyPr>
           <a:lstStyle/>
           <a:p>
-            <a:pPr indent="0" lvl="0" marL="0" rtl="0" algn="l">
+            <a:pPr marL="0" lvl="0" indent="0" algn="l" rtl="0">
               <a:spcBef>
                 <a:spcPts val="0"/>
               </a:spcBef>
@@ -8685,9 +8841,11 @@
       <p:sp>
         <p:nvSpPr>
           <p:cNvPr id="71" name="Google Shape;71;p14"/>
-          <p:cNvSpPr txBox="1"/>
+          <p:cNvSpPr txBox="1">
+            <a:spLocks noGrp="1"/>
+          </p:cNvSpPr>
           <p:nvPr>
-            <p:ph idx="1" type="body"/>
+            <p:ph type="body" idx="1"/>
           </p:nvPr>
         </p:nvSpPr>
         <p:spPr>
@@ -8700,12 +8858,12 @@
           </a:prstGeom>
         </p:spPr>
         <p:txBody>
-          <a:bodyPr anchorCtr="0" anchor="t" bIns="91425" lIns="91425" spcFirstLastPara="1" rIns="91425" wrap="square" tIns="91425">
+          <a:bodyPr spcFirstLastPara="1" wrap="square" lIns="91425" tIns="91425" rIns="91425" bIns="91425" anchor="t" anchorCtr="0">
             <a:normAutofit/>
           </a:bodyPr>
           <a:lstStyle/>
           <a:p>
-            <a:pPr indent="0" lvl="0" marL="0" rtl="0" algn="l">
+            <a:pPr marL="0" lvl="0" indent="0" algn="l" rtl="0">
               <a:lnSpc>
                 <a:spcPct val="100000"/>
               </a:lnSpc>
@@ -8717,17 +8875,14 @@
               </a:spcAft>
               <a:buNone/>
             </a:pPr>
-            <a:r>
-              <a:t/>
-            </a:r>
-            <a:endParaRPr b="1" sz="1400">
+            <a:endParaRPr sz="1400" b="1" dirty="0">
               <a:solidFill>
                 <a:srgbClr val="000000"/>
               </a:solidFill>
             </a:endParaRPr>
           </a:p>
           <a:p>
-            <a:pPr indent="-317500" lvl="0" marL="457200" rtl="0" algn="l">
+            <a:pPr marL="457200" lvl="0" indent="-317500" algn="l" rtl="0">
               <a:lnSpc>
                 <a:spcPct val="100000"/>
               </a:lnSpc>
@@ -8745,21 +8900,21 @@
               <a:buChar char="●"/>
             </a:pPr>
             <a:r>
-              <a:rPr lang="en" sz="1400">
+              <a:rPr lang="en" sz="1400" dirty="0">
                 <a:solidFill>
                   <a:srgbClr val="000000"/>
                 </a:solidFill>
               </a:rPr>
               <a:t>Aim of project</a:t>
             </a:r>
-            <a:endParaRPr sz="1400">
+            <a:endParaRPr sz="1400" dirty="0">
               <a:solidFill>
                 <a:srgbClr val="000000"/>
               </a:solidFill>
             </a:endParaRPr>
           </a:p>
           <a:p>
-            <a:pPr indent="0" lvl="0" marL="457200" rtl="0" algn="l">
+            <a:pPr marL="457200" lvl="0" indent="0" algn="l" rtl="0">
               <a:lnSpc>
                 <a:spcPct val="100000"/>
               </a:lnSpc>
@@ -8771,17 +8926,14 @@
               </a:spcAft>
               <a:buNone/>
             </a:pPr>
-            <a:r>
-              <a:t/>
-            </a:r>
-            <a:endParaRPr sz="1400">
+            <a:endParaRPr sz="1400" dirty="0">
               <a:solidFill>
                 <a:srgbClr val="000000"/>
               </a:solidFill>
             </a:endParaRPr>
           </a:p>
           <a:p>
-            <a:pPr indent="-317500" lvl="0" marL="457200" rtl="0" algn="l">
+            <a:pPr marL="457200" lvl="0" indent="-317500" algn="l" rtl="0">
               <a:lnSpc>
                 <a:spcPct val="100000"/>
               </a:lnSpc>
@@ -8799,21 +8951,29 @@
               <a:buChar char="●"/>
             </a:pPr>
             <a:r>
-              <a:rPr lang="en" sz="1400">
+              <a:rPr lang="en" sz="1400" dirty="0">
                 <a:solidFill>
                   <a:srgbClr val="000000"/>
                 </a:solidFill>
               </a:rPr>
-              <a:t>How to answer using simple plotting in Knime</a:t>
+              <a:t>How to find the answer using limited analytics available in </a:t>
             </a:r>
-            <a:endParaRPr sz="1400">
+            <a:r>
+              <a:rPr lang="en" sz="1400" dirty="0" err="1">
+                <a:solidFill>
+                  <a:srgbClr val="000000"/>
+                </a:solidFill>
+              </a:rPr>
+              <a:t>Knime</a:t>
+            </a:r>
+            <a:endParaRPr sz="1400" dirty="0">
               <a:solidFill>
                 <a:srgbClr val="000000"/>
               </a:solidFill>
             </a:endParaRPr>
           </a:p>
           <a:p>
-            <a:pPr indent="0" lvl="0" marL="457200" rtl="0" algn="l">
+            <a:pPr marL="457200" lvl="0" indent="0" algn="l" rtl="0">
               <a:lnSpc>
                 <a:spcPct val="100000"/>
               </a:lnSpc>
@@ -8825,17 +8985,14 @@
               </a:spcAft>
               <a:buNone/>
             </a:pPr>
-            <a:r>
-              <a:t/>
-            </a:r>
-            <a:endParaRPr sz="1400">
+            <a:endParaRPr sz="1400" dirty="0">
               <a:solidFill>
                 <a:srgbClr val="000000"/>
               </a:solidFill>
             </a:endParaRPr>
           </a:p>
           <a:p>
-            <a:pPr indent="-317500" lvl="0" marL="457200" rtl="0" algn="l">
+            <a:pPr marL="457200" lvl="0" indent="-317500" algn="l" rtl="0">
               <a:lnSpc>
                 <a:spcPct val="100000"/>
               </a:lnSpc>
@@ -8853,21 +9010,29 @@
               <a:buChar char="●"/>
             </a:pPr>
             <a:r>
-              <a:rPr lang="en" sz="1400">
+              <a:rPr lang="en" sz="1400" dirty="0" err="1">
                 <a:solidFill>
                   <a:srgbClr val="000000"/>
                 </a:solidFill>
               </a:rPr>
-              <a:t>Knime pipeline</a:t>
+              <a:t>Knime</a:t>
             </a:r>
-            <a:endParaRPr sz="1400">
+            <a:r>
+              <a:rPr lang="en" sz="1400" dirty="0">
+                <a:solidFill>
+                  <a:srgbClr val="000000"/>
+                </a:solidFill>
+              </a:rPr>
+              <a:t> pipeline</a:t>
+            </a:r>
+            <a:endParaRPr sz="1400" dirty="0">
               <a:solidFill>
                 <a:srgbClr val="000000"/>
               </a:solidFill>
             </a:endParaRPr>
           </a:p>
           <a:p>
-            <a:pPr indent="0" lvl="0" marL="457200" rtl="0" algn="l">
+            <a:pPr marL="457200" lvl="0" indent="0" algn="l" rtl="0">
               <a:lnSpc>
                 <a:spcPct val="100000"/>
               </a:lnSpc>
@@ -8879,17 +9044,14 @@
               </a:spcAft>
               <a:buNone/>
             </a:pPr>
-            <a:r>
-              <a:t/>
-            </a:r>
-            <a:endParaRPr sz="1400">
+            <a:endParaRPr sz="1400" dirty="0">
               <a:solidFill>
                 <a:srgbClr val="000000"/>
               </a:solidFill>
             </a:endParaRPr>
           </a:p>
           <a:p>
-            <a:pPr indent="-317500" lvl="0" marL="457200" rtl="0" algn="l">
+            <a:pPr marL="457200" lvl="0" indent="-317500" algn="l" rtl="0">
               <a:lnSpc>
                 <a:spcPct val="100000"/>
               </a:lnSpc>
@@ -8907,21 +9069,21 @@
               <a:buChar char="●"/>
             </a:pPr>
             <a:r>
-              <a:rPr lang="en" sz="1400">
+              <a:rPr lang="en" sz="1400" dirty="0">
                 <a:solidFill>
                   <a:srgbClr val="000000"/>
                 </a:solidFill>
               </a:rPr>
               <a:t>Plots 1990 vs. 2010</a:t>
             </a:r>
-            <a:endParaRPr sz="1400">
+            <a:endParaRPr sz="1400" dirty="0">
               <a:solidFill>
                 <a:srgbClr val="000000"/>
               </a:solidFill>
             </a:endParaRPr>
           </a:p>
           <a:p>
-            <a:pPr indent="-317500" lvl="1" marL="914400" rtl="0" algn="l">
+            <a:pPr marL="914400" lvl="1" indent="-317500" algn="l" rtl="0">
               <a:lnSpc>
                 <a:spcPct val="100000"/>
               </a:lnSpc>
@@ -8939,21 +9101,21 @@
               <a:buChar char="○"/>
             </a:pPr>
             <a:r>
-              <a:rPr lang="en" sz="1400">
+              <a:rPr lang="en" sz="1400" dirty="0">
                 <a:solidFill>
                   <a:srgbClr val="000000"/>
                 </a:solidFill>
               </a:rPr>
               <a:t>Trends in Nuclear</a:t>
             </a:r>
-            <a:endParaRPr sz="1400">
+            <a:endParaRPr sz="1400" dirty="0">
               <a:solidFill>
                 <a:srgbClr val="000000"/>
               </a:solidFill>
             </a:endParaRPr>
           </a:p>
           <a:p>
-            <a:pPr indent="-317500" lvl="1" marL="914400" rtl="0" algn="l">
+            <a:pPr marL="914400" lvl="1" indent="-317500" algn="l" rtl="0">
               <a:lnSpc>
                 <a:spcPct val="100000"/>
               </a:lnSpc>
@@ -8971,21 +9133,21 @@
               <a:buChar char="○"/>
             </a:pPr>
             <a:r>
-              <a:rPr lang="en" sz="1400">
+              <a:rPr lang="en" sz="1400" dirty="0">
                 <a:solidFill>
                   <a:srgbClr val="000000"/>
                 </a:solidFill>
               </a:rPr>
               <a:t>Trends in oil, gas and coal</a:t>
             </a:r>
-            <a:endParaRPr sz="1400">
+            <a:endParaRPr sz="1400" dirty="0">
               <a:solidFill>
                 <a:srgbClr val="000000"/>
               </a:solidFill>
             </a:endParaRPr>
           </a:p>
           <a:p>
-            <a:pPr indent="-317500" lvl="1" marL="914400" rtl="0" algn="l">
+            <a:pPr marL="914400" lvl="1" indent="-317500" algn="l" rtl="0">
               <a:lnSpc>
                 <a:spcPct val="100000"/>
               </a:lnSpc>
@@ -9003,21 +9165,21 @@
               <a:buChar char="○"/>
             </a:pPr>
             <a:r>
-              <a:rPr lang="en" sz="1400">
+              <a:rPr lang="en" sz="1400" dirty="0">
                 <a:solidFill>
                   <a:srgbClr val="000000"/>
                 </a:solidFill>
               </a:rPr>
               <a:t>GDP-PPP versus population size</a:t>
             </a:r>
-            <a:endParaRPr sz="1400">
+            <a:endParaRPr sz="1400" dirty="0">
               <a:solidFill>
                 <a:srgbClr val="000000"/>
               </a:solidFill>
             </a:endParaRPr>
           </a:p>
           <a:p>
-            <a:pPr indent="0" lvl="0" marL="457200" rtl="0" algn="l">
+            <a:pPr marL="457200" lvl="0" indent="0" algn="l" rtl="0">
               <a:lnSpc>
                 <a:spcPct val="100000"/>
               </a:lnSpc>
@@ -9029,17 +9191,14 @@
               </a:spcAft>
               <a:buNone/>
             </a:pPr>
-            <a:r>
-              <a:t/>
-            </a:r>
-            <a:endParaRPr sz="1400">
+            <a:endParaRPr sz="1400" dirty="0">
               <a:solidFill>
                 <a:srgbClr val="000000"/>
               </a:solidFill>
             </a:endParaRPr>
           </a:p>
           <a:p>
-            <a:pPr indent="-317500" lvl="0" marL="457200" rtl="0" algn="l">
+            <a:pPr marL="457200" lvl="0" indent="-317500" algn="l" rtl="0">
               <a:lnSpc>
                 <a:spcPct val="100000"/>
               </a:lnSpc>
@@ -9057,14 +9216,14 @@
               <a:buChar char="●"/>
             </a:pPr>
             <a:r>
-              <a:rPr lang="en" sz="1400">
+              <a:rPr lang="en" sz="1400" dirty="0">
                 <a:solidFill>
                   <a:srgbClr val="000000"/>
                 </a:solidFill>
               </a:rPr>
               <a:t>Conclusions</a:t>
             </a:r>
-            <a:endParaRPr sz="1400">
+            <a:endParaRPr sz="1400" dirty="0">
               <a:solidFill>
                 <a:srgbClr val="000000"/>
               </a:solidFill>
@@ -9081,11 +9240,11 @@
 </file>
 
 <file path=ppt/slides/slide3.xml><?xml version="1.0" encoding="utf-8"?>
-<p:sld xmlns:a="http://schemas.openxmlformats.org/drawingml/2006/main" xmlns:r="http://schemas.openxmlformats.org/officeDocument/2006/relationships" xmlns:mc="http://schemas.openxmlformats.org/markup-compatibility/2006" xmlns:mv="urn:schemas-microsoft-com:mac:vml" xmlns:p="http://schemas.openxmlformats.org/presentationml/2006/main" xmlns:c="http://schemas.openxmlformats.org/drawingml/2006/chart" xmlns:dgm="http://schemas.openxmlformats.org/drawingml/2006/diagram" xmlns:o="urn:schemas-microsoft-com:office:office" xmlns:v="urn:schemas-microsoft-com:vml" xmlns:pvml="urn:schemas-microsoft-com:office:powerpoint" xmlns:com="http://schemas.openxmlformats.org/drawingml/2006/compatibility" xmlns:p14="http://schemas.microsoft.com/office/powerpoint/2010/main" xmlns:p15="http://schemas.microsoft.com/office/powerpoint/2012/main" xmlns:ahyp="http://schemas.microsoft.com/office/drawing/2018/hyperlinkcolor">
+<p:sld xmlns:a="http://schemas.openxmlformats.org/drawingml/2006/main" xmlns:r="http://schemas.openxmlformats.org/officeDocument/2006/relationships" xmlns:p="http://schemas.openxmlformats.org/presentationml/2006/main">
   <p:cSld>
     <p:spTree>
       <p:nvGrpSpPr>
-        <p:cNvPr id="75" name="Shape 75"/>
+        <p:cNvPr id="1" name="Shape 75"/>
         <p:cNvGrpSpPr/>
         <p:nvPr/>
       </p:nvGrpSpPr>
@@ -9100,7 +9259,9 @@
       <p:sp>
         <p:nvSpPr>
           <p:cNvPr id="76" name="Google Shape;76;p15"/>
-          <p:cNvSpPr txBox="1"/>
+          <p:cNvSpPr txBox="1">
+            <a:spLocks noGrp="1"/>
+          </p:cNvSpPr>
           <p:nvPr>
             <p:ph type="title"/>
           </p:nvPr>
@@ -9115,12 +9276,12 @@
           </a:prstGeom>
         </p:spPr>
         <p:txBody>
-          <a:bodyPr anchorCtr="0" anchor="t" bIns="91425" lIns="91425" spcFirstLastPara="1" rIns="91425" wrap="square" tIns="91425">
+          <a:bodyPr spcFirstLastPara="1" wrap="square" lIns="91425" tIns="91425" rIns="91425" bIns="91425" anchor="t" anchorCtr="0">
             <a:normAutofit/>
           </a:bodyPr>
           <a:lstStyle/>
           <a:p>
-            <a:pPr indent="0" lvl="0" marL="0" rtl="0" algn="l">
+            <a:pPr marL="0" lvl="0" indent="0" algn="l" rtl="0">
               <a:spcBef>
                 <a:spcPts val="0"/>
               </a:spcBef>
@@ -9140,9 +9301,11 @@
       <p:sp>
         <p:nvSpPr>
           <p:cNvPr id="77" name="Google Shape;77;p15"/>
-          <p:cNvSpPr txBox="1"/>
+          <p:cNvSpPr txBox="1">
+            <a:spLocks noGrp="1"/>
+          </p:cNvSpPr>
           <p:nvPr>
-            <p:ph idx="1" type="body"/>
+            <p:ph type="body" idx="1"/>
           </p:nvPr>
         </p:nvSpPr>
         <p:spPr>
@@ -9155,12 +9318,12 @@
           </a:prstGeom>
         </p:spPr>
         <p:txBody>
-          <a:bodyPr anchorCtr="0" anchor="t" bIns="91425" lIns="91425" spcFirstLastPara="1" rIns="91425" wrap="square" tIns="91425">
+          <a:bodyPr spcFirstLastPara="1" wrap="square" lIns="91425" tIns="91425" rIns="91425" bIns="91425" anchor="t" anchorCtr="0">
             <a:normAutofit/>
           </a:bodyPr>
           <a:lstStyle/>
           <a:p>
-            <a:pPr indent="0" lvl="0" marL="457200" rtl="0" algn="l">
+            <a:pPr marL="457200" lvl="0" indent="0" algn="l" rtl="0">
               <a:lnSpc>
                 <a:spcPct val="100000"/>
               </a:lnSpc>
@@ -9172,17 +9335,14 @@
               </a:spcAft>
               <a:buNone/>
             </a:pPr>
-            <a:r>
-              <a:t/>
-            </a:r>
-            <a:endParaRPr sz="1400">
+            <a:endParaRPr sz="1400" dirty="0">
               <a:solidFill>
                 <a:srgbClr val="000000"/>
               </a:solidFill>
             </a:endParaRPr>
           </a:p>
           <a:p>
-            <a:pPr indent="0" lvl="0" marL="0" rtl="0" algn="ctr">
+            <a:pPr marL="0" lvl="0" indent="0" algn="ctr" rtl="0">
               <a:lnSpc>
                 <a:spcPct val="100000"/>
               </a:lnSpc>
@@ -9194,17 +9354,14 @@
               </a:spcAft>
               <a:buNone/>
             </a:pPr>
-            <a:r>
-              <a:t/>
-            </a:r>
-            <a:endParaRPr b="1" sz="1400">
+            <a:endParaRPr sz="1400" b="1" dirty="0">
               <a:solidFill>
                 <a:srgbClr val="000000"/>
               </a:solidFill>
             </a:endParaRPr>
           </a:p>
           <a:p>
-            <a:pPr indent="0" lvl="0" marL="0" rtl="0" algn="l">
+            <a:pPr marL="0" lvl="0" indent="0" algn="l" rtl="0">
               <a:lnSpc>
                 <a:spcPct val="100000"/>
               </a:lnSpc>
@@ -9216,17 +9373,14 @@
               </a:spcAft>
               <a:buNone/>
             </a:pPr>
-            <a:r>
-              <a:t/>
-            </a:r>
-            <a:endParaRPr sz="1400">
+            <a:endParaRPr sz="1400" dirty="0">
               <a:solidFill>
                 <a:srgbClr val="000000"/>
               </a:solidFill>
             </a:endParaRPr>
           </a:p>
           <a:p>
-            <a:pPr indent="0" lvl="0" marL="0" rtl="0" algn="l">
+            <a:pPr marL="0" lvl="0" indent="0" algn="l" rtl="0">
               <a:lnSpc>
                 <a:spcPct val="100000"/>
               </a:lnSpc>
@@ -9239,21 +9393,21 @@
               <a:buNone/>
             </a:pPr>
             <a:r>
-              <a:rPr lang="en" sz="1400">
+              <a:rPr lang="en" sz="1400" dirty="0">
                 <a:solidFill>
                   <a:srgbClr val="000000"/>
                 </a:solidFill>
               </a:rPr>
-              <a:t>To investigate if population growth is the main driver in a higher oil, gas and coal diet worldwide.</a:t>
+              <a:t>To investigate if population growth is the main driver in an increased oil, gas and coal diet worldwide from 1990-2010.</a:t>
             </a:r>
-            <a:endParaRPr sz="1400">
+            <a:endParaRPr sz="1400" dirty="0">
               <a:solidFill>
                 <a:srgbClr val="000000"/>
               </a:solidFill>
             </a:endParaRPr>
           </a:p>
           <a:p>
-            <a:pPr indent="0" lvl="0" marL="0" rtl="0" algn="l">
+            <a:pPr marL="0" lvl="0" indent="0" algn="l" rtl="0">
               <a:spcBef>
                 <a:spcPts val="0"/>
               </a:spcBef>
@@ -9262,10 +9416,7 @@
               </a:spcAft>
               <a:buNone/>
             </a:pPr>
-            <a:r>
-              <a:t/>
-            </a:r>
-            <a:endParaRPr sz="1400">
+            <a:endParaRPr sz="1400" dirty="0">
               <a:solidFill>
                 <a:srgbClr val="000000"/>
               </a:solidFill>
@@ -9282,11 +9433,11 @@
 </file>
 
 <file path=ppt/slides/slide4.xml><?xml version="1.0" encoding="utf-8"?>
-<p:sld xmlns:a="http://schemas.openxmlformats.org/drawingml/2006/main" xmlns:r="http://schemas.openxmlformats.org/officeDocument/2006/relationships" xmlns:mc="http://schemas.openxmlformats.org/markup-compatibility/2006" xmlns:mv="urn:schemas-microsoft-com:mac:vml" xmlns:p="http://schemas.openxmlformats.org/presentationml/2006/main" xmlns:c="http://schemas.openxmlformats.org/drawingml/2006/chart" xmlns:dgm="http://schemas.openxmlformats.org/drawingml/2006/diagram" xmlns:o="urn:schemas-microsoft-com:office:office" xmlns:v="urn:schemas-microsoft-com:vml" xmlns:pvml="urn:schemas-microsoft-com:office:powerpoint" xmlns:com="http://schemas.openxmlformats.org/drawingml/2006/compatibility" xmlns:p14="http://schemas.microsoft.com/office/powerpoint/2010/main" xmlns:p15="http://schemas.microsoft.com/office/powerpoint/2012/main" xmlns:ahyp="http://schemas.microsoft.com/office/drawing/2018/hyperlinkcolor">
+<p:sld xmlns:a="http://schemas.openxmlformats.org/drawingml/2006/main" xmlns:r="http://schemas.openxmlformats.org/officeDocument/2006/relationships" xmlns:p="http://schemas.openxmlformats.org/presentationml/2006/main">
   <p:cSld>
     <p:spTree>
       <p:nvGrpSpPr>
-        <p:cNvPr id="81" name="Shape 81"/>
+        <p:cNvPr id="1" name="Shape 81"/>
         <p:cNvGrpSpPr/>
         <p:nvPr/>
       </p:nvGrpSpPr>
@@ -9301,7 +9452,9 @@
       <p:sp>
         <p:nvSpPr>
           <p:cNvPr id="82" name="Google Shape;82;p16"/>
-          <p:cNvSpPr txBox="1"/>
+          <p:cNvSpPr txBox="1">
+            <a:spLocks noGrp="1"/>
+          </p:cNvSpPr>
           <p:nvPr>
             <p:ph type="title"/>
           </p:nvPr>
@@ -9316,12 +9469,12 @@
           </a:prstGeom>
         </p:spPr>
         <p:txBody>
-          <a:bodyPr anchorCtr="0" anchor="t" bIns="91425" lIns="91425" spcFirstLastPara="1" rIns="91425" wrap="square" tIns="91425">
+          <a:bodyPr spcFirstLastPara="1" wrap="square" lIns="91425" tIns="91425" rIns="91425" bIns="91425" anchor="t" anchorCtr="0">
             <a:normAutofit/>
           </a:bodyPr>
           <a:lstStyle/>
           <a:p>
-            <a:pPr indent="0" lvl="0" marL="0" rtl="0" algn="l">
+            <a:pPr marL="0" lvl="0" indent="0" algn="l" rtl="0">
               <a:spcBef>
                 <a:spcPts val="0"/>
               </a:spcBef>
@@ -9341,9 +9494,11 @@
       <p:sp>
         <p:nvSpPr>
           <p:cNvPr id="83" name="Google Shape;83;p16"/>
-          <p:cNvSpPr txBox="1"/>
+          <p:cNvSpPr txBox="1">
+            <a:spLocks noGrp="1"/>
+          </p:cNvSpPr>
           <p:nvPr>
-            <p:ph idx="1" type="body"/>
+            <p:ph type="body" idx="1"/>
           </p:nvPr>
         </p:nvSpPr>
         <p:spPr>
@@ -9356,12 +9511,12 @@
           </a:prstGeom>
         </p:spPr>
         <p:txBody>
-          <a:bodyPr anchorCtr="0" anchor="t" bIns="91425" lIns="91425" spcFirstLastPara="1" rIns="91425" wrap="square" tIns="91425">
+          <a:bodyPr spcFirstLastPara="1" wrap="square" lIns="91425" tIns="91425" rIns="91425" bIns="91425" anchor="t" anchorCtr="0">
             <a:normAutofit/>
           </a:bodyPr>
           <a:lstStyle/>
           <a:p>
-            <a:pPr indent="0" lvl="0" marL="457200" rtl="0" algn="l">
+            <a:pPr marL="457200" lvl="0" indent="0" algn="l" rtl="0">
               <a:lnSpc>
                 <a:spcPct val="100000"/>
               </a:lnSpc>
@@ -9373,17 +9528,14 @@
               </a:spcAft>
               <a:buNone/>
             </a:pPr>
-            <a:r>
-              <a:t/>
-            </a:r>
-            <a:endParaRPr sz="1400">
+            <a:endParaRPr sz="1400" dirty="0">
               <a:solidFill>
                 <a:srgbClr val="000000"/>
               </a:solidFill>
             </a:endParaRPr>
           </a:p>
           <a:p>
-            <a:pPr indent="0" lvl="0" marL="0" rtl="0" algn="ctr">
+            <a:pPr marL="0" lvl="0" indent="0" algn="ctr" rtl="0">
               <a:lnSpc>
                 <a:spcPct val="100000"/>
               </a:lnSpc>
@@ -9396,21 +9548,21 @@
               <a:buNone/>
             </a:pPr>
             <a:r>
-              <a:rPr b="1" lang="en" sz="1400">
+              <a:rPr lang="en" sz="1400" b="1" dirty="0">
                 <a:solidFill>
                   <a:srgbClr val="000000"/>
                 </a:solidFill>
               </a:rPr>
               <a:t>Plot</a:t>
             </a:r>
-            <a:endParaRPr b="1" sz="1400">
+            <a:endParaRPr sz="1400" b="1" dirty="0">
               <a:solidFill>
                 <a:srgbClr val="000000"/>
               </a:solidFill>
             </a:endParaRPr>
           </a:p>
           <a:p>
-            <a:pPr indent="0" lvl="0" marL="0" rtl="0" algn="l">
+            <a:pPr marL="0" lvl="0" indent="0" algn="l" rtl="0">
               <a:lnSpc>
                 <a:spcPct val="100000"/>
               </a:lnSpc>
@@ -9422,17 +9574,14 @@
               </a:spcAft>
               <a:buNone/>
             </a:pPr>
-            <a:r>
-              <a:t/>
-            </a:r>
-            <a:endParaRPr sz="1400">
+            <a:endParaRPr sz="1400" dirty="0">
               <a:solidFill>
                 <a:srgbClr val="000000"/>
               </a:solidFill>
             </a:endParaRPr>
           </a:p>
           <a:p>
-            <a:pPr indent="-317500" lvl="0" marL="457200" rtl="0" algn="l">
+            <a:pPr marL="457200" lvl="0" indent="-317500" algn="l" rtl="0">
               <a:lnSpc>
                 <a:spcPct val="100000"/>
               </a:lnSpc>
@@ -9450,21 +9599,21 @@
               <a:buChar char="●"/>
             </a:pPr>
             <a:r>
-              <a:rPr lang="en" sz="1400">
+              <a:rPr lang="en" sz="1400" dirty="0">
                 <a:solidFill>
                   <a:srgbClr val="000000"/>
                 </a:solidFill>
               </a:rPr>
-              <a:t>Electricity production for nuclear, oil, gas and coal in year 2010</a:t>
+              <a:t>Electricity production for nuclear, oil, gas and coal in year 2010 (comparison: has nuclear changed as much?)</a:t>
             </a:r>
-            <a:endParaRPr sz="1400">
+            <a:endParaRPr sz="1400" dirty="0">
               <a:solidFill>
                 <a:srgbClr val="000000"/>
               </a:solidFill>
             </a:endParaRPr>
           </a:p>
           <a:p>
-            <a:pPr indent="0" lvl="0" marL="457200" rtl="0" algn="l">
+            <a:pPr marL="457200" lvl="0" indent="0" algn="l" rtl="0">
               <a:lnSpc>
                 <a:spcPct val="100000"/>
               </a:lnSpc>
@@ -9476,17 +9625,14 @@
               </a:spcAft>
               <a:buNone/>
             </a:pPr>
-            <a:r>
-              <a:t/>
-            </a:r>
-            <a:endParaRPr sz="1400">
+            <a:endParaRPr sz="1400" dirty="0">
               <a:solidFill>
                 <a:srgbClr val="000000"/>
               </a:solidFill>
             </a:endParaRPr>
           </a:p>
           <a:p>
-            <a:pPr indent="0" lvl="0" marL="457200" rtl="0" algn="l">
+            <a:pPr marL="457200" lvl="0" indent="0" algn="l" rtl="0">
               <a:lnSpc>
                 <a:spcPct val="100000"/>
               </a:lnSpc>
@@ -9498,17 +9644,14 @@
               </a:spcAft>
               <a:buNone/>
             </a:pPr>
-            <a:r>
-              <a:t/>
-            </a:r>
-            <a:endParaRPr sz="1400">
+            <a:endParaRPr sz="1400" dirty="0">
               <a:solidFill>
                 <a:srgbClr val="000000"/>
               </a:solidFill>
             </a:endParaRPr>
           </a:p>
           <a:p>
-            <a:pPr indent="-317500" lvl="0" marL="457200" rtl="0" algn="l">
+            <a:pPr marL="457200" lvl="0" indent="-317500" algn="l" rtl="0">
               <a:lnSpc>
                 <a:spcPct val="100000"/>
               </a:lnSpc>
@@ -9526,21 +9669,21 @@
               <a:buChar char="●"/>
             </a:pPr>
             <a:r>
-              <a:rPr lang="en" sz="1400">
+              <a:rPr lang="en" sz="1400" dirty="0">
                 <a:solidFill>
                   <a:srgbClr val="000000"/>
                 </a:solidFill>
               </a:rPr>
               <a:t>GDP-PPP versus population size in the year 2010</a:t>
             </a:r>
-            <a:endParaRPr sz="1400">
+            <a:endParaRPr sz="1400" dirty="0">
               <a:solidFill>
                 <a:srgbClr val="000000"/>
               </a:solidFill>
             </a:endParaRPr>
           </a:p>
           <a:p>
-            <a:pPr indent="0" lvl="0" marL="457200" rtl="0" algn="l">
+            <a:pPr marL="457200" lvl="0" indent="0" algn="l" rtl="0">
               <a:lnSpc>
                 <a:spcPct val="100000"/>
               </a:lnSpc>
@@ -9552,17 +9695,14 @@
               </a:spcAft>
               <a:buNone/>
             </a:pPr>
-            <a:r>
-              <a:t/>
-            </a:r>
-            <a:endParaRPr sz="1400">
+            <a:endParaRPr sz="1400" dirty="0">
               <a:solidFill>
                 <a:srgbClr val="000000"/>
               </a:solidFill>
             </a:endParaRPr>
           </a:p>
           <a:p>
-            <a:pPr indent="0" lvl="0" marL="457200" rtl="0" algn="l">
+            <a:pPr marL="457200" lvl="0" indent="0" algn="l" rtl="0">
               <a:lnSpc>
                 <a:spcPct val="100000"/>
               </a:lnSpc>
@@ -9574,17 +9714,14 @@
               </a:spcAft>
               <a:buNone/>
             </a:pPr>
-            <a:r>
-              <a:t/>
-            </a:r>
-            <a:endParaRPr sz="1400">
+            <a:endParaRPr sz="1400" dirty="0">
               <a:solidFill>
                 <a:srgbClr val="000000"/>
               </a:solidFill>
             </a:endParaRPr>
           </a:p>
           <a:p>
-            <a:pPr indent="-317500" lvl="0" marL="457200" rtl="0" algn="l">
+            <a:pPr marL="457200" lvl="0" indent="-317500" algn="l" rtl="0">
               <a:lnSpc>
                 <a:spcPct val="100000"/>
               </a:lnSpc>
@@ -9602,21 +9739,21 @@
               <a:buChar char="●"/>
             </a:pPr>
             <a:r>
-              <a:rPr lang="en" sz="1400">
+              <a:rPr lang="en" sz="1400" dirty="0">
                 <a:solidFill>
                   <a:srgbClr val="000000"/>
                 </a:solidFill>
               </a:rPr>
               <a:t>Compare to 1990 to provide context</a:t>
             </a:r>
-            <a:endParaRPr sz="1400">
+            <a:endParaRPr sz="1400" dirty="0">
               <a:solidFill>
                 <a:srgbClr val="000000"/>
               </a:solidFill>
             </a:endParaRPr>
           </a:p>
           <a:p>
-            <a:pPr indent="0" lvl="0" marL="0" rtl="0" algn="l">
+            <a:pPr marL="0" lvl="0" indent="0" algn="l" rtl="0">
               <a:spcBef>
                 <a:spcPts val="0"/>
               </a:spcBef>
@@ -9625,10 +9762,7 @@
               </a:spcAft>
               <a:buNone/>
             </a:pPr>
-            <a:r>
-              <a:t/>
-            </a:r>
-            <a:endParaRPr sz="1400">
+            <a:endParaRPr sz="1400" dirty="0">
               <a:solidFill>
                 <a:srgbClr val="000000"/>
               </a:solidFill>
@@ -9639,9 +9773,11 @@
       <p:sp>
         <p:nvSpPr>
           <p:cNvPr id="84" name="Google Shape;84;p16"/>
-          <p:cNvSpPr txBox="1"/>
+          <p:cNvSpPr txBox="1">
+            <a:spLocks noGrp="1"/>
+          </p:cNvSpPr>
           <p:nvPr>
-            <p:ph idx="2" type="body"/>
+            <p:ph type="body" idx="2"/>
           </p:nvPr>
         </p:nvSpPr>
         <p:spPr>
@@ -9654,12 +9790,12 @@
           </a:prstGeom>
         </p:spPr>
         <p:txBody>
-          <a:bodyPr anchorCtr="0" anchor="t" bIns="91425" lIns="91425" spcFirstLastPara="1" rIns="91425" wrap="square" tIns="91425">
+          <a:bodyPr spcFirstLastPara="1" wrap="square" lIns="91425" tIns="91425" rIns="91425" bIns="91425" anchor="t" anchorCtr="0">
             <a:normAutofit/>
           </a:bodyPr>
           <a:lstStyle/>
           <a:p>
-            <a:pPr indent="0" lvl="0" marL="0" rtl="0" algn="l">
+            <a:pPr marL="0" lvl="0" indent="0" algn="l" rtl="0">
               <a:lnSpc>
                 <a:spcPct val="100000"/>
               </a:lnSpc>
@@ -9671,17 +9807,14 @@
               </a:spcAft>
               <a:buNone/>
             </a:pPr>
-            <a:r>
-              <a:t/>
-            </a:r>
-            <a:endParaRPr sz="1400">
+            <a:endParaRPr sz="1400" dirty="0">
               <a:solidFill>
                 <a:srgbClr val="000000"/>
               </a:solidFill>
             </a:endParaRPr>
           </a:p>
           <a:p>
-            <a:pPr indent="0" lvl="0" marL="0" rtl="0" algn="ctr">
+            <a:pPr marL="0" lvl="0" indent="0" algn="ctr" rtl="0">
               <a:lnSpc>
                 <a:spcPct val="100000"/>
               </a:lnSpc>
@@ -9694,21 +9827,21 @@
               <a:buNone/>
             </a:pPr>
             <a:r>
-              <a:rPr b="1" lang="en" sz="1400">
+              <a:rPr lang="en" sz="1400" b="1" dirty="0">
                 <a:solidFill>
                   <a:srgbClr val="000000"/>
                 </a:solidFill>
               </a:rPr>
               <a:t>Explain</a:t>
             </a:r>
-            <a:endParaRPr b="1" sz="1400">
+            <a:endParaRPr sz="1400" b="1" dirty="0">
               <a:solidFill>
                 <a:srgbClr val="000000"/>
               </a:solidFill>
             </a:endParaRPr>
           </a:p>
           <a:p>
-            <a:pPr indent="0" lvl="0" marL="457200" rtl="0" algn="l">
+            <a:pPr marL="457200" lvl="0" indent="0" algn="l" rtl="0">
               <a:lnSpc>
                 <a:spcPct val="100000"/>
               </a:lnSpc>
@@ -9720,17 +9853,14 @@
               </a:spcAft>
               <a:buNone/>
             </a:pPr>
-            <a:r>
-              <a:t/>
-            </a:r>
-            <a:endParaRPr sz="1400">
+            <a:endParaRPr sz="1400" dirty="0">
               <a:solidFill>
                 <a:srgbClr val="000000"/>
               </a:solidFill>
             </a:endParaRPr>
           </a:p>
           <a:p>
-            <a:pPr indent="-317500" lvl="0" marL="457200" rtl="0" algn="l">
+            <a:pPr marL="457200" lvl="0" indent="-317500" algn="l" rtl="0">
               <a:lnSpc>
                 <a:spcPct val="100000"/>
               </a:lnSpc>
@@ -9747,21 +9877,21 @@
               <a:buChar char="●"/>
             </a:pPr>
             <a:r>
-              <a:rPr lang="en" sz="1400">
+              <a:rPr lang="en" sz="1400" dirty="0">
                 <a:solidFill>
                   <a:srgbClr val="000000"/>
                 </a:solidFill>
               </a:rPr>
               <a:t>Are there trends?</a:t>
             </a:r>
-            <a:endParaRPr sz="1400">
+            <a:endParaRPr sz="1400" dirty="0">
               <a:solidFill>
                 <a:srgbClr val="000000"/>
               </a:solidFill>
             </a:endParaRPr>
           </a:p>
           <a:p>
-            <a:pPr indent="0" lvl="0" marL="457200" rtl="0" algn="l">
+            <a:pPr marL="457200" lvl="0" indent="0" algn="l" rtl="0">
               <a:lnSpc>
                 <a:spcPct val="100000"/>
               </a:lnSpc>
@@ -9773,17 +9903,14 @@
               </a:spcAft>
               <a:buNone/>
             </a:pPr>
-            <a:r>
-              <a:t/>
-            </a:r>
-            <a:endParaRPr sz="1400">
+            <a:endParaRPr sz="1400" dirty="0">
               <a:solidFill>
                 <a:srgbClr val="000000"/>
               </a:solidFill>
             </a:endParaRPr>
           </a:p>
           <a:p>
-            <a:pPr indent="-317500" lvl="0" marL="457200" rtl="0" algn="l">
+            <a:pPr marL="457200" lvl="0" indent="-317500" algn="l" rtl="0">
               <a:lnSpc>
                 <a:spcPct val="100000"/>
               </a:lnSpc>
@@ -9800,21 +9927,21 @@
               <a:buChar char="●"/>
             </a:pPr>
             <a:r>
-              <a:rPr lang="en" sz="1400">
+              <a:rPr lang="en" sz="1400" dirty="0">
                 <a:solidFill>
                   <a:srgbClr val="000000"/>
                 </a:solidFill>
               </a:rPr>
               <a:t>What conclusions can be drawn, if any?</a:t>
             </a:r>
-            <a:endParaRPr sz="1400">
+            <a:endParaRPr sz="1400" dirty="0">
               <a:solidFill>
                 <a:srgbClr val="000000"/>
               </a:solidFill>
             </a:endParaRPr>
           </a:p>
           <a:p>
-            <a:pPr indent="0" lvl="0" marL="0" rtl="0" algn="l">
+            <a:pPr marL="0" lvl="0" indent="0" algn="l" rtl="0">
               <a:spcBef>
                 <a:spcPts val="0"/>
               </a:spcBef>
@@ -9823,10 +9950,7 @@
               </a:spcAft>
               <a:buNone/>
             </a:pPr>
-            <a:r>
-              <a:t/>
-            </a:r>
-            <a:endParaRPr/>
+            <a:endParaRPr dirty="0"/>
           </a:p>
         </p:txBody>
       </p:sp>
@@ -9839,11 +9963,11 @@
 </file>
 
 <file path=ppt/slides/slide5.xml><?xml version="1.0" encoding="utf-8"?>
-<p:sld xmlns:a="http://schemas.openxmlformats.org/drawingml/2006/main" xmlns:r="http://schemas.openxmlformats.org/officeDocument/2006/relationships" xmlns:mc="http://schemas.openxmlformats.org/markup-compatibility/2006" xmlns:mv="urn:schemas-microsoft-com:mac:vml" xmlns:p="http://schemas.openxmlformats.org/presentationml/2006/main" xmlns:c="http://schemas.openxmlformats.org/drawingml/2006/chart" xmlns:dgm="http://schemas.openxmlformats.org/drawingml/2006/diagram" xmlns:o="urn:schemas-microsoft-com:office:office" xmlns:v="urn:schemas-microsoft-com:vml" xmlns:pvml="urn:schemas-microsoft-com:office:powerpoint" xmlns:com="http://schemas.openxmlformats.org/drawingml/2006/compatibility" xmlns:p14="http://schemas.microsoft.com/office/powerpoint/2010/main" xmlns:p15="http://schemas.microsoft.com/office/powerpoint/2012/main" xmlns:ahyp="http://schemas.microsoft.com/office/drawing/2018/hyperlinkcolor">
+<p:sld xmlns:a="http://schemas.openxmlformats.org/drawingml/2006/main" xmlns:r="http://schemas.openxmlformats.org/officeDocument/2006/relationships" xmlns:p="http://schemas.openxmlformats.org/presentationml/2006/main">
   <p:cSld>
     <p:spTree>
       <p:nvGrpSpPr>
-        <p:cNvPr id="88" name="Shape 88"/>
+        <p:cNvPr id="1" name="Shape 88"/>
         <p:cNvGrpSpPr/>
         <p:nvPr/>
       </p:nvGrpSpPr>
@@ -9858,9 +9982,11 @@
       <p:sp>
         <p:nvSpPr>
           <p:cNvPr id="89" name="Google Shape;89;p17"/>
-          <p:cNvSpPr txBox="1"/>
+          <p:cNvSpPr txBox="1">
+            <a:spLocks noGrp="1"/>
+          </p:cNvSpPr>
           <p:nvPr>
-            <p:ph idx="1" type="body"/>
+            <p:ph type="body" idx="1"/>
           </p:nvPr>
         </p:nvSpPr>
         <p:spPr>
@@ -9873,12 +9999,12 @@
           </a:prstGeom>
         </p:spPr>
         <p:txBody>
-          <a:bodyPr anchorCtr="0" anchor="ctr" bIns="91425" lIns="91425" spcFirstLastPara="1" rIns="91425" wrap="square" tIns="91425">
+          <a:bodyPr spcFirstLastPara="1" wrap="square" lIns="91425" tIns="91425" rIns="91425" bIns="91425" anchor="ctr" anchorCtr="0">
             <a:normAutofit/>
           </a:bodyPr>
           <a:lstStyle/>
           <a:p>
-            <a:pPr indent="0" lvl="0" marL="0" rtl="0" algn="l">
+            <a:pPr marL="0" lvl="0" indent="0" algn="l" rtl="0">
               <a:spcBef>
                 <a:spcPts val="0"/>
               </a:spcBef>
@@ -9932,11 +10058,11 @@
 </file>
 
 <file path=ppt/slides/slide6.xml><?xml version="1.0" encoding="utf-8"?>
-<p:sld xmlns:a="http://schemas.openxmlformats.org/drawingml/2006/main" xmlns:r="http://schemas.openxmlformats.org/officeDocument/2006/relationships" xmlns:mc="http://schemas.openxmlformats.org/markup-compatibility/2006" xmlns:mv="urn:schemas-microsoft-com:mac:vml" xmlns:p="http://schemas.openxmlformats.org/presentationml/2006/main" xmlns:c="http://schemas.openxmlformats.org/drawingml/2006/chart" xmlns:dgm="http://schemas.openxmlformats.org/drawingml/2006/diagram" xmlns:o="urn:schemas-microsoft-com:office:office" xmlns:v="urn:schemas-microsoft-com:vml" xmlns:pvml="urn:schemas-microsoft-com:office:powerpoint" xmlns:com="http://schemas.openxmlformats.org/drawingml/2006/compatibility" xmlns:p14="http://schemas.microsoft.com/office/powerpoint/2010/main" xmlns:p15="http://schemas.microsoft.com/office/powerpoint/2012/main" xmlns:ahyp="http://schemas.microsoft.com/office/drawing/2018/hyperlinkcolor">
+<p:sld xmlns:a="http://schemas.openxmlformats.org/drawingml/2006/main" xmlns:r="http://schemas.openxmlformats.org/officeDocument/2006/relationships" xmlns:p="http://schemas.openxmlformats.org/presentationml/2006/main">
   <p:cSld>
     <p:spTree>
       <p:nvGrpSpPr>
-        <p:cNvPr id="94" name="Shape 94"/>
+        <p:cNvPr id="1" name="Shape 94"/>
         <p:cNvGrpSpPr/>
         <p:nvPr/>
       </p:nvGrpSpPr>
@@ -9951,9 +10077,11 @@
       <p:sp>
         <p:nvSpPr>
           <p:cNvPr id="95" name="Google Shape;95;p18"/>
-          <p:cNvSpPr txBox="1"/>
+          <p:cNvSpPr txBox="1">
+            <a:spLocks noGrp="1"/>
+          </p:cNvSpPr>
           <p:nvPr>
-            <p:ph idx="1" type="body"/>
+            <p:ph type="body" idx="1"/>
           </p:nvPr>
         </p:nvSpPr>
         <p:spPr>
@@ -9966,12 +10094,12 @@
           </a:prstGeom>
         </p:spPr>
         <p:txBody>
-          <a:bodyPr anchorCtr="0" anchor="ctr" bIns="91425" lIns="91425" spcFirstLastPara="1" rIns="91425" wrap="square" tIns="91425">
+          <a:bodyPr spcFirstLastPara="1" wrap="square" lIns="91425" tIns="91425" rIns="91425" bIns="91425" anchor="ctr" anchorCtr="0">
             <a:normAutofit/>
           </a:bodyPr>
           <a:lstStyle/>
           <a:p>
-            <a:pPr indent="0" lvl="0" marL="0" rtl="0" algn="l">
+            <a:pPr marL="0" lvl="0" indent="0" algn="l" rtl="0">
               <a:spcBef>
                 <a:spcPts val="0"/>
               </a:spcBef>
@@ -10036,12 +10164,12 @@
           </a:ln>
         </p:spPr>
         <p:txBody>
-          <a:bodyPr anchorCtr="0" anchor="t" bIns="91425" lIns="91425" spcFirstLastPara="1" rIns="91425" wrap="square" tIns="91425">
+          <a:bodyPr spcFirstLastPara="1" wrap="square" lIns="91425" tIns="91425" rIns="91425" bIns="91425" anchor="t" anchorCtr="0">
             <a:spAutoFit/>
           </a:bodyPr>
           <a:lstStyle/>
           <a:p>
-            <a:pPr indent="0" lvl="0" marL="0" rtl="0" algn="l">
+            <a:pPr marL="0" lvl="0" indent="0" algn="l" rtl="0">
               <a:spcBef>
                 <a:spcPts val="0"/>
               </a:spcBef>
@@ -10088,12 +10216,12 @@
           </a:ln>
         </p:spPr>
         <p:txBody>
-          <a:bodyPr anchorCtr="0" anchor="t" bIns="91425" lIns="91425" spcFirstLastPara="1" rIns="91425" wrap="square" tIns="91425">
+          <a:bodyPr spcFirstLastPara="1" wrap="square" lIns="91425" tIns="91425" rIns="91425" bIns="91425" anchor="t" anchorCtr="0">
             <a:spAutoFit/>
           </a:bodyPr>
           <a:lstStyle/>
           <a:p>
-            <a:pPr indent="0" lvl="0" marL="0" rtl="0" algn="l">
+            <a:pPr marL="0" lvl="0" indent="0" algn="l" rtl="0">
               <a:spcBef>
                 <a:spcPts val="0"/>
               </a:spcBef>
@@ -10140,12 +10268,12 @@
           </a:ln>
         </p:spPr>
         <p:txBody>
-          <a:bodyPr anchorCtr="0" anchor="t" bIns="91425" lIns="91425" spcFirstLastPara="1" rIns="91425" wrap="square" tIns="91425">
+          <a:bodyPr spcFirstLastPara="1" wrap="square" lIns="91425" tIns="91425" rIns="91425" bIns="91425" anchor="t" anchorCtr="0">
             <a:spAutoFit/>
           </a:bodyPr>
           <a:lstStyle/>
           <a:p>
-            <a:pPr indent="0" lvl="0" marL="0" rtl="0" algn="l">
+            <a:pPr marL="0" lvl="0" indent="0" algn="l" rtl="0">
               <a:spcBef>
                 <a:spcPts val="0"/>
               </a:spcBef>
@@ -10181,11 +10309,11 @@
 </file>
 
 <file path=ppt/slides/slide7.xml><?xml version="1.0" encoding="utf-8"?>
-<p:sld xmlns:a="http://schemas.openxmlformats.org/drawingml/2006/main" xmlns:r="http://schemas.openxmlformats.org/officeDocument/2006/relationships" xmlns:mc="http://schemas.openxmlformats.org/markup-compatibility/2006" xmlns:mv="urn:schemas-microsoft-com:mac:vml" xmlns:p="http://schemas.openxmlformats.org/presentationml/2006/main" xmlns:c="http://schemas.openxmlformats.org/drawingml/2006/chart" xmlns:dgm="http://schemas.openxmlformats.org/drawingml/2006/diagram" xmlns:o="urn:schemas-microsoft-com:office:office" xmlns:v="urn:schemas-microsoft-com:vml" xmlns:pvml="urn:schemas-microsoft-com:office:powerpoint" xmlns:com="http://schemas.openxmlformats.org/drawingml/2006/compatibility" xmlns:p14="http://schemas.microsoft.com/office/powerpoint/2010/main" xmlns:p15="http://schemas.microsoft.com/office/powerpoint/2012/main" xmlns:ahyp="http://schemas.microsoft.com/office/drawing/2018/hyperlinkcolor">
+<p:sld xmlns:a="http://schemas.openxmlformats.org/drawingml/2006/main" xmlns:r="http://schemas.openxmlformats.org/officeDocument/2006/relationships" xmlns:p="http://schemas.openxmlformats.org/presentationml/2006/main">
   <p:cSld>
     <p:spTree>
       <p:nvGrpSpPr>
-        <p:cNvPr id="103" name="Shape 103"/>
+        <p:cNvPr id="1" name="Shape 103"/>
         <p:cNvGrpSpPr/>
         <p:nvPr/>
       </p:nvGrpSpPr>
@@ -10200,7 +10328,9 @@
       <p:sp>
         <p:nvSpPr>
           <p:cNvPr id="104" name="Google Shape;104;p19"/>
-          <p:cNvSpPr txBox="1"/>
+          <p:cNvSpPr txBox="1">
+            <a:spLocks noGrp="1"/>
+          </p:cNvSpPr>
           <p:nvPr>
             <p:ph type="title"/>
           </p:nvPr>
@@ -10215,12 +10345,12 @@
           </a:prstGeom>
         </p:spPr>
         <p:txBody>
-          <a:bodyPr anchorCtr="0" anchor="t" bIns="91425" lIns="91425" spcFirstLastPara="1" rIns="91425" wrap="square" tIns="91425">
+          <a:bodyPr spcFirstLastPara="1" wrap="square" lIns="91425" tIns="91425" rIns="91425" bIns="91425" anchor="t" anchorCtr="0">
             <a:normAutofit/>
           </a:bodyPr>
           <a:lstStyle/>
           <a:p>
-            <a:pPr indent="0" lvl="0" marL="0" rtl="0" algn="l">
+            <a:pPr marL="0" lvl="0" indent="0" algn="l" rtl="0">
               <a:spcBef>
                 <a:spcPts val="0"/>
               </a:spcBef>
@@ -10302,11 +10432,11 @@
 </file>
 
 <file path=ppt/slides/slide8.xml><?xml version="1.0" encoding="utf-8"?>
-<p:sld xmlns:a="http://schemas.openxmlformats.org/drawingml/2006/main" xmlns:r="http://schemas.openxmlformats.org/officeDocument/2006/relationships" xmlns:mc="http://schemas.openxmlformats.org/markup-compatibility/2006" xmlns:mv="urn:schemas-microsoft-com:mac:vml" xmlns:p="http://schemas.openxmlformats.org/presentationml/2006/main" xmlns:c="http://schemas.openxmlformats.org/drawingml/2006/chart" xmlns:dgm="http://schemas.openxmlformats.org/drawingml/2006/diagram" xmlns:o="urn:schemas-microsoft-com:office:office" xmlns:v="urn:schemas-microsoft-com:vml" xmlns:pvml="urn:schemas-microsoft-com:office:powerpoint" xmlns:com="http://schemas.openxmlformats.org/drawingml/2006/compatibility" xmlns:p14="http://schemas.microsoft.com/office/powerpoint/2010/main" xmlns:p15="http://schemas.microsoft.com/office/powerpoint/2012/main" xmlns:ahyp="http://schemas.microsoft.com/office/drawing/2018/hyperlinkcolor">
+<p:sld xmlns:a="http://schemas.openxmlformats.org/drawingml/2006/main" xmlns:r="http://schemas.openxmlformats.org/officeDocument/2006/relationships" xmlns:p="http://schemas.openxmlformats.org/presentationml/2006/main">
   <p:cSld>
     <p:spTree>
       <p:nvGrpSpPr>
-        <p:cNvPr id="110" name="Shape 110"/>
+        <p:cNvPr id="1" name="Shape 110"/>
         <p:cNvGrpSpPr/>
         <p:nvPr/>
       </p:nvGrpSpPr>
@@ -10321,7 +10451,9 @@
       <p:sp>
         <p:nvSpPr>
           <p:cNvPr id="111" name="Google Shape;111;p20"/>
-          <p:cNvSpPr txBox="1"/>
+          <p:cNvSpPr txBox="1">
+            <a:spLocks noGrp="1"/>
+          </p:cNvSpPr>
           <p:nvPr>
             <p:ph type="title"/>
           </p:nvPr>
@@ -10336,12 +10468,12 @@
           </a:prstGeom>
         </p:spPr>
         <p:txBody>
-          <a:bodyPr anchorCtr="0" anchor="t" bIns="91425" lIns="91425" spcFirstLastPara="1" rIns="91425" wrap="square" tIns="91425">
+          <a:bodyPr spcFirstLastPara="1" wrap="square" lIns="91425" tIns="91425" rIns="91425" bIns="91425" anchor="t" anchorCtr="0">
             <a:normAutofit fontScale="90000"/>
           </a:bodyPr>
           <a:lstStyle/>
           <a:p>
-            <a:pPr indent="0" lvl="0" marL="0" rtl="0" algn="l">
+            <a:pPr marL="0" lvl="0" indent="0" algn="l" rtl="0">
               <a:spcBef>
                 <a:spcPts val="0"/>
               </a:spcBef>
@@ -10357,7 +10489,7 @@
             <a:endParaRPr/>
           </a:p>
           <a:p>
-            <a:pPr indent="0" lvl="0" marL="0" rtl="0" algn="l">
+            <a:pPr marL="0" lvl="0" indent="0" algn="l" rtl="0">
               <a:spcBef>
                 <a:spcPts val="0"/>
               </a:spcBef>
@@ -10366,9 +10498,6 @@
               </a:spcAft>
               <a:buNone/>
             </a:pPr>
-            <a:r>
-              <a:t/>
-            </a:r>
             <a:endParaRPr/>
           </a:p>
         </p:txBody>
@@ -10466,11 +10595,11 @@
 </file>
 
 <file path=ppt/slides/slide9.xml><?xml version="1.0" encoding="utf-8"?>
-<p:sld xmlns:a="http://schemas.openxmlformats.org/drawingml/2006/main" xmlns:r="http://schemas.openxmlformats.org/officeDocument/2006/relationships" xmlns:mc="http://schemas.openxmlformats.org/markup-compatibility/2006" xmlns:mv="urn:schemas-microsoft-com:mac:vml" xmlns:p="http://schemas.openxmlformats.org/presentationml/2006/main" xmlns:c="http://schemas.openxmlformats.org/drawingml/2006/chart" xmlns:dgm="http://schemas.openxmlformats.org/drawingml/2006/diagram" xmlns:o="urn:schemas-microsoft-com:office:office" xmlns:v="urn:schemas-microsoft-com:vml" xmlns:pvml="urn:schemas-microsoft-com:office:powerpoint" xmlns:com="http://schemas.openxmlformats.org/drawingml/2006/compatibility" xmlns:p14="http://schemas.microsoft.com/office/powerpoint/2010/main" xmlns:p15="http://schemas.microsoft.com/office/powerpoint/2012/main" xmlns:ahyp="http://schemas.microsoft.com/office/drawing/2018/hyperlinkcolor">
+<p:sld xmlns:a="http://schemas.openxmlformats.org/drawingml/2006/main" xmlns:r="http://schemas.openxmlformats.org/officeDocument/2006/relationships" xmlns:p="http://schemas.openxmlformats.org/presentationml/2006/main">
   <p:cSld>
     <p:spTree>
       <p:nvGrpSpPr>
-        <p:cNvPr id="118" name="Shape 118"/>
+        <p:cNvPr id="1" name="Shape 118"/>
         <p:cNvGrpSpPr/>
         <p:nvPr/>
       </p:nvGrpSpPr>
@@ -10485,7 +10614,9 @@
       <p:sp>
         <p:nvSpPr>
           <p:cNvPr id="119" name="Google Shape;119;p21"/>
-          <p:cNvSpPr txBox="1"/>
+          <p:cNvSpPr txBox="1">
+            <a:spLocks noGrp="1"/>
+          </p:cNvSpPr>
           <p:nvPr>
             <p:ph type="title"/>
           </p:nvPr>
@@ -10500,12 +10631,12 @@
           </a:prstGeom>
         </p:spPr>
         <p:txBody>
-          <a:bodyPr anchorCtr="0" anchor="t" bIns="91425" lIns="91425" spcFirstLastPara="1" rIns="91425" wrap="square" tIns="91425">
+          <a:bodyPr spcFirstLastPara="1" wrap="square" lIns="91425" tIns="91425" rIns="91425" bIns="91425" anchor="t" anchorCtr="0">
             <a:normAutofit/>
           </a:bodyPr>
           <a:lstStyle/>
           <a:p>
-            <a:pPr indent="0" lvl="0" marL="0" rtl="0" algn="l">
+            <a:pPr marL="0" lvl="0" indent="0" algn="l" rtl="0">
               <a:spcBef>
                 <a:spcPts val="0"/>
               </a:spcBef>
@@ -10587,7 +10718,7 @@
 </file>
 
 <file path=ppt/theme/theme1.xml><?xml version="1.0" encoding="utf-8"?>
-<a:theme xmlns:a="http://schemas.openxmlformats.org/drawingml/2006/main" xmlns:r="http://schemas.openxmlformats.org/officeDocument/2006/relationships" name="Paradigm">
+<a:theme xmlns:a="http://schemas.openxmlformats.org/drawingml/2006/main" name="Paradigm">
   <a:themeElements>
     <a:clrScheme name="Paradigm">
       <a:dk1>
@@ -10862,11 +10993,13 @@
       </a:bgFillStyleLst>
     </a:fmtScheme>
   </a:themeElements>
+  <a:objectDefaults/>
+  <a:extraClrSchemeLst/>
 </a:theme>
 </file>
 
 <file path=ppt/theme/theme2.xml><?xml version="1.0" encoding="utf-8"?>
-<a:theme xmlns:a="http://schemas.openxmlformats.org/drawingml/2006/main" xmlns:r="http://schemas.openxmlformats.org/officeDocument/2006/relationships">
+<a:theme xmlns:a="http://schemas.openxmlformats.org/drawingml/2006/main">
   <a:themeElements>
     <a:clrScheme name="Default">
       <a:dk1>
@@ -11141,5 +11274,7 @@
       </a:bgFillStyleLst>
     </a:fmtScheme>
   </a:themeElements>
+  <a:objectDefaults/>
+  <a:extraClrSchemeLst/>
 </a:theme>
 </file>
--- a/Term2/Presentation/Trends in electricity production vs. Economic growth.pptx
+++ b/Term2/Presentation/Trends in electricity production vs. Economic growth.pptx
@@ -1,57 +1,58 @@
 
 <file path=ppt/presentation.xml><?xml version="1.0" encoding="utf-8"?>
-<p:presentation xmlns:a="http://schemas.openxmlformats.org/drawingml/2006/main" xmlns:r="http://schemas.openxmlformats.org/officeDocument/2006/relationships" xmlns:mc="http://schemas.openxmlformats.org/markup-compatibility/2006" xmlns:mv="urn:schemas-microsoft-com:mac:vml" xmlns:p="http://schemas.openxmlformats.org/presentationml/2006/main" xmlns:c="http://schemas.openxmlformats.org/drawingml/2006/chart" xmlns:dgm="http://schemas.openxmlformats.org/drawingml/2006/diagram" xmlns:o="urn:schemas-microsoft-com:office:office" xmlns:v="urn:schemas-microsoft-com:vml" xmlns:pvml="urn:schemas-microsoft-com:office:powerpoint" xmlns:com="http://schemas.openxmlformats.org/drawingml/2006/compatibility" xmlns:p14="http://schemas.microsoft.com/office/powerpoint/2010/main" xmlns:p15="http://schemas.microsoft.com/office/powerpoint/2012/main" xmlns:ahyp="http://schemas.microsoft.com/office/drawing/2018/hyperlinkcolor" autoCompressPictures="0" embedTrueTypeFonts="1" strictFirstAndLastChars="0" saveSubsetFonts="1">
+<p:presentation xmlns:a="http://schemas.openxmlformats.org/drawingml/2006/main" xmlns:r="http://schemas.openxmlformats.org/officeDocument/2006/relationships" xmlns:p="http://schemas.openxmlformats.org/presentationml/2006/main" strictFirstAndLastChars="0" embedTrueTypeFonts="1" saveSubsetFonts="1" autoCompressPictures="0">
   <p:sldMasterIdLst>
-    <p:sldMasterId id="2147483659" r:id="rId4"/>
+    <p:sldMasterId id="2147483659" r:id="rId1"/>
   </p:sldMasterIdLst>
   <p:notesMasterIdLst>
-    <p:notesMasterId r:id="rId5"/>
+    <p:notesMasterId r:id="rId14"/>
   </p:notesMasterIdLst>
   <p:sldIdLst>
-    <p:sldId id="256" r:id="rId6"/>
-    <p:sldId id="257" r:id="rId7"/>
-    <p:sldId id="258" r:id="rId8"/>
-    <p:sldId id="259" r:id="rId9"/>
-    <p:sldId id="260" r:id="rId10"/>
-    <p:sldId id="261" r:id="rId11"/>
-    <p:sldId id="262" r:id="rId12"/>
-    <p:sldId id="263" r:id="rId13"/>
-    <p:sldId id="264" r:id="rId14"/>
-    <p:sldId id="265" r:id="rId15"/>
-    <p:sldId id="266" r:id="rId16"/>
+    <p:sldId id="256" r:id="rId2"/>
+    <p:sldId id="257" r:id="rId3"/>
+    <p:sldId id="258" r:id="rId4"/>
+    <p:sldId id="259" r:id="rId5"/>
+    <p:sldId id="260" r:id="rId6"/>
+    <p:sldId id="261" r:id="rId7"/>
+    <p:sldId id="262" r:id="rId8"/>
+    <p:sldId id="263" r:id="rId9"/>
+    <p:sldId id="264" r:id="rId10"/>
+    <p:sldId id="265" r:id="rId11"/>
+    <p:sldId id="266" r:id="rId12"/>
+    <p:sldId id="267" r:id="rId13"/>
   </p:sldIdLst>
-  <p:sldSz cy="5143500" cx="9144000"/>
+  <p:sldSz cx="9144000" cy="5143500" type="screen16x9"/>
   <p:notesSz cx="6858000" cy="9144000"/>
   <p:embeddedFontLst>
     <p:embeddedFont>
-      <p:font typeface="Roboto"/>
-      <p:regular r:id="rId17"/>
-      <p:bold r:id="rId18"/>
-      <p:italic r:id="rId19"/>
-      <p:boldItalic r:id="rId20"/>
+      <p:font typeface="Montserrat" pitchFamily="2" charset="77"/>
+      <p:regular r:id="rId15"/>
+      <p:bold r:id="rId16"/>
+      <p:italic r:id="rId17"/>
+      <p:boldItalic r:id="rId18"/>
     </p:embeddedFont>
     <p:embeddedFont>
-      <p:font typeface="Playfair Display"/>
+      <p:font typeface="Oswald" pitchFamily="2" charset="77"/>
+      <p:regular r:id="rId19"/>
+      <p:bold r:id="rId20"/>
+    </p:embeddedFont>
+    <p:embeddedFont>
+      <p:font typeface="Playfair Display" pitchFamily="2" charset="77"/>
       <p:regular r:id="rId21"/>
       <p:bold r:id="rId22"/>
       <p:italic r:id="rId23"/>
       <p:boldItalic r:id="rId24"/>
     </p:embeddedFont>
     <p:embeddedFont>
-      <p:font typeface="Montserrat"/>
+      <p:font typeface="Roboto" panose="02000000000000000000" pitchFamily="2" charset="0"/>
       <p:regular r:id="rId25"/>
       <p:bold r:id="rId26"/>
       <p:italic r:id="rId27"/>
       <p:boldItalic r:id="rId28"/>
     </p:embeddedFont>
-    <p:embeddedFont>
-      <p:font typeface="Oswald"/>
-      <p:regular r:id="rId29"/>
-      <p:bold r:id="rId30"/>
-    </p:embeddedFont>
   </p:embeddedFontLst>
   <p:defaultTextStyle>
-    <a:defPPr lvl="0" marR="0" rtl="0" algn="l">
+    <a:defPPr marR="0" lvl="0" algn="l" rtl="0">
       <a:lnSpc>
         <a:spcPct val="100000"/>
       </a:lnSpc>
@@ -62,7 +63,7 @@
         <a:spcPts val="0"/>
       </a:spcAft>
     </a:defPPr>
-    <a:lvl1pPr lvl="0" marR="0" rtl="0" algn="l">
+    <a:lvl1pPr marR="0" lvl="0" algn="l" rtl="0">
       <a:lnSpc>
         <a:spcPct val="100000"/>
       </a:lnSpc>
@@ -76,7 +77,7 @@
         <a:srgbClr val="000000"/>
       </a:buClr>
       <a:buFont typeface="Arial"/>
-      <a:defRPr b="0" i="0" sz="1400" u="none" cap="none" strike="noStrike">
+      <a:defRPr sz="1400" b="0" i="0" u="none" strike="noStrike" cap="none">
         <a:solidFill>
           <a:srgbClr val="000000"/>
         </a:solidFill>
@@ -86,7 +87,7 @@
         <a:sym typeface="Arial"/>
       </a:defRPr>
     </a:lvl1pPr>
-    <a:lvl2pPr lvl="1" marR="0" rtl="0" algn="l">
+    <a:lvl2pPr marR="0" lvl="1" algn="l" rtl="0">
       <a:lnSpc>
         <a:spcPct val="100000"/>
       </a:lnSpc>
@@ -100,7 +101,7 @@
         <a:srgbClr val="000000"/>
       </a:buClr>
       <a:buFont typeface="Arial"/>
-      <a:defRPr b="0" i="0" sz="1400" u="none" cap="none" strike="noStrike">
+      <a:defRPr sz="1400" b="0" i="0" u="none" strike="noStrike" cap="none">
         <a:solidFill>
           <a:srgbClr val="000000"/>
         </a:solidFill>
@@ -110,7 +111,7 @@
         <a:sym typeface="Arial"/>
       </a:defRPr>
     </a:lvl2pPr>
-    <a:lvl3pPr lvl="2" marR="0" rtl="0" algn="l">
+    <a:lvl3pPr marR="0" lvl="2" algn="l" rtl="0">
       <a:lnSpc>
         <a:spcPct val="100000"/>
       </a:lnSpc>
@@ -124,7 +125,7 @@
         <a:srgbClr val="000000"/>
       </a:buClr>
       <a:buFont typeface="Arial"/>
-      <a:defRPr b="0" i="0" sz="1400" u="none" cap="none" strike="noStrike">
+      <a:defRPr sz="1400" b="0" i="0" u="none" strike="noStrike" cap="none">
         <a:solidFill>
           <a:srgbClr val="000000"/>
         </a:solidFill>
@@ -134,7 +135,7 @@
         <a:sym typeface="Arial"/>
       </a:defRPr>
     </a:lvl3pPr>
-    <a:lvl4pPr lvl="3" marR="0" rtl="0" algn="l">
+    <a:lvl4pPr marR="0" lvl="3" algn="l" rtl="0">
       <a:lnSpc>
         <a:spcPct val="100000"/>
       </a:lnSpc>
@@ -148,7 +149,7 @@
         <a:srgbClr val="000000"/>
       </a:buClr>
       <a:buFont typeface="Arial"/>
-      <a:defRPr b="0" i="0" sz="1400" u="none" cap="none" strike="noStrike">
+      <a:defRPr sz="1400" b="0" i="0" u="none" strike="noStrike" cap="none">
         <a:solidFill>
           <a:srgbClr val="000000"/>
         </a:solidFill>
@@ -158,7 +159,7 @@
         <a:sym typeface="Arial"/>
       </a:defRPr>
     </a:lvl4pPr>
-    <a:lvl5pPr lvl="4" marR="0" rtl="0" algn="l">
+    <a:lvl5pPr marR="0" lvl="4" algn="l" rtl="0">
       <a:lnSpc>
         <a:spcPct val="100000"/>
       </a:lnSpc>
@@ -172,7 +173,7 @@
         <a:srgbClr val="000000"/>
       </a:buClr>
       <a:buFont typeface="Arial"/>
-      <a:defRPr b="0" i="0" sz="1400" u="none" cap="none" strike="noStrike">
+      <a:defRPr sz="1400" b="0" i="0" u="none" strike="noStrike" cap="none">
         <a:solidFill>
           <a:srgbClr val="000000"/>
         </a:solidFill>
@@ -182,7 +183,7 @@
         <a:sym typeface="Arial"/>
       </a:defRPr>
     </a:lvl5pPr>
-    <a:lvl6pPr lvl="5" marR="0" rtl="0" algn="l">
+    <a:lvl6pPr marR="0" lvl="5" algn="l" rtl="0">
       <a:lnSpc>
         <a:spcPct val="100000"/>
       </a:lnSpc>
@@ -196,7 +197,7 @@
         <a:srgbClr val="000000"/>
       </a:buClr>
       <a:buFont typeface="Arial"/>
-      <a:defRPr b="0" i="0" sz="1400" u="none" cap="none" strike="noStrike">
+      <a:defRPr sz="1400" b="0" i="0" u="none" strike="noStrike" cap="none">
         <a:solidFill>
           <a:srgbClr val="000000"/>
         </a:solidFill>
@@ -206,7 +207,7 @@
         <a:sym typeface="Arial"/>
       </a:defRPr>
     </a:lvl6pPr>
-    <a:lvl7pPr lvl="6" marR="0" rtl="0" algn="l">
+    <a:lvl7pPr marR="0" lvl="6" algn="l" rtl="0">
       <a:lnSpc>
         <a:spcPct val="100000"/>
       </a:lnSpc>
@@ -220,7 +221,7 @@
         <a:srgbClr val="000000"/>
       </a:buClr>
       <a:buFont typeface="Arial"/>
-      <a:defRPr b="0" i="0" sz="1400" u="none" cap="none" strike="noStrike">
+      <a:defRPr sz="1400" b="0" i="0" u="none" strike="noStrike" cap="none">
         <a:solidFill>
           <a:srgbClr val="000000"/>
         </a:solidFill>
@@ -230,7 +231,7 @@
         <a:sym typeface="Arial"/>
       </a:defRPr>
     </a:lvl7pPr>
-    <a:lvl8pPr lvl="7" marR="0" rtl="0" algn="l">
+    <a:lvl8pPr marR="0" lvl="7" algn="l" rtl="0">
       <a:lnSpc>
         <a:spcPct val="100000"/>
       </a:lnSpc>
@@ -244,7 +245,7 @@
         <a:srgbClr val="000000"/>
       </a:buClr>
       <a:buFont typeface="Arial"/>
-      <a:defRPr b="0" i="0" sz="1400" u="none" cap="none" strike="noStrike">
+      <a:defRPr sz="1400" b="0" i="0" u="none" strike="noStrike" cap="none">
         <a:solidFill>
           <a:srgbClr val="000000"/>
         </a:solidFill>
@@ -254,7 +255,7 @@
         <a:sym typeface="Arial"/>
       </a:defRPr>
     </a:lvl8pPr>
-    <a:lvl9pPr lvl="8" marR="0" rtl="0" algn="l">
+    <a:lvl9pPr marR="0" lvl="8" algn="l" rtl="0">
       <a:lnSpc>
         <a:spcPct val="100000"/>
       </a:lnSpc>
@@ -268,7 +269,7 @@
         <a:srgbClr val="000000"/>
       </a:buClr>
       <a:buFont typeface="Arial"/>
-      <a:defRPr b="0" i="0" sz="1400" u="none" cap="none" strike="noStrike">
+      <a:defRPr sz="1400" b="0" i="0" u="none" strike="noStrike" cap="none">
         <a:solidFill>
           <a:srgbClr val="000000"/>
         </a:solidFill>
@@ -281,7 +282,7 @@
   </p:defaultTextStyle>
   <p:extLst>
     <p:ext uri="{EFAFB233-063F-42B5-8137-9DF3F51BA10A}">
-      <p15:sldGuideLst>
+      <p15:sldGuideLst xmlns:p15="http://schemas.microsoft.com/office/powerpoint/2012/main">
         <p15:guide id="1" orient="horz" pos="1620">
           <p15:clr>
             <a:srgbClr val="A4A3A4"/>
@@ -299,11 +300,16 @@
 </file>
 
 <file path=ppt/notesMasters/notesMaster1.xml><?xml version="1.0" encoding="utf-8"?>
-<p:notesMaster xmlns:a="http://schemas.openxmlformats.org/drawingml/2006/main" xmlns:r="http://schemas.openxmlformats.org/officeDocument/2006/relationships" xmlns:mc="http://schemas.openxmlformats.org/markup-compatibility/2006" xmlns:mv="urn:schemas-microsoft-com:mac:vml" xmlns:p="http://schemas.openxmlformats.org/presentationml/2006/main" xmlns:c="http://schemas.openxmlformats.org/drawingml/2006/chart" xmlns:dgm="http://schemas.openxmlformats.org/drawingml/2006/diagram" xmlns:o="urn:schemas-microsoft-com:office:office" xmlns:v="urn:schemas-microsoft-com:vml" xmlns:pvml="urn:schemas-microsoft-com:office:powerpoint" xmlns:com="http://schemas.openxmlformats.org/drawingml/2006/compatibility" xmlns:p14="http://schemas.microsoft.com/office/powerpoint/2010/main" xmlns:p15="http://schemas.microsoft.com/office/powerpoint/2012/main" xmlns:ahyp="http://schemas.microsoft.com/office/drawing/2018/hyperlinkcolor">
+<p:notesMaster xmlns:a="http://schemas.openxmlformats.org/drawingml/2006/main" xmlns:r="http://schemas.openxmlformats.org/officeDocument/2006/relationships" xmlns:p="http://schemas.openxmlformats.org/presentationml/2006/main">
   <p:cSld>
+    <p:bg>
+      <p:bgRef idx="1001">
+        <a:schemeClr val="bg1"/>
+      </p:bgRef>
+    </p:bg>
     <p:spTree>
       <p:nvGrpSpPr>
-        <p:cNvPr id="2" name="Shape 2"/>
+        <p:cNvPr id="1" name="Shape 2"/>
         <p:cNvGrpSpPr/>
         <p:nvPr/>
       </p:nvGrpSpPr>
@@ -318,9 +324,11 @@
       <p:sp>
         <p:nvSpPr>
           <p:cNvPr id="3" name="Google Shape;3;n"/>
-          <p:cNvSpPr/>
+          <p:cNvSpPr>
+            <a:spLocks noGrp="1" noRot="1" noChangeAspect="1"/>
+          </p:cNvSpPr>
           <p:nvPr>
-            <p:ph idx="2" type="sldImg"/>
+            <p:ph type="sldImg" idx="2"/>
           </p:nvPr>
         </p:nvSpPr>
         <p:spPr>
@@ -329,9 +337,13 @@
             <a:ext cx="6096075" cy="3429000"/>
           </a:xfrm>
           <a:custGeom>
-            <a:rect b="b" l="l" r="r" t="t"/>
+            <a:avLst/>
+            <a:gdLst/>
+            <a:ahLst/>
+            <a:cxnLst/>
+            <a:rect l="l" t="t" r="r" b="b"/>
             <a:pathLst>
-              <a:path extrusionOk="0" h="120000" w="120000">
+              <a:path w="120000" h="120000" extrusionOk="0">
                 <a:moveTo>
                   <a:pt x="0" y="0"/>
                 </a:moveTo>
@@ -349,23 +361,25 @@
             </a:pathLst>
           </a:custGeom>
           <a:noFill/>
-          <a:ln cap="flat" cmpd="sng" w="9525">
+          <a:ln w="9525" cap="flat" cmpd="sng">
             <a:solidFill>
               <a:srgbClr val="000000"/>
             </a:solidFill>
             <a:prstDash val="solid"/>
             <a:round/>
-            <a:headEnd len="sm" w="sm" type="none"/>
-            <a:tailEnd len="sm" w="sm" type="none"/>
+            <a:headEnd type="none" w="sm" len="sm"/>
+            <a:tailEnd type="none" w="sm" len="sm"/>
           </a:ln>
         </p:spPr>
       </p:sp>
       <p:sp>
         <p:nvSpPr>
           <p:cNvPr id="4" name="Google Shape;4;n"/>
-          <p:cNvSpPr txBox="1"/>
+          <p:cNvSpPr txBox="1">
+            <a:spLocks noGrp="1"/>
+          </p:cNvSpPr>
           <p:nvPr>
-            <p:ph idx="1" type="body"/>
+            <p:ph type="body" idx="1"/>
           </p:nvPr>
         </p:nvSpPr>
         <p:spPr>
@@ -382,11 +396,11 @@
           </a:ln>
         </p:spPr>
         <p:txBody>
-          <a:bodyPr anchorCtr="0" anchor="t" bIns="91425" lIns="91425" spcFirstLastPara="1" rIns="91425" wrap="square" tIns="91425">
+          <a:bodyPr spcFirstLastPara="1" wrap="square" lIns="91425" tIns="91425" rIns="91425" bIns="91425" anchor="t" anchorCtr="0">
             <a:noAutofit/>
           </a:bodyPr>
           <a:lstStyle>
-            <a:lvl1pPr indent="-298450" lvl="0" marL="457200">
+            <a:lvl1pPr marL="457200" lvl="0" indent="-298450">
               <a:spcBef>
                 <a:spcPts val="0"/>
               </a:spcBef>
@@ -397,7 +411,7 @@
               <a:buChar char="●"/>
               <a:defRPr sz="1100"/>
             </a:lvl1pPr>
-            <a:lvl2pPr indent="-298450" lvl="1" marL="914400">
+            <a:lvl2pPr marL="914400" lvl="1" indent="-298450">
               <a:spcBef>
                 <a:spcPts val="0"/>
               </a:spcBef>
@@ -408,7 +422,7 @@
               <a:buChar char="○"/>
               <a:defRPr sz="1100"/>
             </a:lvl2pPr>
-            <a:lvl3pPr indent="-298450" lvl="2" marL="1371600">
+            <a:lvl3pPr marL="1371600" lvl="2" indent="-298450">
               <a:spcBef>
                 <a:spcPts val="0"/>
               </a:spcBef>
@@ -419,7 +433,7 @@
               <a:buChar char="■"/>
               <a:defRPr sz="1100"/>
             </a:lvl3pPr>
-            <a:lvl4pPr indent="-298450" lvl="3" marL="1828800">
+            <a:lvl4pPr marL="1828800" lvl="3" indent="-298450">
               <a:spcBef>
                 <a:spcPts val="0"/>
               </a:spcBef>
@@ -430,7 +444,7 @@
               <a:buChar char="●"/>
               <a:defRPr sz="1100"/>
             </a:lvl4pPr>
-            <a:lvl5pPr indent="-298450" lvl="4" marL="2286000">
+            <a:lvl5pPr marL="2286000" lvl="4" indent="-298450">
               <a:spcBef>
                 <a:spcPts val="0"/>
               </a:spcBef>
@@ -441,7 +455,7 @@
               <a:buChar char="○"/>
               <a:defRPr sz="1100"/>
             </a:lvl5pPr>
-            <a:lvl6pPr indent="-298450" lvl="5" marL="2743200">
+            <a:lvl6pPr marL="2743200" lvl="5" indent="-298450">
               <a:spcBef>
                 <a:spcPts val="0"/>
               </a:spcBef>
@@ -452,7 +466,7 @@
               <a:buChar char="■"/>
               <a:defRPr sz="1100"/>
             </a:lvl6pPr>
-            <a:lvl7pPr indent="-298450" lvl="6" marL="3200400">
+            <a:lvl7pPr marL="3200400" lvl="6" indent="-298450">
               <a:spcBef>
                 <a:spcPts val="0"/>
               </a:spcBef>
@@ -463,7 +477,7 @@
               <a:buChar char="●"/>
               <a:defRPr sz="1100"/>
             </a:lvl7pPr>
-            <a:lvl8pPr indent="-298450" lvl="7" marL="3657600">
+            <a:lvl8pPr marL="3657600" lvl="7" indent="-298450">
               <a:spcBef>
                 <a:spcPts val="0"/>
               </a:spcBef>
@@ -474,7 +488,7 @@
               <a:buChar char="○"/>
               <a:defRPr sz="1100"/>
             </a:lvl8pPr>
-            <a:lvl9pPr indent="-298450" lvl="8" marL="4114800">
+            <a:lvl9pPr marL="4114800" lvl="8" indent="-298450">
               <a:spcBef>
                 <a:spcPts val="0"/>
               </a:spcBef>
@@ -486,14 +500,16 @@
               <a:defRPr sz="1100"/>
             </a:lvl9pPr>
           </a:lstStyle>
-          <a:p/>
+          <a:p>
+            <a:endParaRPr/>
+          </a:p>
         </p:txBody>
       </p:sp>
     </p:spTree>
   </p:cSld>
-  <p:clrMap accent1="accent1" accent2="accent2" accent3="accent3" accent4="accent4" accent5="accent5" accent6="accent6" bg1="lt1" bg2="dk2" tx1="dk1" tx2="lt2" folHlink="folHlink" hlink="hlink"/>
+  <p:clrMap bg1="lt1" tx1="dk1" bg2="dk2" tx2="lt2" accent1="accent1" accent2="accent2" accent3="accent3" accent4="accent4" accent5="accent5" accent6="accent6" hlink="hlink" folHlink="folHlink"/>
   <p:notesStyle>
-    <a:defPPr lvl="0" marR="0" rtl="0" algn="l">
+    <a:defPPr marR="0" lvl="0" algn="l" rtl="0">
       <a:lnSpc>
         <a:spcPct val="100000"/>
       </a:lnSpc>
@@ -504,7 +520,7 @@
         <a:spcPts val="0"/>
       </a:spcAft>
     </a:defPPr>
-    <a:lvl1pPr lvl="0" marR="0" rtl="0" algn="l">
+    <a:lvl1pPr marR="0" lvl="0" algn="l" rtl="0">
       <a:lnSpc>
         <a:spcPct val="100000"/>
       </a:lnSpc>
@@ -518,7 +534,7 @@
         <a:srgbClr val="000000"/>
       </a:buClr>
       <a:buFont typeface="Arial"/>
-      <a:defRPr b="0" i="0" sz="1400" u="none" cap="none" strike="noStrike">
+      <a:defRPr sz="1400" b="0" i="0" u="none" strike="noStrike" cap="none">
         <a:solidFill>
           <a:srgbClr val="000000"/>
         </a:solidFill>
@@ -528,7 +544,7 @@
         <a:sym typeface="Arial"/>
       </a:defRPr>
     </a:lvl1pPr>
-    <a:lvl2pPr lvl="1" marR="0" rtl="0" algn="l">
+    <a:lvl2pPr marR="0" lvl="1" algn="l" rtl="0">
       <a:lnSpc>
         <a:spcPct val="100000"/>
       </a:lnSpc>
@@ -542,7 +558,7 @@
         <a:srgbClr val="000000"/>
       </a:buClr>
       <a:buFont typeface="Arial"/>
-      <a:defRPr b="0" i="0" sz="1400" u="none" cap="none" strike="noStrike">
+      <a:defRPr sz="1400" b="0" i="0" u="none" strike="noStrike" cap="none">
         <a:solidFill>
           <a:srgbClr val="000000"/>
         </a:solidFill>
@@ -552,7 +568,7 @@
         <a:sym typeface="Arial"/>
       </a:defRPr>
     </a:lvl2pPr>
-    <a:lvl3pPr lvl="2" marR="0" rtl="0" algn="l">
+    <a:lvl3pPr marR="0" lvl="2" algn="l" rtl="0">
       <a:lnSpc>
         <a:spcPct val="100000"/>
       </a:lnSpc>
@@ -566,7 +582,7 @@
         <a:srgbClr val="000000"/>
       </a:buClr>
       <a:buFont typeface="Arial"/>
-      <a:defRPr b="0" i="0" sz="1400" u="none" cap="none" strike="noStrike">
+      <a:defRPr sz="1400" b="0" i="0" u="none" strike="noStrike" cap="none">
         <a:solidFill>
           <a:srgbClr val="000000"/>
         </a:solidFill>
@@ -576,7 +592,7 @@
         <a:sym typeface="Arial"/>
       </a:defRPr>
     </a:lvl3pPr>
-    <a:lvl4pPr lvl="3" marR="0" rtl="0" algn="l">
+    <a:lvl4pPr marR="0" lvl="3" algn="l" rtl="0">
       <a:lnSpc>
         <a:spcPct val="100000"/>
       </a:lnSpc>
@@ -590,7 +606,7 @@
         <a:srgbClr val="000000"/>
       </a:buClr>
       <a:buFont typeface="Arial"/>
-      <a:defRPr b="0" i="0" sz="1400" u="none" cap="none" strike="noStrike">
+      <a:defRPr sz="1400" b="0" i="0" u="none" strike="noStrike" cap="none">
         <a:solidFill>
           <a:srgbClr val="000000"/>
         </a:solidFill>
@@ -600,7 +616,7 @@
         <a:sym typeface="Arial"/>
       </a:defRPr>
     </a:lvl4pPr>
-    <a:lvl5pPr lvl="4" marR="0" rtl="0" algn="l">
+    <a:lvl5pPr marR="0" lvl="4" algn="l" rtl="0">
       <a:lnSpc>
         <a:spcPct val="100000"/>
       </a:lnSpc>
@@ -614,7 +630,7 @@
         <a:srgbClr val="000000"/>
       </a:buClr>
       <a:buFont typeface="Arial"/>
-      <a:defRPr b="0" i="0" sz="1400" u="none" cap="none" strike="noStrike">
+      <a:defRPr sz="1400" b="0" i="0" u="none" strike="noStrike" cap="none">
         <a:solidFill>
           <a:srgbClr val="000000"/>
         </a:solidFill>
@@ -624,7 +640,7 @@
         <a:sym typeface="Arial"/>
       </a:defRPr>
     </a:lvl5pPr>
-    <a:lvl6pPr lvl="5" marR="0" rtl="0" algn="l">
+    <a:lvl6pPr marR="0" lvl="5" algn="l" rtl="0">
       <a:lnSpc>
         <a:spcPct val="100000"/>
       </a:lnSpc>
@@ -638,7 +654,7 @@
         <a:srgbClr val="000000"/>
       </a:buClr>
       <a:buFont typeface="Arial"/>
-      <a:defRPr b="0" i="0" sz="1400" u="none" cap="none" strike="noStrike">
+      <a:defRPr sz="1400" b="0" i="0" u="none" strike="noStrike" cap="none">
         <a:solidFill>
           <a:srgbClr val="000000"/>
         </a:solidFill>
@@ -648,7 +664,7 @@
         <a:sym typeface="Arial"/>
       </a:defRPr>
     </a:lvl6pPr>
-    <a:lvl7pPr lvl="6" marR="0" rtl="0" algn="l">
+    <a:lvl7pPr marR="0" lvl="6" algn="l" rtl="0">
       <a:lnSpc>
         <a:spcPct val="100000"/>
       </a:lnSpc>
@@ -662,7 +678,7 @@
         <a:srgbClr val="000000"/>
       </a:buClr>
       <a:buFont typeface="Arial"/>
-      <a:defRPr b="0" i="0" sz="1400" u="none" cap="none" strike="noStrike">
+      <a:defRPr sz="1400" b="0" i="0" u="none" strike="noStrike" cap="none">
         <a:solidFill>
           <a:srgbClr val="000000"/>
         </a:solidFill>
@@ -672,7 +688,7 @@
         <a:sym typeface="Arial"/>
       </a:defRPr>
     </a:lvl7pPr>
-    <a:lvl8pPr lvl="7" marR="0" rtl="0" algn="l">
+    <a:lvl8pPr marR="0" lvl="7" algn="l" rtl="0">
       <a:lnSpc>
         <a:spcPct val="100000"/>
       </a:lnSpc>
@@ -686,7 +702,7 @@
         <a:srgbClr val="000000"/>
       </a:buClr>
       <a:buFont typeface="Arial"/>
-      <a:defRPr b="0" i="0" sz="1400" u="none" cap="none" strike="noStrike">
+      <a:defRPr sz="1400" b="0" i="0" u="none" strike="noStrike" cap="none">
         <a:solidFill>
           <a:srgbClr val="000000"/>
         </a:solidFill>
@@ -696,7 +712,7 @@
         <a:sym typeface="Arial"/>
       </a:defRPr>
     </a:lvl8pPr>
-    <a:lvl9pPr lvl="8" marR="0" rtl="0" algn="l">
+    <a:lvl9pPr marR="0" lvl="8" algn="l" rtl="0">
       <a:lnSpc>
         <a:spcPct val="100000"/>
       </a:lnSpc>
@@ -710,7 +726,7 @@
         <a:srgbClr val="000000"/>
       </a:buClr>
       <a:buFont typeface="Arial"/>
-      <a:defRPr b="0" i="0" sz="1400" u="none" cap="none" strike="noStrike">
+      <a:defRPr sz="1400" b="0" i="0" u="none" strike="noStrike" cap="none">
         <a:solidFill>
           <a:srgbClr val="000000"/>
         </a:solidFill>
@@ -725,11 +741,11 @@
 </file>
 
 <file path=ppt/notesSlides/notesSlide1.xml><?xml version="1.0" encoding="utf-8"?>
-<p:notes xmlns:a="http://schemas.openxmlformats.org/drawingml/2006/main" xmlns:r="http://schemas.openxmlformats.org/officeDocument/2006/relationships" xmlns:mc="http://schemas.openxmlformats.org/markup-compatibility/2006" xmlns:mv="urn:schemas-microsoft-com:mac:vml" xmlns:p="http://schemas.openxmlformats.org/presentationml/2006/main" xmlns:c="http://schemas.openxmlformats.org/drawingml/2006/chart" xmlns:dgm="http://schemas.openxmlformats.org/drawingml/2006/diagram" xmlns:o="urn:schemas-microsoft-com:office:office" xmlns:v="urn:schemas-microsoft-com:vml" xmlns:pvml="urn:schemas-microsoft-com:office:powerpoint" xmlns:com="http://schemas.openxmlformats.org/drawingml/2006/compatibility" xmlns:p14="http://schemas.microsoft.com/office/powerpoint/2010/main" xmlns:p15="http://schemas.microsoft.com/office/powerpoint/2012/main" xmlns:ahyp="http://schemas.microsoft.com/office/drawing/2018/hyperlinkcolor" showMasterPhAnim="0" showMasterSp="0">
+<p:notes xmlns:a="http://schemas.openxmlformats.org/drawingml/2006/main" xmlns:r="http://schemas.openxmlformats.org/officeDocument/2006/relationships" xmlns:p="http://schemas.openxmlformats.org/presentationml/2006/main" showMasterSp="0" showMasterPhAnim="0">
   <p:cSld>
     <p:spTree>
       <p:nvGrpSpPr>
-        <p:cNvPr id="54" name="Shape 54"/>
+        <p:cNvPr id="1" name="Shape 54"/>
         <p:cNvGrpSpPr/>
         <p:nvPr/>
       </p:nvGrpSpPr>
@@ -744,9 +760,11 @@
       <p:sp>
         <p:nvSpPr>
           <p:cNvPr id="55" name="Google Shape;55;g1b048c11cdf_1_0:notes"/>
-          <p:cNvSpPr/>
+          <p:cNvSpPr>
+            <a:spLocks noGrp="1" noRot="1" noChangeAspect="1"/>
+          </p:cNvSpPr>
           <p:nvPr>
-            <p:ph idx="2" type="sldImg"/>
+            <p:ph type="sldImg" idx="2"/>
           </p:nvPr>
         </p:nvSpPr>
         <p:spPr>
@@ -755,9 +773,13 @@
             <a:ext cx="6096075" cy="3429000"/>
           </a:xfrm>
           <a:custGeom>
-            <a:rect b="b" l="l" r="r" t="t"/>
+            <a:avLst/>
+            <a:gdLst/>
+            <a:ahLst/>
+            <a:cxnLst/>
+            <a:rect l="l" t="t" r="r" b="b"/>
             <a:pathLst>
-              <a:path extrusionOk="0" h="120000" w="120000">
+              <a:path w="120000" h="120000" extrusionOk="0">
                 <a:moveTo>
                   <a:pt x="0" y="0"/>
                 </a:moveTo>
@@ -779,9 +801,11 @@
       <p:sp>
         <p:nvSpPr>
           <p:cNvPr id="56" name="Google Shape;56;g1b048c11cdf_1_0:notes"/>
-          <p:cNvSpPr txBox="1"/>
+          <p:cNvSpPr txBox="1">
+            <a:spLocks noGrp="1"/>
+          </p:cNvSpPr>
           <p:nvPr>
-            <p:ph idx="1" type="body"/>
+            <p:ph type="body" idx="1"/>
           </p:nvPr>
         </p:nvSpPr>
         <p:spPr>
@@ -794,12 +818,12 @@
           </a:prstGeom>
         </p:spPr>
         <p:txBody>
-          <a:bodyPr anchorCtr="0" anchor="t" bIns="91425" lIns="91425" spcFirstLastPara="1" rIns="91425" wrap="square" tIns="91425">
+          <a:bodyPr spcFirstLastPara="1" wrap="square" lIns="91425" tIns="91425" rIns="91425" bIns="91425" anchor="t" anchorCtr="0">
             <a:noAutofit/>
           </a:bodyPr>
           <a:lstStyle/>
           <a:p>
-            <a:pPr indent="0" lvl="0" marL="0" rtl="0" algn="l">
+            <a:pPr marL="0" lvl="0" indent="0" algn="l" rtl="0">
               <a:spcBef>
                 <a:spcPts val="0"/>
               </a:spcBef>
@@ -808,9 +832,6 @@
               </a:spcAft>
               <a:buNone/>
             </a:pPr>
-            <a:r>
-              <a:t/>
-            </a:r>
             <a:endParaRPr/>
           </a:p>
         </p:txBody>
@@ -824,11 +845,11 @@
 </file>
 
 <file path=ppt/notesSlides/notesSlide10.xml><?xml version="1.0" encoding="utf-8"?>
-<p:notes xmlns:a="http://schemas.openxmlformats.org/drawingml/2006/main" xmlns:r="http://schemas.openxmlformats.org/officeDocument/2006/relationships" xmlns:mc="http://schemas.openxmlformats.org/markup-compatibility/2006" xmlns:mv="urn:schemas-microsoft-com:mac:vml" xmlns:p="http://schemas.openxmlformats.org/presentationml/2006/main" xmlns:c="http://schemas.openxmlformats.org/drawingml/2006/chart" xmlns:dgm="http://schemas.openxmlformats.org/drawingml/2006/diagram" xmlns:o="urn:schemas-microsoft-com:office:office" xmlns:v="urn:schemas-microsoft-com:vml" xmlns:pvml="urn:schemas-microsoft-com:office:powerpoint" xmlns:com="http://schemas.openxmlformats.org/drawingml/2006/compatibility" xmlns:p14="http://schemas.microsoft.com/office/powerpoint/2010/main" xmlns:p15="http://schemas.microsoft.com/office/powerpoint/2012/main" xmlns:ahyp="http://schemas.microsoft.com/office/drawing/2018/hyperlinkcolor" showMasterPhAnim="0" showMasterSp="0">
+<p:notes xmlns:a="http://schemas.openxmlformats.org/drawingml/2006/main" xmlns:r="http://schemas.openxmlformats.org/officeDocument/2006/relationships" xmlns:p="http://schemas.openxmlformats.org/presentationml/2006/main" showMasterSp="0" showMasterPhAnim="0">
   <p:cSld>
     <p:spTree>
       <p:nvGrpSpPr>
-        <p:cNvPr id="116" name="Shape 116"/>
+        <p:cNvPr id="1" name="Shape 116"/>
         <p:cNvGrpSpPr/>
         <p:nvPr/>
       </p:nvGrpSpPr>
@@ -843,20 +864,26 @@
       <p:sp>
         <p:nvSpPr>
           <p:cNvPr id="117" name="Google Shape;117;g1b048c11cdf_1_55:notes"/>
-          <p:cNvSpPr/>
+          <p:cNvSpPr>
+            <a:spLocks noGrp="1" noRot="1" noChangeAspect="1"/>
+          </p:cNvSpPr>
           <p:nvPr>
-            <p:ph idx="2" type="sldImg"/>
+            <p:ph type="sldImg" idx="2"/>
           </p:nvPr>
         </p:nvSpPr>
         <p:spPr>
           <a:xfrm>
-            <a:off x="381300" y="685800"/>
+            <a:off x="381000" y="685800"/>
             <a:ext cx="6096000" cy="3429000"/>
           </a:xfrm>
           <a:custGeom>
-            <a:rect b="b" l="l" r="r" t="t"/>
+            <a:avLst/>
+            <a:gdLst/>
+            <a:ahLst/>
+            <a:cxnLst/>
+            <a:rect l="l" t="t" r="r" b="b"/>
             <a:pathLst>
-              <a:path extrusionOk="0" h="120000" w="120000">
+              <a:path w="120000" h="120000" extrusionOk="0">
                 <a:moveTo>
                   <a:pt x="0" y="0"/>
                 </a:moveTo>
@@ -878,9 +905,11 @@
       <p:sp>
         <p:nvSpPr>
           <p:cNvPr id="118" name="Google Shape;118;g1b048c11cdf_1_55:notes"/>
-          <p:cNvSpPr txBox="1"/>
+          <p:cNvSpPr txBox="1">
+            <a:spLocks noGrp="1"/>
+          </p:cNvSpPr>
           <p:nvPr>
-            <p:ph idx="1" type="body"/>
+            <p:ph type="body" idx="1"/>
           </p:nvPr>
         </p:nvSpPr>
         <p:spPr>
@@ -893,12 +922,12 @@
           </a:prstGeom>
         </p:spPr>
         <p:txBody>
-          <a:bodyPr anchorCtr="0" anchor="t" bIns="91425" lIns="91425" spcFirstLastPara="1" rIns="91425" wrap="square" tIns="91425">
+          <a:bodyPr spcFirstLastPara="1" wrap="square" lIns="91425" tIns="91425" rIns="91425" bIns="91425" anchor="t" anchorCtr="0">
             <a:noAutofit/>
           </a:bodyPr>
           <a:lstStyle/>
           <a:p>
-            <a:pPr indent="0" lvl="0" marL="0" rtl="0" algn="l">
+            <a:pPr marL="0" lvl="0" indent="0" algn="l" rtl="0">
               <a:spcBef>
                 <a:spcPts val="0"/>
               </a:spcBef>
@@ -907,9 +936,6 @@
               </a:spcAft>
               <a:buNone/>
             </a:pPr>
-            <a:r>
-              <a:t/>
-            </a:r>
             <a:endParaRPr/>
           </a:p>
         </p:txBody>
@@ -923,11 +949,11 @@
 </file>
 
 <file path=ppt/notesSlides/notesSlide11.xml><?xml version="1.0" encoding="utf-8"?>
-<p:notes xmlns:a="http://schemas.openxmlformats.org/drawingml/2006/main" xmlns:r="http://schemas.openxmlformats.org/officeDocument/2006/relationships" xmlns:mc="http://schemas.openxmlformats.org/markup-compatibility/2006" xmlns:mv="urn:schemas-microsoft-com:mac:vml" xmlns:p="http://schemas.openxmlformats.org/presentationml/2006/main" xmlns:c="http://schemas.openxmlformats.org/drawingml/2006/chart" xmlns:dgm="http://schemas.openxmlformats.org/drawingml/2006/diagram" xmlns:o="urn:schemas-microsoft-com:office:office" xmlns:v="urn:schemas-microsoft-com:vml" xmlns:pvml="urn:schemas-microsoft-com:office:powerpoint" xmlns:com="http://schemas.openxmlformats.org/drawingml/2006/compatibility" xmlns:p14="http://schemas.microsoft.com/office/powerpoint/2010/main" xmlns:p15="http://schemas.microsoft.com/office/powerpoint/2012/main" xmlns:ahyp="http://schemas.microsoft.com/office/drawing/2018/hyperlinkcolor" showMasterPhAnim="0" showMasterSp="0">
+<p:notes xmlns:a="http://schemas.openxmlformats.org/drawingml/2006/main" xmlns:r="http://schemas.openxmlformats.org/officeDocument/2006/relationships" xmlns:p="http://schemas.openxmlformats.org/presentationml/2006/main" showMasterSp="0" showMasterPhAnim="0">
   <p:cSld>
     <p:spTree>
       <p:nvGrpSpPr>
-        <p:cNvPr id="128" name="Shape 128"/>
+        <p:cNvPr id="1" name="Shape 128"/>
         <p:cNvGrpSpPr/>
         <p:nvPr/>
       </p:nvGrpSpPr>
@@ -942,20 +968,26 @@
       <p:sp>
         <p:nvSpPr>
           <p:cNvPr id="129" name="Google Shape;129;g1b048c11cdf_1_66:notes"/>
-          <p:cNvSpPr/>
+          <p:cNvSpPr>
+            <a:spLocks noGrp="1" noRot="1" noChangeAspect="1"/>
+          </p:cNvSpPr>
           <p:nvPr>
-            <p:ph idx="2" type="sldImg"/>
+            <p:ph type="sldImg" idx="2"/>
           </p:nvPr>
         </p:nvSpPr>
         <p:spPr>
           <a:xfrm>
-            <a:off x="381300" y="685800"/>
+            <a:off x="381000" y="685800"/>
             <a:ext cx="6096000" cy="3429000"/>
           </a:xfrm>
           <a:custGeom>
-            <a:rect b="b" l="l" r="r" t="t"/>
+            <a:avLst/>
+            <a:gdLst/>
+            <a:ahLst/>
+            <a:cxnLst/>
+            <a:rect l="l" t="t" r="r" b="b"/>
             <a:pathLst>
-              <a:path extrusionOk="0" h="120000" w="120000">
+              <a:path w="120000" h="120000" extrusionOk="0">
                 <a:moveTo>
                   <a:pt x="0" y="0"/>
                 </a:moveTo>
@@ -977,9 +1009,11 @@
       <p:sp>
         <p:nvSpPr>
           <p:cNvPr id="130" name="Google Shape;130;g1b048c11cdf_1_66:notes"/>
-          <p:cNvSpPr txBox="1"/>
+          <p:cNvSpPr txBox="1">
+            <a:spLocks noGrp="1"/>
+          </p:cNvSpPr>
           <p:nvPr>
-            <p:ph idx="1" type="body"/>
+            <p:ph type="body" idx="1"/>
           </p:nvPr>
         </p:nvSpPr>
         <p:spPr>
@@ -992,12 +1026,12 @@
           </a:prstGeom>
         </p:spPr>
         <p:txBody>
-          <a:bodyPr anchorCtr="0" anchor="t" bIns="91425" lIns="91425" spcFirstLastPara="1" rIns="91425" wrap="square" tIns="91425">
+          <a:bodyPr spcFirstLastPara="1" wrap="square" lIns="91425" tIns="91425" rIns="91425" bIns="91425" anchor="t" anchorCtr="0">
             <a:noAutofit/>
           </a:bodyPr>
           <a:lstStyle/>
           <a:p>
-            <a:pPr indent="0" lvl="0" marL="0" rtl="0" algn="l">
+            <a:pPr marL="0" lvl="0" indent="0" algn="l" rtl="0">
               <a:spcBef>
                 <a:spcPts val="0"/>
               </a:spcBef>
@@ -1006,9 +1040,6 @@
               </a:spcAft>
               <a:buNone/>
             </a:pPr>
-            <a:r>
-              <a:t/>
-            </a:r>
             <a:endParaRPr/>
           </a:p>
         </p:txBody>
@@ -1021,12 +1052,121 @@
 </p:notes>
 </file>
 
-<file path=ppt/notesSlides/notesSlide2.xml><?xml version="1.0" encoding="utf-8"?>
-<p:notes xmlns:a="http://schemas.openxmlformats.org/drawingml/2006/main" xmlns:r="http://schemas.openxmlformats.org/officeDocument/2006/relationships" xmlns:mc="http://schemas.openxmlformats.org/markup-compatibility/2006" xmlns:mv="urn:schemas-microsoft-com:mac:vml" xmlns:p="http://schemas.openxmlformats.org/presentationml/2006/main" xmlns:c="http://schemas.openxmlformats.org/drawingml/2006/chart" xmlns:dgm="http://schemas.openxmlformats.org/drawingml/2006/diagram" xmlns:o="urn:schemas-microsoft-com:office:office" xmlns:v="urn:schemas-microsoft-com:vml" xmlns:pvml="urn:schemas-microsoft-com:office:powerpoint" xmlns:com="http://schemas.openxmlformats.org/drawingml/2006/compatibility" xmlns:p14="http://schemas.microsoft.com/office/powerpoint/2010/main" xmlns:p15="http://schemas.microsoft.com/office/powerpoint/2012/main" xmlns:ahyp="http://schemas.microsoft.com/office/drawing/2018/hyperlinkcolor" showMasterPhAnim="0" showMasterSp="0">
+<file path=ppt/notesSlides/notesSlide12.xml><?xml version="1.0" encoding="utf-8"?>
+<p:notes xmlns:a="http://schemas.openxmlformats.org/drawingml/2006/main" xmlns:r="http://schemas.openxmlformats.org/officeDocument/2006/relationships" xmlns:p="http://schemas.openxmlformats.org/presentationml/2006/main" showMasterSp="0" showMasterPhAnim="0">
   <p:cSld>
     <p:spTree>
       <p:nvGrpSpPr>
-        <p:cNvPr id="60" name="Shape 60"/>
+        <p:cNvPr id="1" name="Shape 54"/>
+        <p:cNvGrpSpPr/>
+        <p:nvPr/>
+      </p:nvGrpSpPr>
+      <p:grpSpPr>
+        <a:xfrm>
+          <a:off x="0" y="0"/>
+          <a:ext cx="0" cy="0"/>
+          <a:chOff x="0" y="0"/>
+          <a:chExt cx="0" cy="0"/>
+        </a:xfrm>
+      </p:grpSpPr>
+      <p:sp>
+        <p:nvSpPr>
+          <p:cNvPr id="55" name="Google Shape;55;g1b048c11cdf_1_0:notes"/>
+          <p:cNvSpPr>
+            <a:spLocks noGrp="1" noRot="1" noChangeAspect="1"/>
+          </p:cNvSpPr>
+          <p:nvPr>
+            <p:ph type="sldImg" idx="2"/>
+          </p:nvPr>
+        </p:nvSpPr>
+        <p:spPr>
+          <a:xfrm>
+            <a:off x="381000" y="685800"/>
+            <a:ext cx="6096000" cy="3429000"/>
+          </a:xfrm>
+          <a:custGeom>
+            <a:avLst/>
+            <a:gdLst/>
+            <a:ahLst/>
+            <a:cxnLst/>
+            <a:rect l="l" t="t" r="r" b="b"/>
+            <a:pathLst>
+              <a:path w="120000" h="120000" extrusionOk="0">
+                <a:moveTo>
+                  <a:pt x="0" y="0"/>
+                </a:moveTo>
+                <a:lnTo>
+                  <a:pt x="120000" y="0"/>
+                </a:lnTo>
+                <a:lnTo>
+                  <a:pt x="120000" y="120000"/>
+                </a:lnTo>
+                <a:lnTo>
+                  <a:pt x="0" y="120000"/>
+                </a:lnTo>
+                <a:close/>
+              </a:path>
+            </a:pathLst>
+          </a:custGeom>
+        </p:spPr>
+      </p:sp>
+      <p:sp>
+        <p:nvSpPr>
+          <p:cNvPr id="56" name="Google Shape;56;g1b048c11cdf_1_0:notes"/>
+          <p:cNvSpPr txBox="1">
+            <a:spLocks noGrp="1"/>
+          </p:cNvSpPr>
+          <p:nvPr>
+            <p:ph type="body" idx="1"/>
+          </p:nvPr>
+        </p:nvSpPr>
+        <p:spPr>
+          <a:xfrm>
+            <a:off x="685800" y="4343400"/>
+            <a:ext cx="5486400" cy="4114800"/>
+          </a:xfrm>
+          <a:prstGeom prst="rect">
+            <a:avLst/>
+          </a:prstGeom>
+        </p:spPr>
+        <p:txBody>
+          <a:bodyPr spcFirstLastPara="1" wrap="square" lIns="91425" tIns="91425" rIns="91425" bIns="91425" anchor="t" anchorCtr="0">
+            <a:noAutofit/>
+          </a:bodyPr>
+          <a:lstStyle/>
+          <a:p>
+            <a:pPr marL="0" lvl="0" indent="0" algn="l" rtl="0">
+              <a:spcBef>
+                <a:spcPts val="0"/>
+              </a:spcBef>
+              <a:spcAft>
+                <a:spcPts val="0"/>
+              </a:spcAft>
+              <a:buNone/>
+            </a:pPr>
+            <a:endParaRPr/>
+          </a:p>
+        </p:txBody>
+      </p:sp>
+    </p:spTree>
+    <p:extLst>
+      <p:ext uri="{BB962C8B-B14F-4D97-AF65-F5344CB8AC3E}">
+        <p14:creationId xmlns:p14="http://schemas.microsoft.com/office/powerpoint/2010/main" val="3616678802"/>
+      </p:ext>
+    </p:extLst>
+  </p:cSld>
+  <p:clrMapOvr>
+    <a:masterClrMapping/>
+  </p:clrMapOvr>
+</p:notes>
+</file>
+
+<file path=ppt/notesSlides/notesSlide2.xml><?xml version="1.0" encoding="utf-8"?>
+<p:notes xmlns:a="http://schemas.openxmlformats.org/drawingml/2006/main" xmlns:r="http://schemas.openxmlformats.org/officeDocument/2006/relationships" xmlns:p="http://schemas.openxmlformats.org/presentationml/2006/main" showMasterSp="0" showMasterPhAnim="0">
+  <p:cSld>
+    <p:spTree>
+      <p:nvGrpSpPr>
+        <p:cNvPr id="1" name="Shape 60"/>
         <p:cNvGrpSpPr/>
         <p:nvPr/>
       </p:nvGrpSpPr>
@@ -1041,20 +1181,26 @@
       <p:sp>
         <p:nvSpPr>
           <p:cNvPr id="61" name="Google Shape;61;g1b048c11cdf_1_7:notes"/>
-          <p:cNvSpPr/>
+          <p:cNvSpPr>
+            <a:spLocks noGrp="1" noRot="1" noChangeAspect="1"/>
+          </p:cNvSpPr>
           <p:nvPr>
-            <p:ph idx="2" type="sldImg"/>
+            <p:ph type="sldImg" idx="2"/>
           </p:nvPr>
         </p:nvSpPr>
         <p:spPr>
           <a:xfrm>
-            <a:off x="381300" y="685800"/>
+            <a:off x="381000" y="685800"/>
             <a:ext cx="6096000" cy="3429000"/>
           </a:xfrm>
           <a:custGeom>
-            <a:rect b="b" l="l" r="r" t="t"/>
+            <a:avLst/>
+            <a:gdLst/>
+            <a:ahLst/>
+            <a:cxnLst/>
+            <a:rect l="l" t="t" r="r" b="b"/>
             <a:pathLst>
-              <a:path extrusionOk="0" h="120000" w="120000">
+              <a:path w="120000" h="120000" extrusionOk="0">
                 <a:moveTo>
                   <a:pt x="0" y="0"/>
                 </a:moveTo>
@@ -1076,9 +1222,11 @@
       <p:sp>
         <p:nvSpPr>
           <p:cNvPr id="62" name="Google Shape;62;g1b048c11cdf_1_7:notes"/>
-          <p:cNvSpPr txBox="1"/>
+          <p:cNvSpPr txBox="1">
+            <a:spLocks noGrp="1"/>
+          </p:cNvSpPr>
           <p:nvPr>
-            <p:ph idx="1" type="body"/>
+            <p:ph type="body" idx="1"/>
           </p:nvPr>
         </p:nvSpPr>
         <p:spPr>
@@ -1091,12 +1239,12 @@
           </a:prstGeom>
         </p:spPr>
         <p:txBody>
-          <a:bodyPr anchorCtr="0" anchor="t" bIns="91425" lIns="91425" spcFirstLastPara="1" rIns="91425" wrap="square" tIns="91425">
+          <a:bodyPr spcFirstLastPara="1" wrap="square" lIns="91425" tIns="91425" rIns="91425" bIns="91425" anchor="t" anchorCtr="0">
             <a:noAutofit/>
           </a:bodyPr>
           <a:lstStyle/>
           <a:p>
-            <a:pPr indent="0" lvl="0" marL="0" rtl="0" algn="l">
+            <a:pPr marL="0" lvl="0" indent="0" algn="l" rtl="0">
               <a:spcBef>
                 <a:spcPts val="0"/>
               </a:spcBef>
@@ -1105,9 +1253,6 @@
               </a:spcAft>
               <a:buNone/>
             </a:pPr>
-            <a:r>
-              <a:t/>
-            </a:r>
             <a:endParaRPr/>
           </a:p>
         </p:txBody>
@@ -1121,11 +1266,11 @@
 </file>
 
 <file path=ppt/notesSlides/notesSlide3.xml><?xml version="1.0" encoding="utf-8"?>
-<p:notes xmlns:a="http://schemas.openxmlformats.org/drawingml/2006/main" xmlns:r="http://schemas.openxmlformats.org/officeDocument/2006/relationships" xmlns:mc="http://schemas.openxmlformats.org/markup-compatibility/2006" xmlns:mv="urn:schemas-microsoft-com:mac:vml" xmlns:p="http://schemas.openxmlformats.org/presentationml/2006/main" xmlns:c="http://schemas.openxmlformats.org/drawingml/2006/chart" xmlns:dgm="http://schemas.openxmlformats.org/drawingml/2006/diagram" xmlns:o="urn:schemas-microsoft-com:office:office" xmlns:v="urn:schemas-microsoft-com:vml" xmlns:pvml="urn:schemas-microsoft-com:office:powerpoint" xmlns:com="http://schemas.openxmlformats.org/drawingml/2006/compatibility" xmlns:p14="http://schemas.microsoft.com/office/powerpoint/2010/main" xmlns:p15="http://schemas.microsoft.com/office/powerpoint/2012/main" xmlns:ahyp="http://schemas.microsoft.com/office/drawing/2018/hyperlinkcolor" showMasterPhAnim="0" showMasterSp="0">
+<p:notes xmlns:a="http://schemas.openxmlformats.org/drawingml/2006/main" xmlns:r="http://schemas.openxmlformats.org/officeDocument/2006/relationships" xmlns:p="http://schemas.openxmlformats.org/presentationml/2006/main" showMasterSp="0" showMasterPhAnim="0">
   <p:cSld>
     <p:spTree>
       <p:nvGrpSpPr>
-        <p:cNvPr id="66" name="Shape 66"/>
+        <p:cNvPr id="1" name="Shape 66"/>
         <p:cNvGrpSpPr/>
         <p:nvPr/>
       </p:nvGrpSpPr>
@@ -1140,20 +1285,26 @@
       <p:sp>
         <p:nvSpPr>
           <p:cNvPr id="67" name="Google Shape;67;g1b048c11cdf_1_12:notes"/>
-          <p:cNvSpPr/>
+          <p:cNvSpPr>
+            <a:spLocks noGrp="1" noRot="1" noChangeAspect="1"/>
+          </p:cNvSpPr>
           <p:nvPr>
-            <p:ph idx="2" type="sldImg"/>
+            <p:ph type="sldImg" idx="2"/>
           </p:nvPr>
         </p:nvSpPr>
         <p:spPr>
           <a:xfrm>
-            <a:off x="381300" y="685800"/>
+            <a:off x="381000" y="685800"/>
             <a:ext cx="6096000" cy="3429000"/>
           </a:xfrm>
           <a:custGeom>
-            <a:rect b="b" l="l" r="r" t="t"/>
+            <a:avLst/>
+            <a:gdLst/>
+            <a:ahLst/>
+            <a:cxnLst/>
+            <a:rect l="l" t="t" r="r" b="b"/>
             <a:pathLst>
-              <a:path extrusionOk="0" h="120000" w="120000">
+              <a:path w="120000" h="120000" extrusionOk="0">
                 <a:moveTo>
                   <a:pt x="0" y="0"/>
                 </a:moveTo>
@@ -1175,9 +1326,11 @@
       <p:sp>
         <p:nvSpPr>
           <p:cNvPr id="68" name="Google Shape;68;g1b048c11cdf_1_12:notes"/>
-          <p:cNvSpPr txBox="1"/>
+          <p:cNvSpPr txBox="1">
+            <a:spLocks noGrp="1"/>
+          </p:cNvSpPr>
           <p:nvPr>
-            <p:ph idx="1" type="body"/>
+            <p:ph type="body" idx="1"/>
           </p:nvPr>
         </p:nvSpPr>
         <p:spPr>
@@ -1190,12 +1343,12 @@
           </a:prstGeom>
         </p:spPr>
         <p:txBody>
-          <a:bodyPr anchorCtr="0" anchor="t" bIns="91425" lIns="91425" spcFirstLastPara="1" rIns="91425" wrap="square" tIns="91425">
+          <a:bodyPr spcFirstLastPara="1" wrap="square" lIns="91425" tIns="91425" rIns="91425" bIns="91425" anchor="t" anchorCtr="0">
             <a:noAutofit/>
           </a:bodyPr>
           <a:lstStyle/>
           <a:p>
-            <a:pPr indent="0" lvl="0" marL="0" rtl="0" algn="l">
+            <a:pPr marL="0" lvl="0" indent="0" algn="l" rtl="0">
               <a:spcBef>
                 <a:spcPts val="0"/>
               </a:spcBef>
@@ -1204,9 +1357,6 @@
               </a:spcAft>
               <a:buNone/>
             </a:pPr>
-            <a:r>
-              <a:t/>
-            </a:r>
             <a:endParaRPr/>
           </a:p>
         </p:txBody>
@@ -1220,11 +1370,11 @@
 </file>
 
 <file path=ppt/notesSlides/notesSlide4.xml><?xml version="1.0" encoding="utf-8"?>
-<p:notes xmlns:a="http://schemas.openxmlformats.org/drawingml/2006/main" xmlns:r="http://schemas.openxmlformats.org/officeDocument/2006/relationships" xmlns:mc="http://schemas.openxmlformats.org/markup-compatibility/2006" xmlns:mv="urn:schemas-microsoft-com:mac:vml" xmlns:p="http://schemas.openxmlformats.org/presentationml/2006/main" xmlns:c="http://schemas.openxmlformats.org/drawingml/2006/chart" xmlns:dgm="http://schemas.openxmlformats.org/drawingml/2006/diagram" xmlns:o="urn:schemas-microsoft-com:office:office" xmlns:v="urn:schemas-microsoft-com:vml" xmlns:pvml="urn:schemas-microsoft-com:office:powerpoint" xmlns:com="http://schemas.openxmlformats.org/drawingml/2006/compatibility" xmlns:p14="http://schemas.microsoft.com/office/powerpoint/2010/main" xmlns:p15="http://schemas.microsoft.com/office/powerpoint/2012/main" xmlns:ahyp="http://schemas.microsoft.com/office/drawing/2018/hyperlinkcolor" showMasterPhAnim="0" showMasterSp="0">
+<p:notes xmlns:a="http://schemas.openxmlformats.org/drawingml/2006/main" xmlns:r="http://schemas.openxmlformats.org/officeDocument/2006/relationships" xmlns:p="http://schemas.openxmlformats.org/presentationml/2006/main" showMasterSp="0" showMasterPhAnim="0">
   <p:cSld>
     <p:spTree>
       <p:nvGrpSpPr>
-        <p:cNvPr id="72" name="Shape 72"/>
+        <p:cNvPr id="1" name="Shape 72"/>
         <p:cNvGrpSpPr/>
         <p:nvPr/>
       </p:nvGrpSpPr>
@@ -1239,20 +1389,26 @@
       <p:sp>
         <p:nvSpPr>
           <p:cNvPr id="73" name="Google Shape;73;g1b048c11cdf_1_17:notes"/>
-          <p:cNvSpPr/>
+          <p:cNvSpPr>
+            <a:spLocks noGrp="1" noRot="1" noChangeAspect="1"/>
+          </p:cNvSpPr>
           <p:nvPr>
-            <p:ph idx="2" type="sldImg"/>
+            <p:ph type="sldImg" idx="2"/>
           </p:nvPr>
         </p:nvSpPr>
         <p:spPr>
           <a:xfrm>
-            <a:off x="381300" y="685800"/>
+            <a:off x="381000" y="685800"/>
             <a:ext cx="6096000" cy="3429000"/>
           </a:xfrm>
           <a:custGeom>
-            <a:rect b="b" l="l" r="r" t="t"/>
+            <a:avLst/>
+            <a:gdLst/>
+            <a:ahLst/>
+            <a:cxnLst/>
+            <a:rect l="l" t="t" r="r" b="b"/>
             <a:pathLst>
-              <a:path extrusionOk="0" h="120000" w="120000">
+              <a:path w="120000" h="120000" extrusionOk="0">
                 <a:moveTo>
                   <a:pt x="0" y="0"/>
                 </a:moveTo>
@@ -1274,9 +1430,11 @@
       <p:sp>
         <p:nvSpPr>
           <p:cNvPr id="74" name="Google Shape;74;g1b048c11cdf_1_17:notes"/>
-          <p:cNvSpPr txBox="1"/>
+          <p:cNvSpPr txBox="1">
+            <a:spLocks noGrp="1"/>
+          </p:cNvSpPr>
           <p:nvPr>
-            <p:ph idx="1" type="body"/>
+            <p:ph type="body" idx="1"/>
           </p:nvPr>
         </p:nvSpPr>
         <p:spPr>
@@ -1289,12 +1447,12 @@
           </a:prstGeom>
         </p:spPr>
         <p:txBody>
-          <a:bodyPr anchorCtr="0" anchor="t" bIns="91425" lIns="91425" spcFirstLastPara="1" rIns="91425" wrap="square" tIns="91425">
+          <a:bodyPr spcFirstLastPara="1" wrap="square" lIns="91425" tIns="91425" rIns="91425" bIns="91425" anchor="t" anchorCtr="0">
             <a:noAutofit/>
           </a:bodyPr>
           <a:lstStyle/>
           <a:p>
-            <a:pPr indent="0" lvl="0" marL="0" rtl="0" algn="l">
+            <a:pPr marL="0" lvl="0" indent="0" algn="l" rtl="0">
               <a:spcBef>
                 <a:spcPts val="0"/>
               </a:spcBef>
@@ -1303,9 +1461,6 @@
               </a:spcAft>
               <a:buNone/>
             </a:pPr>
-            <a:r>
-              <a:t/>
-            </a:r>
             <a:endParaRPr/>
           </a:p>
         </p:txBody>
@@ -1319,11 +1474,11 @@
 </file>
 
 <file path=ppt/notesSlides/notesSlide5.xml><?xml version="1.0" encoding="utf-8"?>
-<p:notes xmlns:a="http://schemas.openxmlformats.org/drawingml/2006/main" xmlns:r="http://schemas.openxmlformats.org/officeDocument/2006/relationships" xmlns:mc="http://schemas.openxmlformats.org/markup-compatibility/2006" xmlns:mv="urn:schemas-microsoft-com:mac:vml" xmlns:p="http://schemas.openxmlformats.org/presentationml/2006/main" xmlns:c="http://schemas.openxmlformats.org/drawingml/2006/chart" xmlns:dgm="http://schemas.openxmlformats.org/drawingml/2006/diagram" xmlns:o="urn:schemas-microsoft-com:office:office" xmlns:v="urn:schemas-microsoft-com:vml" xmlns:pvml="urn:schemas-microsoft-com:office:powerpoint" xmlns:com="http://schemas.openxmlformats.org/drawingml/2006/compatibility" xmlns:p14="http://schemas.microsoft.com/office/powerpoint/2010/main" xmlns:p15="http://schemas.microsoft.com/office/powerpoint/2012/main" xmlns:ahyp="http://schemas.microsoft.com/office/drawing/2018/hyperlinkcolor" showMasterPhAnim="0" showMasterSp="0">
+<p:notes xmlns:a="http://schemas.openxmlformats.org/drawingml/2006/main" xmlns:r="http://schemas.openxmlformats.org/officeDocument/2006/relationships" xmlns:p="http://schemas.openxmlformats.org/presentationml/2006/main" showMasterSp="0" showMasterPhAnim="0">
   <p:cSld>
     <p:spTree>
       <p:nvGrpSpPr>
-        <p:cNvPr id="79" name="Shape 79"/>
+        <p:cNvPr id="1" name="Shape 79"/>
         <p:cNvGrpSpPr/>
         <p:nvPr/>
       </p:nvGrpSpPr>
@@ -1338,9 +1493,11 @@
       <p:sp>
         <p:nvSpPr>
           <p:cNvPr id="80" name="Google Shape;80;g1b048c11cdf_1_23:notes"/>
-          <p:cNvSpPr/>
+          <p:cNvSpPr>
+            <a:spLocks noGrp="1" noRot="1" noChangeAspect="1"/>
+          </p:cNvSpPr>
           <p:nvPr>
-            <p:ph idx="2" type="sldImg"/>
+            <p:ph type="sldImg" idx="2"/>
           </p:nvPr>
         </p:nvSpPr>
         <p:spPr>
@@ -1349,9 +1506,13 @@
             <a:ext cx="6096000" cy="3429000"/>
           </a:xfrm>
           <a:custGeom>
-            <a:rect b="b" l="l" r="r" t="t"/>
+            <a:avLst/>
+            <a:gdLst/>
+            <a:ahLst/>
+            <a:cxnLst/>
+            <a:rect l="l" t="t" r="r" b="b"/>
             <a:pathLst>
-              <a:path extrusionOk="0" h="120000" w="120000">
+              <a:path w="120000" h="120000" extrusionOk="0">
                 <a:moveTo>
                   <a:pt x="0" y="0"/>
                 </a:moveTo>
@@ -1373,9 +1534,11 @@
       <p:sp>
         <p:nvSpPr>
           <p:cNvPr id="81" name="Google Shape;81;g1b048c11cdf_1_23:notes"/>
-          <p:cNvSpPr txBox="1"/>
+          <p:cNvSpPr txBox="1">
+            <a:spLocks noGrp="1"/>
+          </p:cNvSpPr>
           <p:nvPr>
-            <p:ph idx="1" type="body"/>
+            <p:ph type="body" idx="1"/>
           </p:nvPr>
         </p:nvSpPr>
         <p:spPr>
@@ -1388,12 +1551,12 @@
           </a:prstGeom>
         </p:spPr>
         <p:txBody>
-          <a:bodyPr anchorCtr="0" anchor="t" bIns="91425" lIns="91425" spcFirstLastPara="1" rIns="91425" wrap="square" tIns="91425">
+          <a:bodyPr spcFirstLastPara="1" wrap="square" lIns="91425" tIns="91425" rIns="91425" bIns="91425" anchor="t" anchorCtr="0">
             <a:noAutofit/>
           </a:bodyPr>
           <a:lstStyle/>
           <a:p>
-            <a:pPr indent="0" lvl="0" marL="0" rtl="0" algn="l">
+            <a:pPr marL="0" lvl="0" indent="0" algn="l" rtl="0">
               <a:spcBef>
                 <a:spcPts val="0"/>
               </a:spcBef>
@@ -1402,9 +1565,6 @@
               </a:spcAft>
               <a:buNone/>
             </a:pPr>
-            <a:r>
-              <a:t/>
-            </a:r>
             <a:endParaRPr/>
           </a:p>
         </p:txBody>
@@ -1418,11 +1578,11 @@
 </file>
 
 <file path=ppt/notesSlides/notesSlide6.xml><?xml version="1.0" encoding="utf-8"?>
-<p:notes xmlns:a="http://schemas.openxmlformats.org/drawingml/2006/main" xmlns:r="http://schemas.openxmlformats.org/officeDocument/2006/relationships" xmlns:mc="http://schemas.openxmlformats.org/markup-compatibility/2006" xmlns:mv="urn:schemas-microsoft-com:mac:vml" xmlns:p="http://schemas.openxmlformats.org/presentationml/2006/main" xmlns:c="http://schemas.openxmlformats.org/drawingml/2006/chart" xmlns:dgm="http://schemas.openxmlformats.org/drawingml/2006/diagram" xmlns:o="urn:schemas-microsoft-com:office:office" xmlns:v="urn:schemas-microsoft-com:vml" xmlns:pvml="urn:schemas-microsoft-com:office:powerpoint" xmlns:com="http://schemas.openxmlformats.org/drawingml/2006/compatibility" xmlns:p14="http://schemas.microsoft.com/office/powerpoint/2010/main" xmlns:p15="http://schemas.microsoft.com/office/powerpoint/2012/main" xmlns:ahyp="http://schemas.microsoft.com/office/drawing/2018/hyperlinkcolor" showMasterPhAnim="0" showMasterSp="0">
+<p:notes xmlns:a="http://schemas.openxmlformats.org/drawingml/2006/main" xmlns:r="http://schemas.openxmlformats.org/officeDocument/2006/relationships" xmlns:p="http://schemas.openxmlformats.org/presentationml/2006/main" showMasterSp="0" showMasterPhAnim="0">
   <p:cSld>
     <p:spTree>
       <p:nvGrpSpPr>
-        <p:cNvPr id="85" name="Shape 85"/>
+        <p:cNvPr id="1" name="Shape 85"/>
         <p:cNvGrpSpPr/>
         <p:nvPr/>
       </p:nvGrpSpPr>
@@ -1437,9 +1597,11 @@
       <p:sp>
         <p:nvSpPr>
           <p:cNvPr id="86" name="Google Shape;86;g1b048c11cdf_1_28:notes"/>
-          <p:cNvSpPr/>
+          <p:cNvSpPr>
+            <a:spLocks noGrp="1" noRot="1" noChangeAspect="1"/>
+          </p:cNvSpPr>
           <p:nvPr>
-            <p:ph idx="2" type="sldImg"/>
+            <p:ph type="sldImg" idx="2"/>
           </p:nvPr>
         </p:nvSpPr>
         <p:spPr>
@@ -1448,9 +1610,13 @@
             <a:ext cx="6096000" cy="3429000"/>
           </a:xfrm>
           <a:custGeom>
-            <a:rect b="b" l="l" r="r" t="t"/>
+            <a:avLst/>
+            <a:gdLst/>
+            <a:ahLst/>
+            <a:cxnLst/>
+            <a:rect l="l" t="t" r="r" b="b"/>
             <a:pathLst>
-              <a:path extrusionOk="0" h="120000" w="120000">
+              <a:path w="120000" h="120000" extrusionOk="0">
                 <a:moveTo>
                   <a:pt x="0" y="0"/>
                 </a:moveTo>
@@ -1472,9 +1638,11 @@
       <p:sp>
         <p:nvSpPr>
           <p:cNvPr id="87" name="Google Shape;87;g1b048c11cdf_1_28:notes"/>
-          <p:cNvSpPr txBox="1"/>
+          <p:cNvSpPr txBox="1">
+            <a:spLocks noGrp="1"/>
+          </p:cNvSpPr>
           <p:nvPr>
-            <p:ph idx="1" type="body"/>
+            <p:ph type="body" idx="1"/>
           </p:nvPr>
         </p:nvSpPr>
         <p:spPr>
@@ -1487,12 +1655,12 @@
           </a:prstGeom>
         </p:spPr>
         <p:txBody>
-          <a:bodyPr anchorCtr="0" anchor="t" bIns="91425" lIns="91425" spcFirstLastPara="1" rIns="91425" wrap="square" tIns="91425">
+          <a:bodyPr spcFirstLastPara="1" wrap="square" lIns="91425" tIns="91425" rIns="91425" bIns="91425" anchor="t" anchorCtr="0">
             <a:noAutofit/>
           </a:bodyPr>
           <a:lstStyle/>
           <a:p>
-            <a:pPr indent="0" lvl="0" marL="0" rtl="0" algn="l">
+            <a:pPr marL="0" lvl="0" indent="0" algn="l" rtl="0">
               <a:spcBef>
                 <a:spcPts val="0"/>
               </a:spcBef>
@@ -1501,9 +1669,6 @@
               </a:spcAft>
               <a:buNone/>
             </a:pPr>
-            <a:r>
-              <a:t/>
-            </a:r>
             <a:endParaRPr/>
           </a:p>
         </p:txBody>
@@ -1517,11 +1682,11 @@
 </file>
 
 <file path=ppt/notesSlides/notesSlide7.xml><?xml version="1.0" encoding="utf-8"?>
-<p:notes xmlns:a="http://schemas.openxmlformats.org/drawingml/2006/main" xmlns:r="http://schemas.openxmlformats.org/officeDocument/2006/relationships" xmlns:mc="http://schemas.openxmlformats.org/markup-compatibility/2006" xmlns:mv="urn:schemas-microsoft-com:mac:vml" xmlns:p="http://schemas.openxmlformats.org/presentationml/2006/main" xmlns:c="http://schemas.openxmlformats.org/drawingml/2006/chart" xmlns:dgm="http://schemas.openxmlformats.org/drawingml/2006/diagram" xmlns:o="urn:schemas-microsoft-com:office:office" xmlns:v="urn:schemas-microsoft-com:vml" xmlns:pvml="urn:schemas-microsoft-com:office:powerpoint" xmlns:com="http://schemas.openxmlformats.org/drawingml/2006/compatibility" xmlns:p14="http://schemas.microsoft.com/office/powerpoint/2010/main" xmlns:p15="http://schemas.microsoft.com/office/powerpoint/2012/main" xmlns:ahyp="http://schemas.microsoft.com/office/drawing/2018/hyperlinkcolor" showMasterPhAnim="0" showMasterSp="0">
+<p:notes xmlns:a="http://schemas.openxmlformats.org/drawingml/2006/main" xmlns:r="http://schemas.openxmlformats.org/officeDocument/2006/relationships" xmlns:p="http://schemas.openxmlformats.org/presentationml/2006/main" showMasterSp="0" showMasterPhAnim="0">
   <p:cSld>
     <p:spTree>
       <p:nvGrpSpPr>
-        <p:cNvPr id="94" name="Shape 94"/>
+        <p:cNvPr id="1" name="Shape 94"/>
         <p:cNvGrpSpPr/>
         <p:nvPr/>
       </p:nvGrpSpPr>
@@ -1536,20 +1701,26 @@
       <p:sp>
         <p:nvSpPr>
           <p:cNvPr id="95" name="Google Shape;95;g1b048c11cdf_1_36:notes"/>
-          <p:cNvSpPr/>
+          <p:cNvSpPr>
+            <a:spLocks noGrp="1" noRot="1" noChangeAspect="1"/>
+          </p:cNvSpPr>
           <p:nvPr>
-            <p:ph idx="2" type="sldImg"/>
+            <p:ph type="sldImg" idx="2"/>
           </p:nvPr>
         </p:nvSpPr>
         <p:spPr>
           <a:xfrm>
-            <a:off x="381300" y="685800"/>
+            <a:off x="381000" y="685800"/>
             <a:ext cx="6096000" cy="3429000"/>
           </a:xfrm>
           <a:custGeom>
-            <a:rect b="b" l="l" r="r" t="t"/>
+            <a:avLst/>
+            <a:gdLst/>
+            <a:ahLst/>
+            <a:cxnLst/>
+            <a:rect l="l" t="t" r="r" b="b"/>
             <a:pathLst>
-              <a:path extrusionOk="0" h="120000" w="120000">
+              <a:path w="120000" h="120000" extrusionOk="0">
                 <a:moveTo>
                   <a:pt x="0" y="0"/>
                 </a:moveTo>
@@ -1571,9 +1742,11 @@
       <p:sp>
         <p:nvSpPr>
           <p:cNvPr id="96" name="Google Shape;96;g1b048c11cdf_1_36:notes"/>
-          <p:cNvSpPr txBox="1"/>
+          <p:cNvSpPr txBox="1">
+            <a:spLocks noGrp="1"/>
+          </p:cNvSpPr>
           <p:nvPr>
-            <p:ph idx="1" type="body"/>
+            <p:ph type="body" idx="1"/>
           </p:nvPr>
         </p:nvSpPr>
         <p:spPr>
@@ -1586,12 +1759,12 @@
           </a:prstGeom>
         </p:spPr>
         <p:txBody>
-          <a:bodyPr anchorCtr="0" anchor="t" bIns="91425" lIns="91425" spcFirstLastPara="1" rIns="91425" wrap="square" tIns="91425">
+          <a:bodyPr spcFirstLastPara="1" wrap="square" lIns="91425" tIns="91425" rIns="91425" bIns="91425" anchor="t" anchorCtr="0">
             <a:noAutofit/>
           </a:bodyPr>
           <a:lstStyle/>
           <a:p>
-            <a:pPr indent="0" lvl="0" marL="0" rtl="0" algn="l">
+            <a:pPr marL="0" lvl="0" indent="0" algn="l" rtl="0">
               <a:spcBef>
                 <a:spcPts val="0"/>
               </a:spcBef>
@@ -1600,9 +1773,6 @@
               </a:spcAft>
               <a:buNone/>
             </a:pPr>
-            <a:r>
-              <a:t/>
-            </a:r>
             <a:endParaRPr/>
           </a:p>
         </p:txBody>
@@ -1616,11 +1786,11 @@
 </file>
 
 <file path=ppt/notesSlides/notesSlide8.xml><?xml version="1.0" encoding="utf-8"?>
-<p:notes xmlns:a="http://schemas.openxmlformats.org/drawingml/2006/main" xmlns:r="http://schemas.openxmlformats.org/officeDocument/2006/relationships" xmlns:mc="http://schemas.openxmlformats.org/markup-compatibility/2006" xmlns:mv="urn:schemas-microsoft-com:mac:vml" xmlns:p="http://schemas.openxmlformats.org/presentationml/2006/main" xmlns:c="http://schemas.openxmlformats.org/drawingml/2006/chart" xmlns:dgm="http://schemas.openxmlformats.org/drawingml/2006/diagram" xmlns:o="urn:schemas-microsoft-com:office:office" xmlns:v="urn:schemas-microsoft-com:vml" xmlns:pvml="urn:schemas-microsoft-com:office:powerpoint" xmlns:com="http://schemas.openxmlformats.org/drawingml/2006/compatibility" xmlns:p14="http://schemas.microsoft.com/office/powerpoint/2010/main" xmlns:p15="http://schemas.microsoft.com/office/powerpoint/2012/main" xmlns:ahyp="http://schemas.microsoft.com/office/drawing/2018/hyperlinkcolor" showMasterPhAnim="0" showMasterSp="0">
+<p:notes xmlns:a="http://schemas.openxmlformats.org/drawingml/2006/main" xmlns:r="http://schemas.openxmlformats.org/officeDocument/2006/relationships" xmlns:p="http://schemas.openxmlformats.org/presentationml/2006/main" showMasterSp="0" showMasterPhAnim="0">
   <p:cSld>
     <p:spTree>
       <p:nvGrpSpPr>
-        <p:cNvPr id="101" name="Shape 101"/>
+        <p:cNvPr id="1" name="Shape 101"/>
         <p:cNvGrpSpPr/>
         <p:nvPr/>
       </p:nvGrpSpPr>
@@ -1635,9 +1805,11 @@
       <p:sp>
         <p:nvSpPr>
           <p:cNvPr id="102" name="Google Shape;102;g1b048c11cdf_1_42:notes"/>
-          <p:cNvSpPr/>
+          <p:cNvSpPr>
+            <a:spLocks noGrp="1" noRot="1" noChangeAspect="1"/>
+          </p:cNvSpPr>
           <p:nvPr>
-            <p:ph idx="2" type="sldImg"/>
+            <p:ph type="sldImg" idx="2"/>
           </p:nvPr>
         </p:nvSpPr>
         <p:spPr>
@@ -1646,9 +1818,13 @@
             <a:ext cx="6096000" cy="3429000"/>
           </a:xfrm>
           <a:custGeom>
-            <a:rect b="b" l="l" r="r" t="t"/>
+            <a:avLst/>
+            <a:gdLst/>
+            <a:ahLst/>
+            <a:cxnLst/>
+            <a:rect l="l" t="t" r="r" b="b"/>
             <a:pathLst>
-              <a:path extrusionOk="0" h="120000" w="120000">
+              <a:path w="120000" h="120000" extrusionOk="0">
                 <a:moveTo>
                   <a:pt x="0" y="0"/>
                 </a:moveTo>
@@ -1670,9 +1846,11 @@
       <p:sp>
         <p:nvSpPr>
           <p:cNvPr id="103" name="Google Shape;103;g1b048c11cdf_1_42:notes"/>
-          <p:cNvSpPr txBox="1"/>
+          <p:cNvSpPr txBox="1">
+            <a:spLocks noGrp="1"/>
+          </p:cNvSpPr>
           <p:nvPr>
-            <p:ph idx="1" type="body"/>
+            <p:ph type="body" idx="1"/>
           </p:nvPr>
         </p:nvSpPr>
         <p:spPr>
@@ -1685,12 +1863,12 @@
           </a:prstGeom>
         </p:spPr>
         <p:txBody>
-          <a:bodyPr anchorCtr="0" anchor="t" bIns="91425" lIns="91425" spcFirstLastPara="1" rIns="91425" wrap="square" tIns="91425">
+          <a:bodyPr spcFirstLastPara="1" wrap="square" lIns="91425" tIns="91425" rIns="91425" bIns="91425" anchor="t" anchorCtr="0">
             <a:noAutofit/>
           </a:bodyPr>
           <a:lstStyle/>
           <a:p>
-            <a:pPr indent="0" lvl="0" marL="0" rtl="0" algn="l">
+            <a:pPr marL="0" lvl="0" indent="0" algn="l" rtl="0">
               <a:spcBef>
                 <a:spcPts val="0"/>
               </a:spcBef>
@@ -1699,9 +1877,6 @@
               </a:spcAft>
               <a:buNone/>
             </a:pPr>
-            <a:r>
-              <a:t/>
-            </a:r>
             <a:endParaRPr/>
           </a:p>
         </p:txBody>
@@ -1715,11 +1890,11 @@
 </file>
 
 <file path=ppt/notesSlides/notesSlide9.xml><?xml version="1.0" encoding="utf-8"?>
-<p:notes xmlns:a="http://schemas.openxmlformats.org/drawingml/2006/main" xmlns:r="http://schemas.openxmlformats.org/officeDocument/2006/relationships" xmlns:mc="http://schemas.openxmlformats.org/markup-compatibility/2006" xmlns:mv="urn:schemas-microsoft-com:mac:vml" xmlns:p="http://schemas.openxmlformats.org/presentationml/2006/main" xmlns:c="http://schemas.openxmlformats.org/drawingml/2006/chart" xmlns:dgm="http://schemas.openxmlformats.org/drawingml/2006/diagram" xmlns:o="urn:schemas-microsoft-com:office:office" xmlns:v="urn:schemas-microsoft-com:vml" xmlns:pvml="urn:schemas-microsoft-com:office:powerpoint" xmlns:com="http://schemas.openxmlformats.org/drawingml/2006/compatibility" xmlns:p14="http://schemas.microsoft.com/office/powerpoint/2010/main" xmlns:p15="http://schemas.microsoft.com/office/powerpoint/2012/main" xmlns:ahyp="http://schemas.microsoft.com/office/drawing/2018/hyperlinkcolor" showMasterPhAnim="0" showMasterSp="0">
+<p:notes xmlns:a="http://schemas.openxmlformats.org/drawingml/2006/main" xmlns:r="http://schemas.openxmlformats.org/officeDocument/2006/relationships" xmlns:p="http://schemas.openxmlformats.org/presentationml/2006/main" showMasterSp="0" showMasterPhAnim="0">
   <p:cSld>
     <p:spTree>
       <p:nvGrpSpPr>
-        <p:cNvPr id="109" name="Shape 109"/>
+        <p:cNvPr id="1" name="Shape 109"/>
         <p:cNvGrpSpPr/>
         <p:nvPr/>
       </p:nvGrpSpPr>
@@ -1734,20 +1909,26 @@
       <p:sp>
         <p:nvSpPr>
           <p:cNvPr id="110" name="Google Shape;110;g1b048c11cdf_1_49:notes"/>
-          <p:cNvSpPr/>
+          <p:cNvSpPr>
+            <a:spLocks noGrp="1" noRot="1" noChangeAspect="1"/>
+          </p:cNvSpPr>
           <p:nvPr>
-            <p:ph idx="2" type="sldImg"/>
+            <p:ph type="sldImg" idx="2"/>
           </p:nvPr>
         </p:nvSpPr>
         <p:spPr>
           <a:xfrm>
-            <a:off x="381300" y="685800"/>
+            <a:off x="381000" y="685800"/>
             <a:ext cx="6096000" cy="3429000"/>
           </a:xfrm>
           <a:custGeom>
-            <a:rect b="b" l="l" r="r" t="t"/>
+            <a:avLst/>
+            <a:gdLst/>
+            <a:ahLst/>
+            <a:cxnLst/>
+            <a:rect l="l" t="t" r="r" b="b"/>
             <a:pathLst>
-              <a:path extrusionOk="0" h="120000" w="120000">
+              <a:path w="120000" h="120000" extrusionOk="0">
                 <a:moveTo>
                   <a:pt x="0" y="0"/>
                 </a:moveTo>
@@ -1769,9 +1950,11 @@
       <p:sp>
         <p:nvSpPr>
           <p:cNvPr id="111" name="Google Shape;111;g1b048c11cdf_1_49:notes"/>
-          <p:cNvSpPr txBox="1"/>
+          <p:cNvSpPr txBox="1">
+            <a:spLocks noGrp="1"/>
+          </p:cNvSpPr>
           <p:nvPr>
-            <p:ph idx="1" type="body"/>
+            <p:ph type="body" idx="1"/>
           </p:nvPr>
         </p:nvSpPr>
         <p:spPr>
@@ -1784,12 +1967,12 @@
           </a:prstGeom>
         </p:spPr>
         <p:txBody>
-          <a:bodyPr anchorCtr="0" anchor="t" bIns="91425" lIns="91425" spcFirstLastPara="1" rIns="91425" wrap="square" tIns="91425">
+          <a:bodyPr spcFirstLastPara="1" wrap="square" lIns="91425" tIns="91425" rIns="91425" bIns="91425" anchor="t" anchorCtr="0">
             <a:noAutofit/>
           </a:bodyPr>
           <a:lstStyle/>
           <a:p>
-            <a:pPr indent="0" lvl="0" marL="0" rtl="0" algn="l">
+            <a:pPr marL="0" lvl="0" indent="0" algn="l" rtl="0">
               <a:spcBef>
                 <a:spcPts val="0"/>
               </a:spcBef>
@@ -1798,9 +1981,6 @@
               </a:spcAft>
               <a:buNone/>
             </a:pPr>
-            <a:r>
-              <a:t/>
-            </a:r>
             <a:endParaRPr/>
           </a:p>
         </p:txBody>
@@ -1814,18 +1994,19 @@
 </file>
 
 <file path=ppt/slideLayouts/slideLayout1.xml><?xml version="1.0" encoding="utf-8"?>
-<p:sldLayout xmlns:a="http://schemas.openxmlformats.org/drawingml/2006/main" xmlns:r="http://schemas.openxmlformats.org/officeDocument/2006/relationships" xmlns:mc="http://schemas.openxmlformats.org/markup-compatibility/2006" xmlns:mv="urn:schemas-microsoft-com:mac:vml" xmlns:p="http://schemas.openxmlformats.org/presentationml/2006/main" xmlns:c="http://schemas.openxmlformats.org/drawingml/2006/chart" xmlns:dgm="http://schemas.openxmlformats.org/drawingml/2006/diagram" xmlns:o="urn:schemas-microsoft-com:office:office" xmlns:v="urn:schemas-microsoft-com:vml" xmlns:pvml="urn:schemas-microsoft-com:office:powerpoint" xmlns:com="http://schemas.openxmlformats.org/drawingml/2006/compatibility" xmlns:p14="http://schemas.microsoft.com/office/powerpoint/2010/main" xmlns:p15="http://schemas.microsoft.com/office/powerpoint/2012/main" xmlns:ahyp="http://schemas.microsoft.com/office/drawing/2018/hyperlinkcolor" matchingName="Title slide" type="title">
+<p:sldLayout xmlns:a="http://schemas.openxmlformats.org/drawingml/2006/main" xmlns:r="http://schemas.openxmlformats.org/officeDocument/2006/relationships" xmlns:p="http://schemas.openxmlformats.org/presentationml/2006/main" matchingName="Title slide" type="title">
   <p:cSld name="TITLE">
     <p:bg>
       <p:bgPr>
         <a:solidFill>
           <a:schemeClr val="dk1"/>
         </a:solidFill>
+        <a:effectLst/>
       </p:bgPr>
     </p:bg>
     <p:spTree>
       <p:nvGrpSpPr>
-        <p:cNvPr id="9" name="Shape 9"/>
+        <p:cNvPr id="1" name="Shape 9"/>
         <p:cNvGrpSpPr/>
         <p:nvPr/>
       </p:nvGrpSpPr>
@@ -1859,12 +2040,12 @@
           </a:ln>
         </p:spPr>
         <p:txBody>
-          <a:bodyPr anchorCtr="0" anchor="ctr" bIns="91425" lIns="91425" spcFirstLastPara="1" rIns="91425" wrap="square" tIns="91425">
+          <a:bodyPr spcFirstLastPara="1" wrap="square" lIns="91425" tIns="91425" rIns="91425" bIns="91425" anchor="ctr" anchorCtr="0">
             <a:noAutofit/>
           </a:bodyPr>
           <a:lstStyle/>
           <a:p>
-            <a:pPr indent="0" lvl="0" marL="0" rtl="0" algn="l">
+            <a:pPr marL="0" lvl="0" indent="0" algn="l" rtl="0">
               <a:spcBef>
                 <a:spcPts val="0"/>
               </a:spcBef>
@@ -1873,9 +2054,6 @@
               </a:spcAft>
               <a:buNone/>
             </a:pPr>
-            <a:r>
-              <a:t/>
-            </a:r>
             <a:endParaRPr/>
           </a:p>
         </p:txBody>
@@ -1902,12 +2080,12 @@
           </a:ln>
         </p:spPr>
         <p:txBody>
-          <a:bodyPr anchorCtr="0" anchor="ctr" bIns="91425" lIns="91425" spcFirstLastPara="1" rIns="91425" wrap="square" tIns="91425">
+          <a:bodyPr spcFirstLastPara="1" wrap="square" lIns="91425" tIns="91425" rIns="91425" bIns="91425" anchor="ctr" anchorCtr="0">
             <a:noAutofit/>
           </a:bodyPr>
           <a:lstStyle/>
           <a:p>
-            <a:pPr indent="0" lvl="0" marL="0" rtl="0" algn="l">
+            <a:pPr marL="0" lvl="0" indent="0" algn="l" rtl="0">
               <a:spcBef>
                 <a:spcPts val="0"/>
               </a:spcBef>
@@ -1916,9 +2094,6 @@
               </a:spcAft>
               <a:buNone/>
             </a:pPr>
-            <a:r>
-              <a:t/>
-            </a:r>
             <a:endParaRPr/>
           </a:p>
         </p:txBody>
@@ -1926,7 +2101,9 @@
       <p:sp>
         <p:nvSpPr>
           <p:cNvPr id="12" name="Google Shape;12;p2"/>
-          <p:cNvSpPr txBox="1"/>
+          <p:cNvSpPr txBox="1">
+            <a:spLocks noGrp="1"/>
+          </p:cNvSpPr>
           <p:nvPr>
             <p:ph type="ctrTitle"/>
           </p:nvPr>
@@ -1944,7 +2121,7 @@
           </a:solidFill>
         </p:spPr>
         <p:txBody>
-          <a:bodyPr anchorCtr="0" anchor="ctr" bIns="91425" lIns="91425" spcFirstLastPara="1" rIns="91425" wrap="square" tIns="91425">
+          <a:bodyPr spcFirstLastPara="1" wrap="square" lIns="91425" tIns="91425" rIns="91425" bIns="91425" anchor="ctr" anchorCtr="0">
             <a:normAutofit/>
           </a:bodyPr>
           <a:lstStyle>
@@ -1958,7 +2135,7 @@
               <a:buSzPts val="6800"/>
               <a:buFont typeface="Playfair Display"/>
               <a:buNone/>
-              <a:defRPr b="1" sz="6800">
+              <a:defRPr sz="6800" b="1">
                 <a:latin typeface="Playfair Display"/>
                 <a:ea typeface="Playfair Display"/>
                 <a:cs typeface="Playfair Display"/>
@@ -1975,7 +2152,7 @@
               <a:buSzPts val="6800"/>
               <a:buFont typeface="Playfair Display"/>
               <a:buNone/>
-              <a:defRPr b="1" sz="6800">
+              <a:defRPr sz="6800" b="1">
                 <a:latin typeface="Playfair Display"/>
                 <a:ea typeface="Playfair Display"/>
                 <a:cs typeface="Playfair Display"/>
@@ -1992,7 +2169,7 @@
               <a:buSzPts val="6800"/>
               <a:buFont typeface="Playfair Display"/>
               <a:buNone/>
-              <a:defRPr b="1" sz="6800">
+              <a:defRPr sz="6800" b="1">
                 <a:latin typeface="Playfair Display"/>
                 <a:ea typeface="Playfair Display"/>
                 <a:cs typeface="Playfair Display"/>
@@ -2009,7 +2186,7 @@
               <a:buSzPts val="6800"/>
               <a:buFont typeface="Playfair Display"/>
               <a:buNone/>
-              <a:defRPr b="1" sz="6800">
+              <a:defRPr sz="6800" b="1">
                 <a:latin typeface="Playfair Display"/>
                 <a:ea typeface="Playfair Display"/>
                 <a:cs typeface="Playfair Display"/>
@@ -2026,7 +2203,7 @@
               <a:buSzPts val="6800"/>
               <a:buFont typeface="Playfair Display"/>
               <a:buNone/>
-              <a:defRPr b="1" sz="6800">
+              <a:defRPr sz="6800" b="1">
                 <a:latin typeface="Playfair Display"/>
                 <a:ea typeface="Playfair Display"/>
                 <a:cs typeface="Playfair Display"/>
@@ -2043,7 +2220,7 @@
               <a:buSzPts val="6800"/>
               <a:buFont typeface="Playfair Display"/>
               <a:buNone/>
-              <a:defRPr b="1" sz="6800">
+              <a:defRPr sz="6800" b="1">
                 <a:latin typeface="Playfair Display"/>
                 <a:ea typeface="Playfair Display"/>
                 <a:cs typeface="Playfair Display"/>
@@ -2060,7 +2237,7 @@
               <a:buSzPts val="6800"/>
               <a:buFont typeface="Playfair Display"/>
               <a:buNone/>
-              <a:defRPr b="1" sz="6800">
+              <a:defRPr sz="6800" b="1">
                 <a:latin typeface="Playfair Display"/>
                 <a:ea typeface="Playfair Display"/>
                 <a:cs typeface="Playfair Display"/>
@@ -2077,7 +2254,7 @@
               <a:buSzPts val="6800"/>
               <a:buFont typeface="Playfair Display"/>
               <a:buNone/>
-              <a:defRPr b="1" sz="6800">
+              <a:defRPr sz="6800" b="1">
                 <a:latin typeface="Playfair Display"/>
                 <a:ea typeface="Playfair Display"/>
                 <a:cs typeface="Playfair Display"/>
@@ -2094,7 +2271,7 @@
               <a:buSzPts val="6800"/>
               <a:buFont typeface="Playfair Display"/>
               <a:buNone/>
-              <a:defRPr b="1" sz="6800">
+              <a:defRPr sz="6800" b="1">
                 <a:latin typeface="Playfair Display"/>
                 <a:ea typeface="Playfair Display"/>
                 <a:cs typeface="Playfair Display"/>
@@ -2102,15 +2279,19 @@
               </a:defRPr>
             </a:lvl9pPr>
           </a:lstStyle>
-          <a:p/>
+          <a:p>
+            <a:endParaRPr/>
+          </a:p>
         </p:txBody>
       </p:sp>
       <p:sp>
         <p:nvSpPr>
           <p:cNvPr id="13" name="Google Shape;13;p2"/>
-          <p:cNvSpPr txBox="1"/>
+          <p:cNvSpPr txBox="1">
+            <a:spLocks noGrp="1"/>
+          </p:cNvSpPr>
           <p:nvPr>
-            <p:ph idx="1" type="subTitle"/>
+            <p:ph type="subTitle" idx="1"/>
           </p:nvPr>
         </p:nvSpPr>
         <p:spPr>
@@ -2126,7 +2307,7 @@
           </a:solidFill>
         </p:spPr>
         <p:txBody>
-          <a:bodyPr anchorCtr="0" anchor="ctr" bIns="91425" lIns="91425" spcFirstLastPara="1" rIns="91425" wrap="square" tIns="91425">
+          <a:bodyPr spcFirstLastPara="1" wrap="square" lIns="91425" tIns="91425" rIns="91425" bIns="91425" anchor="ctr" anchorCtr="0">
             <a:normAutofit/>
           </a:bodyPr>
           <a:lstStyle>
@@ -2146,7 +2327,7 @@
               <a:buSzPts val="2400"/>
               <a:buFont typeface="Montserrat"/>
               <a:buNone/>
-              <a:defRPr b="1" sz="2400">
+              <a:defRPr sz="2400" b="1">
                 <a:solidFill>
                   <a:schemeClr val="lt1"/>
                 </a:solidFill>
@@ -2172,7 +2353,7 @@
               <a:buSzPts val="2400"/>
               <a:buFont typeface="Montserrat"/>
               <a:buNone/>
-              <a:defRPr b="1" sz="2400">
+              <a:defRPr sz="2400" b="1">
                 <a:solidFill>
                   <a:schemeClr val="lt1"/>
                 </a:solidFill>
@@ -2198,7 +2379,7 @@
               <a:buSzPts val="2400"/>
               <a:buFont typeface="Montserrat"/>
               <a:buNone/>
-              <a:defRPr b="1" sz="2400">
+              <a:defRPr sz="2400" b="1">
                 <a:solidFill>
                   <a:schemeClr val="lt1"/>
                 </a:solidFill>
@@ -2224,7 +2405,7 @@
               <a:buSzPts val="2400"/>
               <a:buFont typeface="Montserrat"/>
               <a:buNone/>
-              <a:defRPr b="1" sz="2400">
+              <a:defRPr sz="2400" b="1">
                 <a:solidFill>
                   <a:schemeClr val="lt1"/>
                 </a:solidFill>
@@ -2250,7 +2431,7 @@
               <a:buSzPts val="2400"/>
               <a:buFont typeface="Montserrat"/>
               <a:buNone/>
-              <a:defRPr b="1" sz="2400">
+              <a:defRPr sz="2400" b="1">
                 <a:solidFill>
                   <a:schemeClr val="lt1"/>
                 </a:solidFill>
@@ -2276,7 +2457,7 @@
               <a:buSzPts val="2400"/>
               <a:buFont typeface="Montserrat"/>
               <a:buNone/>
-              <a:defRPr b="1" sz="2400">
+              <a:defRPr sz="2400" b="1">
                 <a:solidFill>
                   <a:schemeClr val="lt1"/>
                 </a:solidFill>
@@ -2302,7 +2483,7 @@
               <a:buSzPts val="2400"/>
               <a:buFont typeface="Montserrat"/>
               <a:buNone/>
-              <a:defRPr b="1" sz="2400">
+              <a:defRPr sz="2400" b="1">
                 <a:solidFill>
                   <a:schemeClr val="lt1"/>
                 </a:solidFill>
@@ -2328,7 +2509,7 @@
               <a:buSzPts val="2400"/>
               <a:buFont typeface="Montserrat"/>
               <a:buNone/>
-              <a:defRPr b="1" sz="2400">
+              <a:defRPr sz="2400" b="1">
                 <a:solidFill>
                   <a:schemeClr val="lt1"/>
                 </a:solidFill>
@@ -2354,7 +2535,7 @@
               <a:buSzPts val="2400"/>
               <a:buFont typeface="Montserrat"/>
               <a:buNone/>
-              <a:defRPr b="1" sz="2400">
+              <a:defRPr sz="2400" b="1">
                 <a:solidFill>
                   <a:schemeClr val="lt1"/>
                 </a:solidFill>
@@ -2365,15 +2546,19 @@
               </a:defRPr>
             </a:lvl9pPr>
           </a:lstStyle>
-          <a:p/>
+          <a:p>
+            <a:endParaRPr/>
+          </a:p>
         </p:txBody>
       </p:sp>
       <p:sp>
         <p:nvSpPr>
           <p:cNvPr id="14" name="Google Shape;14;p2"/>
-          <p:cNvSpPr txBox="1"/>
+          <p:cNvSpPr txBox="1">
+            <a:spLocks noGrp="1"/>
+          </p:cNvSpPr>
           <p:nvPr>
-            <p:ph idx="12" type="sldNum"/>
+            <p:ph type="sldNum" idx="12"/>
           </p:nvPr>
         </p:nvSpPr>
         <p:spPr>
@@ -2386,7 +2571,7 @@
           </a:prstGeom>
         </p:spPr>
         <p:txBody>
-          <a:bodyPr anchorCtr="0" anchor="ctr" bIns="91425" lIns="91425" spcFirstLastPara="1" rIns="91425" wrap="square" tIns="91425">
+          <a:bodyPr spcFirstLastPara="1" wrap="square" lIns="91425" tIns="91425" rIns="91425" bIns="91425" anchor="ctr" anchorCtr="0">
             <a:normAutofit/>
           </a:bodyPr>
           <a:lstStyle>
@@ -2428,7 +2613,7 @@
             </a:lvl9pPr>
           </a:lstStyle>
           <a:p>
-            <a:pPr indent="0" lvl="0" marL="0" rtl="0" algn="r">
+            <a:pPr marL="0" lvl="0" indent="0" algn="r" rtl="0">
               <a:spcBef>
                 <a:spcPts val="0"/>
               </a:spcBef>
@@ -2454,11 +2639,11 @@
 </file>
 
 <file path=ppt/slideLayouts/slideLayout10.xml><?xml version="1.0" encoding="utf-8"?>
-<p:sldLayout xmlns:a="http://schemas.openxmlformats.org/drawingml/2006/main" xmlns:r="http://schemas.openxmlformats.org/officeDocument/2006/relationships" xmlns:mc="http://schemas.openxmlformats.org/markup-compatibility/2006" xmlns:mv="urn:schemas-microsoft-com:mac:vml" xmlns:p="http://schemas.openxmlformats.org/presentationml/2006/main" xmlns:c="http://schemas.openxmlformats.org/drawingml/2006/chart" xmlns:dgm="http://schemas.openxmlformats.org/drawingml/2006/diagram" xmlns:o="urn:schemas-microsoft-com:office:office" xmlns:v="urn:schemas-microsoft-com:vml" xmlns:pvml="urn:schemas-microsoft-com:office:powerpoint" xmlns:com="http://schemas.openxmlformats.org/drawingml/2006/compatibility" xmlns:p14="http://schemas.microsoft.com/office/powerpoint/2010/main" xmlns:p15="http://schemas.microsoft.com/office/powerpoint/2012/main" xmlns:ahyp="http://schemas.microsoft.com/office/drawing/2018/hyperlinkcolor" matchingName="Big number">
+<p:sldLayout xmlns:a="http://schemas.openxmlformats.org/drawingml/2006/main" xmlns:r="http://schemas.openxmlformats.org/officeDocument/2006/relationships" xmlns:p="http://schemas.openxmlformats.org/presentationml/2006/main" matchingName="Big number">
   <p:cSld name="BIG_NUMBER">
     <p:spTree>
       <p:nvGrpSpPr>
-        <p:cNvPr id="48" name="Shape 48"/>
+        <p:cNvPr id="1" name="Shape 48"/>
         <p:cNvGrpSpPr/>
         <p:nvPr/>
       </p:nvGrpSpPr>
@@ -2473,9 +2658,11 @@
       <p:sp>
         <p:nvSpPr>
           <p:cNvPr id="49" name="Google Shape;49;p11"/>
-          <p:cNvSpPr txBox="1"/>
+          <p:cNvSpPr txBox="1">
+            <a:spLocks noGrp="1"/>
+          </p:cNvSpPr>
           <p:nvPr>
-            <p:ph hasCustomPrompt="1" type="title"/>
+            <p:ph type="title" hasCustomPrompt="1"/>
           </p:nvPr>
         </p:nvSpPr>
         <p:spPr>
@@ -2488,7 +2675,7 @@
           </a:prstGeom>
         </p:spPr>
         <p:txBody>
-          <a:bodyPr anchorCtr="0" anchor="b" bIns="91425" lIns="91425" spcFirstLastPara="1" rIns="91425" wrap="square" tIns="91425">
+          <a:bodyPr spcFirstLastPara="1" wrap="square" lIns="91425" tIns="91425" rIns="91425" bIns="91425" anchor="b" anchorCtr="0">
             <a:normAutofit/>
           </a:bodyPr>
           <a:lstStyle>
@@ -2656,9 +2843,11 @@
       <p:sp>
         <p:nvSpPr>
           <p:cNvPr id="50" name="Google Shape;50;p11"/>
-          <p:cNvSpPr txBox="1"/>
+          <p:cNvSpPr txBox="1">
+            <a:spLocks noGrp="1"/>
+          </p:cNvSpPr>
           <p:nvPr>
-            <p:ph idx="1" type="body"/>
+            <p:ph type="body" idx="1"/>
           </p:nvPr>
         </p:nvSpPr>
         <p:spPr>
@@ -2671,11 +2860,11 @@
           </a:prstGeom>
         </p:spPr>
         <p:txBody>
-          <a:bodyPr anchorCtr="0" anchor="t" bIns="91425" lIns="91425" spcFirstLastPara="1" rIns="91425" wrap="square" tIns="91425">
+          <a:bodyPr spcFirstLastPara="1" wrap="square" lIns="91425" tIns="91425" rIns="91425" bIns="91425" anchor="t" anchorCtr="0">
             <a:normAutofit/>
           </a:bodyPr>
           <a:lstStyle>
-            <a:lvl1pPr indent="-342900" lvl="0" marL="457200" algn="ctr">
+            <a:lvl1pPr marL="457200" lvl="0" indent="-342900" algn="ctr">
               <a:spcBef>
                 <a:spcPts val="0"/>
               </a:spcBef>
@@ -2690,7 +2879,7 @@
                 </a:highlight>
               </a:defRPr>
             </a:lvl1pPr>
-            <a:lvl2pPr indent="-317500" lvl="1" marL="914400" algn="ctr">
+            <a:lvl2pPr marL="914400" lvl="1" indent="-317500" algn="ctr">
               <a:spcBef>
                 <a:spcPts val="0"/>
               </a:spcBef>
@@ -2705,7 +2894,7 @@
                 </a:highlight>
               </a:defRPr>
             </a:lvl2pPr>
-            <a:lvl3pPr indent="-317500" lvl="2" marL="1371600" algn="ctr">
+            <a:lvl3pPr marL="1371600" lvl="2" indent="-317500" algn="ctr">
               <a:spcBef>
                 <a:spcPts val="0"/>
               </a:spcBef>
@@ -2720,7 +2909,7 @@
                 </a:highlight>
               </a:defRPr>
             </a:lvl3pPr>
-            <a:lvl4pPr indent="-317500" lvl="3" marL="1828800" algn="ctr">
+            <a:lvl4pPr marL="1828800" lvl="3" indent="-317500" algn="ctr">
               <a:spcBef>
                 <a:spcPts val="0"/>
               </a:spcBef>
@@ -2735,7 +2924,7 @@
                 </a:highlight>
               </a:defRPr>
             </a:lvl4pPr>
-            <a:lvl5pPr indent="-317500" lvl="4" marL="2286000" algn="ctr">
+            <a:lvl5pPr marL="2286000" lvl="4" indent="-317500" algn="ctr">
               <a:spcBef>
                 <a:spcPts val="0"/>
               </a:spcBef>
@@ -2750,7 +2939,7 @@
                 </a:highlight>
               </a:defRPr>
             </a:lvl5pPr>
-            <a:lvl6pPr indent="-317500" lvl="5" marL="2743200" algn="ctr">
+            <a:lvl6pPr marL="2743200" lvl="5" indent="-317500" algn="ctr">
               <a:spcBef>
                 <a:spcPts val="0"/>
               </a:spcBef>
@@ -2765,7 +2954,7 @@
                 </a:highlight>
               </a:defRPr>
             </a:lvl6pPr>
-            <a:lvl7pPr indent="-317500" lvl="6" marL="3200400" algn="ctr">
+            <a:lvl7pPr marL="3200400" lvl="6" indent="-317500" algn="ctr">
               <a:spcBef>
                 <a:spcPts val="0"/>
               </a:spcBef>
@@ -2780,7 +2969,7 @@
                 </a:highlight>
               </a:defRPr>
             </a:lvl7pPr>
-            <a:lvl8pPr indent="-317500" lvl="7" marL="3657600" algn="ctr">
+            <a:lvl8pPr marL="3657600" lvl="7" indent="-317500" algn="ctr">
               <a:spcBef>
                 <a:spcPts val="0"/>
               </a:spcBef>
@@ -2795,7 +2984,7 @@
                 </a:highlight>
               </a:defRPr>
             </a:lvl8pPr>
-            <a:lvl9pPr indent="-317500" lvl="8" marL="4114800" algn="ctr">
+            <a:lvl9pPr marL="4114800" lvl="8" indent="-317500" algn="ctr">
               <a:spcBef>
                 <a:spcPts val="0"/>
               </a:spcBef>
@@ -2811,15 +3000,19 @@
               </a:defRPr>
             </a:lvl9pPr>
           </a:lstStyle>
-          <a:p/>
+          <a:p>
+            <a:endParaRPr/>
+          </a:p>
         </p:txBody>
       </p:sp>
       <p:sp>
         <p:nvSpPr>
           <p:cNvPr id="51" name="Google Shape;51;p11"/>
-          <p:cNvSpPr txBox="1"/>
+          <p:cNvSpPr txBox="1">
+            <a:spLocks noGrp="1"/>
+          </p:cNvSpPr>
           <p:nvPr>
-            <p:ph idx="12" type="sldNum"/>
+            <p:ph type="sldNum" idx="12"/>
           </p:nvPr>
         </p:nvSpPr>
         <p:spPr>
@@ -2832,7 +3025,7 @@
           </a:prstGeom>
         </p:spPr>
         <p:txBody>
-          <a:bodyPr anchorCtr="0" anchor="ctr" bIns="91425" lIns="91425" spcFirstLastPara="1" rIns="91425" wrap="square" tIns="91425">
+          <a:bodyPr spcFirstLastPara="1" wrap="square" lIns="91425" tIns="91425" rIns="91425" bIns="91425" anchor="ctr" anchorCtr="0">
             <a:normAutofit/>
           </a:bodyPr>
           <a:lstStyle>
@@ -2874,7 +3067,7 @@
             </a:lvl9pPr>
           </a:lstStyle>
           <a:p>
-            <a:pPr indent="0" lvl="0" marL="0" rtl="0" algn="r">
+            <a:pPr marL="0" lvl="0" indent="0" algn="r" rtl="0">
               <a:spcBef>
                 <a:spcPts val="0"/>
               </a:spcBef>
@@ -2900,11 +3093,11 @@
 </file>
 
 <file path=ppt/slideLayouts/slideLayout11.xml><?xml version="1.0" encoding="utf-8"?>
-<p:sldLayout xmlns:a="http://schemas.openxmlformats.org/drawingml/2006/main" xmlns:r="http://schemas.openxmlformats.org/officeDocument/2006/relationships" xmlns:mc="http://schemas.openxmlformats.org/markup-compatibility/2006" xmlns:mv="urn:schemas-microsoft-com:mac:vml" xmlns:p="http://schemas.openxmlformats.org/presentationml/2006/main" xmlns:c="http://schemas.openxmlformats.org/drawingml/2006/chart" xmlns:dgm="http://schemas.openxmlformats.org/drawingml/2006/diagram" xmlns:o="urn:schemas-microsoft-com:office:office" xmlns:v="urn:schemas-microsoft-com:vml" xmlns:pvml="urn:schemas-microsoft-com:office:powerpoint" xmlns:com="http://schemas.openxmlformats.org/drawingml/2006/compatibility" xmlns:p14="http://schemas.microsoft.com/office/powerpoint/2010/main" xmlns:p15="http://schemas.microsoft.com/office/powerpoint/2012/main" xmlns:ahyp="http://schemas.microsoft.com/office/drawing/2018/hyperlinkcolor" matchingName="Blank" type="blank">
+<p:sldLayout xmlns:a="http://schemas.openxmlformats.org/drawingml/2006/main" xmlns:r="http://schemas.openxmlformats.org/officeDocument/2006/relationships" xmlns:p="http://schemas.openxmlformats.org/presentationml/2006/main" matchingName="Blank" type="blank">
   <p:cSld name="BLANK">
     <p:spTree>
       <p:nvGrpSpPr>
-        <p:cNvPr id="52" name="Shape 52"/>
+        <p:cNvPr id="1" name="Shape 52"/>
         <p:cNvGrpSpPr/>
         <p:nvPr/>
       </p:nvGrpSpPr>
@@ -2919,9 +3112,11 @@
       <p:sp>
         <p:nvSpPr>
           <p:cNvPr id="53" name="Google Shape;53;p12"/>
-          <p:cNvSpPr txBox="1"/>
+          <p:cNvSpPr txBox="1">
+            <a:spLocks noGrp="1"/>
+          </p:cNvSpPr>
           <p:nvPr>
-            <p:ph idx="12" type="sldNum"/>
+            <p:ph type="sldNum" idx="12"/>
           </p:nvPr>
         </p:nvSpPr>
         <p:spPr>
@@ -2934,7 +3129,7 @@
           </a:prstGeom>
         </p:spPr>
         <p:txBody>
-          <a:bodyPr anchorCtr="0" anchor="ctr" bIns="91425" lIns="91425" spcFirstLastPara="1" rIns="91425" wrap="square" tIns="91425">
+          <a:bodyPr spcFirstLastPara="1" wrap="square" lIns="91425" tIns="91425" rIns="91425" bIns="91425" anchor="ctr" anchorCtr="0">
             <a:normAutofit/>
           </a:bodyPr>
           <a:lstStyle>
@@ -2976,7 +3171,7 @@
             </a:lvl9pPr>
           </a:lstStyle>
           <a:p>
-            <a:pPr indent="0" lvl="0" marL="0" rtl="0" algn="r">
+            <a:pPr marL="0" lvl="0" indent="0" algn="r" rtl="0">
               <a:spcBef>
                 <a:spcPts val="0"/>
               </a:spcBef>
@@ -3002,18 +3197,19 @@
 </file>
 
 <file path=ppt/slideLayouts/slideLayout2.xml><?xml version="1.0" encoding="utf-8"?>
-<p:sldLayout xmlns:a="http://schemas.openxmlformats.org/drawingml/2006/main" xmlns:r="http://schemas.openxmlformats.org/officeDocument/2006/relationships" xmlns:mc="http://schemas.openxmlformats.org/markup-compatibility/2006" xmlns:mv="urn:schemas-microsoft-com:mac:vml" xmlns:p="http://schemas.openxmlformats.org/presentationml/2006/main" xmlns:c="http://schemas.openxmlformats.org/drawingml/2006/chart" xmlns:dgm="http://schemas.openxmlformats.org/drawingml/2006/diagram" xmlns:o="urn:schemas-microsoft-com:office:office" xmlns:v="urn:schemas-microsoft-com:vml" xmlns:pvml="urn:schemas-microsoft-com:office:powerpoint" xmlns:com="http://schemas.openxmlformats.org/drawingml/2006/compatibility" xmlns:p14="http://schemas.microsoft.com/office/powerpoint/2010/main" xmlns:p15="http://schemas.microsoft.com/office/powerpoint/2012/main" xmlns:ahyp="http://schemas.microsoft.com/office/drawing/2018/hyperlinkcolor" matchingName="Section header" type="secHead">
+<p:sldLayout xmlns:a="http://schemas.openxmlformats.org/drawingml/2006/main" xmlns:r="http://schemas.openxmlformats.org/officeDocument/2006/relationships" xmlns:p="http://schemas.openxmlformats.org/presentationml/2006/main" matchingName="Section header" type="secHead">
   <p:cSld name="SECTION_HEADER">
     <p:bg>
       <p:bgPr>
         <a:solidFill>
           <a:schemeClr val="accent4"/>
         </a:solidFill>
+        <a:effectLst/>
       </p:bgPr>
     </p:bg>
     <p:spTree>
       <p:nvGrpSpPr>
-        <p:cNvPr id="15" name="Shape 15"/>
+        <p:cNvPr id="1" name="Shape 15"/>
         <p:cNvGrpSpPr/>
         <p:nvPr/>
       </p:nvGrpSpPr>
@@ -3047,12 +3243,12 @@
           </a:ln>
         </p:spPr>
         <p:txBody>
-          <a:bodyPr anchorCtr="0" anchor="ctr" bIns="91425" lIns="91425" spcFirstLastPara="1" rIns="91425" wrap="square" tIns="91425">
+          <a:bodyPr spcFirstLastPara="1" wrap="square" lIns="91425" tIns="91425" rIns="91425" bIns="91425" anchor="ctr" anchorCtr="0">
             <a:noAutofit/>
           </a:bodyPr>
           <a:lstStyle/>
           <a:p>
-            <a:pPr indent="0" lvl="0" marL="0" rtl="0" algn="l">
+            <a:pPr marL="0" lvl="0" indent="0" algn="l" rtl="0">
               <a:spcBef>
                 <a:spcPts val="0"/>
               </a:spcBef>
@@ -3061,9 +3257,6 @@
               </a:spcAft>
               <a:buNone/>
             </a:pPr>
-            <a:r>
-              <a:t/>
-            </a:r>
             <a:endParaRPr/>
           </a:p>
         </p:txBody>
@@ -3071,7 +3264,9 @@
       <p:sp>
         <p:nvSpPr>
           <p:cNvPr id="17" name="Google Shape;17;p3"/>
-          <p:cNvSpPr txBox="1"/>
+          <p:cNvSpPr txBox="1">
+            <a:spLocks noGrp="1"/>
+          </p:cNvSpPr>
           <p:nvPr>
             <p:ph type="title"/>
           </p:nvPr>
@@ -3089,7 +3284,7 @@
           </a:solidFill>
         </p:spPr>
         <p:txBody>
-          <a:bodyPr anchorCtr="0" anchor="ctr" bIns="91425" lIns="91425" spcFirstLastPara="1" rIns="91425" wrap="square" tIns="91425">
+          <a:bodyPr spcFirstLastPara="1" wrap="square" lIns="91425" tIns="91425" rIns="91425" bIns="91425" anchor="ctr" anchorCtr="0">
             <a:normAutofit/>
           </a:bodyPr>
           <a:lstStyle>
@@ -3103,7 +3298,7 @@
               <a:buSzPts val="4800"/>
               <a:buFont typeface="Playfair Display"/>
               <a:buNone/>
-              <a:defRPr b="1" sz="4800">
+              <a:defRPr sz="4800" b="1">
                 <a:latin typeface="Playfair Display"/>
                 <a:ea typeface="Playfair Display"/>
                 <a:cs typeface="Playfair Display"/>
@@ -3120,7 +3315,7 @@
               <a:buSzPts val="4800"/>
               <a:buFont typeface="Playfair Display"/>
               <a:buNone/>
-              <a:defRPr b="1" sz="4800">
+              <a:defRPr sz="4800" b="1">
                 <a:latin typeface="Playfair Display"/>
                 <a:ea typeface="Playfair Display"/>
                 <a:cs typeface="Playfair Display"/>
@@ -3137,7 +3332,7 @@
               <a:buSzPts val="4800"/>
               <a:buFont typeface="Playfair Display"/>
               <a:buNone/>
-              <a:defRPr b="1" sz="4800">
+              <a:defRPr sz="4800" b="1">
                 <a:latin typeface="Playfair Display"/>
                 <a:ea typeface="Playfair Display"/>
                 <a:cs typeface="Playfair Display"/>
@@ -3154,7 +3349,7 @@
               <a:buSzPts val="4800"/>
               <a:buFont typeface="Playfair Display"/>
               <a:buNone/>
-              <a:defRPr b="1" sz="4800">
+              <a:defRPr sz="4800" b="1">
                 <a:latin typeface="Playfair Display"/>
                 <a:ea typeface="Playfair Display"/>
                 <a:cs typeface="Playfair Display"/>
@@ -3171,7 +3366,7 @@
               <a:buSzPts val="4800"/>
               <a:buFont typeface="Playfair Display"/>
               <a:buNone/>
-              <a:defRPr b="1" sz="4800">
+              <a:defRPr sz="4800" b="1">
                 <a:latin typeface="Playfair Display"/>
                 <a:ea typeface="Playfair Display"/>
                 <a:cs typeface="Playfair Display"/>
@@ -3188,7 +3383,7 @@
               <a:buSzPts val="4800"/>
               <a:buFont typeface="Playfair Display"/>
               <a:buNone/>
-              <a:defRPr b="1" sz="4800">
+              <a:defRPr sz="4800" b="1">
                 <a:latin typeface="Playfair Display"/>
                 <a:ea typeface="Playfair Display"/>
                 <a:cs typeface="Playfair Display"/>
@@ -3205,7 +3400,7 @@
               <a:buSzPts val="4800"/>
               <a:buFont typeface="Playfair Display"/>
               <a:buNone/>
-              <a:defRPr b="1" sz="4800">
+              <a:defRPr sz="4800" b="1">
                 <a:latin typeface="Playfair Display"/>
                 <a:ea typeface="Playfair Display"/>
                 <a:cs typeface="Playfair Display"/>
@@ -3222,7 +3417,7 @@
               <a:buSzPts val="4800"/>
               <a:buFont typeface="Playfair Display"/>
               <a:buNone/>
-              <a:defRPr b="1" sz="4800">
+              <a:defRPr sz="4800" b="1">
                 <a:latin typeface="Playfair Display"/>
                 <a:ea typeface="Playfair Display"/>
                 <a:cs typeface="Playfair Display"/>
@@ -3239,7 +3434,7 @@
               <a:buSzPts val="4800"/>
               <a:buFont typeface="Playfair Display"/>
               <a:buNone/>
-              <a:defRPr b="1" sz="4800">
+              <a:defRPr sz="4800" b="1">
                 <a:latin typeface="Playfair Display"/>
                 <a:ea typeface="Playfair Display"/>
                 <a:cs typeface="Playfair Display"/>
@@ -3247,15 +3442,19 @@
               </a:defRPr>
             </a:lvl9pPr>
           </a:lstStyle>
-          <a:p/>
+          <a:p>
+            <a:endParaRPr/>
+          </a:p>
         </p:txBody>
       </p:sp>
       <p:sp>
         <p:nvSpPr>
           <p:cNvPr id="18" name="Google Shape;18;p3"/>
-          <p:cNvSpPr txBox="1"/>
+          <p:cNvSpPr txBox="1">
+            <a:spLocks noGrp="1"/>
+          </p:cNvSpPr>
           <p:nvPr>
-            <p:ph idx="12" type="sldNum"/>
+            <p:ph type="sldNum" idx="12"/>
           </p:nvPr>
         </p:nvSpPr>
         <p:spPr>
@@ -3268,7 +3467,7 @@
           </a:prstGeom>
         </p:spPr>
         <p:txBody>
-          <a:bodyPr anchorCtr="0" anchor="ctr" bIns="91425" lIns="91425" spcFirstLastPara="1" rIns="91425" wrap="square" tIns="91425">
+          <a:bodyPr spcFirstLastPara="1" wrap="square" lIns="91425" tIns="91425" rIns="91425" bIns="91425" anchor="ctr" anchorCtr="0">
             <a:normAutofit/>
           </a:bodyPr>
           <a:lstStyle>
@@ -3346,7 +3545,7 @@
             </a:lvl9pPr>
           </a:lstStyle>
           <a:p>
-            <a:pPr indent="0" lvl="0" marL="0" rtl="0" algn="r">
+            <a:pPr marL="0" lvl="0" indent="0" algn="r" rtl="0">
               <a:spcBef>
                 <a:spcPts val="0"/>
               </a:spcBef>
@@ -3372,11 +3571,11 @@
 </file>
 
 <file path=ppt/slideLayouts/slideLayout3.xml><?xml version="1.0" encoding="utf-8"?>
-<p:sldLayout xmlns:a="http://schemas.openxmlformats.org/drawingml/2006/main" xmlns:r="http://schemas.openxmlformats.org/officeDocument/2006/relationships" xmlns:mc="http://schemas.openxmlformats.org/markup-compatibility/2006" xmlns:mv="urn:schemas-microsoft-com:mac:vml" xmlns:p="http://schemas.openxmlformats.org/presentationml/2006/main" xmlns:c="http://schemas.openxmlformats.org/drawingml/2006/chart" xmlns:dgm="http://schemas.openxmlformats.org/drawingml/2006/diagram" xmlns:o="urn:schemas-microsoft-com:office:office" xmlns:v="urn:schemas-microsoft-com:vml" xmlns:pvml="urn:schemas-microsoft-com:office:powerpoint" xmlns:com="http://schemas.openxmlformats.org/drawingml/2006/compatibility" xmlns:p14="http://schemas.microsoft.com/office/powerpoint/2010/main" xmlns:p15="http://schemas.microsoft.com/office/powerpoint/2012/main" xmlns:ahyp="http://schemas.microsoft.com/office/drawing/2018/hyperlinkcolor" matchingName="Title and body" type="tx">
+<p:sldLayout xmlns:a="http://schemas.openxmlformats.org/drawingml/2006/main" xmlns:r="http://schemas.openxmlformats.org/officeDocument/2006/relationships" xmlns:p="http://schemas.openxmlformats.org/presentationml/2006/main" matchingName="Title and body" type="tx">
   <p:cSld name="TITLE_AND_BODY">
     <p:spTree>
       <p:nvGrpSpPr>
-        <p:cNvPr id="19" name="Shape 19"/>
+        <p:cNvPr id="1" name="Shape 19"/>
         <p:cNvGrpSpPr/>
         <p:nvPr/>
       </p:nvGrpSpPr>
@@ -3391,7 +3590,9 @@
       <p:sp>
         <p:nvSpPr>
           <p:cNvPr id="20" name="Google Shape;20;p4"/>
-          <p:cNvSpPr txBox="1"/>
+          <p:cNvSpPr txBox="1">
+            <a:spLocks noGrp="1"/>
+          </p:cNvSpPr>
           <p:nvPr>
             <p:ph type="title"/>
           </p:nvPr>
@@ -3406,7 +3607,7 @@
           </a:prstGeom>
         </p:spPr>
         <p:txBody>
-          <a:bodyPr anchorCtr="0" anchor="t" bIns="91425" lIns="91425" spcFirstLastPara="1" rIns="91425" wrap="square" tIns="91425">
+          <a:bodyPr spcFirstLastPara="1" wrap="square" lIns="91425" tIns="91425" rIns="91425" bIns="91425" anchor="t" anchorCtr="0">
             <a:normAutofit/>
           </a:bodyPr>
           <a:lstStyle>
@@ -3510,15 +3711,19 @@
               <a:defRPr/>
             </a:lvl9pPr>
           </a:lstStyle>
-          <a:p/>
+          <a:p>
+            <a:endParaRPr/>
+          </a:p>
         </p:txBody>
       </p:sp>
       <p:sp>
         <p:nvSpPr>
           <p:cNvPr id="21" name="Google Shape;21;p4"/>
-          <p:cNvSpPr txBox="1"/>
+          <p:cNvSpPr txBox="1">
+            <a:spLocks noGrp="1"/>
+          </p:cNvSpPr>
           <p:nvPr>
-            <p:ph idx="1" type="body"/>
+            <p:ph type="body" idx="1"/>
           </p:nvPr>
         </p:nvSpPr>
         <p:spPr>
@@ -3531,11 +3736,11 @@
           </a:prstGeom>
         </p:spPr>
         <p:txBody>
-          <a:bodyPr anchorCtr="0" anchor="t" bIns="91425" lIns="91425" spcFirstLastPara="1" rIns="91425" wrap="square" tIns="91425">
+          <a:bodyPr spcFirstLastPara="1" wrap="square" lIns="91425" tIns="91425" rIns="91425" bIns="91425" anchor="t" anchorCtr="0">
             <a:normAutofit/>
           </a:bodyPr>
           <a:lstStyle>
-            <a:lvl1pPr indent="-342900" lvl="0" marL="457200">
+            <a:lvl1pPr marL="457200" lvl="0" indent="-342900">
               <a:spcBef>
                 <a:spcPts val="0"/>
               </a:spcBef>
@@ -3546,7 +3751,7 @@
               <a:buChar char="●"/>
               <a:defRPr/>
             </a:lvl1pPr>
-            <a:lvl2pPr indent="-317500" lvl="1" marL="914400">
+            <a:lvl2pPr marL="914400" lvl="1" indent="-317500">
               <a:spcBef>
                 <a:spcPts val="0"/>
               </a:spcBef>
@@ -3557,7 +3762,7 @@
               <a:buChar char="○"/>
               <a:defRPr/>
             </a:lvl2pPr>
-            <a:lvl3pPr indent="-317500" lvl="2" marL="1371600">
+            <a:lvl3pPr marL="1371600" lvl="2" indent="-317500">
               <a:spcBef>
                 <a:spcPts val="0"/>
               </a:spcBef>
@@ -3568,7 +3773,7 @@
               <a:buChar char="■"/>
               <a:defRPr/>
             </a:lvl3pPr>
-            <a:lvl4pPr indent="-317500" lvl="3" marL="1828800">
+            <a:lvl4pPr marL="1828800" lvl="3" indent="-317500">
               <a:spcBef>
                 <a:spcPts val="0"/>
               </a:spcBef>
@@ -3579,7 +3784,7 @@
               <a:buChar char="●"/>
               <a:defRPr/>
             </a:lvl4pPr>
-            <a:lvl5pPr indent="-317500" lvl="4" marL="2286000">
+            <a:lvl5pPr marL="2286000" lvl="4" indent="-317500">
               <a:spcBef>
                 <a:spcPts val="0"/>
               </a:spcBef>
@@ -3590,7 +3795,7 @@
               <a:buChar char="○"/>
               <a:defRPr/>
             </a:lvl5pPr>
-            <a:lvl6pPr indent="-317500" lvl="5" marL="2743200">
+            <a:lvl6pPr marL="2743200" lvl="5" indent="-317500">
               <a:spcBef>
                 <a:spcPts val="0"/>
               </a:spcBef>
@@ -3601,7 +3806,7 @@
               <a:buChar char="■"/>
               <a:defRPr/>
             </a:lvl6pPr>
-            <a:lvl7pPr indent="-317500" lvl="6" marL="3200400">
+            <a:lvl7pPr marL="3200400" lvl="6" indent="-317500">
               <a:spcBef>
                 <a:spcPts val="0"/>
               </a:spcBef>
@@ -3612,7 +3817,7 @@
               <a:buChar char="●"/>
               <a:defRPr/>
             </a:lvl7pPr>
-            <a:lvl8pPr indent="-317500" lvl="7" marL="3657600">
+            <a:lvl8pPr marL="3657600" lvl="7" indent="-317500">
               <a:spcBef>
                 <a:spcPts val="0"/>
               </a:spcBef>
@@ -3623,7 +3828,7 @@
               <a:buChar char="○"/>
               <a:defRPr/>
             </a:lvl8pPr>
-            <a:lvl9pPr indent="-317500" lvl="8" marL="4114800">
+            <a:lvl9pPr marL="4114800" lvl="8" indent="-317500">
               <a:spcBef>
                 <a:spcPts val="0"/>
               </a:spcBef>
@@ -3635,15 +3840,19 @@
               <a:defRPr/>
             </a:lvl9pPr>
           </a:lstStyle>
-          <a:p/>
+          <a:p>
+            <a:endParaRPr/>
+          </a:p>
         </p:txBody>
       </p:sp>
       <p:sp>
         <p:nvSpPr>
           <p:cNvPr id="22" name="Google Shape;22;p4"/>
-          <p:cNvSpPr txBox="1"/>
+          <p:cNvSpPr txBox="1">
+            <a:spLocks noGrp="1"/>
+          </p:cNvSpPr>
           <p:nvPr>
-            <p:ph idx="12" type="sldNum"/>
+            <p:ph type="sldNum" idx="12"/>
           </p:nvPr>
         </p:nvSpPr>
         <p:spPr>
@@ -3656,7 +3865,7 @@
           </a:prstGeom>
         </p:spPr>
         <p:txBody>
-          <a:bodyPr anchorCtr="0" anchor="ctr" bIns="91425" lIns="91425" spcFirstLastPara="1" rIns="91425" wrap="square" tIns="91425">
+          <a:bodyPr spcFirstLastPara="1" wrap="square" lIns="91425" tIns="91425" rIns="91425" bIns="91425" anchor="ctr" anchorCtr="0">
             <a:normAutofit/>
           </a:bodyPr>
           <a:lstStyle>
@@ -3698,7 +3907,7 @@
             </a:lvl9pPr>
           </a:lstStyle>
           <a:p>
-            <a:pPr indent="0" lvl="0" marL="0" rtl="0" algn="r">
+            <a:pPr marL="0" lvl="0" indent="0" algn="r" rtl="0">
               <a:spcBef>
                 <a:spcPts val="0"/>
               </a:spcBef>
@@ -3724,11 +3933,11 @@
 </file>
 
 <file path=ppt/slideLayouts/slideLayout4.xml><?xml version="1.0" encoding="utf-8"?>
-<p:sldLayout xmlns:a="http://schemas.openxmlformats.org/drawingml/2006/main" xmlns:r="http://schemas.openxmlformats.org/officeDocument/2006/relationships" xmlns:mc="http://schemas.openxmlformats.org/markup-compatibility/2006" xmlns:mv="urn:schemas-microsoft-com:mac:vml" xmlns:p="http://schemas.openxmlformats.org/presentationml/2006/main" xmlns:c="http://schemas.openxmlformats.org/drawingml/2006/chart" xmlns:dgm="http://schemas.openxmlformats.org/drawingml/2006/diagram" xmlns:o="urn:schemas-microsoft-com:office:office" xmlns:v="urn:schemas-microsoft-com:vml" xmlns:pvml="urn:schemas-microsoft-com:office:powerpoint" xmlns:com="http://schemas.openxmlformats.org/drawingml/2006/compatibility" xmlns:p14="http://schemas.microsoft.com/office/powerpoint/2010/main" xmlns:p15="http://schemas.microsoft.com/office/powerpoint/2012/main" xmlns:ahyp="http://schemas.microsoft.com/office/drawing/2018/hyperlinkcolor" matchingName="Title and two columns" type="twoColTx">
+<p:sldLayout xmlns:a="http://schemas.openxmlformats.org/drawingml/2006/main" xmlns:r="http://schemas.openxmlformats.org/officeDocument/2006/relationships" xmlns:p="http://schemas.openxmlformats.org/presentationml/2006/main" matchingName="Title and two columns" type="twoColTx">
   <p:cSld name="TITLE_AND_TWO_COLUMNS">
     <p:spTree>
       <p:nvGrpSpPr>
-        <p:cNvPr id="23" name="Shape 23"/>
+        <p:cNvPr id="1" name="Shape 23"/>
         <p:cNvGrpSpPr/>
         <p:nvPr/>
       </p:nvGrpSpPr>
@@ -3743,7 +3952,9 @@
       <p:sp>
         <p:nvSpPr>
           <p:cNvPr id="24" name="Google Shape;24;p5"/>
-          <p:cNvSpPr txBox="1"/>
+          <p:cNvSpPr txBox="1">
+            <a:spLocks noGrp="1"/>
+          </p:cNvSpPr>
           <p:nvPr>
             <p:ph type="title"/>
           </p:nvPr>
@@ -3758,7 +3969,7 @@
           </a:prstGeom>
         </p:spPr>
         <p:txBody>
-          <a:bodyPr anchorCtr="0" anchor="t" bIns="91425" lIns="91425" spcFirstLastPara="1" rIns="91425" wrap="square" tIns="91425">
+          <a:bodyPr spcFirstLastPara="1" wrap="square" lIns="91425" tIns="91425" rIns="91425" bIns="91425" anchor="t" anchorCtr="0">
             <a:normAutofit/>
           </a:bodyPr>
           <a:lstStyle>
@@ -3862,15 +4073,19 @@
               <a:defRPr/>
             </a:lvl9pPr>
           </a:lstStyle>
-          <a:p/>
+          <a:p>
+            <a:endParaRPr/>
+          </a:p>
         </p:txBody>
       </p:sp>
       <p:sp>
         <p:nvSpPr>
           <p:cNvPr id="25" name="Google Shape;25;p5"/>
-          <p:cNvSpPr txBox="1"/>
+          <p:cNvSpPr txBox="1">
+            <a:spLocks noGrp="1"/>
+          </p:cNvSpPr>
           <p:nvPr>
-            <p:ph idx="1" type="body"/>
+            <p:ph type="body" idx="1"/>
           </p:nvPr>
         </p:nvSpPr>
         <p:spPr>
@@ -3883,11 +4098,11 @@
           </a:prstGeom>
         </p:spPr>
         <p:txBody>
-          <a:bodyPr anchorCtr="0" anchor="t" bIns="91425" lIns="91425" spcFirstLastPara="1" rIns="91425" wrap="square" tIns="91425">
+          <a:bodyPr spcFirstLastPara="1" wrap="square" lIns="91425" tIns="91425" rIns="91425" bIns="91425" anchor="t" anchorCtr="0">
             <a:normAutofit/>
           </a:bodyPr>
           <a:lstStyle>
-            <a:lvl1pPr indent="-317500" lvl="0" marL="457200">
+            <a:lvl1pPr marL="457200" lvl="0" indent="-317500">
               <a:spcBef>
                 <a:spcPts val="0"/>
               </a:spcBef>
@@ -3898,7 +4113,7 @@
               <a:buChar char="●"/>
               <a:defRPr sz="1400"/>
             </a:lvl1pPr>
-            <a:lvl2pPr indent="-304800" lvl="1" marL="914400">
+            <a:lvl2pPr marL="914400" lvl="1" indent="-304800">
               <a:spcBef>
                 <a:spcPts val="0"/>
               </a:spcBef>
@@ -3909,7 +4124,7 @@
               <a:buChar char="○"/>
               <a:defRPr sz="1200"/>
             </a:lvl2pPr>
-            <a:lvl3pPr indent="-304800" lvl="2" marL="1371600">
+            <a:lvl3pPr marL="1371600" lvl="2" indent="-304800">
               <a:spcBef>
                 <a:spcPts val="0"/>
               </a:spcBef>
@@ -3920,7 +4135,7 @@
               <a:buChar char="■"/>
               <a:defRPr sz="1200"/>
             </a:lvl3pPr>
-            <a:lvl4pPr indent="-304800" lvl="3" marL="1828800">
+            <a:lvl4pPr marL="1828800" lvl="3" indent="-304800">
               <a:spcBef>
                 <a:spcPts val="0"/>
               </a:spcBef>
@@ -3931,7 +4146,7 @@
               <a:buChar char="●"/>
               <a:defRPr sz="1200"/>
             </a:lvl4pPr>
-            <a:lvl5pPr indent="-304800" lvl="4" marL="2286000">
+            <a:lvl5pPr marL="2286000" lvl="4" indent="-304800">
               <a:spcBef>
                 <a:spcPts val="0"/>
               </a:spcBef>
@@ -3942,7 +4157,7 @@
               <a:buChar char="○"/>
               <a:defRPr sz="1200"/>
             </a:lvl5pPr>
-            <a:lvl6pPr indent="-304800" lvl="5" marL="2743200">
+            <a:lvl6pPr marL="2743200" lvl="5" indent="-304800">
               <a:spcBef>
                 <a:spcPts val="0"/>
               </a:spcBef>
@@ -3953,7 +4168,7 @@
               <a:buChar char="■"/>
               <a:defRPr sz="1200"/>
             </a:lvl6pPr>
-            <a:lvl7pPr indent="-304800" lvl="6" marL="3200400">
+            <a:lvl7pPr marL="3200400" lvl="6" indent="-304800">
               <a:spcBef>
                 <a:spcPts val="0"/>
               </a:spcBef>
@@ -3964,7 +4179,7 @@
               <a:buChar char="●"/>
               <a:defRPr sz="1200"/>
             </a:lvl7pPr>
-            <a:lvl8pPr indent="-304800" lvl="7" marL="3657600">
+            <a:lvl8pPr marL="3657600" lvl="7" indent="-304800">
               <a:spcBef>
                 <a:spcPts val="0"/>
               </a:spcBef>
@@ -3975,7 +4190,7 @@
               <a:buChar char="○"/>
               <a:defRPr sz="1200"/>
             </a:lvl8pPr>
-            <a:lvl9pPr indent="-304800" lvl="8" marL="4114800">
+            <a:lvl9pPr marL="4114800" lvl="8" indent="-304800">
               <a:spcBef>
                 <a:spcPts val="0"/>
               </a:spcBef>
@@ -3987,15 +4202,19 @@
               <a:defRPr sz="1200"/>
             </a:lvl9pPr>
           </a:lstStyle>
-          <a:p/>
+          <a:p>
+            <a:endParaRPr/>
+          </a:p>
         </p:txBody>
       </p:sp>
       <p:sp>
         <p:nvSpPr>
           <p:cNvPr id="26" name="Google Shape;26;p5"/>
-          <p:cNvSpPr txBox="1"/>
+          <p:cNvSpPr txBox="1">
+            <a:spLocks noGrp="1"/>
+          </p:cNvSpPr>
           <p:nvPr>
-            <p:ph idx="2" type="body"/>
+            <p:ph type="body" idx="2"/>
           </p:nvPr>
         </p:nvSpPr>
         <p:spPr>
@@ -4008,11 +4227,11 @@
           </a:prstGeom>
         </p:spPr>
         <p:txBody>
-          <a:bodyPr anchorCtr="0" anchor="t" bIns="91425" lIns="91425" spcFirstLastPara="1" rIns="91425" wrap="square" tIns="91425">
+          <a:bodyPr spcFirstLastPara="1" wrap="square" lIns="91425" tIns="91425" rIns="91425" bIns="91425" anchor="t" anchorCtr="0">
             <a:normAutofit/>
           </a:bodyPr>
           <a:lstStyle>
-            <a:lvl1pPr indent="-317500" lvl="0" marL="457200">
+            <a:lvl1pPr marL="457200" lvl="0" indent="-317500">
               <a:spcBef>
                 <a:spcPts val="0"/>
               </a:spcBef>
@@ -4023,7 +4242,7 @@
               <a:buChar char="●"/>
               <a:defRPr sz="1400"/>
             </a:lvl1pPr>
-            <a:lvl2pPr indent="-304800" lvl="1" marL="914400">
+            <a:lvl2pPr marL="914400" lvl="1" indent="-304800">
               <a:spcBef>
                 <a:spcPts val="0"/>
               </a:spcBef>
@@ -4034,7 +4253,7 @@
               <a:buChar char="○"/>
               <a:defRPr sz="1200"/>
             </a:lvl2pPr>
-            <a:lvl3pPr indent="-304800" lvl="2" marL="1371600">
+            <a:lvl3pPr marL="1371600" lvl="2" indent="-304800">
               <a:spcBef>
                 <a:spcPts val="0"/>
               </a:spcBef>
@@ -4045,7 +4264,7 @@
               <a:buChar char="■"/>
               <a:defRPr sz="1200"/>
             </a:lvl3pPr>
-            <a:lvl4pPr indent="-304800" lvl="3" marL="1828800">
+            <a:lvl4pPr marL="1828800" lvl="3" indent="-304800">
               <a:spcBef>
                 <a:spcPts val="0"/>
               </a:spcBef>
@@ -4056,7 +4275,7 @@
               <a:buChar char="●"/>
               <a:defRPr sz="1200"/>
             </a:lvl4pPr>
-            <a:lvl5pPr indent="-304800" lvl="4" marL="2286000">
+            <a:lvl5pPr marL="2286000" lvl="4" indent="-304800">
               <a:spcBef>
                 <a:spcPts val="0"/>
               </a:spcBef>
@@ -4067,7 +4286,7 @@
               <a:buChar char="○"/>
               <a:defRPr sz="1200"/>
             </a:lvl5pPr>
-            <a:lvl6pPr indent="-304800" lvl="5" marL="2743200">
+            <a:lvl6pPr marL="2743200" lvl="5" indent="-304800">
               <a:spcBef>
                 <a:spcPts val="0"/>
               </a:spcBef>
@@ -4078,7 +4297,7 @@
               <a:buChar char="■"/>
               <a:defRPr sz="1200"/>
             </a:lvl6pPr>
-            <a:lvl7pPr indent="-304800" lvl="6" marL="3200400">
+            <a:lvl7pPr marL="3200400" lvl="6" indent="-304800">
               <a:spcBef>
                 <a:spcPts val="0"/>
               </a:spcBef>
@@ -4089,7 +4308,7 @@
               <a:buChar char="●"/>
               <a:defRPr sz="1200"/>
             </a:lvl7pPr>
-            <a:lvl8pPr indent="-304800" lvl="7" marL="3657600">
+            <a:lvl8pPr marL="3657600" lvl="7" indent="-304800">
               <a:spcBef>
                 <a:spcPts val="0"/>
               </a:spcBef>
@@ -4100,7 +4319,7 @@
               <a:buChar char="○"/>
               <a:defRPr sz="1200"/>
             </a:lvl8pPr>
-            <a:lvl9pPr indent="-304800" lvl="8" marL="4114800">
+            <a:lvl9pPr marL="4114800" lvl="8" indent="-304800">
               <a:spcBef>
                 <a:spcPts val="0"/>
               </a:spcBef>
@@ -4112,15 +4331,19 @@
               <a:defRPr sz="1200"/>
             </a:lvl9pPr>
           </a:lstStyle>
-          <a:p/>
+          <a:p>
+            <a:endParaRPr/>
+          </a:p>
         </p:txBody>
       </p:sp>
       <p:sp>
         <p:nvSpPr>
           <p:cNvPr id="27" name="Google Shape;27;p5"/>
-          <p:cNvSpPr txBox="1"/>
+          <p:cNvSpPr txBox="1">
+            <a:spLocks noGrp="1"/>
+          </p:cNvSpPr>
           <p:nvPr>
-            <p:ph idx="12" type="sldNum"/>
+            <p:ph type="sldNum" idx="12"/>
           </p:nvPr>
         </p:nvSpPr>
         <p:spPr>
@@ -4133,7 +4356,7 @@
           </a:prstGeom>
         </p:spPr>
         <p:txBody>
-          <a:bodyPr anchorCtr="0" anchor="ctr" bIns="91425" lIns="91425" spcFirstLastPara="1" rIns="91425" wrap="square" tIns="91425">
+          <a:bodyPr spcFirstLastPara="1" wrap="square" lIns="91425" tIns="91425" rIns="91425" bIns="91425" anchor="ctr" anchorCtr="0">
             <a:normAutofit/>
           </a:bodyPr>
           <a:lstStyle>
@@ -4175,7 +4398,7 @@
             </a:lvl9pPr>
           </a:lstStyle>
           <a:p>
-            <a:pPr indent="0" lvl="0" marL="0" rtl="0" algn="r">
+            <a:pPr marL="0" lvl="0" indent="0" algn="r" rtl="0">
               <a:spcBef>
                 <a:spcPts val="0"/>
               </a:spcBef>
@@ -4201,11 +4424,11 @@
 </file>
 
 <file path=ppt/slideLayouts/slideLayout5.xml><?xml version="1.0" encoding="utf-8"?>
-<p:sldLayout xmlns:a="http://schemas.openxmlformats.org/drawingml/2006/main" xmlns:r="http://schemas.openxmlformats.org/officeDocument/2006/relationships" xmlns:mc="http://schemas.openxmlformats.org/markup-compatibility/2006" xmlns:mv="urn:schemas-microsoft-com:mac:vml" xmlns:p="http://schemas.openxmlformats.org/presentationml/2006/main" xmlns:c="http://schemas.openxmlformats.org/drawingml/2006/chart" xmlns:dgm="http://schemas.openxmlformats.org/drawingml/2006/diagram" xmlns:o="urn:schemas-microsoft-com:office:office" xmlns:v="urn:schemas-microsoft-com:vml" xmlns:pvml="urn:schemas-microsoft-com:office:powerpoint" xmlns:com="http://schemas.openxmlformats.org/drawingml/2006/compatibility" xmlns:p14="http://schemas.microsoft.com/office/powerpoint/2010/main" xmlns:p15="http://schemas.microsoft.com/office/powerpoint/2012/main" xmlns:ahyp="http://schemas.microsoft.com/office/drawing/2018/hyperlinkcolor" matchingName="Title only" type="titleOnly">
+<p:sldLayout xmlns:a="http://schemas.openxmlformats.org/drawingml/2006/main" xmlns:r="http://schemas.openxmlformats.org/officeDocument/2006/relationships" xmlns:p="http://schemas.openxmlformats.org/presentationml/2006/main" matchingName="Title only" type="titleOnly">
   <p:cSld name="TITLE_ONLY">
     <p:spTree>
       <p:nvGrpSpPr>
-        <p:cNvPr id="28" name="Shape 28"/>
+        <p:cNvPr id="1" name="Shape 28"/>
         <p:cNvGrpSpPr/>
         <p:nvPr/>
       </p:nvGrpSpPr>
@@ -4220,7 +4443,9 @@
       <p:sp>
         <p:nvSpPr>
           <p:cNvPr id="29" name="Google Shape;29;p6"/>
-          <p:cNvSpPr txBox="1"/>
+          <p:cNvSpPr txBox="1">
+            <a:spLocks noGrp="1"/>
+          </p:cNvSpPr>
           <p:nvPr>
             <p:ph type="title"/>
           </p:nvPr>
@@ -4235,7 +4460,7 @@
           </a:prstGeom>
         </p:spPr>
         <p:txBody>
-          <a:bodyPr anchorCtr="0" anchor="t" bIns="91425" lIns="91425" spcFirstLastPara="1" rIns="91425" wrap="square" tIns="91425">
+          <a:bodyPr spcFirstLastPara="1" wrap="square" lIns="91425" tIns="91425" rIns="91425" bIns="91425" anchor="t" anchorCtr="0">
             <a:normAutofit/>
           </a:bodyPr>
           <a:lstStyle>
@@ -4339,15 +4564,19 @@
               <a:defRPr/>
             </a:lvl9pPr>
           </a:lstStyle>
-          <a:p/>
+          <a:p>
+            <a:endParaRPr/>
+          </a:p>
         </p:txBody>
       </p:sp>
       <p:sp>
         <p:nvSpPr>
           <p:cNvPr id="30" name="Google Shape;30;p6"/>
-          <p:cNvSpPr txBox="1"/>
+          <p:cNvSpPr txBox="1">
+            <a:spLocks noGrp="1"/>
+          </p:cNvSpPr>
           <p:nvPr>
-            <p:ph idx="12" type="sldNum"/>
+            <p:ph type="sldNum" idx="12"/>
           </p:nvPr>
         </p:nvSpPr>
         <p:spPr>
@@ -4360,7 +4589,7 @@
           </a:prstGeom>
         </p:spPr>
         <p:txBody>
-          <a:bodyPr anchorCtr="0" anchor="ctr" bIns="91425" lIns="91425" spcFirstLastPara="1" rIns="91425" wrap="square" tIns="91425">
+          <a:bodyPr spcFirstLastPara="1" wrap="square" lIns="91425" tIns="91425" rIns="91425" bIns="91425" anchor="ctr" anchorCtr="0">
             <a:normAutofit/>
           </a:bodyPr>
           <a:lstStyle>
@@ -4402,7 +4631,7 @@
             </a:lvl9pPr>
           </a:lstStyle>
           <a:p>
-            <a:pPr indent="0" lvl="0" marL="0" rtl="0" algn="r">
+            <a:pPr marL="0" lvl="0" indent="0" algn="r" rtl="0">
               <a:spcBef>
                 <a:spcPts val="0"/>
               </a:spcBef>
@@ -4428,11 +4657,11 @@
 </file>
 
 <file path=ppt/slideLayouts/slideLayout6.xml><?xml version="1.0" encoding="utf-8"?>
-<p:sldLayout xmlns:a="http://schemas.openxmlformats.org/drawingml/2006/main" xmlns:r="http://schemas.openxmlformats.org/officeDocument/2006/relationships" xmlns:mc="http://schemas.openxmlformats.org/markup-compatibility/2006" xmlns:mv="urn:schemas-microsoft-com:mac:vml" xmlns:p="http://schemas.openxmlformats.org/presentationml/2006/main" xmlns:c="http://schemas.openxmlformats.org/drawingml/2006/chart" xmlns:dgm="http://schemas.openxmlformats.org/drawingml/2006/diagram" xmlns:o="urn:schemas-microsoft-com:office:office" xmlns:v="urn:schemas-microsoft-com:vml" xmlns:pvml="urn:schemas-microsoft-com:office:powerpoint" xmlns:com="http://schemas.openxmlformats.org/drawingml/2006/compatibility" xmlns:p14="http://schemas.microsoft.com/office/powerpoint/2010/main" xmlns:p15="http://schemas.microsoft.com/office/powerpoint/2012/main" xmlns:ahyp="http://schemas.microsoft.com/office/drawing/2018/hyperlinkcolor" matchingName="One column text">
+<p:sldLayout xmlns:a="http://schemas.openxmlformats.org/drawingml/2006/main" xmlns:r="http://schemas.openxmlformats.org/officeDocument/2006/relationships" xmlns:p="http://schemas.openxmlformats.org/presentationml/2006/main" matchingName="One column text">
   <p:cSld name="ONE_COLUMN_TEXT">
     <p:spTree>
       <p:nvGrpSpPr>
-        <p:cNvPr id="31" name="Shape 31"/>
+        <p:cNvPr id="1" name="Shape 31"/>
         <p:cNvGrpSpPr/>
         <p:nvPr/>
       </p:nvGrpSpPr>
@@ -4447,7 +4676,9 @@
       <p:sp>
         <p:nvSpPr>
           <p:cNvPr id="32" name="Google Shape;32;p7"/>
-          <p:cNvSpPr txBox="1"/>
+          <p:cNvSpPr txBox="1">
+            <a:spLocks noGrp="1"/>
+          </p:cNvSpPr>
           <p:nvPr>
             <p:ph type="title"/>
           </p:nvPr>
@@ -4462,7 +4693,7 @@
           </a:prstGeom>
         </p:spPr>
         <p:txBody>
-          <a:bodyPr anchorCtr="0" anchor="b" bIns="91425" lIns="91425" spcFirstLastPara="1" rIns="91425" wrap="square" tIns="91425">
+          <a:bodyPr spcFirstLastPara="1" wrap="square" lIns="91425" tIns="91425" rIns="91425" bIns="91425" anchor="b" anchorCtr="0">
             <a:normAutofit/>
           </a:bodyPr>
           <a:lstStyle>
@@ -4566,15 +4797,19 @@
               <a:defRPr sz="2400"/>
             </a:lvl9pPr>
           </a:lstStyle>
-          <a:p/>
+          <a:p>
+            <a:endParaRPr/>
+          </a:p>
         </p:txBody>
       </p:sp>
       <p:sp>
         <p:nvSpPr>
           <p:cNvPr id="33" name="Google Shape;33;p7"/>
-          <p:cNvSpPr txBox="1"/>
+          <p:cNvSpPr txBox="1">
+            <a:spLocks noGrp="1"/>
+          </p:cNvSpPr>
           <p:nvPr>
-            <p:ph idx="1" type="body"/>
+            <p:ph type="body" idx="1"/>
           </p:nvPr>
         </p:nvSpPr>
         <p:spPr>
@@ -4587,11 +4822,11 @@
           </a:prstGeom>
         </p:spPr>
         <p:txBody>
-          <a:bodyPr anchorCtr="0" anchor="t" bIns="91425" lIns="91425" spcFirstLastPara="1" rIns="91425" wrap="square" tIns="91425">
+          <a:bodyPr spcFirstLastPara="1" wrap="square" lIns="91425" tIns="91425" rIns="91425" bIns="91425" anchor="t" anchorCtr="0">
             <a:normAutofit/>
           </a:bodyPr>
           <a:lstStyle>
-            <a:lvl1pPr indent="-304800" lvl="0" marL="457200">
+            <a:lvl1pPr marL="457200" lvl="0" indent="-304800">
               <a:spcBef>
                 <a:spcPts val="0"/>
               </a:spcBef>
@@ -4602,7 +4837,7 @@
               <a:buChar char="●"/>
               <a:defRPr sz="1200"/>
             </a:lvl1pPr>
-            <a:lvl2pPr indent="-304800" lvl="1" marL="914400">
+            <a:lvl2pPr marL="914400" lvl="1" indent="-304800">
               <a:spcBef>
                 <a:spcPts val="0"/>
               </a:spcBef>
@@ -4613,7 +4848,7 @@
               <a:buChar char="○"/>
               <a:defRPr sz="1200"/>
             </a:lvl2pPr>
-            <a:lvl3pPr indent="-304800" lvl="2" marL="1371600">
+            <a:lvl3pPr marL="1371600" lvl="2" indent="-304800">
               <a:spcBef>
                 <a:spcPts val="0"/>
               </a:spcBef>
@@ -4624,7 +4859,7 @@
               <a:buChar char="■"/>
               <a:defRPr sz="1200"/>
             </a:lvl3pPr>
-            <a:lvl4pPr indent="-304800" lvl="3" marL="1828800">
+            <a:lvl4pPr marL="1828800" lvl="3" indent="-304800">
               <a:spcBef>
                 <a:spcPts val="0"/>
               </a:spcBef>
@@ -4635,7 +4870,7 @@
               <a:buChar char="●"/>
               <a:defRPr sz="1200"/>
             </a:lvl4pPr>
-            <a:lvl5pPr indent="-304800" lvl="4" marL="2286000">
+            <a:lvl5pPr marL="2286000" lvl="4" indent="-304800">
               <a:spcBef>
                 <a:spcPts val="0"/>
               </a:spcBef>
@@ -4646,7 +4881,7 @@
               <a:buChar char="○"/>
               <a:defRPr sz="1200"/>
             </a:lvl5pPr>
-            <a:lvl6pPr indent="-304800" lvl="5" marL="2743200">
+            <a:lvl6pPr marL="2743200" lvl="5" indent="-304800">
               <a:spcBef>
                 <a:spcPts val="0"/>
               </a:spcBef>
@@ -4657,7 +4892,7 @@
               <a:buChar char="■"/>
               <a:defRPr sz="1200"/>
             </a:lvl6pPr>
-            <a:lvl7pPr indent="-304800" lvl="6" marL="3200400">
+            <a:lvl7pPr marL="3200400" lvl="6" indent="-304800">
               <a:spcBef>
                 <a:spcPts val="0"/>
               </a:spcBef>
@@ -4668,7 +4903,7 @@
               <a:buChar char="●"/>
               <a:defRPr sz="1200"/>
             </a:lvl7pPr>
-            <a:lvl8pPr indent="-304800" lvl="7" marL="3657600">
+            <a:lvl8pPr marL="3657600" lvl="7" indent="-304800">
               <a:spcBef>
                 <a:spcPts val="0"/>
               </a:spcBef>
@@ -4679,7 +4914,7 @@
               <a:buChar char="○"/>
               <a:defRPr sz="1200"/>
             </a:lvl8pPr>
-            <a:lvl9pPr indent="-304800" lvl="8" marL="4114800">
+            <a:lvl9pPr marL="4114800" lvl="8" indent="-304800">
               <a:spcBef>
                 <a:spcPts val="0"/>
               </a:spcBef>
@@ -4691,15 +4926,19 @@
               <a:defRPr sz="1200"/>
             </a:lvl9pPr>
           </a:lstStyle>
-          <a:p/>
+          <a:p>
+            <a:endParaRPr/>
+          </a:p>
         </p:txBody>
       </p:sp>
       <p:sp>
         <p:nvSpPr>
           <p:cNvPr id="34" name="Google Shape;34;p7"/>
-          <p:cNvSpPr txBox="1"/>
+          <p:cNvSpPr txBox="1">
+            <a:spLocks noGrp="1"/>
+          </p:cNvSpPr>
           <p:nvPr>
-            <p:ph idx="12" type="sldNum"/>
+            <p:ph type="sldNum" idx="12"/>
           </p:nvPr>
         </p:nvSpPr>
         <p:spPr>
@@ -4712,7 +4951,7 @@
           </a:prstGeom>
         </p:spPr>
         <p:txBody>
-          <a:bodyPr anchorCtr="0" anchor="ctr" bIns="91425" lIns="91425" spcFirstLastPara="1" rIns="91425" wrap="square" tIns="91425">
+          <a:bodyPr spcFirstLastPara="1" wrap="square" lIns="91425" tIns="91425" rIns="91425" bIns="91425" anchor="ctr" anchorCtr="0">
             <a:normAutofit/>
           </a:bodyPr>
           <a:lstStyle>
@@ -4754,7 +4993,7 @@
             </a:lvl9pPr>
           </a:lstStyle>
           <a:p>
-            <a:pPr indent="0" lvl="0" marL="0" rtl="0" algn="r">
+            <a:pPr marL="0" lvl="0" indent="0" algn="r" rtl="0">
               <a:spcBef>
                 <a:spcPts val="0"/>
               </a:spcBef>
@@ -4780,18 +5019,19 @@
 </file>
 
 <file path=ppt/slideLayouts/slideLayout7.xml><?xml version="1.0" encoding="utf-8"?>
-<p:sldLayout xmlns:a="http://schemas.openxmlformats.org/drawingml/2006/main" xmlns:r="http://schemas.openxmlformats.org/officeDocument/2006/relationships" xmlns:mc="http://schemas.openxmlformats.org/markup-compatibility/2006" xmlns:mv="urn:schemas-microsoft-com:mac:vml" xmlns:p="http://schemas.openxmlformats.org/presentationml/2006/main" xmlns:c="http://schemas.openxmlformats.org/drawingml/2006/chart" xmlns:dgm="http://schemas.openxmlformats.org/drawingml/2006/diagram" xmlns:o="urn:schemas-microsoft-com:office:office" xmlns:v="urn:schemas-microsoft-com:vml" xmlns:pvml="urn:schemas-microsoft-com:office:powerpoint" xmlns:com="http://schemas.openxmlformats.org/drawingml/2006/compatibility" xmlns:p14="http://schemas.microsoft.com/office/powerpoint/2010/main" xmlns:p15="http://schemas.microsoft.com/office/powerpoint/2012/main" xmlns:ahyp="http://schemas.microsoft.com/office/drawing/2018/hyperlinkcolor" matchingName="Main point">
+<p:sldLayout xmlns:a="http://schemas.openxmlformats.org/drawingml/2006/main" xmlns:r="http://schemas.openxmlformats.org/officeDocument/2006/relationships" xmlns:p="http://schemas.openxmlformats.org/presentationml/2006/main" matchingName="Main point">
   <p:cSld name="MAIN_POINT">
     <p:bg>
       <p:bgPr>
         <a:solidFill>
           <a:schemeClr val="accent3"/>
         </a:solidFill>
+        <a:effectLst/>
       </p:bgPr>
     </p:bg>
     <p:spTree>
       <p:nvGrpSpPr>
-        <p:cNvPr id="35" name="Shape 35"/>
+        <p:cNvPr id="1" name="Shape 35"/>
         <p:cNvGrpSpPr/>
         <p:nvPr/>
       </p:nvGrpSpPr>
@@ -4806,7 +5046,9 @@
       <p:sp>
         <p:nvSpPr>
           <p:cNvPr id="36" name="Google Shape;36;p8"/>
-          <p:cNvSpPr txBox="1"/>
+          <p:cNvSpPr txBox="1">
+            <a:spLocks noGrp="1"/>
+          </p:cNvSpPr>
           <p:nvPr>
             <p:ph type="title"/>
           </p:nvPr>
@@ -4821,7 +5063,7 @@
           </a:prstGeom>
         </p:spPr>
         <p:txBody>
-          <a:bodyPr anchorCtr="0" anchor="ctr" bIns="91425" lIns="91425" spcFirstLastPara="1" rIns="91425" wrap="square" tIns="91425">
+          <a:bodyPr spcFirstLastPara="1" wrap="square" lIns="91425" tIns="91425" rIns="91425" bIns="91425" anchor="ctr" anchorCtr="0">
             <a:normAutofit/>
           </a:bodyPr>
           <a:lstStyle>
@@ -5033,15 +5275,19 @@
               </a:defRPr>
             </a:lvl9pPr>
           </a:lstStyle>
-          <a:p/>
+          <a:p>
+            <a:endParaRPr/>
+          </a:p>
         </p:txBody>
       </p:sp>
       <p:sp>
         <p:nvSpPr>
           <p:cNvPr id="37" name="Google Shape;37;p8"/>
-          <p:cNvSpPr txBox="1"/>
+          <p:cNvSpPr txBox="1">
+            <a:spLocks noGrp="1"/>
+          </p:cNvSpPr>
           <p:nvPr>
-            <p:ph idx="12" type="sldNum"/>
+            <p:ph type="sldNum" idx="12"/>
           </p:nvPr>
         </p:nvSpPr>
         <p:spPr>
@@ -5054,7 +5300,7 @@
           </a:prstGeom>
         </p:spPr>
         <p:txBody>
-          <a:bodyPr anchorCtr="0" anchor="ctr" bIns="91425" lIns="91425" spcFirstLastPara="1" rIns="91425" wrap="square" tIns="91425">
+          <a:bodyPr spcFirstLastPara="1" wrap="square" lIns="91425" tIns="91425" rIns="91425" bIns="91425" anchor="ctr" anchorCtr="0">
             <a:normAutofit/>
           </a:bodyPr>
           <a:lstStyle>
@@ -5132,7 +5378,7 @@
             </a:lvl9pPr>
           </a:lstStyle>
           <a:p>
-            <a:pPr indent="0" lvl="0" marL="0" rtl="0" algn="r">
+            <a:pPr marL="0" lvl="0" indent="0" algn="r" rtl="0">
               <a:spcBef>
                 <a:spcPts val="0"/>
               </a:spcBef>
@@ -5158,11 +5404,11 @@
 </file>
 
 <file path=ppt/slideLayouts/slideLayout8.xml><?xml version="1.0" encoding="utf-8"?>
-<p:sldLayout xmlns:a="http://schemas.openxmlformats.org/drawingml/2006/main" xmlns:r="http://schemas.openxmlformats.org/officeDocument/2006/relationships" xmlns:mc="http://schemas.openxmlformats.org/markup-compatibility/2006" xmlns:mv="urn:schemas-microsoft-com:mac:vml" xmlns:p="http://schemas.openxmlformats.org/presentationml/2006/main" xmlns:c="http://schemas.openxmlformats.org/drawingml/2006/chart" xmlns:dgm="http://schemas.openxmlformats.org/drawingml/2006/diagram" xmlns:o="urn:schemas-microsoft-com:office:office" xmlns:v="urn:schemas-microsoft-com:vml" xmlns:pvml="urn:schemas-microsoft-com:office:powerpoint" xmlns:com="http://schemas.openxmlformats.org/drawingml/2006/compatibility" xmlns:p14="http://schemas.microsoft.com/office/powerpoint/2010/main" xmlns:p15="http://schemas.microsoft.com/office/powerpoint/2012/main" xmlns:ahyp="http://schemas.microsoft.com/office/drawing/2018/hyperlinkcolor" matchingName="Section title and description">
+<p:sldLayout xmlns:a="http://schemas.openxmlformats.org/drawingml/2006/main" xmlns:r="http://schemas.openxmlformats.org/officeDocument/2006/relationships" xmlns:p="http://schemas.openxmlformats.org/presentationml/2006/main" matchingName="Section title and description">
   <p:cSld name="SECTION_TITLE_AND_DESCRIPTION">
     <p:spTree>
       <p:nvGrpSpPr>
-        <p:cNvPr id="38" name="Shape 38"/>
+        <p:cNvPr id="1" name="Shape 38"/>
         <p:cNvGrpSpPr/>
         <p:nvPr/>
       </p:nvGrpSpPr>
@@ -5196,12 +5442,12 @@
           </a:ln>
         </p:spPr>
         <p:txBody>
-          <a:bodyPr anchorCtr="0" anchor="ctr" bIns="91425" lIns="91425" spcFirstLastPara="1" rIns="91425" wrap="square" tIns="91425">
+          <a:bodyPr spcFirstLastPara="1" wrap="square" lIns="91425" tIns="91425" rIns="91425" bIns="91425" anchor="ctr" anchorCtr="0">
             <a:noAutofit/>
           </a:bodyPr>
           <a:lstStyle/>
           <a:p>
-            <a:pPr indent="0" lvl="0" marL="0" rtl="0" algn="l">
+            <a:pPr marL="0" lvl="0" indent="0" algn="l" rtl="0">
               <a:spcBef>
                 <a:spcPts val="0"/>
               </a:spcBef>
@@ -5210,9 +5456,6 @@
               </a:spcAft>
               <a:buNone/>
             </a:pPr>
-            <a:r>
-              <a:t/>
-            </a:r>
             <a:endParaRPr/>
           </a:p>
         </p:txBody>
@@ -5232,21 +5475,23 @@
             <a:avLst/>
           </a:prstGeom>
           <a:noFill/>
-          <a:ln cap="flat" cmpd="sng" w="19050">
+          <a:ln w="19050" cap="flat" cmpd="sng">
             <a:solidFill>
               <a:schemeClr val="dk2"/>
             </a:solidFill>
             <a:prstDash val="solid"/>
             <a:round/>
-            <a:headEnd len="sm" w="sm" type="none"/>
-            <a:tailEnd len="sm" w="sm" type="none"/>
+            <a:headEnd type="none" w="sm" len="sm"/>
+            <a:tailEnd type="none" w="sm" len="sm"/>
           </a:ln>
         </p:spPr>
       </p:cxnSp>
       <p:sp>
         <p:nvSpPr>
           <p:cNvPr id="41" name="Google Shape;41;p9"/>
-          <p:cNvSpPr txBox="1"/>
+          <p:cNvSpPr txBox="1">
+            <a:spLocks noGrp="1"/>
+          </p:cNvSpPr>
           <p:nvPr>
             <p:ph type="title"/>
           </p:nvPr>
@@ -5261,7 +5506,7 @@
           </a:prstGeom>
         </p:spPr>
         <p:txBody>
-          <a:bodyPr anchorCtr="0" anchor="b" bIns="91425" lIns="91425" spcFirstLastPara="1" rIns="91425" wrap="square" tIns="91425">
+          <a:bodyPr spcFirstLastPara="1" wrap="square" lIns="91425" tIns="91425" rIns="91425" bIns="91425" anchor="b" anchorCtr="0">
             <a:normAutofit/>
           </a:bodyPr>
           <a:lstStyle>
@@ -5365,15 +5610,19 @@
               <a:defRPr sz="4200"/>
             </a:lvl9pPr>
           </a:lstStyle>
-          <a:p/>
+          <a:p>
+            <a:endParaRPr/>
+          </a:p>
         </p:txBody>
       </p:sp>
       <p:sp>
         <p:nvSpPr>
           <p:cNvPr id="42" name="Google Shape;42;p9"/>
-          <p:cNvSpPr txBox="1"/>
+          <p:cNvSpPr txBox="1">
+            <a:spLocks noGrp="1"/>
+          </p:cNvSpPr>
           <p:nvPr>
-            <p:ph idx="1" type="subTitle"/>
+            <p:ph type="subTitle" idx="1"/>
           </p:nvPr>
         </p:nvSpPr>
         <p:spPr>
@@ -5386,7 +5635,7 @@
           </a:prstGeom>
         </p:spPr>
         <p:txBody>
-          <a:bodyPr anchorCtr="0" anchor="t" bIns="91425" lIns="91425" spcFirstLastPara="1" rIns="91425" wrap="square" tIns="91425">
+          <a:bodyPr spcFirstLastPara="1" wrap="square" lIns="91425" tIns="91425" rIns="91425" bIns="91425" anchor="t" anchorCtr="0">
             <a:normAutofit/>
           </a:bodyPr>
           <a:lstStyle>
@@ -5517,15 +5766,19 @@
               <a:defRPr sz="2100"/>
             </a:lvl9pPr>
           </a:lstStyle>
-          <a:p/>
+          <a:p>
+            <a:endParaRPr/>
+          </a:p>
         </p:txBody>
       </p:sp>
       <p:sp>
         <p:nvSpPr>
           <p:cNvPr id="43" name="Google Shape;43;p9"/>
-          <p:cNvSpPr txBox="1"/>
+          <p:cNvSpPr txBox="1">
+            <a:spLocks noGrp="1"/>
+          </p:cNvSpPr>
           <p:nvPr>
-            <p:ph idx="2" type="body"/>
+            <p:ph type="body" idx="2"/>
           </p:nvPr>
         </p:nvSpPr>
         <p:spPr>
@@ -5538,11 +5791,11 @@
           </a:prstGeom>
         </p:spPr>
         <p:txBody>
-          <a:bodyPr anchorCtr="0" anchor="ctr" bIns="91425" lIns="91425" spcFirstLastPara="1" rIns="91425" wrap="square" tIns="91425">
+          <a:bodyPr spcFirstLastPara="1" wrap="square" lIns="91425" tIns="91425" rIns="91425" bIns="91425" anchor="ctr" anchorCtr="0">
             <a:normAutofit/>
           </a:bodyPr>
           <a:lstStyle>
-            <a:lvl1pPr indent="-342900" lvl="0" marL="457200">
+            <a:lvl1pPr marL="457200" lvl="0" indent="-342900">
               <a:spcBef>
                 <a:spcPts val="0"/>
               </a:spcBef>
@@ -5557,7 +5810,7 @@
                 </a:highlight>
               </a:defRPr>
             </a:lvl1pPr>
-            <a:lvl2pPr indent="-317500" lvl="1" marL="914400">
+            <a:lvl2pPr marL="914400" lvl="1" indent="-317500">
               <a:spcBef>
                 <a:spcPts val="0"/>
               </a:spcBef>
@@ -5572,7 +5825,7 @@
                 </a:highlight>
               </a:defRPr>
             </a:lvl2pPr>
-            <a:lvl3pPr indent="-317500" lvl="2" marL="1371600">
+            <a:lvl3pPr marL="1371600" lvl="2" indent="-317500">
               <a:spcBef>
                 <a:spcPts val="0"/>
               </a:spcBef>
@@ -5587,7 +5840,7 @@
                 </a:highlight>
               </a:defRPr>
             </a:lvl3pPr>
-            <a:lvl4pPr indent="-317500" lvl="3" marL="1828800">
+            <a:lvl4pPr marL="1828800" lvl="3" indent="-317500">
               <a:spcBef>
                 <a:spcPts val="0"/>
               </a:spcBef>
@@ -5602,7 +5855,7 @@
                 </a:highlight>
               </a:defRPr>
             </a:lvl4pPr>
-            <a:lvl5pPr indent="-317500" lvl="4" marL="2286000">
+            <a:lvl5pPr marL="2286000" lvl="4" indent="-317500">
               <a:spcBef>
                 <a:spcPts val="0"/>
               </a:spcBef>
@@ -5617,7 +5870,7 @@
                 </a:highlight>
               </a:defRPr>
             </a:lvl5pPr>
-            <a:lvl6pPr indent="-317500" lvl="5" marL="2743200">
+            <a:lvl6pPr marL="2743200" lvl="5" indent="-317500">
               <a:spcBef>
                 <a:spcPts val="0"/>
               </a:spcBef>
@@ -5632,7 +5885,7 @@
                 </a:highlight>
               </a:defRPr>
             </a:lvl6pPr>
-            <a:lvl7pPr indent="-317500" lvl="6" marL="3200400">
+            <a:lvl7pPr marL="3200400" lvl="6" indent="-317500">
               <a:spcBef>
                 <a:spcPts val="0"/>
               </a:spcBef>
@@ -5647,7 +5900,7 @@
                 </a:highlight>
               </a:defRPr>
             </a:lvl7pPr>
-            <a:lvl8pPr indent="-317500" lvl="7" marL="3657600">
+            <a:lvl8pPr marL="3657600" lvl="7" indent="-317500">
               <a:spcBef>
                 <a:spcPts val="0"/>
               </a:spcBef>
@@ -5662,7 +5915,7 @@
                 </a:highlight>
               </a:defRPr>
             </a:lvl8pPr>
-            <a:lvl9pPr indent="-317500" lvl="8" marL="4114800">
+            <a:lvl9pPr marL="4114800" lvl="8" indent="-317500">
               <a:spcBef>
                 <a:spcPts val="0"/>
               </a:spcBef>
@@ -5678,15 +5931,19 @@
               </a:defRPr>
             </a:lvl9pPr>
           </a:lstStyle>
-          <a:p/>
+          <a:p>
+            <a:endParaRPr/>
+          </a:p>
         </p:txBody>
       </p:sp>
       <p:sp>
         <p:nvSpPr>
           <p:cNvPr id="44" name="Google Shape;44;p9"/>
-          <p:cNvSpPr txBox="1"/>
+          <p:cNvSpPr txBox="1">
+            <a:spLocks noGrp="1"/>
+          </p:cNvSpPr>
           <p:nvPr>
-            <p:ph idx="12" type="sldNum"/>
+            <p:ph type="sldNum" idx="12"/>
           </p:nvPr>
         </p:nvSpPr>
         <p:spPr>
@@ -5699,7 +5956,7 @@
           </a:prstGeom>
         </p:spPr>
         <p:txBody>
-          <a:bodyPr anchorCtr="0" anchor="ctr" bIns="91425" lIns="91425" spcFirstLastPara="1" rIns="91425" wrap="square" tIns="91425">
+          <a:bodyPr spcFirstLastPara="1" wrap="square" lIns="91425" tIns="91425" rIns="91425" bIns="91425" anchor="ctr" anchorCtr="0">
             <a:normAutofit/>
           </a:bodyPr>
           <a:lstStyle>
@@ -5741,7 +5998,7 @@
             </a:lvl9pPr>
           </a:lstStyle>
           <a:p>
-            <a:pPr indent="0" lvl="0" marL="0" rtl="0" algn="r">
+            <a:pPr marL="0" lvl="0" indent="0" algn="r" rtl="0">
               <a:spcBef>
                 <a:spcPts val="0"/>
               </a:spcBef>
@@ -5767,11 +6024,11 @@
 </file>
 
 <file path=ppt/slideLayouts/slideLayout9.xml><?xml version="1.0" encoding="utf-8"?>
-<p:sldLayout xmlns:a="http://schemas.openxmlformats.org/drawingml/2006/main" xmlns:r="http://schemas.openxmlformats.org/officeDocument/2006/relationships" xmlns:mc="http://schemas.openxmlformats.org/markup-compatibility/2006" xmlns:mv="urn:schemas-microsoft-com:mac:vml" xmlns:p="http://schemas.openxmlformats.org/presentationml/2006/main" xmlns:c="http://schemas.openxmlformats.org/drawingml/2006/chart" xmlns:dgm="http://schemas.openxmlformats.org/drawingml/2006/diagram" xmlns:o="urn:schemas-microsoft-com:office:office" xmlns:v="urn:schemas-microsoft-com:vml" xmlns:pvml="urn:schemas-microsoft-com:office:powerpoint" xmlns:com="http://schemas.openxmlformats.org/drawingml/2006/compatibility" xmlns:p14="http://schemas.microsoft.com/office/powerpoint/2010/main" xmlns:p15="http://schemas.microsoft.com/office/powerpoint/2012/main" xmlns:ahyp="http://schemas.microsoft.com/office/drawing/2018/hyperlinkcolor" matchingName="Caption">
+<p:sldLayout xmlns:a="http://schemas.openxmlformats.org/drawingml/2006/main" xmlns:r="http://schemas.openxmlformats.org/officeDocument/2006/relationships" xmlns:p="http://schemas.openxmlformats.org/presentationml/2006/main" matchingName="Caption">
   <p:cSld name="CAPTION_ONLY">
     <p:spTree>
       <p:nvGrpSpPr>
-        <p:cNvPr id="45" name="Shape 45"/>
+        <p:cNvPr id="1" name="Shape 45"/>
         <p:cNvGrpSpPr/>
         <p:nvPr/>
       </p:nvGrpSpPr>
@@ -5786,9 +6043,11 @@
       <p:sp>
         <p:nvSpPr>
           <p:cNvPr id="46" name="Google Shape;46;p10"/>
-          <p:cNvSpPr txBox="1"/>
+          <p:cNvSpPr txBox="1">
+            <a:spLocks noGrp="1"/>
+          </p:cNvSpPr>
           <p:nvPr>
-            <p:ph idx="1" type="body"/>
+            <p:ph type="body" idx="1"/>
           </p:nvPr>
         </p:nvSpPr>
         <p:spPr>
@@ -5801,11 +6060,11 @@
           </a:prstGeom>
         </p:spPr>
         <p:txBody>
-          <a:bodyPr anchorCtr="0" anchor="ctr" bIns="91425" lIns="91425" spcFirstLastPara="1" rIns="91425" wrap="square" tIns="91425">
+          <a:bodyPr spcFirstLastPara="1" wrap="square" lIns="91425" tIns="91425" rIns="91425" bIns="91425" anchor="ctr" anchorCtr="0">
             <a:normAutofit/>
           </a:bodyPr>
           <a:lstStyle>
-            <a:lvl1pPr indent="-228600" lvl="0" marL="457200">
+            <a:lvl1pPr marL="457200" lvl="0" indent="-228600">
               <a:lnSpc>
                 <a:spcPct val="100000"/>
               </a:lnSpc>
@@ -5824,15 +6083,19 @@
               </a:defRPr>
             </a:lvl1pPr>
           </a:lstStyle>
-          <a:p/>
+          <a:p>
+            <a:endParaRPr/>
+          </a:p>
         </p:txBody>
       </p:sp>
       <p:sp>
         <p:nvSpPr>
           <p:cNvPr id="47" name="Google Shape;47;p10"/>
-          <p:cNvSpPr txBox="1"/>
+          <p:cNvSpPr txBox="1">
+            <a:spLocks noGrp="1"/>
+          </p:cNvSpPr>
           <p:nvPr>
-            <p:ph idx="12" type="sldNum"/>
+            <p:ph type="sldNum" idx="12"/>
           </p:nvPr>
         </p:nvSpPr>
         <p:spPr>
@@ -5845,7 +6108,7 @@
           </a:prstGeom>
         </p:spPr>
         <p:txBody>
-          <a:bodyPr anchorCtr="0" anchor="ctr" bIns="91425" lIns="91425" spcFirstLastPara="1" rIns="91425" wrap="square" tIns="91425">
+          <a:bodyPr spcFirstLastPara="1" wrap="square" lIns="91425" tIns="91425" rIns="91425" bIns="91425" anchor="ctr" anchorCtr="0">
             <a:normAutofit/>
           </a:bodyPr>
           <a:lstStyle>
@@ -5887,7 +6150,7 @@
             </a:lvl9pPr>
           </a:lstStyle>
           <a:p>
-            <a:pPr indent="0" lvl="0" marL="0" rtl="0" algn="r">
+            <a:pPr marL="0" lvl="0" indent="0" algn="r" rtl="0">
               <a:spcBef>
                 <a:spcPts val="0"/>
               </a:spcBef>
@@ -5913,18 +6176,19 @@
 </file>
 
 <file path=ppt/slideMasters/slideMaster1.xml><?xml version="1.0" encoding="utf-8"?>
-<p:sldMaster xmlns:a="http://schemas.openxmlformats.org/drawingml/2006/main" xmlns:r="http://schemas.openxmlformats.org/officeDocument/2006/relationships" xmlns:mc="http://schemas.openxmlformats.org/markup-compatibility/2006" xmlns:mv="urn:schemas-microsoft-com:mac:vml" xmlns:p="http://schemas.openxmlformats.org/presentationml/2006/main" xmlns:c="http://schemas.openxmlformats.org/drawingml/2006/chart" xmlns:dgm="http://schemas.openxmlformats.org/drawingml/2006/diagram" xmlns:o="urn:schemas-microsoft-com:office:office" xmlns:v="urn:schemas-microsoft-com:vml" xmlns:pvml="urn:schemas-microsoft-com:office:powerpoint" xmlns:com="http://schemas.openxmlformats.org/drawingml/2006/compatibility" xmlns:p14="http://schemas.microsoft.com/office/powerpoint/2010/main" xmlns:p15="http://schemas.microsoft.com/office/powerpoint/2012/main" xmlns:ahyp="http://schemas.microsoft.com/office/drawing/2018/hyperlinkcolor">
+<p:sldMaster xmlns:a="http://schemas.openxmlformats.org/drawingml/2006/main" xmlns:r="http://schemas.openxmlformats.org/officeDocument/2006/relationships" xmlns:p="http://schemas.openxmlformats.org/presentationml/2006/main">
   <p:cSld name="pop">
     <p:bg>
       <p:bgPr>
         <a:solidFill>
           <a:schemeClr val="lt1"/>
         </a:solidFill>
+        <a:effectLst/>
       </p:bgPr>
     </p:bg>
     <p:spTree>
       <p:nvGrpSpPr>
-        <p:cNvPr id="5" name="Shape 5"/>
+        <p:cNvPr id="1" name="Shape 5"/>
         <p:cNvGrpSpPr/>
         <p:nvPr/>
       </p:nvGrpSpPr>
@@ -5939,7 +6203,9 @@
       <p:sp>
         <p:nvSpPr>
           <p:cNvPr id="6" name="Google Shape;6;p1"/>
-          <p:cNvSpPr txBox="1"/>
+          <p:cNvSpPr txBox="1">
+            <a:spLocks noGrp="1"/>
+          </p:cNvSpPr>
           <p:nvPr>
             <p:ph type="title"/>
           </p:nvPr>
@@ -5958,7 +6224,7 @@
           </a:ln>
         </p:spPr>
         <p:txBody>
-          <a:bodyPr anchorCtr="0" anchor="t" bIns="91425" lIns="91425" spcFirstLastPara="1" rIns="91425" wrap="square" tIns="91425">
+          <a:bodyPr spcFirstLastPara="1" wrap="square" lIns="91425" tIns="91425" rIns="91425" bIns="91425" anchor="t" anchorCtr="0">
             <a:normAutofit/>
           </a:bodyPr>
           <a:lstStyle>
@@ -6197,15 +6463,19 @@
               </a:defRPr>
             </a:lvl9pPr>
           </a:lstStyle>
-          <a:p/>
+          <a:p>
+            <a:endParaRPr/>
+          </a:p>
         </p:txBody>
       </p:sp>
       <p:sp>
         <p:nvSpPr>
           <p:cNvPr id="7" name="Google Shape;7;p1"/>
-          <p:cNvSpPr txBox="1"/>
+          <p:cNvSpPr txBox="1">
+            <a:spLocks noGrp="1"/>
+          </p:cNvSpPr>
           <p:nvPr>
-            <p:ph idx="1" type="body"/>
+            <p:ph type="body" idx="1"/>
           </p:nvPr>
         </p:nvSpPr>
         <p:spPr>
@@ -6222,11 +6492,11 @@
           </a:ln>
         </p:spPr>
         <p:txBody>
-          <a:bodyPr anchorCtr="0" anchor="t" bIns="91425" lIns="91425" spcFirstLastPara="1" rIns="91425" wrap="square" tIns="91425">
+          <a:bodyPr spcFirstLastPara="1" wrap="square" lIns="91425" tIns="91425" rIns="91425" bIns="91425" anchor="t" anchorCtr="0">
             <a:normAutofit/>
           </a:bodyPr>
           <a:lstStyle>
-            <a:lvl1pPr indent="-342900" lvl="0" marL="457200">
+            <a:lvl1pPr marL="457200" lvl="0" indent="-342900">
               <a:lnSpc>
                 <a:spcPct val="115000"/>
               </a:lnSpc>
@@ -6252,7 +6522,7 @@
                 <a:sym typeface="Playfair Display"/>
               </a:defRPr>
             </a:lvl1pPr>
-            <a:lvl2pPr indent="-317500" lvl="1" marL="914400">
+            <a:lvl2pPr marL="914400" lvl="1" indent="-317500">
               <a:lnSpc>
                 <a:spcPct val="115000"/>
               </a:lnSpc>
@@ -6278,7 +6548,7 @@
                 <a:sym typeface="Playfair Display"/>
               </a:defRPr>
             </a:lvl2pPr>
-            <a:lvl3pPr indent="-317500" lvl="2" marL="1371600">
+            <a:lvl3pPr marL="1371600" lvl="2" indent="-317500">
               <a:lnSpc>
                 <a:spcPct val="115000"/>
               </a:lnSpc>
@@ -6304,7 +6574,7 @@
                 <a:sym typeface="Playfair Display"/>
               </a:defRPr>
             </a:lvl3pPr>
-            <a:lvl4pPr indent="-317500" lvl="3" marL="1828800">
+            <a:lvl4pPr marL="1828800" lvl="3" indent="-317500">
               <a:lnSpc>
                 <a:spcPct val="115000"/>
               </a:lnSpc>
@@ -6330,7 +6600,7 @@
                 <a:sym typeface="Playfair Display"/>
               </a:defRPr>
             </a:lvl4pPr>
-            <a:lvl5pPr indent="-317500" lvl="4" marL="2286000">
+            <a:lvl5pPr marL="2286000" lvl="4" indent="-317500">
               <a:lnSpc>
                 <a:spcPct val="115000"/>
               </a:lnSpc>
@@ -6356,7 +6626,7 @@
                 <a:sym typeface="Playfair Display"/>
               </a:defRPr>
             </a:lvl5pPr>
-            <a:lvl6pPr indent="-317500" lvl="5" marL="2743200">
+            <a:lvl6pPr marL="2743200" lvl="5" indent="-317500">
               <a:lnSpc>
                 <a:spcPct val="115000"/>
               </a:lnSpc>
@@ -6382,7 +6652,7 @@
                 <a:sym typeface="Playfair Display"/>
               </a:defRPr>
             </a:lvl6pPr>
-            <a:lvl7pPr indent="-317500" lvl="6" marL="3200400">
+            <a:lvl7pPr marL="3200400" lvl="6" indent="-317500">
               <a:lnSpc>
                 <a:spcPct val="115000"/>
               </a:lnSpc>
@@ -6408,7 +6678,7 @@
                 <a:sym typeface="Playfair Display"/>
               </a:defRPr>
             </a:lvl7pPr>
-            <a:lvl8pPr indent="-317500" lvl="7" marL="3657600">
+            <a:lvl8pPr marL="3657600" lvl="7" indent="-317500">
               <a:lnSpc>
                 <a:spcPct val="115000"/>
               </a:lnSpc>
@@ -6434,7 +6704,7 @@
                 <a:sym typeface="Playfair Display"/>
               </a:defRPr>
             </a:lvl8pPr>
-            <a:lvl9pPr indent="-317500" lvl="8" marL="4114800">
+            <a:lvl9pPr marL="4114800" lvl="8" indent="-317500">
               <a:lnSpc>
                 <a:spcPct val="115000"/>
               </a:lnSpc>
@@ -6461,15 +6731,19 @@
               </a:defRPr>
             </a:lvl9pPr>
           </a:lstStyle>
-          <a:p/>
+          <a:p>
+            <a:endParaRPr/>
+          </a:p>
         </p:txBody>
       </p:sp>
       <p:sp>
         <p:nvSpPr>
           <p:cNvPr id="8" name="Google Shape;8;p1"/>
-          <p:cNvSpPr txBox="1"/>
+          <p:cNvSpPr txBox="1">
+            <a:spLocks noGrp="1"/>
+          </p:cNvSpPr>
           <p:nvPr>
-            <p:ph idx="12" type="sldNum"/>
+            <p:ph type="sldNum" idx="12"/>
           </p:nvPr>
         </p:nvSpPr>
         <p:spPr>
@@ -6486,7 +6760,7 @@
           </a:ln>
         </p:spPr>
         <p:txBody>
-          <a:bodyPr anchorCtr="0" anchor="ctr" bIns="91425" lIns="91425" spcFirstLastPara="1" rIns="91425" wrap="square" tIns="91425">
+          <a:bodyPr spcFirstLastPara="1" wrap="square" lIns="91425" tIns="91425" rIns="91425" bIns="91425" anchor="ctr" anchorCtr="0">
             <a:normAutofit/>
           </a:bodyPr>
           <a:lstStyle>
@@ -6600,7 +6874,7 @@
             </a:lvl9pPr>
           </a:lstStyle>
           <a:p>
-            <a:pPr indent="0" lvl="0" marL="0" rtl="0" algn="r">
+            <a:pPr marL="0" lvl="0" indent="0" algn="r" rtl="0">
               <a:spcBef>
                 <a:spcPts val="0"/>
               </a:spcBef>
@@ -6619,7 +6893,7 @@
       </p:sp>
     </p:spTree>
   </p:cSld>
-  <p:clrMap accent1="accent1" accent2="accent2" accent3="accent3" accent4="accent4" accent5="accent5" accent6="accent6" bg1="lt1" bg2="dk2" tx1="dk1" tx2="lt2" folHlink="folHlink" hlink="hlink"/>
+  <p:clrMap bg1="lt1" tx1="dk1" bg2="dk2" tx2="lt2" accent1="accent1" accent2="accent2" accent3="accent3" accent4="accent4" accent5="accent5" accent6="accent6" hlink="hlink" folHlink="folHlink"/>
   <p:sldLayoutIdLst>
     <p:sldLayoutId id="2147483648" r:id="rId1"/>
     <p:sldLayoutId id="2147483649" r:id="rId2"/>
@@ -6633,10 +6907,10 @@
     <p:sldLayoutId id="2147483657" r:id="rId10"/>
     <p:sldLayoutId id="2147483658" r:id="rId11"/>
   </p:sldLayoutIdLst>
-  <p:hf dt="0" ftr="0" hdr="0" sldNum="0"/>
+  <p:hf sldNum="0" hdr="0" ftr="0" dt="0"/>
   <p:txStyles>
     <p:titleStyle>
-      <a:defPPr lvl="0" marR="0" rtl="0" algn="l">
+      <a:defPPr marR="0" lvl="0" algn="l" rtl="0">
         <a:lnSpc>
           <a:spcPct val="100000"/>
         </a:lnSpc>
@@ -6647,7 +6921,7 @@
           <a:spcPts val="0"/>
         </a:spcAft>
       </a:defPPr>
-      <a:lvl1pPr lvl="0" marR="0" rtl="0" algn="l">
+      <a:lvl1pPr marR="0" lvl="0" algn="l" rtl="0">
         <a:lnSpc>
           <a:spcPct val="100000"/>
         </a:lnSpc>
@@ -6661,7 +6935,7 @@
           <a:srgbClr val="000000"/>
         </a:buClr>
         <a:buFont typeface="Arial"/>
-        <a:defRPr b="0" i="0" sz="1400" u="none" cap="none" strike="noStrike">
+        <a:defRPr sz="1400" b="0" i="0" u="none" strike="noStrike" cap="none">
           <a:solidFill>
             <a:srgbClr val="000000"/>
           </a:solidFill>
@@ -6671,7 +6945,7 @@
           <a:sym typeface="Arial"/>
         </a:defRPr>
       </a:lvl1pPr>
-      <a:lvl2pPr lvl="1" marR="0" rtl="0" algn="l">
+      <a:lvl2pPr marR="0" lvl="1" algn="l" rtl="0">
         <a:lnSpc>
           <a:spcPct val="100000"/>
         </a:lnSpc>
@@ -6685,7 +6959,7 @@
           <a:srgbClr val="000000"/>
         </a:buClr>
         <a:buFont typeface="Arial"/>
-        <a:defRPr b="0" i="0" sz="1400" u="none" cap="none" strike="noStrike">
+        <a:defRPr sz="1400" b="0" i="0" u="none" strike="noStrike" cap="none">
           <a:solidFill>
             <a:srgbClr val="000000"/>
           </a:solidFill>
@@ -6695,7 +6969,7 @@
           <a:sym typeface="Arial"/>
         </a:defRPr>
       </a:lvl2pPr>
-      <a:lvl3pPr lvl="2" marR="0" rtl="0" algn="l">
+      <a:lvl3pPr marR="0" lvl="2" algn="l" rtl="0">
         <a:lnSpc>
           <a:spcPct val="100000"/>
         </a:lnSpc>
@@ -6709,7 +6983,7 @@
           <a:srgbClr val="000000"/>
         </a:buClr>
         <a:buFont typeface="Arial"/>
-        <a:defRPr b="0" i="0" sz="1400" u="none" cap="none" strike="noStrike">
+        <a:defRPr sz="1400" b="0" i="0" u="none" strike="noStrike" cap="none">
           <a:solidFill>
             <a:srgbClr val="000000"/>
           </a:solidFill>
@@ -6719,7 +6993,7 @@
           <a:sym typeface="Arial"/>
         </a:defRPr>
       </a:lvl3pPr>
-      <a:lvl4pPr lvl="3" marR="0" rtl="0" algn="l">
+      <a:lvl4pPr marR="0" lvl="3" algn="l" rtl="0">
         <a:lnSpc>
           <a:spcPct val="100000"/>
         </a:lnSpc>
@@ -6733,7 +7007,7 @@
           <a:srgbClr val="000000"/>
         </a:buClr>
         <a:buFont typeface="Arial"/>
-        <a:defRPr b="0" i="0" sz="1400" u="none" cap="none" strike="noStrike">
+        <a:defRPr sz="1400" b="0" i="0" u="none" strike="noStrike" cap="none">
           <a:solidFill>
             <a:srgbClr val="000000"/>
           </a:solidFill>
@@ -6743,7 +7017,7 @@
           <a:sym typeface="Arial"/>
         </a:defRPr>
       </a:lvl4pPr>
-      <a:lvl5pPr lvl="4" marR="0" rtl="0" algn="l">
+      <a:lvl5pPr marR="0" lvl="4" algn="l" rtl="0">
         <a:lnSpc>
           <a:spcPct val="100000"/>
         </a:lnSpc>
@@ -6757,7 +7031,7 @@
           <a:srgbClr val="000000"/>
         </a:buClr>
         <a:buFont typeface="Arial"/>
-        <a:defRPr b="0" i="0" sz="1400" u="none" cap="none" strike="noStrike">
+        <a:defRPr sz="1400" b="0" i="0" u="none" strike="noStrike" cap="none">
           <a:solidFill>
             <a:srgbClr val="000000"/>
           </a:solidFill>
@@ -6767,7 +7041,7 @@
           <a:sym typeface="Arial"/>
         </a:defRPr>
       </a:lvl5pPr>
-      <a:lvl6pPr lvl="5" marR="0" rtl="0" algn="l">
+      <a:lvl6pPr marR="0" lvl="5" algn="l" rtl="0">
         <a:lnSpc>
           <a:spcPct val="100000"/>
         </a:lnSpc>
@@ -6781,7 +7055,7 @@
           <a:srgbClr val="000000"/>
         </a:buClr>
         <a:buFont typeface="Arial"/>
-        <a:defRPr b="0" i="0" sz="1400" u="none" cap="none" strike="noStrike">
+        <a:defRPr sz="1400" b="0" i="0" u="none" strike="noStrike" cap="none">
           <a:solidFill>
             <a:srgbClr val="000000"/>
           </a:solidFill>
@@ -6791,7 +7065,7 @@
           <a:sym typeface="Arial"/>
         </a:defRPr>
       </a:lvl6pPr>
-      <a:lvl7pPr lvl="6" marR="0" rtl="0" algn="l">
+      <a:lvl7pPr marR="0" lvl="6" algn="l" rtl="0">
         <a:lnSpc>
           <a:spcPct val="100000"/>
         </a:lnSpc>
@@ -6805,7 +7079,7 @@
           <a:srgbClr val="000000"/>
         </a:buClr>
         <a:buFont typeface="Arial"/>
-        <a:defRPr b="0" i="0" sz="1400" u="none" cap="none" strike="noStrike">
+        <a:defRPr sz="1400" b="0" i="0" u="none" strike="noStrike" cap="none">
           <a:solidFill>
             <a:srgbClr val="000000"/>
           </a:solidFill>
@@ -6815,7 +7089,7 @@
           <a:sym typeface="Arial"/>
         </a:defRPr>
       </a:lvl7pPr>
-      <a:lvl8pPr lvl="7" marR="0" rtl="0" algn="l">
+      <a:lvl8pPr marR="0" lvl="7" algn="l" rtl="0">
         <a:lnSpc>
           <a:spcPct val="100000"/>
         </a:lnSpc>
@@ -6829,7 +7103,7 @@
           <a:srgbClr val="000000"/>
         </a:buClr>
         <a:buFont typeface="Arial"/>
-        <a:defRPr b="0" i="0" sz="1400" u="none" cap="none" strike="noStrike">
+        <a:defRPr sz="1400" b="0" i="0" u="none" strike="noStrike" cap="none">
           <a:solidFill>
             <a:srgbClr val="000000"/>
           </a:solidFill>
@@ -6839,7 +7113,7 @@
           <a:sym typeface="Arial"/>
         </a:defRPr>
       </a:lvl8pPr>
-      <a:lvl9pPr lvl="8" marR="0" rtl="0" algn="l">
+      <a:lvl9pPr marR="0" lvl="8" algn="l" rtl="0">
         <a:lnSpc>
           <a:spcPct val="100000"/>
         </a:lnSpc>
@@ -6853,7 +7127,7 @@
           <a:srgbClr val="000000"/>
         </a:buClr>
         <a:buFont typeface="Arial"/>
-        <a:defRPr b="0" i="0" sz="1400" u="none" cap="none" strike="noStrike">
+        <a:defRPr sz="1400" b="0" i="0" u="none" strike="noStrike" cap="none">
           <a:solidFill>
             <a:srgbClr val="000000"/>
           </a:solidFill>
@@ -6865,7 +7139,7 @@
       </a:lvl9pPr>
     </p:titleStyle>
     <p:bodyStyle>
-      <a:defPPr lvl="0" marR="0" rtl="0" algn="l">
+      <a:defPPr marR="0" lvl="0" algn="l" rtl="0">
         <a:lnSpc>
           <a:spcPct val="100000"/>
         </a:lnSpc>
@@ -6876,7 +7150,7 @@
           <a:spcPts val="0"/>
         </a:spcAft>
       </a:defPPr>
-      <a:lvl1pPr lvl="0" marR="0" rtl="0" algn="l">
+      <a:lvl1pPr marR="0" lvl="0" algn="l" rtl="0">
         <a:lnSpc>
           <a:spcPct val="100000"/>
         </a:lnSpc>
@@ -6890,7 +7164,7 @@
           <a:srgbClr val="000000"/>
         </a:buClr>
         <a:buFont typeface="Arial"/>
-        <a:defRPr b="0" i="0" sz="1400" u="none" cap="none" strike="noStrike">
+        <a:defRPr sz="1400" b="0" i="0" u="none" strike="noStrike" cap="none">
           <a:solidFill>
             <a:srgbClr val="000000"/>
           </a:solidFill>
@@ -6900,7 +7174,7 @@
           <a:sym typeface="Arial"/>
         </a:defRPr>
       </a:lvl1pPr>
-      <a:lvl2pPr lvl="1" marR="0" rtl="0" algn="l">
+      <a:lvl2pPr marR="0" lvl="1" algn="l" rtl="0">
         <a:lnSpc>
           <a:spcPct val="100000"/>
         </a:lnSpc>
@@ -6914,7 +7188,7 @@
           <a:srgbClr val="000000"/>
         </a:buClr>
         <a:buFont typeface="Arial"/>
-        <a:defRPr b="0" i="0" sz="1400" u="none" cap="none" strike="noStrike">
+        <a:defRPr sz="1400" b="0" i="0" u="none" strike="noStrike" cap="none">
           <a:solidFill>
             <a:srgbClr val="000000"/>
           </a:solidFill>
@@ -6924,7 +7198,7 @@
           <a:sym typeface="Arial"/>
         </a:defRPr>
       </a:lvl2pPr>
-      <a:lvl3pPr lvl="2" marR="0" rtl="0" algn="l">
+      <a:lvl3pPr marR="0" lvl="2" algn="l" rtl="0">
         <a:lnSpc>
           <a:spcPct val="100000"/>
         </a:lnSpc>
@@ -6938,7 +7212,7 @@
           <a:srgbClr val="000000"/>
         </a:buClr>
         <a:buFont typeface="Arial"/>
-        <a:defRPr b="0" i="0" sz="1400" u="none" cap="none" strike="noStrike">
+        <a:defRPr sz="1400" b="0" i="0" u="none" strike="noStrike" cap="none">
           <a:solidFill>
             <a:srgbClr val="000000"/>
           </a:solidFill>
@@ -6948,7 +7222,7 @@
           <a:sym typeface="Arial"/>
         </a:defRPr>
       </a:lvl3pPr>
-      <a:lvl4pPr lvl="3" marR="0" rtl="0" algn="l">
+      <a:lvl4pPr marR="0" lvl="3" algn="l" rtl="0">
         <a:lnSpc>
           <a:spcPct val="100000"/>
         </a:lnSpc>
@@ -6962,7 +7236,7 @@
           <a:srgbClr val="000000"/>
         </a:buClr>
         <a:buFont typeface="Arial"/>
-        <a:defRPr b="0" i="0" sz="1400" u="none" cap="none" strike="noStrike">
+        <a:defRPr sz="1400" b="0" i="0" u="none" strike="noStrike" cap="none">
           <a:solidFill>
             <a:srgbClr val="000000"/>
           </a:solidFill>
@@ -6972,7 +7246,7 @@
           <a:sym typeface="Arial"/>
         </a:defRPr>
       </a:lvl4pPr>
-      <a:lvl5pPr lvl="4" marR="0" rtl="0" algn="l">
+      <a:lvl5pPr marR="0" lvl="4" algn="l" rtl="0">
         <a:lnSpc>
           <a:spcPct val="100000"/>
         </a:lnSpc>
@@ -6986,7 +7260,7 @@
           <a:srgbClr val="000000"/>
         </a:buClr>
         <a:buFont typeface="Arial"/>
-        <a:defRPr b="0" i="0" sz="1400" u="none" cap="none" strike="noStrike">
+        <a:defRPr sz="1400" b="0" i="0" u="none" strike="noStrike" cap="none">
           <a:solidFill>
             <a:srgbClr val="000000"/>
           </a:solidFill>
@@ -6996,7 +7270,7 @@
           <a:sym typeface="Arial"/>
         </a:defRPr>
       </a:lvl5pPr>
-      <a:lvl6pPr lvl="5" marR="0" rtl="0" algn="l">
+      <a:lvl6pPr marR="0" lvl="5" algn="l" rtl="0">
         <a:lnSpc>
           <a:spcPct val="100000"/>
         </a:lnSpc>
@@ -7010,7 +7284,7 @@
           <a:srgbClr val="000000"/>
         </a:buClr>
         <a:buFont typeface="Arial"/>
-        <a:defRPr b="0" i="0" sz="1400" u="none" cap="none" strike="noStrike">
+        <a:defRPr sz="1400" b="0" i="0" u="none" strike="noStrike" cap="none">
           <a:solidFill>
             <a:srgbClr val="000000"/>
           </a:solidFill>
@@ -7020,7 +7294,7 @@
           <a:sym typeface="Arial"/>
         </a:defRPr>
       </a:lvl6pPr>
-      <a:lvl7pPr lvl="6" marR="0" rtl="0" algn="l">
+      <a:lvl7pPr marR="0" lvl="6" algn="l" rtl="0">
         <a:lnSpc>
           <a:spcPct val="100000"/>
         </a:lnSpc>
@@ -7034,7 +7308,7 @@
           <a:srgbClr val="000000"/>
         </a:buClr>
         <a:buFont typeface="Arial"/>
-        <a:defRPr b="0" i="0" sz="1400" u="none" cap="none" strike="noStrike">
+        <a:defRPr sz="1400" b="0" i="0" u="none" strike="noStrike" cap="none">
           <a:solidFill>
             <a:srgbClr val="000000"/>
           </a:solidFill>
@@ -7044,7 +7318,7 @@
           <a:sym typeface="Arial"/>
         </a:defRPr>
       </a:lvl7pPr>
-      <a:lvl8pPr lvl="7" marR="0" rtl="0" algn="l">
+      <a:lvl8pPr marR="0" lvl="7" algn="l" rtl="0">
         <a:lnSpc>
           <a:spcPct val="100000"/>
         </a:lnSpc>
@@ -7058,7 +7332,7 @@
           <a:srgbClr val="000000"/>
         </a:buClr>
         <a:buFont typeface="Arial"/>
-        <a:defRPr b="0" i="0" sz="1400" u="none" cap="none" strike="noStrike">
+        <a:defRPr sz="1400" b="0" i="0" u="none" strike="noStrike" cap="none">
           <a:solidFill>
             <a:srgbClr val="000000"/>
           </a:solidFill>
@@ -7068,7 +7342,7 @@
           <a:sym typeface="Arial"/>
         </a:defRPr>
       </a:lvl8pPr>
-      <a:lvl9pPr lvl="8" marR="0" rtl="0" algn="l">
+      <a:lvl9pPr marR="0" lvl="8" algn="l" rtl="0">
         <a:lnSpc>
           <a:spcPct val="100000"/>
         </a:lnSpc>
@@ -7082,7 +7356,7 @@
           <a:srgbClr val="000000"/>
         </a:buClr>
         <a:buFont typeface="Arial"/>
-        <a:defRPr b="0" i="0" sz="1400" u="none" cap="none" strike="noStrike">
+        <a:defRPr sz="1400" b="0" i="0" u="none" strike="noStrike" cap="none">
           <a:solidFill>
             <a:srgbClr val="000000"/>
           </a:solidFill>
@@ -7094,7 +7368,7 @@
       </a:lvl9pPr>
     </p:bodyStyle>
     <p:otherStyle>
-      <a:defPPr lvl="0" marR="0" rtl="0" algn="l">
+      <a:defPPr marR="0" lvl="0" algn="l" rtl="0">
         <a:lnSpc>
           <a:spcPct val="100000"/>
         </a:lnSpc>
@@ -7105,7 +7379,7 @@
           <a:spcPts val="0"/>
         </a:spcAft>
       </a:defPPr>
-      <a:lvl1pPr lvl="0" marR="0" rtl="0" algn="l">
+      <a:lvl1pPr marR="0" lvl="0" algn="l" rtl="0">
         <a:lnSpc>
           <a:spcPct val="100000"/>
         </a:lnSpc>
@@ -7119,7 +7393,7 @@
           <a:srgbClr val="000000"/>
         </a:buClr>
         <a:buFont typeface="Arial"/>
-        <a:defRPr b="0" i="0" sz="1400" u="none" cap="none" strike="noStrike">
+        <a:defRPr sz="1400" b="0" i="0" u="none" strike="noStrike" cap="none">
           <a:solidFill>
             <a:srgbClr val="000000"/>
           </a:solidFill>
@@ -7129,7 +7403,7 @@
           <a:sym typeface="Arial"/>
         </a:defRPr>
       </a:lvl1pPr>
-      <a:lvl2pPr lvl="1" marR="0" rtl="0" algn="l">
+      <a:lvl2pPr marR="0" lvl="1" algn="l" rtl="0">
         <a:lnSpc>
           <a:spcPct val="100000"/>
         </a:lnSpc>
@@ -7143,7 +7417,7 @@
           <a:srgbClr val="000000"/>
         </a:buClr>
         <a:buFont typeface="Arial"/>
-        <a:defRPr b="0" i="0" sz="1400" u="none" cap="none" strike="noStrike">
+        <a:defRPr sz="1400" b="0" i="0" u="none" strike="noStrike" cap="none">
           <a:solidFill>
             <a:srgbClr val="000000"/>
           </a:solidFill>
@@ -7153,7 +7427,7 @@
           <a:sym typeface="Arial"/>
         </a:defRPr>
       </a:lvl2pPr>
-      <a:lvl3pPr lvl="2" marR="0" rtl="0" algn="l">
+      <a:lvl3pPr marR="0" lvl="2" algn="l" rtl="0">
         <a:lnSpc>
           <a:spcPct val="100000"/>
         </a:lnSpc>
@@ -7167,7 +7441,7 @@
           <a:srgbClr val="000000"/>
         </a:buClr>
         <a:buFont typeface="Arial"/>
-        <a:defRPr b="0" i="0" sz="1400" u="none" cap="none" strike="noStrike">
+        <a:defRPr sz="1400" b="0" i="0" u="none" strike="noStrike" cap="none">
           <a:solidFill>
             <a:srgbClr val="000000"/>
           </a:solidFill>
@@ -7177,7 +7451,7 @@
           <a:sym typeface="Arial"/>
         </a:defRPr>
       </a:lvl3pPr>
-      <a:lvl4pPr lvl="3" marR="0" rtl="0" algn="l">
+      <a:lvl4pPr marR="0" lvl="3" algn="l" rtl="0">
         <a:lnSpc>
           <a:spcPct val="100000"/>
         </a:lnSpc>
@@ -7191,7 +7465,7 @@
           <a:srgbClr val="000000"/>
         </a:buClr>
         <a:buFont typeface="Arial"/>
-        <a:defRPr b="0" i="0" sz="1400" u="none" cap="none" strike="noStrike">
+        <a:defRPr sz="1400" b="0" i="0" u="none" strike="noStrike" cap="none">
           <a:solidFill>
             <a:srgbClr val="000000"/>
           </a:solidFill>
@@ -7201,7 +7475,7 @@
           <a:sym typeface="Arial"/>
         </a:defRPr>
       </a:lvl4pPr>
-      <a:lvl5pPr lvl="4" marR="0" rtl="0" algn="l">
+      <a:lvl5pPr marR="0" lvl="4" algn="l" rtl="0">
         <a:lnSpc>
           <a:spcPct val="100000"/>
         </a:lnSpc>
@@ -7215,7 +7489,7 @@
           <a:srgbClr val="000000"/>
         </a:buClr>
         <a:buFont typeface="Arial"/>
-        <a:defRPr b="0" i="0" sz="1400" u="none" cap="none" strike="noStrike">
+        <a:defRPr sz="1400" b="0" i="0" u="none" strike="noStrike" cap="none">
           <a:solidFill>
             <a:srgbClr val="000000"/>
           </a:solidFill>
@@ -7225,7 +7499,7 @@
           <a:sym typeface="Arial"/>
         </a:defRPr>
       </a:lvl5pPr>
-      <a:lvl6pPr lvl="5" marR="0" rtl="0" algn="l">
+      <a:lvl6pPr marR="0" lvl="5" algn="l" rtl="0">
         <a:lnSpc>
           <a:spcPct val="100000"/>
         </a:lnSpc>
@@ -7239,7 +7513,7 @@
           <a:srgbClr val="000000"/>
         </a:buClr>
         <a:buFont typeface="Arial"/>
-        <a:defRPr b="0" i="0" sz="1400" u="none" cap="none" strike="noStrike">
+        <a:defRPr sz="1400" b="0" i="0" u="none" strike="noStrike" cap="none">
           <a:solidFill>
             <a:srgbClr val="000000"/>
           </a:solidFill>
@@ -7249,7 +7523,7 @@
           <a:sym typeface="Arial"/>
         </a:defRPr>
       </a:lvl6pPr>
-      <a:lvl7pPr lvl="6" marR="0" rtl="0" algn="l">
+      <a:lvl7pPr marR="0" lvl="6" algn="l" rtl="0">
         <a:lnSpc>
           <a:spcPct val="100000"/>
         </a:lnSpc>
@@ -7263,7 +7537,7 @@
           <a:srgbClr val="000000"/>
         </a:buClr>
         <a:buFont typeface="Arial"/>
-        <a:defRPr b="0" i="0" sz="1400" u="none" cap="none" strike="noStrike">
+        <a:defRPr sz="1400" b="0" i="0" u="none" strike="noStrike" cap="none">
           <a:solidFill>
             <a:srgbClr val="000000"/>
           </a:solidFill>
@@ -7273,7 +7547,7 @@
           <a:sym typeface="Arial"/>
         </a:defRPr>
       </a:lvl7pPr>
-      <a:lvl8pPr lvl="7" marR="0" rtl="0" algn="l">
+      <a:lvl8pPr marR="0" lvl="7" algn="l" rtl="0">
         <a:lnSpc>
           <a:spcPct val="100000"/>
         </a:lnSpc>
@@ -7287,7 +7561,7 @@
           <a:srgbClr val="000000"/>
         </a:buClr>
         <a:buFont typeface="Arial"/>
-        <a:defRPr b="0" i="0" sz="1400" u="none" cap="none" strike="noStrike">
+        <a:defRPr sz="1400" b="0" i="0" u="none" strike="noStrike" cap="none">
           <a:solidFill>
             <a:srgbClr val="000000"/>
           </a:solidFill>
@@ -7297,7 +7571,7 @@
           <a:sym typeface="Arial"/>
         </a:defRPr>
       </a:lvl8pPr>
-      <a:lvl9pPr lvl="8" marR="0" rtl="0" algn="l">
+      <a:lvl9pPr marR="0" lvl="8" algn="l" rtl="0">
         <a:lnSpc>
           <a:spcPct val="100000"/>
         </a:lnSpc>
@@ -7311,7 +7585,7 @@
           <a:srgbClr val="000000"/>
         </a:buClr>
         <a:buFont typeface="Arial"/>
-        <a:defRPr b="0" i="0" sz="1400" u="none" cap="none" strike="noStrike">
+        <a:defRPr sz="1400" b="0" i="0" u="none" strike="noStrike" cap="none">
           <a:solidFill>
             <a:srgbClr val="000000"/>
           </a:solidFill>
@@ -7327,11 +7601,11 @@
 </file>
 
 <file path=ppt/slides/slide1.xml><?xml version="1.0" encoding="utf-8"?>
-<p:sld xmlns:a="http://schemas.openxmlformats.org/drawingml/2006/main" xmlns:r="http://schemas.openxmlformats.org/officeDocument/2006/relationships" xmlns:mc="http://schemas.openxmlformats.org/markup-compatibility/2006" xmlns:mv="urn:schemas-microsoft-com:mac:vml" xmlns:p="http://schemas.openxmlformats.org/presentationml/2006/main" xmlns:c="http://schemas.openxmlformats.org/drawingml/2006/chart" xmlns:dgm="http://schemas.openxmlformats.org/drawingml/2006/diagram" xmlns:o="urn:schemas-microsoft-com:office:office" xmlns:v="urn:schemas-microsoft-com:vml" xmlns:pvml="urn:schemas-microsoft-com:office:powerpoint" xmlns:com="http://schemas.openxmlformats.org/drawingml/2006/compatibility" xmlns:p14="http://schemas.microsoft.com/office/powerpoint/2010/main" xmlns:p15="http://schemas.microsoft.com/office/powerpoint/2012/main" xmlns:ahyp="http://schemas.microsoft.com/office/drawing/2018/hyperlinkcolor">
+<p:sld xmlns:a="http://schemas.openxmlformats.org/drawingml/2006/main" xmlns:r="http://schemas.openxmlformats.org/officeDocument/2006/relationships" xmlns:p="http://schemas.openxmlformats.org/presentationml/2006/main">
   <p:cSld>
     <p:spTree>
       <p:nvGrpSpPr>
-        <p:cNvPr id="57" name="Shape 57"/>
+        <p:cNvPr id="1" name="Shape 57"/>
         <p:cNvGrpSpPr/>
         <p:nvPr/>
       </p:nvGrpSpPr>
@@ -7346,7 +7620,9 @@
       <p:sp>
         <p:nvSpPr>
           <p:cNvPr id="58" name="Google Shape;58;p13"/>
-          <p:cNvSpPr txBox="1"/>
+          <p:cNvSpPr txBox="1">
+            <a:spLocks noGrp="1"/>
+          </p:cNvSpPr>
           <p:nvPr>
             <p:ph type="ctrTitle"/>
           </p:nvPr>
@@ -7361,12 +7637,12 @@
           </a:prstGeom>
         </p:spPr>
         <p:txBody>
-          <a:bodyPr anchorCtr="0" anchor="ctr" bIns="91425" lIns="91425" spcFirstLastPara="1" rIns="91425" wrap="square" tIns="91425">
+          <a:bodyPr spcFirstLastPara="1" wrap="square" lIns="91425" tIns="91425" rIns="91425" bIns="91425" anchor="ctr" anchorCtr="0">
             <a:noAutofit/>
           </a:bodyPr>
           <a:lstStyle/>
           <a:p>
-            <a:pPr indent="0" lvl="0" marL="0" rtl="0" algn="ctr">
+            <a:pPr marL="0" lvl="0" indent="0" algn="ctr" rtl="0">
               <a:spcBef>
                 <a:spcPts val="0"/>
               </a:spcBef>
@@ -7383,7 +7659,7 @@
             <a:endParaRPr sz="4220"/>
           </a:p>
           <a:p>
-            <a:pPr indent="0" lvl="0" marL="0" rtl="0" algn="ctr">
+            <a:pPr marL="0" lvl="0" indent="0" algn="ctr" rtl="0">
               <a:spcBef>
                 <a:spcPts val="0"/>
               </a:spcBef>
@@ -7400,7 +7676,7 @@
             <a:endParaRPr sz="4220"/>
           </a:p>
           <a:p>
-            <a:pPr indent="0" lvl="0" marL="0" rtl="0" algn="ctr">
+            <a:pPr marL="0" lvl="0" indent="0" algn="ctr" rtl="0">
               <a:spcBef>
                 <a:spcPts val="0"/>
               </a:spcBef>
@@ -7421,9 +7697,11 @@
       <p:sp>
         <p:nvSpPr>
           <p:cNvPr id="59" name="Google Shape;59;p13"/>
-          <p:cNvSpPr txBox="1"/>
+          <p:cNvSpPr txBox="1">
+            <a:spLocks noGrp="1"/>
+          </p:cNvSpPr>
           <p:nvPr>
-            <p:ph idx="1" type="subTitle"/>
+            <p:ph type="subTitle" idx="1"/>
           </p:nvPr>
         </p:nvSpPr>
         <p:spPr>
@@ -7436,12 +7714,12 @@
           </a:prstGeom>
         </p:spPr>
         <p:txBody>
-          <a:bodyPr anchorCtr="0" anchor="ctr" bIns="91425" lIns="91425" spcFirstLastPara="1" rIns="91425" wrap="square" tIns="91425">
+          <a:bodyPr spcFirstLastPara="1" wrap="square" lIns="91425" tIns="91425" rIns="91425" bIns="91425" anchor="ctr" anchorCtr="0">
             <a:normAutofit fontScale="70000" lnSpcReduction="20000"/>
           </a:bodyPr>
           <a:lstStyle/>
           <a:p>
-            <a:pPr indent="0" lvl="0" marL="0" rtl="0" algn="l">
+            <a:pPr marL="0" lvl="0" indent="0" algn="l" rtl="0">
               <a:spcBef>
                 <a:spcPts val="0"/>
               </a:spcBef>
@@ -7457,7 +7735,7 @@
             <a:endParaRPr/>
           </a:p>
           <a:p>
-            <a:pPr indent="0" lvl="0" marL="0" rtl="0" algn="l">
+            <a:pPr marL="0" lvl="0" indent="0" algn="l" rtl="0">
               <a:spcBef>
                 <a:spcPts val="0"/>
               </a:spcBef>
@@ -7473,7 +7751,7 @@
             <a:endParaRPr/>
           </a:p>
           <a:p>
-            <a:pPr indent="0" lvl="0" marL="0" rtl="0" algn="l">
+            <a:pPr marL="0" lvl="0" indent="0" algn="l" rtl="0">
               <a:spcBef>
                 <a:spcPts val="0"/>
               </a:spcBef>
@@ -7499,11 +7777,11 @@
 </file>
 
 <file path=ppt/slides/slide10.xml><?xml version="1.0" encoding="utf-8"?>
-<p:sld xmlns:a="http://schemas.openxmlformats.org/drawingml/2006/main" xmlns:r="http://schemas.openxmlformats.org/officeDocument/2006/relationships" xmlns:mc="http://schemas.openxmlformats.org/markup-compatibility/2006" xmlns:mv="urn:schemas-microsoft-com:mac:vml" xmlns:p="http://schemas.openxmlformats.org/presentationml/2006/main" xmlns:c="http://schemas.openxmlformats.org/drawingml/2006/chart" xmlns:dgm="http://schemas.openxmlformats.org/drawingml/2006/diagram" xmlns:o="urn:schemas-microsoft-com:office:office" xmlns:v="urn:schemas-microsoft-com:vml" xmlns:pvml="urn:schemas-microsoft-com:office:powerpoint" xmlns:com="http://schemas.openxmlformats.org/drawingml/2006/compatibility" xmlns:p14="http://schemas.microsoft.com/office/powerpoint/2010/main" xmlns:p15="http://schemas.microsoft.com/office/powerpoint/2012/main" xmlns:ahyp="http://schemas.microsoft.com/office/drawing/2018/hyperlinkcolor">
+<p:sld xmlns:a="http://schemas.openxmlformats.org/drawingml/2006/main" xmlns:r="http://schemas.openxmlformats.org/officeDocument/2006/relationships" xmlns:p="http://schemas.openxmlformats.org/presentationml/2006/main">
   <p:cSld>
     <p:spTree>
       <p:nvGrpSpPr>
-        <p:cNvPr id="119" name="Shape 119"/>
+        <p:cNvPr id="1" name="Shape 119"/>
         <p:cNvGrpSpPr/>
         <p:nvPr/>
       </p:nvGrpSpPr>
@@ -7518,7 +7796,9 @@
       <p:sp>
         <p:nvSpPr>
           <p:cNvPr id="120" name="Google Shape;120;p22"/>
-          <p:cNvSpPr txBox="1"/>
+          <p:cNvSpPr txBox="1">
+            <a:spLocks noGrp="1"/>
+          </p:cNvSpPr>
           <p:nvPr>
             <p:ph type="title"/>
           </p:nvPr>
@@ -7533,12 +7813,12 @@
           </a:prstGeom>
         </p:spPr>
         <p:txBody>
-          <a:bodyPr anchorCtr="0" anchor="t" bIns="91425" lIns="91425" spcFirstLastPara="1" rIns="91425" wrap="square" tIns="91425">
-            <a:normAutofit/>
+          <a:bodyPr spcFirstLastPara="1" wrap="square" lIns="91425" tIns="91425" rIns="91425" bIns="91425" anchor="t" anchorCtr="0">
+            <a:normAutofit fontScale="90000"/>
           </a:bodyPr>
           <a:lstStyle/>
           <a:p>
-            <a:pPr indent="0" lvl="0" marL="0" rtl="0" algn="l">
+            <a:pPr marL="0" lvl="0" indent="0" algn="l" rtl="0">
               <a:spcBef>
                 <a:spcPts val="0"/>
               </a:spcBef>
@@ -7626,23 +7906,23 @@
             <a:avLst/>
           </a:prstGeom>
           <a:noFill/>
-          <a:ln cap="flat" cmpd="sng" w="9525">
+          <a:ln w="9525" cap="flat" cmpd="sng">
             <a:solidFill>
               <a:srgbClr val="FF0000"/>
             </a:solidFill>
             <a:prstDash val="solid"/>
             <a:round/>
-            <a:headEnd len="sm" w="sm" type="none"/>
-            <a:tailEnd len="sm" w="sm" type="none"/>
+            <a:headEnd type="none" w="sm" len="sm"/>
+            <a:tailEnd type="none" w="sm" len="sm"/>
           </a:ln>
         </p:spPr>
         <p:txBody>
-          <a:bodyPr anchorCtr="0" anchor="ctr" bIns="91425" lIns="91425" spcFirstLastPara="1" rIns="91425" wrap="square" tIns="91425">
+          <a:bodyPr spcFirstLastPara="1" wrap="square" lIns="91425" tIns="91425" rIns="91425" bIns="91425" anchor="ctr" anchorCtr="0">
             <a:noAutofit/>
           </a:bodyPr>
           <a:lstStyle/>
           <a:p>
-            <a:pPr indent="0" lvl="0" marL="0" rtl="0" algn="l">
+            <a:pPr marL="0" lvl="0" indent="0" algn="l" rtl="0">
               <a:spcBef>
                 <a:spcPts val="0"/>
               </a:spcBef>
@@ -7651,9 +7931,6 @@
               </a:spcAft>
               <a:buNone/>
             </a:pPr>
-            <a:r>
-              <a:t/>
-            </a:r>
             <a:endParaRPr/>
           </a:p>
         </p:txBody>
@@ -7673,23 +7950,23 @@
             <a:avLst/>
           </a:prstGeom>
           <a:noFill/>
-          <a:ln cap="flat" cmpd="sng" w="9525">
+          <a:ln w="9525" cap="flat" cmpd="sng">
             <a:solidFill>
               <a:srgbClr val="FF0000"/>
             </a:solidFill>
             <a:prstDash val="solid"/>
             <a:round/>
-            <a:headEnd len="sm" w="sm" type="none"/>
-            <a:tailEnd len="sm" w="sm" type="none"/>
+            <a:headEnd type="none" w="sm" len="sm"/>
+            <a:tailEnd type="none" w="sm" len="sm"/>
           </a:ln>
         </p:spPr>
         <p:txBody>
-          <a:bodyPr anchorCtr="0" anchor="ctr" bIns="91425" lIns="91425" spcFirstLastPara="1" rIns="91425" wrap="square" tIns="91425">
+          <a:bodyPr spcFirstLastPara="1" wrap="square" lIns="91425" tIns="91425" rIns="91425" bIns="91425" anchor="ctr" anchorCtr="0">
             <a:noAutofit/>
           </a:bodyPr>
           <a:lstStyle/>
           <a:p>
-            <a:pPr indent="0" lvl="0" marL="0" rtl="0" algn="l">
+            <a:pPr marL="0" lvl="0" indent="0" algn="l" rtl="0">
               <a:spcBef>
                 <a:spcPts val="0"/>
               </a:spcBef>
@@ -7698,9 +7975,6 @@
               </a:spcAft>
               <a:buNone/>
             </a:pPr>
-            <a:r>
-              <a:t/>
-            </a:r>
             <a:endParaRPr/>
           </a:p>
         </p:txBody>
@@ -7725,12 +7999,12 @@
           </a:ln>
         </p:spPr>
         <p:txBody>
-          <a:bodyPr anchorCtr="0" anchor="t" bIns="91425" lIns="91425" spcFirstLastPara="1" rIns="91425" wrap="square" tIns="91425">
+          <a:bodyPr spcFirstLastPara="1" wrap="square" lIns="91425" tIns="91425" rIns="91425" bIns="91425" anchor="t" anchorCtr="0">
             <a:spAutoFit/>
           </a:bodyPr>
           <a:lstStyle/>
           <a:p>
-            <a:pPr indent="0" lvl="0" marL="0" rtl="0" algn="ctr">
+            <a:pPr marL="0" lvl="0" indent="0" algn="ctr" rtl="0">
               <a:spcBef>
                 <a:spcPts val="0"/>
               </a:spcBef>
@@ -7783,12 +8057,12 @@
           </a:ln>
         </p:spPr>
         <p:txBody>
-          <a:bodyPr anchorCtr="0" anchor="t" bIns="91425" lIns="91425" spcFirstLastPara="1" rIns="91425" wrap="square" tIns="91425">
+          <a:bodyPr spcFirstLastPara="1" wrap="square" lIns="91425" tIns="91425" rIns="91425" bIns="91425" anchor="t" anchorCtr="0">
             <a:spAutoFit/>
           </a:bodyPr>
           <a:lstStyle/>
           <a:p>
-            <a:pPr indent="0" lvl="0" marL="0" rtl="0" algn="ctr">
+            <a:pPr marL="0" lvl="0" indent="0" algn="ctr" rtl="0">
               <a:spcBef>
                 <a:spcPts val="0"/>
               </a:spcBef>
@@ -7836,23 +8110,23 @@
             <a:avLst/>
           </a:prstGeom>
           <a:noFill/>
-          <a:ln cap="flat" cmpd="sng" w="9525">
+          <a:ln w="9525" cap="flat" cmpd="sng">
             <a:solidFill>
               <a:srgbClr val="FF0000"/>
             </a:solidFill>
             <a:prstDash val="solid"/>
             <a:round/>
-            <a:headEnd len="sm" w="sm" type="none"/>
-            <a:tailEnd len="sm" w="sm" type="none"/>
+            <a:headEnd type="none" w="sm" len="sm"/>
+            <a:tailEnd type="none" w="sm" len="sm"/>
           </a:ln>
         </p:spPr>
         <p:txBody>
-          <a:bodyPr anchorCtr="0" anchor="ctr" bIns="91425" lIns="91425" spcFirstLastPara="1" rIns="91425" wrap="square" tIns="91425">
+          <a:bodyPr spcFirstLastPara="1" wrap="square" lIns="91425" tIns="91425" rIns="91425" bIns="91425" anchor="ctr" anchorCtr="0">
             <a:noAutofit/>
           </a:bodyPr>
           <a:lstStyle/>
           <a:p>
-            <a:pPr indent="0" lvl="0" marL="0" rtl="0" algn="l">
+            <a:pPr marL="0" lvl="0" indent="0" algn="l" rtl="0">
               <a:spcBef>
                 <a:spcPts val="0"/>
               </a:spcBef>
@@ -7861,9 +8135,6 @@
               </a:spcAft>
               <a:buNone/>
             </a:pPr>
-            <a:r>
-              <a:t/>
-            </a:r>
             <a:endParaRPr/>
           </a:p>
         </p:txBody>
@@ -7877,11 +8148,11 @@
 </file>
 
 <file path=ppt/slides/slide11.xml><?xml version="1.0" encoding="utf-8"?>
-<p:sld xmlns:a="http://schemas.openxmlformats.org/drawingml/2006/main" xmlns:r="http://schemas.openxmlformats.org/officeDocument/2006/relationships" xmlns:mc="http://schemas.openxmlformats.org/markup-compatibility/2006" xmlns:mv="urn:schemas-microsoft-com:mac:vml" xmlns:p="http://schemas.openxmlformats.org/presentationml/2006/main" xmlns:c="http://schemas.openxmlformats.org/drawingml/2006/chart" xmlns:dgm="http://schemas.openxmlformats.org/drawingml/2006/diagram" xmlns:o="urn:schemas-microsoft-com:office:office" xmlns:v="urn:schemas-microsoft-com:vml" xmlns:pvml="urn:schemas-microsoft-com:office:powerpoint" xmlns:com="http://schemas.openxmlformats.org/drawingml/2006/compatibility" xmlns:p14="http://schemas.microsoft.com/office/powerpoint/2010/main" xmlns:p15="http://schemas.microsoft.com/office/powerpoint/2012/main" xmlns:ahyp="http://schemas.microsoft.com/office/drawing/2018/hyperlinkcolor">
+<p:sld xmlns:a="http://schemas.openxmlformats.org/drawingml/2006/main" xmlns:r="http://schemas.openxmlformats.org/officeDocument/2006/relationships" xmlns:p="http://schemas.openxmlformats.org/presentationml/2006/main">
   <p:cSld>
     <p:spTree>
       <p:nvGrpSpPr>
-        <p:cNvPr id="131" name="Shape 131"/>
+        <p:cNvPr id="1" name="Shape 131"/>
         <p:cNvGrpSpPr/>
         <p:nvPr/>
       </p:nvGrpSpPr>
@@ -7896,7 +8167,9 @@
       <p:sp>
         <p:nvSpPr>
           <p:cNvPr id="132" name="Google Shape;132;p23"/>
-          <p:cNvSpPr txBox="1"/>
+          <p:cNvSpPr txBox="1">
+            <a:spLocks noGrp="1"/>
+          </p:cNvSpPr>
           <p:nvPr>
             <p:ph type="title"/>
           </p:nvPr>
@@ -7911,12 +8184,12 @@
           </a:prstGeom>
         </p:spPr>
         <p:txBody>
-          <a:bodyPr anchorCtr="0" anchor="t" bIns="91425" lIns="91425" spcFirstLastPara="1" rIns="91425" wrap="square" tIns="91425">
-            <a:normAutofit/>
+          <a:bodyPr spcFirstLastPara="1" wrap="square" lIns="91425" tIns="91425" rIns="91425" bIns="91425" anchor="t" anchorCtr="0">
+            <a:normAutofit fontScale="90000"/>
           </a:bodyPr>
           <a:lstStyle/>
           <a:p>
-            <a:pPr indent="0" lvl="0" marL="0" rtl="0" algn="l">
+            <a:pPr marL="0" lvl="0" indent="0" algn="l" rtl="0">
               <a:spcBef>
                 <a:spcPts val="0"/>
               </a:spcBef>
@@ -7936,9 +8209,11 @@
       <p:sp>
         <p:nvSpPr>
           <p:cNvPr id="133" name="Google Shape;133;p23"/>
-          <p:cNvSpPr txBox="1"/>
+          <p:cNvSpPr txBox="1">
+            <a:spLocks noGrp="1"/>
+          </p:cNvSpPr>
           <p:nvPr>
-            <p:ph idx="1" type="body"/>
+            <p:ph type="body" idx="1"/>
           </p:nvPr>
         </p:nvSpPr>
         <p:spPr>
@@ -7951,12 +8226,12 @@
           </a:prstGeom>
         </p:spPr>
         <p:txBody>
-          <a:bodyPr anchorCtr="0" anchor="t" bIns="91425" lIns="91425" spcFirstLastPara="1" rIns="91425" wrap="square" tIns="91425">
-            <a:normAutofit lnSpcReduction="20000"/>
+          <a:bodyPr spcFirstLastPara="1" wrap="square" lIns="91425" tIns="91425" rIns="91425" bIns="91425" anchor="t" anchorCtr="0">
+            <a:normAutofit fontScale="92500" lnSpcReduction="20000"/>
           </a:bodyPr>
           <a:lstStyle/>
           <a:p>
-            <a:pPr indent="-317500" lvl="0" marL="457200" rtl="0" algn="l">
+            <a:pPr marL="457200" lvl="0" indent="-317500" algn="l" rtl="0">
               <a:spcBef>
                 <a:spcPts val="0"/>
               </a:spcBef>
@@ -7973,7 +8248,7 @@
             <a:endParaRPr/>
           </a:p>
           <a:p>
-            <a:pPr indent="0" lvl="0" marL="0" rtl="0" algn="l">
+            <a:pPr marL="0" lvl="0" indent="0" algn="l" rtl="0">
               <a:spcBef>
                 <a:spcPts val="1200"/>
               </a:spcBef>
@@ -7982,13 +8257,10 @@
               </a:spcAft>
               <a:buNone/>
             </a:pPr>
-            <a:r>
-              <a:t/>
-            </a:r>
             <a:endParaRPr/>
           </a:p>
           <a:p>
-            <a:pPr indent="-317500" lvl="0" marL="457200" rtl="0" algn="l">
+            <a:pPr marL="457200" lvl="0" indent="-317500" algn="l" rtl="0">
               <a:spcBef>
                 <a:spcPts val="1200"/>
               </a:spcBef>
@@ -8000,20 +8272,12 @@
             </a:pPr>
             <a:r>
               <a:rPr lang="en"/>
-              <a:t>Nuclear </a:t>
-            </a:r>
-            <a:r>
-              <a:rPr lang="en"/>
-              <a:t>electricity</a:t>
-            </a:r>
-            <a:r>
-              <a:rPr lang="en"/>
-              <a:t> production stable in years 1990-2010</a:t>
+              <a:t>Nuclear electricity production stable in years 1990-2010</a:t>
             </a:r>
             <a:endParaRPr/>
           </a:p>
           <a:p>
-            <a:pPr indent="0" lvl="0" marL="457200" rtl="0" algn="l">
+            <a:pPr marL="457200" lvl="0" indent="0" algn="l" rtl="0">
               <a:spcBef>
                 <a:spcPts val="1200"/>
               </a:spcBef>
@@ -8022,13 +8286,10 @@
               </a:spcAft>
               <a:buNone/>
             </a:pPr>
-            <a:r>
-              <a:t/>
-            </a:r>
             <a:endParaRPr/>
           </a:p>
           <a:p>
-            <a:pPr indent="-317500" lvl="0" marL="457200" rtl="0" algn="l">
+            <a:pPr marL="457200" lvl="0" indent="-317500" algn="l" rtl="0">
               <a:spcBef>
                 <a:spcPts val="1200"/>
               </a:spcBef>
@@ -8045,7 +8306,7 @@
             <a:endParaRPr/>
           </a:p>
           <a:p>
-            <a:pPr indent="0" lvl="0" marL="457200" rtl="0" algn="l">
+            <a:pPr marL="457200" lvl="0" indent="0" algn="l" rtl="0">
               <a:spcBef>
                 <a:spcPts val="1200"/>
               </a:spcBef>
@@ -8054,13 +8315,10 @@
               </a:spcAft>
               <a:buNone/>
             </a:pPr>
-            <a:r>
-              <a:t/>
-            </a:r>
             <a:endParaRPr/>
           </a:p>
           <a:p>
-            <a:pPr indent="-317500" lvl="0" marL="457200" rtl="0" algn="l">
+            <a:pPr marL="457200" lvl="0" indent="-317500" algn="l" rtl="0">
               <a:spcBef>
                 <a:spcPts val="1200"/>
               </a:spcBef>
@@ -8077,7 +8335,7 @@
             <a:endParaRPr/>
           </a:p>
           <a:p>
-            <a:pPr indent="0" lvl="0" marL="457200" rtl="0" algn="l">
+            <a:pPr marL="457200" lvl="0" indent="0" algn="l" rtl="0">
               <a:spcBef>
                 <a:spcPts val="1200"/>
               </a:spcBef>
@@ -8086,13 +8344,10 @@
               </a:spcAft>
               <a:buNone/>
             </a:pPr>
-            <a:r>
-              <a:t/>
-            </a:r>
             <a:endParaRPr/>
           </a:p>
           <a:p>
-            <a:pPr indent="-317500" lvl="0" marL="457200" rtl="0" algn="l">
+            <a:pPr marL="457200" lvl="0" indent="-317500" algn="l" rtl="0">
               <a:spcBef>
                 <a:spcPts val="1200"/>
               </a:spcBef>
@@ -8118,12 +8373,85 @@
 </p:sld>
 </file>
 
-<file path=ppt/slides/slide2.xml><?xml version="1.0" encoding="utf-8"?>
-<p:sld xmlns:a="http://schemas.openxmlformats.org/drawingml/2006/main" xmlns:r="http://schemas.openxmlformats.org/officeDocument/2006/relationships" xmlns:mc="http://schemas.openxmlformats.org/markup-compatibility/2006" xmlns:mv="urn:schemas-microsoft-com:mac:vml" xmlns:p="http://schemas.openxmlformats.org/presentationml/2006/main" xmlns:c="http://schemas.openxmlformats.org/drawingml/2006/chart" xmlns:dgm="http://schemas.openxmlformats.org/drawingml/2006/diagram" xmlns:o="urn:schemas-microsoft-com:office:office" xmlns:v="urn:schemas-microsoft-com:vml" xmlns:pvml="urn:schemas-microsoft-com:office:powerpoint" xmlns:com="http://schemas.openxmlformats.org/drawingml/2006/compatibility" xmlns:p14="http://schemas.microsoft.com/office/powerpoint/2010/main" xmlns:p15="http://schemas.microsoft.com/office/powerpoint/2012/main" xmlns:ahyp="http://schemas.microsoft.com/office/drawing/2018/hyperlinkcolor">
+<file path=ppt/slides/slide12.xml><?xml version="1.0" encoding="utf-8"?>
+<p:sld xmlns:a="http://schemas.openxmlformats.org/drawingml/2006/main" xmlns:r="http://schemas.openxmlformats.org/officeDocument/2006/relationships" xmlns:p="http://schemas.openxmlformats.org/presentationml/2006/main">
   <p:cSld>
     <p:spTree>
       <p:nvGrpSpPr>
-        <p:cNvPr id="63" name="Shape 63"/>
+        <p:cNvPr id="1" name="Shape 57"/>
+        <p:cNvGrpSpPr/>
+        <p:nvPr/>
+      </p:nvGrpSpPr>
+      <p:grpSpPr>
+        <a:xfrm>
+          <a:off x="0" y="0"/>
+          <a:ext cx="0" cy="0"/>
+          <a:chOff x="0" y="0"/>
+          <a:chExt cx="0" cy="0"/>
+        </a:xfrm>
+      </p:grpSpPr>
+      <p:sp>
+        <p:nvSpPr>
+          <p:cNvPr id="58" name="Google Shape;58;p13"/>
+          <p:cNvSpPr txBox="1">
+            <a:spLocks noGrp="1"/>
+          </p:cNvSpPr>
+          <p:nvPr>
+            <p:ph type="ctrTitle"/>
+          </p:nvPr>
+        </p:nvSpPr>
+        <p:spPr>
+          <a:xfrm>
+            <a:off x="344250" y="1403850"/>
+            <a:ext cx="8455500" cy="2146800"/>
+          </a:xfrm>
+          <a:prstGeom prst="rect">
+            <a:avLst/>
+          </a:prstGeom>
+        </p:spPr>
+        <p:txBody>
+          <a:bodyPr spcFirstLastPara="1" wrap="square" lIns="91425" tIns="91425" rIns="91425" bIns="91425" anchor="ctr" anchorCtr="0">
+            <a:noAutofit/>
+          </a:bodyPr>
+          <a:lstStyle/>
+          <a:p>
+            <a:pPr marL="0" lvl="0" indent="0" algn="ctr" rtl="0">
+              <a:spcBef>
+                <a:spcPts val="0"/>
+              </a:spcBef>
+              <a:spcAft>
+                <a:spcPts val="0"/>
+              </a:spcAft>
+              <a:buSzPts val="990"/>
+              <a:buNone/>
+            </a:pPr>
+            <a:r>
+              <a:rPr lang="en-US" sz="4220" dirty="0"/>
+              <a:t>Q &amp;A</a:t>
+            </a:r>
+            <a:endParaRPr sz="4220" dirty="0"/>
+          </a:p>
+        </p:txBody>
+      </p:sp>
+    </p:spTree>
+    <p:extLst>
+      <p:ext uri="{BB962C8B-B14F-4D97-AF65-F5344CB8AC3E}">
+        <p14:creationId xmlns:p14="http://schemas.microsoft.com/office/powerpoint/2010/main" val="1874716236"/>
+      </p:ext>
+    </p:extLst>
+  </p:cSld>
+  <p:clrMapOvr>
+    <a:masterClrMapping/>
+  </p:clrMapOvr>
+</p:sld>
+</file>
+
+<file path=ppt/slides/slide2.xml><?xml version="1.0" encoding="utf-8"?>
+<p:sld xmlns:a="http://schemas.openxmlformats.org/drawingml/2006/main" xmlns:r="http://schemas.openxmlformats.org/officeDocument/2006/relationships" xmlns:p="http://schemas.openxmlformats.org/presentationml/2006/main">
+  <p:cSld>
+    <p:spTree>
+      <p:nvGrpSpPr>
+        <p:cNvPr id="1" name="Shape 63"/>
         <p:cNvGrpSpPr/>
         <p:nvPr/>
       </p:nvGrpSpPr>
@@ -8138,7 +8466,9 @@
       <p:sp>
         <p:nvSpPr>
           <p:cNvPr id="64" name="Google Shape;64;p14"/>
-          <p:cNvSpPr txBox="1"/>
+          <p:cNvSpPr txBox="1">
+            <a:spLocks noGrp="1"/>
+          </p:cNvSpPr>
           <p:nvPr>
             <p:ph type="title"/>
           </p:nvPr>
@@ -8153,12 +8483,12 @@
           </a:prstGeom>
         </p:spPr>
         <p:txBody>
-          <a:bodyPr anchorCtr="0" anchor="t" bIns="91425" lIns="91425" spcFirstLastPara="1" rIns="91425" wrap="square" tIns="91425">
-            <a:normAutofit/>
+          <a:bodyPr spcFirstLastPara="1" wrap="square" lIns="91425" tIns="91425" rIns="91425" bIns="91425" anchor="t" anchorCtr="0">
+            <a:normAutofit fontScale="90000"/>
           </a:bodyPr>
           <a:lstStyle/>
           <a:p>
-            <a:pPr indent="0" lvl="0" marL="0" rtl="0" algn="l">
+            <a:pPr marL="0" lvl="0" indent="0" algn="l" rtl="0">
               <a:spcBef>
                 <a:spcPts val="0"/>
               </a:spcBef>
@@ -8178,9 +8508,11 @@
       <p:sp>
         <p:nvSpPr>
           <p:cNvPr id="65" name="Google Shape;65;p14"/>
-          <p:cNvSpPr txBox="1"/>
+          <p:cNvSpPr txBox="1">
+            <a:spLocks noGrp="1"/>
+          </p:cNvSpPr>
           <p:nvPr>
-            <p:ph idx="1" type="body"/>
+            <p:ph type="body" idx="1"/>
           </p:nvPr>
         </p:nvSpPr>
         <p:spPr>
@@ -8193,12 +8525,12 @@
           </a:prstGeom>
         </p:spPr>
         <p:txBody>
-          <a:bodyPr anchorCtr="0" anchor="t" bIns="91425" lIns="91425" spcFirstLastPara="1" rIns="91425" wrap="square" tIns="91425">
+          <a:bodyPr spcFirstLastPara="1" wrap="square" lIns="91425" tIns="91425" rIns="91425" bIns="91425" anchor="t" anchorCtr="0">
             <a:normAutofit/>
           </a:bodyPr>
           <a:lstStyle/>
           <a:p>
-            <a:pPr indent="0" lvl="0" marL="0" rtl="0" algn="l">
+            <a:pPr marL="0" lvl="0" indent="0" algn="l" rtl="0">
               <a:lnSpc>
                 <a:spcPct val="100000"/>
               </a:lnSpc>
@@ -8210,17 +8542,14 @@
               </a:spcAft>
               <a:buNone/>
             </a:pPr>
-            <a:r>
-              <a:t/>
-            </a:r>
-            <a:endParaRPr b="1" sz="1400">
+            <a:endParaRPr sz="1400" b="1" dirty="0">
               <a:solidFill>
                 <a:srgbClr val="000000"/>
               </a:solidFill>
             </a:endParaRPr>
           </a:p>
           <a:p>
-            <a:pPr indent="-317500" lvl="0" marL="457200" rtl="0" algn="l">
+            <a:pPr marL="457200" lvl="0" indent="-317500" algn="l" rtl="0">
               <a:lnSpc>
                 <a:spcPct val="100000"/>
               </a:lnSpc>
@@ -8238,21 +8567,21 @@
               <a:buChar char="●"/>
             </a:pPr>
             <a:r>
-              <a:rPr lang="en" sz="1400">
+              <a:rPr lang="en" sz="1400" dirty="0">
                 <a:solidFill>
                   <a:srgbClr val="000000"/>
                 </a:solidFill>
               </a:rPr>
               <a:t>Aim of project</a:t>
             </a:r>
-            <a:endParaRPr sz="1400">
+            <a:endParaRPr sz="1400" dirty="0">
               <a:solidFill>
                 <a:srgbClr val="000000"/>
               </a:solidFill>
             </a:endParaRPr>
           </a:p>
           <a:p>
-            <a:pPr indent="0" lvl="0" marL="457200" rtl="0" algn="l">
+            <a:pPr marL="457200" lvl="0" indent="0" algn="l" rtl="0">
               <a:lnSpc>
                 <a:spcPct val="100000"/>
               </a:lnSpc>
@@ -8264,17 +8593,14 @@
               </a:spcAft>
               <a:buNone/>
             </a:pPr>
-            <a:r>
-              <a:t/>
-            </a:r>
-            <a:endParaRPr sz="1400">
+            <a:endParaRPr sz="1400" dirty="0">
               <a:solidFill>
                 <a:srgbClr val="000000"/>
               </a:solidFill>
             </a:endParaRPr>
           </a:p>
           <a:p>
-            <a:pPr indent="-317500" lvl="0" marL="457200" rtl="0" algn="l">
+            <a:pPr marL="457200" lvl="0" indent="-317500" algn="l" rtl="0">
               <a:lnSpc>
                 <a:spcPct val="100000"/>
               </a:lnSpc>
@@ -8292,21 +8618,29 @@
               <a:buChar char="●"/>
             </a:pPr>
             <a:r>
-              <a:rPr lang="en" sz="1400">
+              <a:rPr lang="en" sz="1400" dirty="0">
                 <a:solidFill>
                   <a:srgbClr val="000000"/>
                 </a:solidFill>
               </a:rPr>
-              <a:t>How to answer using simple plotting in Knime</a:t>
+              <a:t>How to approach using simple plotting in </a:t>
             </a:r>
-            <a:endParaRPr sz="1400">
+            <a:r>
+              <a:rPr lang="en" sz="1400" dirty="0" err="1">
+                <a:solidFill>
+                  <a:srgbClr val="000000"/>
+                </a:solidFill>
+              </a:rPr>
+              <a:t>Knime</a:t>
+            </a:r>
+            <a:endParaRPr sz="1400" dirty="0">
               <a:solidFill>
                 <a:srgbClr val="000000"/>
               </a:solidFill>
             </a:endParaRPr>
           </a:p>
           <a:p>
-            <a:pPr indent="0" lvl="0" marL="457200" rtl="0" algn="l">
+            <a:pPr marL="457200" lvl="0" indent="0" algn="l" rtl="0">
               <a:lnSpc>
                 <a:spcPct val="100000"/>
               </a:lnSpc>
@@ -8318,17 +8652,14 @@
               </a:spcAft>
               <a:buNone/>
             </a:pPr>
-            <a:r>
-              <a:t/>
-            </a:r>
-            <a:endParaRPr sz="1400">
+            <a:endParaRPr sz="1400" dirty="0">
               <a:solidFill>
                 <a:srgbClr val="000000"/>
               </a:solidFill>
             </a:endParaRPr>
           </a:p>
           <a:p>
-            <a:pPr indent="-317500" lvl="0" marL="457200" rtl="0" algn="l">
+            <a:pPr marL="457200" lvl="0" indent="-317500" algn="l" rtl="0">
               <a:lnSpc>
                 <a:spcPct val="100000"/>
               </a:lnSpc>
@@ -8346,21 +8677,29 @@
               <a:buChar char="●"/>
             </a:pPr>
             <a:r>
-              <a:rPr lang="en" sz="1400">
+              <a:rPr lang="en" sz="1400" dirty="0" err="1">
                 <a:solidFill>
                   <a:srgbClr val="000000"/>
                 </a:solidFill>
               </a:rPr>
-              <a:t>Knime pipeline</a:t>
+              <a:t>Knime</a:t>
             </a:r>
-            <a:endParaRPr sz="1400">
+            <a:r>
+              <a:rPr lang="en" sz="1400" dirty="0">
+                <a:solidFill>
+                  <a:srgbClr val="000000"/>
+                </a:solidFill>
+              </a:rPr>
+              <a:t> pipeline</a:t>
+            </a:r>
+            <a:endParaRPr sz="1400" dirty="0">
               <a:solidFill>
                 <a:srgbClr val="000000"/>
               </a:solidFill>
             </a:endParaRPr>
           </a:p>
           <a:p>
-            <a:pPr indent="0" lvl="0" marL="457200" rtl="0" algn="l">
+            <a:pPr marL="457200" lvl="0" indent="0" algn="l" rtl="0">
               <a:lnSpc>
                 <a:spcPct val="100000"/>
               </a:lnSpc>
@@ -8372,17 +8711,14 @@
               </a:spcAft>
               <a:buNone/>
             </a:pPr>
-            <a:r>
-              <a:t/>
-            </a:r>
-            <a:endParaRPr sz="1400">
+            <a:endParaRPr sz="1400" dirty="0">
               <a:solidFill>
                 <a:srgbClr val="000000"/>
               </a:solidFill>
             </a:endParaRPr>
           </a:p>
           <a:p>
-            <a:pPr indent="-317500" lvl="0" marL="457200" rtl="0" algn="l">
+            <a:pPr marL="457200" lvl="0" indent="-317500" algn="l" rtl="0">
               <a:lnSpc>
                 <a:spcPct val="100000"/>
               </a:lnSpc>
@@ -8400,21 +8736,21 @@
               <a:buChar char="●"/>
             </a:pPr>
             <a:r>
-              <a:rPr lang="en" sz="1400">
+              <a:rPr lang="en" sz="1400" dirty="0">
                 <a:solidFill>
                   <a:srgbClr val="000000"/>
                 </a:solidFill>
               </a:rPr>
               <a:t>Plots 1990 vs. 2010</a:t>
             </a:r>
-            <a:endParaRPr sz="1400">
+            <a:endParaRPr sz="1400" dirty="0">
               <a:solidFill>
                 <a:srgbClr val="000000"/>
               </a:solidFill>
             </a:endParaRPr>
           </a:p>
           <a:p>
-            <a:pPr indent="-317500" lvl="1" marL="914400" rtl="0" algn="l">
+            <a:pPr marL="914400" lvl="1" indent="-317500" algn="l" rtl="0">
               <a:lnSpc>
                 <a:spcPct val="100000"/>
               </a:lnSpc>
@@ -8432,21 +8768,21 @@
               <a:buChar char="○"/>
             </a:pPr>
             <a:r>
-              <a:rPr lang="en" sz="1400">
+              <a:rPr lang="en" sz="1400" dirty="0">
                 <a:solidFill>
                   <a:srgbClr val="000000"/>
                 </a:solidFill>
               </a:rPr>
               <a:t>Trends in Nuclear</a:t>
             </a:r>
-            <a:endParaRPr sz="1400">
+            <a:endParaRPr sz="1400" dirty="0">
               <a:solidFill>
                 <a:srgbClr val="000000"/>
               </a:solidFill>
             </a:endParaRPr>
           </a:p>
           <a:p>
-            <a:pPr indent="-317500" lvl="1" marL="914400" rtl="0" algn="l">
+            <a:pPr marL="914400" lvl="1" indent="-317500" algn="l" rtl="0">
               <a:lnSpc>
                 <a:spcPct val="100000"/>
               </a:lnSpc>
@@ -8464,21 +8800,21 @@
               <a:buChar char="○"/>
             </a:pPr>
             <a:r>
-              <a:rPr lang="en" sz="1400">
+              <a:rPr lang="en" sz="1400" dirty="0">
                 <a:solidFill>
                   <a:srgbClr val="000000"/>
                 </a:solidFill>
               </a:rPr>
               <a:t>Trends in oil, gas and coal</a:t>
             </a:r>
-            <a:endParaRPr sz="1400">
+            <a:endParaRPr sz="1400" dirty="0">
               <a:solidFill>
                 <a:srgbClr val="000000"/>
               </a:solidFill>
             </a:endParaRPr>
           </a:p>
           <a:p>
-            <a:pPr indent="-317500" lvl="1" marL="914400" rtl="0" algn="l">
+            <a:pPr marL="914400" lvl="1" indent="-317500" algn="l" rtl="0">
               <a:lnSpc>
                 <a:spcPct val="100000"/>
               </a:lnSpc>
@@ -8496,21 +8832,21 @@
               <a:buChar char="○"/>
             </a:pPr>
             <a:r>
-              <a:rPr lang="en" sz="1400">
+              <a:rPr lang="en" sz="1400" dirty="0">
                 <a:solidFill>
                   <a:srgbClr val="000000"/>
                 </a:solidFill>
               </a:rPr>
               <a:t>GDP-PPP versus population size</a:t>
             </a:r>
-            <a:endParaRPr sz="1400">
+            <a:endParaRPr sz="1400" dirty="0">
               <a:solidFill>
                 <a:srgbClr val="000000"/>
               </a:solidFill>
             </a:endParaRPr>
           </a:p>
           <a:p>
-            <a:pPr indent="0" lvl="0" marL="457200" rtl="0" algn="l">
+            <a:pPr marL="457200" lvl="0" indent="0" algn="l" rtl="0">
               <a:lnSpc>
                 <a:spcPct val="100000"/>
               </a:lnSpc>
@@ -8522,17 +8858,14 @@
               </a:spcAft>
               <a:buNone/>
             </a:pPr>
-            <a:r>
-              <a:t/>
-            </a:r>
-            <a:endParaRPr sz="1400">
+            <a:endParaRPr sz="1400" dirty="0">
               <a:solidFill>
                 <a:srgbClr val="000000"/>
               </a:solidFill>
             </a:endParaRPr>
           </a:p>
           <a:p>
-            <a:pPr indent="-317500" lvl="0" marL="457200" rtl="0" algn="l">
+            <a:pPr marL="457200" lvl="0" indent="-317500" algn="l" rtl="0">
               <a:lnSpc>
                 <a:spcPct val="100000"/>
               </a:lnSpc>
@@ -8550,14 +8883,14 @@
               <a:buChar char="●"/>
             </a:pPr>
             <a:r>
-              <a:rPr lang="en" sz="1400">
+              <a:rPr lang="en" sz="1400" dirty="0">
                 <a:solidFill>
                   <a:srgbClr val="000000"/>
                 </a:solidFill>
               </a:rPr>
               <a:t>Conclusions</a:t>
             </a:r>
-            <a:endParaRPr sz="1400">
+            <a:endParaRPr sz="1400" dirty="0">
               <a:solidFill>
                 <a:srgbClr val="000000"/>
               </a:solidFill>
@@ -8574,11 +8907,11 @@
 </file>
 
 <file path=ppt/slides/slide3.xml><?xml version="1.0" encoding="utf-8"?>
-<p:sld xmlns:a="http://schemas.openxmlformats.org/drawingml/2006/main" xmlns:r="http://schemas.openxmlformats.org/officeDocument/2006/relationships" xmlns:mc="http://schemas.openxmlformats.org/markup-compatibility/2006" xmlns:mv="urn:schemas-microsoft-com:mac:vml" xmlns:p="http://schemas.openxmlformats.org/presentationml/2006/main" xmlns:c="http://schemas.openxmlformats.org/drawingml/2006/chart" xmlns:dgm="http://schemas.openxmlformats.org/drawingml/2006/diagram" xmlns:o="urn:schemas-microsoft-com:office:office" xmlns:v="urn:schemas-microsoft-com:vml" xmlns:pvml="urn:schemas-microsoft-com:office:powerpoint" xmlns:com="http://schemas.openxmlformats.org/drawingml/2006/compatibility" xmlns:p14="http://schemas.microsoft.com/office/powerpoint/2010/main" xmlns:p15="http://schemas.microsoft.com/office/powerpoint/2012/main" xmlns:ahyp="http://schemas.microsoft.com/office/drawing/2018/hyperlinkcolor">
+<p:sld xmlns:a="http://schemas.openxmlformats.org/drawingml/2006/main" xmlns:r="http://schemas.openxmlformats.org/officeDocument/2006/relationships" xmlns:p="http://schemas.openxmlformats.org/presentationml/2006/main">
   <p:cSld>
     <p:spTree>
       <p:nvGrpSpPr>
-        <p:cNvPr id="69" name="Shape 69"/>
+        <p:cNvPr id="1" name="Shape 69"/>
         <p:cNvGrpSpPr/>
         <p:nvPr/>
       </p:nvGrpSpPr>
@@ -8593,7 +8926,9 @@
       <p:sp>
         <p:nvSpPr>
           <p:cNvPr id="70" name="Google Shape;70;p15"/>
-          <p:cNvSpPr txBox="1"/>
+          <p:cNvSpPr txBox="1">
+            <a:spLocks noGrp="1"/>
+          </p:cNvSpPr>
           <p:nvPr>
             <p:ph type="title"/>
           </p:nvPr>
@@ -8608,12 +8943,12 @@
           </a:prstGeom>
         </p:spPr>
         <p:txBody>
-          <a:bodyPr anchorCtr="0" anchor="t" bIns="91425" lIns="91425" spcFirstLastPara="1" rIns="91425" wrap="square" tIns="91425">
-            <a:normAutofit/>
+          <a:bodyPr spcFirstLastPara="1" wrap="square" lIns="91425" tIns="91425" rIns="91425" bIns="91425" anchor="t" anchorCtr="0">
+            <a:normAutofit fontScale="90000"/>
           </a:bodyPr>
           <a:lstStyle/>
           <a:p>
-            <a:pPr indent="0" lvl="0" marL="0" rtl="0" algn="l">
+            <a:pPr marL="0" lvl="0" indent="0" algn="l" rtl="0">
               <a:spcBef>
                 <a:spcPts val="0"/>
               </a:spcBef>
@@ -8633,9 +8968,11 @@
       <p:sp>
         <p:nvSpPr>
           <p:cNvPr id="71" name="Google Shape;71;p15"/>
-          <p:cNvSpPr txBox="1"/>
+          <p:cNvSpPr txBox="1">
+            <a:spLocks noGrp="1"/>
+          </p:cNvSpPr>
           <p:nvPr>
-            <p:ph idx="1" type="body"/>
+            <p:ph type="body" idx="1"/>
           </p:nvPr>
         </p:nvSpPr>
         <p:spPr>
@@ -8648,12 +8985,12 @@
           </a:prstGeom>
         </p:spPr>
         <p:txBody>
-          <a:bodyPr anchorCtr="0" anchor="t" bIns="91425" lIns="91425" spcFirstLastPara="1" rIns="91425" wrap="square" tIns="91425">
+          <a:bodyPr spcFirstLastPara="1" wrap="square" lIns="91425" tIns="91425" rIns="91425" bIns="91425" anchor="t" anchorCtr="0">
             <a:normAutofit/>
           </a:bodyPr>
           <a:lstStyle/>
           <a:p>
-            <a:pPr indent="0" lvl="0" marL="457200" rtl="0" algn="l">
+            <a:pPr marL="457200" lvl="0" indent="0" algn="l" rtl="0">
               <a:lnSpc>
                 <a:spcPct val="100000"/>
               </a:lnSpc>
@@ -8665,9 +9002,6 @@
               </a:spcAft>
               <a:buNone/>
             </a:pPr>
-            <a:r>
-              <a:t/>
-            </a:r>
             <a:endParaRPr sz="1400">
               <a:solidFill>
                 <a:srgbClr val="000000"/>
@@ -8675,7 +9009,7 @@
             </a:endParaRPr>
           </a:p>
           <a:p>
-            <a:pPr indent="0" lvl="0" marL="0" rtl="0" algn="ctr">
+            <a:pPr marL="0" lvl="0" indent="0" algn="ctr" rtl="0">
               <a:lnSpc>
                 <a:spcPct val="100000"/>
               </a:lnSpc>
@@ -8687,17 +9021,14 @@
               </a:spcAft>
               <a:buNone/>
             </a:pPr>
-            <a:r>
-              <a:t/>
-            </a:r>
-            <a:endParaRPr b="1" sz="1400">
+            <a:endParaRPr sz="1400" b="1">
               <a:solidFill>
                 <a:srgbClr val="000000"/>
               </a:solidFill>
             </a:endParaRPr>
           </a:p>
           <a:p>
-            <a:pPr indent="0" lvl="0" marL="0" rtl="0" algn="l">
+            <a:pPr marL="0" lvl="0" indent="0" algn="l" rtl="0">
               <a:lnSpc>
                 <a:spcPct val="100000"/>
               </a:lnSpc>
@@ -8709,9 +9040,6 @@
               </a:spcAft>
               <a:buNone/>
             </a:pPr>
-            <a:r>
-              <a:t/>
-            </a:r>
             <a:endParaRPr sz="1400">
               <a:solidFill>
                 <a:srgbClr val="000000"/>
@@ -8719,7 +9047,7 @@
             </a:endParaRPr>
           </a:p>
           <a:p>
-            <a:pPr indent="0" lvl="0" marL="0" rtl="0" algn="l">
+            <a:pPr marL="0" lvl="0" indent="0" algn="l" rtl="0">
               <a:lnSpc>
                 <a:spcPct val="100000"/>
               </a:lnSpc>
@@ -8746,7 +9074,7 @@
             </a:endParaRPr>
           </a:p>
           <a:p>
-            <a:pPr indent="0" lvl="0" marL="0" rtl="0" algn="l">
+            <a:pPr marL="0" lvl="0" indent="0" algn="l" rtl="0">
               <a:spcBef>
                 <a:spcPts val="0"/>
               </a:spcBef>
@@ -8755,9 +9083,6 @@
               </a:spcAft>
               <a:buNone/>
             </a:pPr>
-            <a:r>
-              <a:t/>
-            </a:r>
             <a:endParaRPr sz="1400">
               <a:solidFill>
                 <a:srgbClr val="000000"/>
@@ -8775,11 +9100,11 @@
 </file>
 
 <file path=ppt/slides/slide4.xml><?xml version="1.0" encoding="utf-8"?>
-<p:sld xmlns:a="http://schemas.openxmlformats.org/drawingml/2006/main" xmlns:r="http://schemas.openxmlformats.org/officeDocument/2006/relationships" xmlns:mc="http://schemas.openxmlformats.org/markup-compatibility/2006" xmlns:mv="urn:schemas-microsoft-com:mac:vml" xmlns:p="http://schemas.openxmlformats.org/presentationml/2006/main" xmlns:c="http://schemas.openxmlformats.org/drawingml/2006/chart" xmlns:dgm="http://schemas.openxmlformats.org/drawingml/2006/diagram" xmlns:o="urn:schemas-microsoft-com:office:office" xmlns:v="urn:schemas-microsoft-com:vml" xmlns:pvml="urn:schemas-microsoft-com:office:powerpoint" xmlns:com="http://schemas.openxmlformats.org/drawingml/2006/compatibility" xmlns:p14="http://schemas.microsoft.com/office/powerpoint/2010/main" xmlns:p15="http://schemas.microsoft.com/office/powerpoint/2012/main" xmlns:ahyp="http://schemas.microsoft.com/office/drawing/2018/hyperlinkcolor">
+<p:sld xmlns:a="http://schemas.openxmlformats.org/drawingml/2006/main" xmlns:r="http://schemas.openxmlformats.org/officeDocument/2006/relationships" xmlns:p="http://schemas.openxmlformats.org/presentationml/2006/main">
   <p:cSld>
     <p:spTree>
       <p:nvGrpSpPr>
-        <p:cNvPr id="75" name="Shape 75"/>
+        <p:cNvPr id="1" name="Shape 75"/>
         <p:cNvGrpSpPr/>
         <p:nvPr/>
       </p:nvGrpSpPr>
@@ -8794,7 +9119,9 @@
       <p:sp>
         <p:nvSpPr>
           <p:cNvPr id="76" name="Google Shape;76;p16"/>
-          <p:cNvSpPr txBox="1"/>
+          <p:cNvSpPr txBox="1">
+            <a:spLocks noGrp="1"/>
+          </p:cNvSpPr>
           <p:nvPr>
             <p:ph type="title"/>
           </p:nvPr>
@@ -8809,12 +9136,12 @@
           </a:prstGeom>
         </p:spPr>
         <p:txBody>
-          <a:bodyPr anchorCtr="0" anchor="t" bIns="91425" lIns="91425" spcFirstLastPara="1" rIns="91425" wrap="square" tIns="91425">
-            <a:normAutofit/>
+          <a:bodyPr spcFirstLastPara="1" wrap="square" lIns="91425" tIns="91425" rIns="91425" bIns="91425" anchor="t" anchorCtr="0">
+            <a:normAutofit fontScale="90000"/>
           </a:bodyPr>
           <a:lstStyle/>
           <a:p>
-            <a:pPr indent="0" lvl="0" marL="0" rtl="0" algn="l">
+            <a:pPr marL="0" lvl="0" indent="0" algn="l" rtl="0">
               <a:spcBef>
                 <a:spcPts val="0"/>
               </a:spcBef>
@@ -8834,9 +9161,11 @@
       <p:sp>
         <p:nvSpPr>
           <p:cNvPr id="77" name="Google Shape;77;p16"/>
-          <p:cNvSpPr txBox="1"/>
+          <p:cNvSpPr txBox="1">
+            <a:spLocks noGrp="1"/>
+          </p:cNvSpPr>
           <p:nvPr>
-            <p:ph idx="1" type="body"/>
+            <p:ph type="body" idx="1"/>
           </p:nvPr>
         </p:nvSpPr>
         <p:spPr>
@@ -8849,12 +9178,12 @@
           </a:prstGeom>
         </p:spPr>
         <p:txBody>
-          <a:bodyPr anchorCtr="0" anchor="t" bIns="91425" lIns="91425" spcFirstLastPara="1" rIns="91425" wrap="square" tIns="91425">
+          <a:bodyPr spcFirstLastPara="1" wrap="square" lIns="91425" tIns="91425" rIns="91425" bIns="91425" anchor="t" anchorCtr="0">
             <a:normAutofit/>
           </a:bodyPr>
           <a:lstStyle/>
           <a:p>
-            <a:pPr indent="0" lvl="0" marL="457200" rtl="0" algn="l">
+            <a:pPr marL="457200" lvl="0" indent="0" algn="l" rtl="0">
               <a:lnSpc>
                 <a:spcPct val="100000"/>
               </a:lnSpc>
@@ -8866,9 +9195,6 @@
               </a:spcAft>
               <a:buNone/>
             </a:pPr>
-            <a:r>
-              <a:t/>
-            </a:r>
             <a:endParaRPr>
               <a:solidFill>
                 <a:srgbClr val="000000"/>
@@ -8876,7 +9202,7 @@
             </a:endParaRPr>
           </a:p>
           <a:p>
-            <a:pPr indent="0" lvl="0" marL="457200" rtl="0" algn="l">
+            <a:pPr marL="457200" lvl="0" indent="0" algn="l" rtl="0">
               <a:lnSpc>
                 <a:spcPct val="100000"/>
               </a:lnSpc>
@@ -8888,9 +9214,6 @@
               </a:spcAft>
               <a:buNone/>
             </a:pPr>
-            <a:r>
-              <a:t/>
-            </a:r>
             <a:endParaRPr>
               <a:solidFill>
                 <a:srgbClr val="000000"/>
@@ -8898,7 +9221,7 @@
             </a:endParaRPr>
           </a:p>
           <a:p>
-            <a:pPr indent="0" lvl="0" marL="0" rtl="0" algn="ctr">
+            <a:pPr marL="0" lvl="0" indent="0" algn="ctr" rtl="0">
               <a:lnSpc>
                 <a:spcPct val="100000"/>
               </a:lnSpc>
@@ -8911,21 +9234,21 @@
               <a:buNone/>
             </a:pPr>
             <a:r>
-              <a:rPr b="1" lang="en" sz="1400">
+              <a:rPr lang="en" sz="1400" b="1">
                 <a:solidFill>
                   <a:srgbClr val="000000"/>
                 </a:solidFill>
               </a:rPr>
               <a:t>Plot</a:t>
             </a:r>
-            <a:endParaRPr b="1" sz="1400">
+            <a:endParaRPr sz="1400" b="1">
               <a:solidFill>
                 <a:srgbClr val="000000"/>
               </a:solidFill>
             </a:endParaRPr>
           </a:p>
           <a:p>
-            <a:pPr indent="0" lvl="0" marL="0" rtl="0" algn="l">
+            <a:pPr marL="0" lvl="0" indent="0" algn="l" rtl="0">
               <a:lnSpc>
                 <a:spcPct val="100000"/>
               </a:lnSpc>
@@ -8937,9 +9260,6 @@
               </a:spcAft>
               <a:buNone/>
             </a:pPr>
-            <a:r>
-              <a:t/>
-            </a:r>
             <a:endParaRPr sz="1400">
               <a:solidFill>
                 <a:srgbClr val="000000"/>
@@ -8947,7 +9267,7 @@
             </a:endParaRPr>
           </a:p>
           <a:p>
-            <a:pPr indent="-317500" lvl="0" marL="457200" rtl="0" algn="l">
+            <a:pPr marL="457200" lvl="0" indent="-317500" algn="l" rtl="0">
               <a:lnSpc>
                 <a:spcPct val="100000"/>
               </a:lnSpc>
@@ -8979,7 +9299,7 @@
             </a:endParaRPr>
           </a:p>
           <a:p>
-            <a:pPr indent="0" lvl="0" marL="457200" rtl="0" algn="l">
+            <a:pPr marL="457200" lvl="0" indent="0" algn="l" rtl="0">
               <a:lnSpc>
                 <a:spcPct val="100000"/>
               </a:lnSpc>
@@ -8991,9 +9311,6 @@
               </a:spcAft>
               <a:buNone/>
             </a:pPr>
-            <a:r>
-              <a:t/>
-            </a:r>
             <a:endParaRPr sz="1400">
               <a:solidFill>
                 <a:srgbClr val="000000"/>
@@ -9001,7 +9318,7 @@
             </a:endParaRPr>
           </a:p>
           <a:p>
-            <a:pPr indent="0" lvl="0" marL="457200" rtl="0" algn="l">
+            <a:pPr marL="457200" lvl="0" indent="0" algn="l" rtl="0">
               <a:lnSpc>
                 <a:spcPct val="100000"/>
               </a:lnSpc>
@@ -9013,9 +9330,6 @@
               </a:spcAft>
               <a:buNone/>
             </a:pPr>
-            <a:r>
-              <a:t/>
-            </a:r>
             <a:endParaRPr sz="1400">
               <a:solidFill>
                 <a:srgbClr val="000000"/>
@@ -9023,7 +9337,7 @@
             </a:endParaRPr>
           </a:p>
           <a:p>
-            <a:pPr indent="-317500" lvl="0" marL="457200" rtl="0" algn="l">
+            <a:pPr marL="457200" lvl="0" indent="-317500" algn="l" rtl="0">
               <a:lnSpc>
                 <a:spcPct val="100000"/>
               </a:lnSpc>
@@ -9055,7 +9369,7 @@
             </a:endParaRPr>
           </a:p>
           <a:p>
-            <a:pPr indent="0" lvl="0" marL="457200" rtl="0" algn="l">
+            <a:pPr marL="457200" lvl="0" indent="0" algn="l" rtl="0">
               <a:lnSpc>
                 <a:spcPct val="100000"/>
               </a:lnSpc>
@@ -9067,9 +9381,6 @@
               </a:spcAft>
               <a:buNone/>
             </a:pPr>
-            <a:r>
-              <a:t/>
-            </a:r>
             <a:endParaRPr sz="1400">
               <a:solidFill>
                 <a:srgbClr val="000000"/>
@@ -9077,7 +9388,7 @@
             </a:endParaRPr>
           </a:p>
           <a:p>
-            <a:pPr indent="0" lvl="0" marL="457200" rtl="0" algn="l">
+            <a:pPr marL="457200" lvl="0" indent="0" algn="l" rtl="0">
               <a:lnSpc>
                 <a:spcPct val="100000"/>
               </a:lnSpc>
@@ -9089,9 +9400,6 @@
               </a:spcAft>
               <a:buNone/>
             </a:pPr>
-            <a:r>
-              <a:t/>
-            </a:r>
             <a:endParaRPr sz="1400">
               <a:solidFill>
                 <a:srgbClr val="000000"/>
@@ -9099,7 +9407,7 @@
             </a:endParaRPr>
           </a:p>
           <a:p>
-            <a:pPr indent="-317500" lvl="0" marL="457200" rtl="0" algn="l">
+            <a:pPr marL="457200" lvl="0" indent="-317500" algn="l" rtl="0">
               <a:lnSpc>
                 <a:spcPct val="100000"/>
               </a:lnSpc>
@@ -9131,7 +9439,7 @@
             </a:endParaRPr>
           </a:p>
           <a:p>
-            <a:pPr indent="0" lvl="0" marL="0" rtl="0" algn="l">
+            <a:pPr marL="0" lvl="0" indent="0" algn="l" rtl="0">
               <a:spcBef>
                 <a:spcPts val="0"/>
               </a:spcBef>
@@ -9140,9 +9448,6 @@
               </a:spcAft>
               <a:buNone/>
             </a:pPr>
-            <a:r>
-              <a:t/>
-            </a:r>
             <a:endParaRPr sz="1400">
               <a:solidFill>
                 <a:srgbClr val="000000"/>
@@ -9154,9 +9459,11 @@
       <p:sp>
         <p:nvSpPr>
           <p:cNvPr id="78" name="Google Shape;78;p16"/>
-          <p:cNvSpPr txBox="1"/>
+          <p:cNvSpPr txBox="1">
+            <a:spLocks noGrp="1"/>
+          </p:cNvSpPr>
           <p:nvPr>
-            <p:ph idx="2" type="body"/>
+            <p:ph type="body" idx="2"/>
           </p:nvPr>
         </p:nvSpPr>
         <p:spPr>
@@ -9169,12 +9476,12 @@
           </a:prstGeom>
         </p:spPr>
         <p:txBody>
-          <a:bodyPr anchorCtr="0" anchor="t" bIns="91425" lIns="91425" spcFirstLastPara="1" rIns="91425" wrap="square" tIns="91425">
+          <a:bodyPr spcFirstLastPara="1" wrap="square" lIns="91425" tIns="91425" rIns="91425" bIns="91425" anchor="t" anchorCtr="0">
             <a:normAutofit/>
           </a:bodyPr>
           <a:lstStyle/>
           <a:p>
-            <a:pPr indent="0" lvl="0" marL="0" rtl="0" algn="l">
+            <a:pPr marL="0" lvl="0" indent="0" algn="l" rtl="0">
               <a:lnSpc>
                 <a:spcPct val="100000"/>
               </a:lnSpc>
@@ -9186,9 +9493,6 @@
               </a:spcAft>
               <a:buNone/>
             </a:pPr>
-            <a:r>
-              <a:t/>
-            </a:r>
             <a:endParaRPr>
               <a:solidFill>
                 <a:srgbClr val="000000"/>
@@ -9196,7 +9500,7 @@
             </a:endParaRPr>
           </a:p>
           <a:p>
-            <a:pPr indent="0" lvl="0" marL="0" rtl="0" algn="l">
+            <a:pPr marL="0" lvl="0" indent="0" algn="l" rtl="0">
               <a:lnSpc>
                 <a:spcPct val="100000"/>
               </a:lnSpc>
@@ -9208,9 +9512,6 @@
               </a:spcAft>
               <a:buNone/>
             </a:pPr>
-            <a:r>
-              <a:t/>
-            </a:r>
             <a:endParaRPr>
               <a:solidFill>
                 <a:srgbClr val="000000"/>
@@ -9218,7 +9519,7 @@
             </a:endParaRPr>
           </a:p>
           <a:p>
-            <a:pPr indent="0" lvl="0" marL="0" rtl="0" algn="ctr">
+            <a:pPr marL="0" lvl="0" indent="0" algn="ctr" rtl="0">
               <a:lnSpc>
                 <a:spcPct val="100000"/>
               </a:lnSpc>
@@ -9231,21 +9532,21 @@
               <a:buNone/>
             </a:pPr>
             <a:r>
-              <a:rPr b="1" lang="en" sz="1400">
+              <a:rPr lang="en" sz="1400" b="1">
                 <a:solidFill>
                   <a:srgbClr val="000000"/>
                 </a:solidFill>
               </a:rPr>
               <a:t>Explain</a:t>
             </a:r>
-            <a:endParaRPr b="1" sz="1400">
+            <a:endParaRPr sz="1400" b="1">
               <a:solidFill>
                 <a:srgbClr val="000000"/>
               </a:solidFill>
             </a:endParaRPr>
           </a:p>
           <a:p>
-            <a:pPr indent="0" lvl="0" marL="457200" rtl="0" algn="l">
+            <a:pPr marL="457200" lvl="0" indent="0" algn="l" rtl="0">
               <a:lnSpc>
                 <a:spcPct val="100000"/>
               </a:lnSpc>
@@ -9257,9 +9558,6 @@
               </a:spcAft>
               <a:buNone/>
             </a:pPr>
-            <a:r>
-              <a:t/>
-            </a:r>
             <a:endParaRPr sz="1400">
               <a:solidFill>
                 <a:srgbClr val="000000"/>
@@ -9267,7 +9565,7 @@
             </a:endParaRPr>
           </a:p>
           <a:p>
-            <a:pPr indent="-317500" lvl="0" marL="457200" rtl="0" algn="l">
+            <a:pPr marL="457200" lvl="0" indent="-317500" algn="l" rtl="0">
               <a:lnSpc>
                 <a:spcPct val="100000"/>
               </a:lnSpc>
@@ -9298,7 +9596,7 @@
             </a:endParaRPr>
           </a:p>
           <a:p>
-            <a:pPr indent="0" lvl="0" marL="457200" rtl="0" algn="l">
+            <a:pPr marL="457200" lvl="0" indent="0" algn="l" rtl="0">
               <a:lnSpc>
                 <a:spcPct val="100000"/>
               </a:lnSpc>
@@ -9310,9 +9608,6 @@
               </a:spcAft>
               <a:buNone/>
             </a:pPr>
-            <a:r>
-              <a:t/>
-            </a:r>
             <a:endParaRPr sz="1400">
               <a:solidFill>
                 <a:srgbClr val="000000"/>
@@ -9320,7 +9615,7 @@
             </a:endParaRPr>
           </a:p>
           <a:p>
-            <a:pPr indent="-317500" lvl="0" marL="457200" rtl="0" algn="l">
+            <a:pPr marL="457200" lvl="0" indent="-317500" algn="l" rtl="0">
               <a:lnSpc>
                 <a:spcPct val="100000"/>
               </a:lnSpc>
@@ -9351,7 +9646,7 @@
             </a:endParaRPr>
           </a:p>
           <a:p>
-            <a:pPr indent="0" lvl="0" marL="0" rtl="0" algn="l">
+            <a:pPr marL="0" lvl="0" indent="0" algn="l" rtl="0">
               <a:spcBef>
                 <a:spcPts val="0"/>
               </a:spcBef>
@@ -9360,9 +9655,6 @@
               </a:spcAft>
               <a:buNone/>
             </a:pPr>
-            <a:r>
-              <a:t/>
-            </a:r>
             <a:endParaRPr/>
           </a:p>
         </p:txBody>
@@ -9376,11 +9668,11 @@
 </file>
 
 <file path=ppt/slides/slide5.xml><?xml version="1.0" encoding="utf-8"?>
-<p:sld xmlns:a="http://schemas.openxmlformats.org/drawingml/2006/main" xmlns:r="http://schemas.openxmlformats.org/officeDocument/2006/relationships" xmlns:mc="http://schemas.openxmlformats.org/markup-compatibility/2006" xmlns:mv="urn:schemas-microsoft-com:mac:vml" xmlns:p="http://schemas.openxmlformats.org/presentationml/2006/main" xmlns:c="http://schemas.openxmlformats.org/drawingml/2006/chart" xmlns:dgm="http://schemas.openxmlformats.org/drawingml/2006/diagram" xmlns:o="urn:schemas-microsoft-com:office:office" xmlns:v="urn:schemas-microsoft-com:vml" xmlns:pvml="urn:schemas-microsoft-com:office:powerpoint" xmlns:com="http://schemas.openxmlformats.org/drawingml/2006/compatibility" xmlns:p14="http://schemas.microsoft.com/office/powerpoint/2010/main" xmlns:p15="http://schemas.microsoft.com/office/powerpoint/2012/main" xmlns:ahyp="http://schemas.microsoft.com/office/drawing/2018/hyperlinkcolor">
+<p:sld xmlns:a="http://schemas.openxmlformats.org/drawingml/2006/main" xmlns:r="http://schemas.openxmlformats.org/officeDocument/2006/relationships" xmlns:p="http://schemas.openxmlformats.org/presentationml/2006/main">
   <p:cSld>
     <p:spTree>
       <p:nvGrpSpPr>
-        <p:cNvPr id="82" name="Shape 82"/>
+        <p:cNvPr id="1" name="Shape 82"/>
         <p:cNvGrpSpPr/>
         <p:nvPr/>
       </p:nvGrpSpPr>
@@ -9423,9 +9715,11 @@
       <p:sp>
         <p:nvSpPr>
           <p:cNvPr id="84" name="Google Shape;84;p17"/>
-          <p:cNvSpPr txBox="1"/>
+          <p:cNvSpPr txBox="1">
+            <a:spLocks noGrp="1"/>
+          </p:cNvSpPr>
           <p:nvPr>
-            <p:ph idx="1" type="body"/>
+            <p:ph type="body" idx="1"/>
           </p:nvPr>
         </p:nvSpPr>
         <p:spPr>
@@ -9438,12 +9732,12 @@
           </a:prstGeom>
         </p:spPr>
         <p:txBody>
-          <a:bodyPr anchorCtr="0" anchor="ctr" bIns="91425" lIns="91425" spcFirstLastPara="1" rIns="91425" wrap="square" tIns="91425">
+          <a:bodyPr spcFirstLastPara="1" wrap="square" lIns="91425" tIns="91425" rIns="91425" bIns="91425" anchor="ctr" anchorCtr="0">
             <a:normAutofit/>
           </a:bodyPr>
           <a:lstStyle/>
           <a:p>
-            <a:pPr indent="0" lvl="0" marL="0" rtl="0" algn="l">
+            <a:pPr marL="0" lvl="0" indent="0" algn="l" rtl="0">
               <a:spcBef>
                 <a:spcPts val="0"/>
               </a:spcBef>
@@ -9469,11 +9763,11 @@
 </file>
 
 <file path=ppt/slides/slide6.xml><?xml version="1.0" encoding="utf-8"?>
-<p:sld xmlns:a="http://schemas.openxmlformats.org/drawingml/2006/main" xmlns:r="http://schemas.openxmlformats.org/officeDocument/2006/relationships" xmlns:mc="http://schemas.openxmlformats.org/markup-compatibility/2006" xmlns:mv="urn:schemas-microsoft-com:mac:vml" xmlns:p="http://schemas.openxmlformats.org/presentationml/2006/main" xmlns:c="http://schemas.openxmlformats.org/drawingml/2006/chart" xmlns:dgm="http://schemas.openxmlformats.org/drawingml/2006/diagram" xmlns:o="urn:schemas-microsoft-com:office:office" xmlns:v="urn:schemas-microsoft-com:vml" xmlns:pvml="urn:schemas-microsoft-com:office:powerpoint" xmlns:com="http://schemas.openxmlformats.org/drawingml/2006/compatibility" xmlns:p14="http://schemas.microsoft.com/office/powerpoint/2010/main" xmlns:p15="http://schemas.microsoft.com/office/powerpoint/2012/main" xmlns:ahyp="http://schemas.microsoft.com/office/drawing/2018/hyperlinkcolor">
+<p:sld xmlns:a="http://schemas.openxmlformats.org/drawingml/2006/main" xmlns:r="http://schemas.openxmlformats.org/officeDocument/2006/relationships" xmlns:p="http://schemas.openxmlformats.org/presentationml/2006/main">
   <p:cSld>
     <p:spTree>
       <p:nvGrpSpPr>
-        <p:cNvPr id="88" name="Shape 88"/>
+        <p:cNvPr id="1" name="Shape 88"/>
         <p:cNvGrpSpPr/>
         <p:nvPr/>
       </p:nvGrpSpPr>
@@ -9516,9 +9810,11 @@
       <p:sp>
         <p:nvSpPr>
           <p:cNvPr id="90" name="Google Shape;90;p18"/>
-          <p:cNvSpPr txBox="1"/>
+          <p:cNvSpPr txBox="1">
+            <a:spLocks noGrp="1"/>
+          </p:cNvSpPr>
           <p:nvPr>
-            <p:ph idx="1" type="body"/>
+            <p:ph type="body" idx="1"/>
           </p:nvPr>
         </p:nvSpPr>
         <p:spPr>
@@ -9531,12 +9827,12 @@
           </a:prstGeom>
         </p:spPr>
         <p:txBody>
-          <a:bodyPr anchorCtr="0" anchor="ctr" bIns="91425" lIns="91425" spcFirstLastPara="1" rIns="91425" wrap="square" tIns="91425">
+          <a:bodyPr spcFirstLastPara="1" wrap="square" lIns="91425" tIns="91425" rIns="91425" bIns="91425" anchor="ctr" anchorCtr="0">
             <a:normAutofit/>
           </a:bodyPr>
           <a:lstStyle/>
           <a:p>
-            <a:pPr indent="0" lvl="0" marL="0" rtl="0" algn="l">
+            <a:pPr marL="0" lvl="0" indent="0" algn="l" rtl="0">
               <a:spcBef>
                 <a:spcPts val="0"/>
               </a:spcBef>
@@ -9573,12 +9869,12 @@
           </a:ln>
         </p:spPr>
         <p:txBody>
-          <a:bodyPr anchorCtr="0" anchor="t" bIns="91425" lIns="91425" spcFirstLastPara="1" rIns="91425" wrap="square" tIns="91425">
+          <a:bodyPr spcFirstLastPara="1" wrap="square" lIns="91425" tIns="91425" rIns="91425" bIns="91425" anchor="t" anchorCtr="0">
             <a:spAutoFit/>
           </a:bodyPr>
           <a:lstStyle/>
           <a:p>
-            <a:pPr indent="0" lvl="0" marL="0" rtl="0" algn="l">
+            <a:pPr marL="0" lvl="0" indent="0" algn="l" rtl="0">
               <a:spcBef>
                 <a:spcPts val="0"/>
               </a:spcBef>
@@ -9625,12 +9921,12 @@
           </a:ln>
         </p:spPr>
         <p:txBody>
-          <a:bodyPr anchorCtr="0" anchor="t" bIns="91425" lIns="91425" spcFirstLastPara="1" rIns="91425" wrap="square" tIns="91425">
+          <a:bodyPr spcFirstLastPara="1" wrap="square" lIns="91425" tIns="91425" rIns="91425" bIns="91425" anchor="t" anchorCtr="0">
             <a:spAutoFit/>
           </a:bodyPr>
           <a:lstStyle/>
           <a:p>
-            <a:pPr indent="0" lvl="0" marL="0" rtl="0" algn="l">
+            <a:pPr marL="0" lvl="0" indent="0" algn="l" rtl="0">
               <a:spcBef>
                 <a:spcPts val="0"/>
               </a:spcBef>
@@ -9677,12 +9973,12 @@
           </a:ln>
         </p:spPr>
         <p:txBody>
-          <a:bodyPr anchorCtr="0" anchor="t" bIns="91425" lIns="91425" spcFirstLastPara="1" rIns="91425" wrap="square" tIns="91425">
+          <a:bodyPr spcFirstLastPara="1" wrap="square" lIns="91425" tIns="91425" rIns="91425" bIns="91425" anchor="t" anchorCtr="0">
             <a:spAutoFit/>
           </a:bodyPr>
           <a:lstStyle/>
           <a:p>
-            <a:pPr indent="0" lvl="0" marL="0" rtl="0" algn="l">
+            <a:pPr marL="0" lvl="0" indent="0" algn="l" rtl="0">
               <a:spcBef>
                 <a:spcPts val="0"/>
               </a:spcBef>
@@ -9718,11 +10014,11 @@
 </file>
 
 <file path=ppt/slides/slide7.xml><?xml version="1.0" encoding="utf-8"?>
-<p:sld xmlns:a="http://schemas.openxmlformats.org/drawingml/2006/main" xmlns:r="http://schemas.openxmlformats.org/officeDocument/2006/relationships" xmlns:mc="http://schemas.openxmlformats.org/markup-compatibility/2006" xmlns:mv="urn:schemas-microsoft-com:mac:vml" xmlns:p="http://schemas.openxmlformats.org/presentationml/2006/main" xmlns:c="http://schemas.openxmlformats.org/drawingml/2006/chart" xmlns:dgm="http://schemas.openxmlformats.org/drawingml/2006/diagram" xmlns:o="urn:schemas-microsoft-com:office:office" xmlns:v="urn:schemas-microsoft-com:vml" xmlns:pvml="urn:schemas-microsoft-com:office:powerpoint" xmlns:com="http://schemas.openxmlformats.org/drawingml/2006/compatibility" xmlns:p14="http://schemas.microsoft.com/office/powerpoint/2010/main" xmlns:p15="http://schemas.microsoft.com/office/powerpoint/2012/main" xmlns:ahyp="http://schemas.microsoft.com/office/drawing/2018/hyperlinkcolor">
+<p:sld xmlns:a="http://schemas.openxmlformats.org/drawingml/2006/main" xmlns:r="http://schemas.openxmlformats.org/officeDocument/2006/relationships" xmlns:p="http://schemas.openxmlformats.org/presentationml/2006/main">
   <p:cSld>
     <p:spTree>
       <p:nvGrpSpPr>
-        <p:cNvPr id="97" name="Shape 97"/>
+        <p:cNvPr id="1" name="Shape 97"/>
         <p:cNvGrpSpPr/>
         <p:nvPr/>
       </p:nvGrpSpPr>
@@ -9737,7 +10033,9 @@
       <p:sp>
         <p:nvSpPr>
           <p:cNvPr id="98" name="Google Shape;98;p19"/>
-          <p:cNvSpPr txBox="1"/>
+          <p:cNvSpPr txBox="1">
+            <a:spLocks noGrp="1"/>
+          </p:cNvSpPr>
           <p:nvPr>
             <p:ph type="title"/>
           </p:nvPr>
@@ -9752,12 +10050,12 @@
           </a:prstGeom>
         </p:spPr>
         <p:txBody>
-          <a:bodyPr anchorCtr="0" anchor="t" bIns="91425" lIns="91425" spcFirstLastPara="1" rIns="91425" wrap="square" tIns="91425">
-            <a:normAutofit/>
+          <a:bodyPr spcFirstLastPara="1" wrap="square" lIns="91425" tIns="91425" rIns="91425" bIns="91425" anchor="t" anchorCtr="0">
+            <a:normAutofit fontScale="90000"/>
           </a:bodyPr>
           <a:lstStyle/>
           <a:p>
-            <a:pPr indent="0" lvl="0" marL="0" rtl="0" algn="l">
+            <a:pPr marL="0" lvl="0" indent="0" algn="l" rtl="0">
               <a:spcBef>
                 <a:spcPts val="0"/>
               </a:spcBef>
@@ -9839,11 +10137,11 @@
 </file>
 
 <file path=ppt/slides/slide8.xml><?xml version="1.0" encoding="utf-8"?>
-<p:sld xmlns:a="http://schemas.openxmlformats.org/drawingml/2006/main" xmlns:r="http://schemas.openxmlformats.org/officeDocument/2006/relationships" xmlns:mc="http://schemas.openxmlformats.org/markup-compatibility/2006" xmlns:mv="urn:schemas-microsoft-com:mac:vml" xmlns:p="http://schemas.openxmlformats.org/presentationml/2006/main" xmlns:c="http://schemas.openxmlformats.org/drawingml/2006/chart" xmlns:dgm="http://schemas.openxmlformats.org/drawingml/2006/diagram" xmlns:o="urn:schemas-microsoft-com:office:office" xmlns:v="urn:schemas-microsoft-com:vml" xmlns:pvml="urn:schemas-microsoft-com:office:powerpoint" xmlns:com="http://schemas.openxmlformats.org/drawingml/2006/compatibility" xmlns:p14="http://schemas.microsoft.com/office/powerpoint/2010/main" xmlns:p15="http://schemas.microsoft.com/office/powerpoint/2012/main" xmlns:ahyp="http://schemas.microsoft.com/office/drawing/2018/hyperlinkcolor">
+<p:sld xmlns:a="http://schemas.openxmlformats.org/drawingml/2006/main" xmlns:r="http://schemas.openxmlformats.org/officeDocument/2006/relationships" xmlns:p="http://schemas.openxmlformats.org/presentationml/2006/main">
   <p:cSld>
     <p:spTree>
       <p:nvGrpSpPr>
-        <p:cNvPr id="104" name="Shape 104"/>
+        <p:cNvPr id="1" name="Shape 104"/>
         <p:cNvGrpSpPr/>
         <p:nvPr/>
       </p:nvGrpSpPr>
@@ -9858,7 +10156,9 @@
       <p:sp>
         <p:nvSpPr>
           <p:cNvPr id="105" name="Google Shape;105;p20"/>
-          <p:cNvSpPr txBox="1"/>
+          <p:cNvSpPr txBox="1">
+            <a:spLocks noGrp="1"/>
+          </p:cNvSpPr>
           <p:nvPr>
             <p:ph type="title"/>
           </p:nvPr>
@@ -9873,12 +10173,12 @@
           </a:prstGeom>
         </p:spPr>
         <p:txBody>
-          <a:bodyPr anchorCtr="0" anchor="t" bIns="91425" lIns="91425" spcFirstLastPara="1" rIns="91425" wrap="square" tIns="91425">
+          <a:bodyPr spcFirstLastPara="1" wrap="square" lIns="91425" tIns="91425" rIns="91425" bIns="91425" anchor="t" anchorCtr="0">
             <a:normAutofit fontScale="90000"/>
           </a:bodyPr>
           <a:lstStyle/>
           <a:p>
-            <a:pPr indent="0" lvl="0" marL="0" rtl="0" algn="l">
+            <a:pPr marL="0" lvl="0" indent="0" algn="l" rtl="0">
               <a:spcBef>
                 <a:spcPts val="0"/>
               </a:spcBef>
@@ -9894,7 +10194,7 @@
             <a:endParaRPr/>
           </a:p>
           <a:p>
-            <a:pPr indent="0" lvl="0" marL="0" rtl="0" algn="l">
+            <a:pPr marL="0" lvl="0" indent="0" algn="l" rtl="0">
               <a:spcBef>
                 <a:spcPts val="0"/>
               </a:spcBef>
@@ -9903,9 +10203,6 @@
               </a:spcAft>
               <a:buNone/>
             </a:pPr>
-            <a:r>
-              <a:t/>
-            </a:r>
             <a:endParaRPr/>
           </a:p>
         </p:txBody>
@@ -10003,11 +10300,11 @@
 </file>
 
 <file path=ppt/slides/slide9.xml><?xml version="1.0" encoding="utf-8"?>
-<p:sld xmlns:a="http://schemas.openxmlformats.org/drawingml/2006/main" xmlns:r="http://schemas.openxmlformats.org/officeDocument/2006/relationships" xmlns:mc="http://schemas.openxmlformats.org/markup-compatibility/2006" xmlns:mv="urn:schemas-microsoft-com:mac:vml" xmlns:p="http://schemas.openxmlformats.org/presentationml/2006/main" xmlns:c="http://schemas.openxmlformats.org/drawingml/2006/chart" xmlns:dgm="http://schemas.openxmlformats.org/drawingml/2006/diagram" xmlns:o="urn:schemas-microsoft-com:office:office" xmlns:v="urn:schemas-microsoft-com:vml" xmlns:pvml="urn:schemas-microsoft-com:office:powerpoint" xmlns:com="http://schemas.openxmlformats.org/drawingml/2006/compatibility" xmlns:p14="http://schemas.microsoft.com/office/powerpoint/2010/main" xmlns:p15="http://schemas.microsoft.com/office/powerpoint/2012/main" xmlns:ahyp="http://schemas.microsoft.com/office/drawing/2018/hyperlinkcolor">
+<p:sld xmlns:a="http://schemas.openxmlformats.org/drawingml/2006/main" xmlns:r="http://schemas.openxmlformats.org/officeDocument/2006/relationships" xmlns:p="http://schemas.openxmlformats.org/presentationml/2006/main">
   <p:cSld>
     <p:spTree>
       <p:nvGrpSpPr>
-        <p:cNvPr id="112" name="Shape 112"/>
+        <p:cNvPr id="1" name="Shape 112"/>
         <p:cNvGrpSpPr/>
         <p:nvPr/>
       </p:nvGrpSpPr>
@@ -10022,7 +10319,9 @@
       <p:sp>
         <p:nvSpPr>
           <p:cNvPr id="113" name="Google Shape;113;p21"/>
-          <p:cNvSpPr txBox="1"/>
+          <p:cNvSpPr txBox="1">
+            <a:spLocks noGrp="1"/>
+          </p:cNvSpPr>
           <p:nvPr>
             <p:ph type="title"/>
           </p:nvPr>
@@ -10037,12 +10336,12 @@
           </a:prstGeom>
         </p:spPr>
         <p:txBody>
-          <a:bodyPr anchorCtr="0" anchor="t" bIns="91425" lIns="91425" spcFirstLastPara="1" rIns="91425" wrap="square" tIns="91425">
-            <a:normAutofit/>
+          <a:bodyPr spcFirstLastPara="1" wrap="square" lIns="91425" tIns="91425" rIns="91425" bIns="91425" anchor="t" anchorCtr="0">
+            <a:normAutofit fontScale="90000"/>
           </a:bodyPr>
           <a:lstStyle/>
           <a:p>
-            <a:pPr indent="0" lvl="0" marL="0" rtl="0" algn="l">
+            <a:pPr marL="0" lvl="0" indent="0" algn="l" rtl="0">
               <a:spcBef>
                 <a:spcPts val="0"/>
               </a:spcBef>
@@ -10124,7 +10423,7 @@
 </file>
 
 <file path=ppt/theme/theme1.xml><?xml version="1.0" encoding="utf-8"?>
-<a:theme xmlns:a="http://schemas.openxmlformats.org/drawingml/2006/main" xmlns:r="http://schemas.openxmlformats.org/officeDocument/2006/relationships" name="Pop">
+<a:theme xmlns:a="http://schemas.openxmlformats.org/drawingml/2006/main" name="Pop">
   <a:themeElements>
     <a:clrScheme name="Pop">
       <a:dk1>
@@ -10399,11 +10698,13 @@
       </a:bgFillStyleLst>
     </a:fmtScheme>
   </a:themeElements>
+  <a:objectDefaults/>
+  <a:extraClrSchemeLst/>
 </a:theme>
 </file>
 
 <file path=ppt/theme/theme2.xml><?xml version="1.0" encoding="utf-8"?>
-<a:theme xmlns:a="http://schemas.openxmlformats.org/drawingml/2006/main" xmlns:r="http://schemas.openxmlformats.org/officeDocument/2006/relationships">
+<a:theme xmlns:a="http://schemas.openxmlformats.org/drawingml/2006/main">
   <a:themeElements>
     <a:clrScheme name="Default">
       <a:dk1>
@@ -10678,5 +10979,7 @@
       </a:bgFillStyleLst>
     </a:fmtScheme>
   </a:themeElements>
+  <a:objectDefaults/>
+  <a:extraClrSchemeLst/>
 </a:theme>
 </file>